--- a/docs/presentation.pptx
+++ b/docs/presentation.pptx
@@ -4,6 +4,9 @@
   <p:sldMasterIdLst>
     <p:sldMasterId id="2147483648" r:id="rId1"/>
   </p:sldMasterIdLst>
+  <p:notesMasterIdLst>
+    <p:notesMasterId r:id="rId51"/>
+  </p:notesMasterIdLst>
   <p:sldIdLst>
     <p:sldId id="256" r:id="rId2"/>
     <p:sldId id="257" r:id="rId3"/>
@@ -12,12 +15,48 @@
     <p:sldId id="258" r:id="rId6"/>
     <p:sldId id="263" r:id="rId7"/>
     <p:sldId id="264" r:id="rId8"/>
-    <p:sldId id="259" r:id="rId9"/>
-    <p:sldId id="265" r:id="rId10"/>
-    <p:sldId id="266" r:id="rId11"/>
-    <p:sldId id="260" r:id="rId12"/>
-    <p:sldId id="262" r:id="rId13"/>
-    <p:sldId id="268" r:id="rId14"/>
+    <p:sldId id="262" r:id="rId9"/>
+    <p:sldId id="269" r:id="rId10"/>
+    <p:sldId id="270" r:id="rId11"/>
+    <p:sldId id="271" r:id="rId12"/>
+    <p:sldId id="272" r:id="rId13"/>
+    <p:sldId id="273" r:id="rId14"/>
+    <p:sldId id="274" r:id="rId15"/>
+    <p:sldId id="275" r:id="rId16"/>
+    <p:sldId id="276" r:id="rId17"/>
+    <p:sldId id="277" r:id="rId18"/>
+    <p:sldId id="278" r:id="rId19"/>
+    <p:sldId id="279" r:id="rId20"/>
+    <p:sldId id="280" r:id="rId21"/>
+    <p:sldId id="268" r:id="rId22"/>
+    <p:sldId id="282" r:id="rId23"/>
+    <p:sldId id="283" r:id="rId24"/>
+    <p:sldId id="284" r:id="rId25"/>
+    <p:sldId id="288" r:id="rId26"/>
+    <p:sldId id="289" r:id="rId27"/>
+    <p:sldId id="290" r:id="rId28"/>
+    <p:sldId id="291" r:id="rId29"/>
+    <p:sldId id="292" r:id="rId30"/>
+    <p:sldId id="293" r:id="rId31"/>
+    <p:sldId id="294" r:id="rId32"/>
+    <p:sldId id="295" r:id="rId33"/>
+    <p:sldId id="296" r:id="rId34"/>
+    <p:sldId id="297" r:id="rId35"/>
+    <p:sldId id="298" r:id="rId36"/>
+    <p:sldId id="299" r:id="rId37"/>
+    <p:sldId id="300" r:id="rId38"/>
+    <p:sldId id="301" r:id="rId39"/>
+    <p:sldId id="302" r:id="rId40"/>
+    <p:sldId id="304" r:id="rId41"/>
+    <p:sldId id="303" r:id="rId42"/>
+    <p:sldId id="305" r:id="rId43"/>
+    <p:sldId id="306" r:id="rId44"/>
+    <p:sldId id="281" r:id="rId45"/>
+    <p:sldId id="307" r:id="rId46"/>
+    <p:sldId id="285" r:id="rId47"/>
+    <p:sldId id="286" r:id="rId48"/>
+    <p:sldId id="287" r:id="rId49"/>
+    <p:sldId id="308" r:id="rId50"/>
   </p:sldIdLst>
   <p:sldSz cx="12192000" cy="6858000"/>
   <p:notesSz cx="6858000" cy="9144000"/>
@@ -124,6 +163,591 @@
 </p:presentation>
 </file>
 
+<file path=ppt/notesMasters/notesMaster1.xml><?xml version="1.0" encoding="utf-8"?>
+<p:notesMaster xmlns:a="http://schemas.openxmlformats.org/drawingml/2006/main" xmlns:r="http://schemas.openxmlformats.org/officeDocument/2006/relationships" xmlns:p="http://schemas.openxmlformats.org/presentationml/2006/main">
+  <p:cSld>
+    <p:bg>
+      <p:bgRef idx="1001">
+        <a:schemeClr val="bg1"/>
+      </p:bgRef>
+    </p:bg>
+    <p:spTree>
+      <p:nvGrpSpPr>
+        <p:cNvPr id="1" name=""/>
+        <p:cNvGrpSpPr/>
+        <p:nvPr/>
+      </p:nvGrpSpPr>
+      <p:grpSpPr>
+        <a:xfrm>
+          <a:off x="0" y="0"/>
+          <a:ext cx="0" cy="0"/>
+          <a:chOff x="0" y="0"/>
+          <a:chExt cx="0" cy="0"/>
+        </a:xfrm>
+      </p:grpSpPr>
+      <p:sp>
+        <p:nvSpPr>
+          <p:cNvPr id="2" name="页眉占位符 1"/>
+          <p:cNvSpPr>
+            <a:spLocks noGrp="1"/>
+          </p:cNvSpPr>
+          <p:nvPr>
+            <p:ph type="hdr" sz="quarter"/>
+          </p:nvPr>
+        </p:nvSpPr>
+        <p:spPr>
+          <a:xfrm>
+            <a:off x="0" y="0"/>
+            <a:ext cx="2971800" cy="458788"/>
+          </a:xfrm>
+          <a:prstGeom prst="rect">
+            <a:avLst/>
+          </a:prstGeom>
+        </p:spPr>
+        <p:txBody>
+          <a:bodyPr vert="horz" lIns="91440" tIns="45720" rIns="91440" bIns="45720" rtlCol="0"/>
+          <a:lstStyle>
+            <a:lvl1pPr algn="l">
+              <a:defRPr sz="1200"/>
+            </a:lvl1pPr>
+          </a:lstStyle>
+          <a:p>
+            <a:endParaRPr lang="zh-CN" altLang="en-US"/>
+          </a:p>
+        </p:txBody>
+      </p:sp>
+      <p:sp>
+        <p:nvSpPr>
+          <p:cNvPr id="3" name="日期占位符 2"/>
+          <p:cNvSpPr>
+            <a:spLocks noGrp="1"/>
+          </p:cNvSpPr>
+          <p:nvPr>
+            <p:ph type="dt" idx="1"/>
+          </p:nvPr>
+        </p:nvSpPr>
+        <p:spPr>
+          <a:xfrm>
+            <a:off x="3884613" y="0"/>
+            <a:ext cx="2971800" cy="458788"/>
+          </a:xfrm>
+          <a:prstGeom prst="rect">
+            <a:avLst/>
+          </a:prstGeom>
+        </p:spPr>
+        <p:txBody>
+          <a:bodyPr vert="horz" lIns="91440" tIns="45720" rIns="91440" bIns="45720" rtlCol="0"/>
+          <a:lstStyle>
+            <a:lvl1pPr algn="r">
+              <a:defRPr sz="1200"/>
+            </a:lvl1pPr>
+          </a:lstStyle>
+          <a:p>
+            <a:fld id="{E47CBBF2-89D6-47D7-BD4F-12FF88AD8D84}" type="datetimeFigureOut">
+              <a:rPr lang="zh-CN" altLang="en-US" smtClean="0"/>
+              <a:t>2025/3/9</a:t>
+            </a:fld>
+            <a:endParaRPr lang="zh-CN" altLang="en-US"/>
+          </a:p>
+        </p:txBody>
+      </p:sp>
+      <p:sp>
+        <p:nvSpPr>
+          <p:cNvPr id="4" name="幻灯片图像占位符 3"/>
+          <p:cNvSpPr>
+            <a:spLocks noGrp="1" noRot="1" noChangeAspect="1"/>
+          </p:cNvSpPr>
+          <p:nvPr>
+            <p:ph type="sldImg" idx="2"/>
+          </p:nvPr>
+        </p:nvSpPr>
+        <p:spPr>
+          <a:xfrm>
+            <a:off x="685800" y="1143000"/>
+            <a:ext cx="5486400" cy="3086100"/>
+          </a:xfrm>
+          <a:prstGeom prst="rect">
+            <a:avLst/>
+          </a:prstGeom>
+          <a:noFill/>
+          <a:ln w="12700">
+            <a:solidFill>
+              <a:prstClr val="black"/>
+            </a:solidFill>
+          </a:ln>
+        </p:spPr>
+        <p:txBody>
+          <a:bodyPr vert="horz" lIns="91440" tIns="45720" rIns="91440" bIns="45720" rtlCol="0" anchor="ctr"/>
+          <a:lstStyle/>
+          <a:p>
+            <a:endParaRPr lang="zh-CN" altLang="en-US"/>
+          </a:p>
+        </p:txBody>
+      </p:sp>
+      <p:sp>
+        <p:nvSpPr>
+          <p:cNvPr id="5" name="备注占位符 4"/>
+          <p:cNvSpPr>
+            <a:spLocks noGrp="1"/>
+          </p:cNvSpPr>
+          <p:nvPr>
+            <p:ph type="body" sz="quarter" idx="3"/>
+          </p:nvPr>
+        </p:nvSpPr>
+        <p:spPr>
+          <a:xfrm>
+            <a:off x="685800" y="4400550"/>
+            <a:ext cx="5486400" cy="3600450"/>
+          </a:xfrm>
+          <a:prstGeom prst="rect">
+            <a:avLst/>
+          </a:prstGeom>
+        </p:spPr>
+        <p:txBody>
+          <a:bodyPr vert="horz" lIns="91440" tIns="45720" rIns="91440" bIns="45720" rtlCol="0"/>
+          <a:lstStyle/>
+          <a:p>
+            <a:pPr lvl="0"/>
+            <a:r>
+              <a:rPr lang="zh-CN" altLang="en-US"/>
+              <a:t>单击此处编辑母版文本样式</a:t>
+            </a:r>
+          </a:p>
+          <a:p>
+            <a:pPr lvl="1"/>
+            <a:r>
+              <a:rPr lang="zh-CN" altLang="en-US"/>
+              <a:t>二级</a:t>
+            </a:r>
+          </a:p>
+          <a:p>
+            <a:pPr lvl="2"/>
+            <a:r>
+              <a:rPr lang="zh-CN" altLang="en-US"/>
+              <a:t>三级</a:t>
+            </a:r>
+          </a:p>
+          <a:p>
+            <a:pPr lvl="3"/>
+            <a:r>
+              <a:rPr lang="zh-CN" altLang="en-US"/>
+              <a:t>四级</a:t>
+            </a:r>
+          </a:p>
+          <a:p>
+            <a:pPr lvl="4"/>
+            <a:r>
+              <a:rPr lang="zh-CN" altLang="en-US"/>
+              <a:t>五级</a:t>
+            </a:r>
+          </a:p>
+        </p:txBody>
+      </p:sp>
+      <p:sp>
+        <p:nvSpPr>
+          <p:cNvPr id="6" name="页脚占位符 5"/>
+          <p:cNvSpPr>
+            <a:spLocks noGrp="1"/>
+          </p:cNvSpPr>
+          <p:nvPr>
+            <p:ph type="ftr" sz="quarter" idx="4"/>
+          </p:nvPr>
+        </p:nvSpPr>
+        <p:spPr>
+          <a:xfrm>
+            <a:off x="0" y="8685213"/>
+            <a:ext cx="2971800" cy="458787"/>
+          </a:xfrm>
+          <a:prstGeom prst="rect">
+            <a:avLst/>
+          </a:prstGeom>
+        </p:spPr>
+        <p:txBody>
+          <a:bodyPr vert="horz" lIns="91440" tIns="45720" rIns="91440" bIns="45720" rtlCol="0" anchor="b"/>
+          <a:lstStyle>
+            <a:lvl1pPr algn="l">
+              <a:defRPr sz="1200"/>
+            </a:lvl1pPr>
+          </a:lstStyle>
+          <a:p>
+            <a:endParaRPr lang="zh-CN" altLang="en-US"/>
+          </a:p>
+        </p:txBody>
+      </p:sp>
+      <p:sp>
+        <p:nvSpPr>
+          <p:cNvPr id="7" name="灯片编号占位符 6"/>
+          <p:cNvSpPr>
+            <a:spLocks noGrp="1"/>
+          </p:cNvSpPr>
+          <p:nvPr>
+            <p:ph type="sldNum" sz="quarter" idx="5"/>
+          </p:nvPr>
+        </p:nvSpPr>
+        <p:spPr>
+          <a:xfrm>
+            <a:off x="3884613" y="8685213"/>
+            <a:ext cx="2971800" cy="458787"/>
+          </a:xfrm>
+          <a:prstGeom prst="rect">
+            <a:avLst/>
+          </a:prstGeom>
+        </p:spPr>
+        <p:txBody>
+          <a:bodyPr vert="horz" lIns="91440" tIns="45720" rIns="91440" bIns="45720" rtlCol="0" anchor="b"/>
+          <a:lstStyle>
+            <a:lvl1pPr algn="r">
+              <a:defRPr sz="1200"/>
+            </a:lvl1pPr>
+          </a:lstStyle>
+          <a:p>
+            <a:fld id="{9AC5B61F-A5F0-4C64-8ED9-3ED35B2F1A5C}" type="slidenum">
+              <a:rPr lang="zh-CN" altLang="en-US" smtClean="0"/>
+              <a:t>‹#›</a:t>
+            </a:fld>
+            <a:endParaRPr lang="zh-CN" altLang="en-US"/>
+          </a:p>
+        </p:txBody>
+      </p:sp>
+    </p:spTree>
+    <p:extLst>
+      <p:ext uri="{BB962C8B-B14F-4D97-AF65-F5344CB8AC3E}">
+        <p14:creationId xmlns:p14="http://schemas.microsoft.com/office/powerpoint/2010/main" val="2640157666"/>
+      </p:ext>
+    </p:extLst>
+  </p:cSld>
+  <p:clrMap bg1="lt1" tx1="dk1" bg2="lt2" tx2="dk2" accent1="accent1" accent2="accent2" accent3="accent3" accent4="accent4" accent5="accent5" accent6="accent6" hlink="hlink" folHlink="folHlink"/>
+  <p:notesStyle>
+    <a:lvl1pPr marL="0" algn="l" defTabSz="914400" rtl="0" eaLnBrk="1" latinLnBrk="0" hangingPunct="1">
+      <a:defRPr sz="1200" kern="1200">
+        <a:solidFill>
+          <a:schemeClr val="tx1"/>
+        </a:solidFill>
+        <a:latin typeface="+mn-lt"/>
+        <a:ea typeface="+mn-ea"/>
+        <a:cs typeface="+mn-cs"/>
+      </a:defRPr>
+    </a:lvl1pPr>
+    <a:lvl2pPr marL="457200" algn="l" defTabSz="914400" rtl="0" eaLnBrk="1" latinLnBrk="0" hangingPunct="1">
+      <a:defRPr sz="1200" kern="1200">
+        <a:solidFill>
+          <a:schemeClr val="tx1"/>
+        </a:solidFill>
+        <a:latin typeface="+mn-lt"/>
+        <a:ea typeface="+mn-ea"/>
+        <a:cs typeface="+mn-cs"/>
+      </a:defRPr>
+    </a:lvl2pPr>
+    <a:lvl3pPr marL="914400" algn="l" defTabSz="914400" rtl="0" eaLnBrk="1" latinLnBrk="0" hangingPunct="1">
+      <a:defRPr sz="1200" kern="1200">
+        <a:solidFill>
+          <a:schemeClr val="tx1"/>
+        </a:solidFill>
+        <a:latin typeface="+mn-lt"/>
+        <a:ea typeface="+mn-ea"/>
+        <a:cs typeface="+mn-cs"/>
+      </a:defRPr>
+    </a:lvl3pPr>
+    <a:lvl4pPr marL="1371600" algn="l" defTabSz="914400" rtl="0" eaLnBrk="1" latinLnBrk="0" hangingPunct="1">
+      <a:defRPr sz="1200" kern="1200">
+        <a:solidFill>
+          <a:schemeClr val="tx1"/>
+        </a:solidFill>
+        <a:latin typeface="+mn-lt"/>
+        <a:ea typeface="+mn-ea"/>
+        <a:cs typeface="+mn-cs"/>
+      </a:defRPr>
+    </a:lvl4pPr>
+    <a:lvl5pPr marL="1828800" algn="l" defTabSz="914400" rtl="0" eaLnBrk="1" latinLnBrk="0" hangingPunct="1">
+      <a:defRPr sz="1200" kern="1200">
+        <a:solidFill>
+          <a:schemeClr val="tx1"/>
+        </a:solidFill>
+        <a:latin typeface="+mn-lt"/>
+        <a:ea typeface="+mn-ea"/>
+        <a:cs typeface="+mn-cs"/>
+      </a:defRPr>
+    </a:lvl5pPr>
+    <a:lvl6pPr marL="2286000" algn="l" defTabSz="914400" rtl="0" eaLnBrk="1" latinLnBrk="0" hangingPunct="1">
+      <a:defRPr sz="1200" kern="1200">
+        <a:solidFill>
+          <a:schemeClr val="tx1"/>
+        </a:solidFill>
+        <a:latin typeface="+mn-lt"/>
+        <a:ea typeface="+mn-ea"/>
+        <a:cs typeface="+mn-cs"/>
+      </a:defRPr>
+    </a:lvl6pPr>
+    <a:lvl7pPr marL="2743200" algn="l" defTabSz="914400" rtl="0" eaLnBrk="1" latinLnBrk="0" hangingPunct="1">
+      <a:defRPr sz="1200" kern="1200">
+        <a:solidFill>
+          <a:schemeClr val="tx1"/>
+        </a:solidFill>
+        <a:latin typeface="+mn-lt"/>
+        <a:ea typeface="+mn-ea"/>
+        <a:cs typeface="+mn-cs"/>
+      </a:defRPr>
+    </a:lvl7pPr>
+    <a:lvl8pPr marL="3200400" algn="l" defTabSz="914400" rtl="0" eaLnBrk="1" latinLnBrk="0" hangingPunct="1">
+      <a:defRPr sz="1200" kern="1200">
+        <a:solidFill>
+          <a:schemeClr val="tx1"/>
+        </a:solidFill>
+        <a:latin typeface="+mn-lt"/>
+        <a:ea typeface="+mn-ea"/>
+        <a:cs typeface="+mn-cs"/>
+      </a:defRPr>
+    </a:lvl8pPr>
+    <a:lvl9pPr marL="3657600" algn="l" defTabSz="914400" rtl="0" eaLnBrk="1" latinLnBrk="0" hangingPunct="1">
+      <a:defRPr sz="1200" kern="1200">
+        <a:solidFill>
+          <a:schemeClr val="tx1"/>
+        </a:solidFill>
+        <a:latin typeface="+mn-lt"/>
+        <a:ea typeface="+mn-ea"/>
+        <a:cs typeface="+mn-cs"/>
+      </a:defRPr>
+    </a:lvl9pPr>
+  </p:notesStyle>
+</p:notesMaster>
+</file>
+
+<file path=ppt/notesSlides/notesSlide1.xml><?xml version="1.0" encoding="utf-8"?>
+<p:notes xmlns:a="http://schemas.openxmlformats.org/drawingml/2006/main" xmlns:r="http://schemas.openxmlformats.org/officeDocument/2006/relationships" xmlns:p="http://schemas.openxmlformats.org/presentationml/2006/main">
+  <p:cSld>
+    <p:spTree>
+      <p:nvGrpSpPr>
+        <p:cNvPr id="1" name=""/>
+        <p:cNvGrpSpPr/>
+        <p:nvPr/>
+      </p:nvGrpSpPr>
+      <p:grpSpPr>
+        <a:xfrm>
+          <a:off x="0" y="0"/>
+          <a:ext cx="0" cy="0"/>
+          <a:chOff x="0" y="0"/>
+          <a:chExt cx="0" cy="0"/>
+        </a:xfrm>
+      </p:grpSpPr>
+      <p:sp>
+        <p:nvSpPr>
+          <p:cNvPr id="2" name="幻灯片图像占位符 1"/>
+          <p:cNvSpPr>
+            <a:spLocks noGrp="1" noRot="1" noChangeAspect="1"/>
+          </p:cNvSpPr>
+          <p:nvPr>
+            <p:ph type="sldImg"/>
+          </p:nvPr>
+        </p:nvSpPr>
+        <p:spPr/>
+      </p:sp>
+      <p:sp>
+        <p:nvSpPr>
+          <p:cNvPr id="3" name="备注占位符 2"/>
+          <p:cNvSpPr>
+            <a:spLocks noGrp="1"/>
+          </p:cNvSpPr>
+          <p:nvPr>
+            <p:ph type="body" idx="1"/>
+          </p:nvPr>
+        </p:nvSpPr>
+        <p:spPr/>
+        <p:txBody>
+          <a:bodyPr/>
+          <a:lstStyle/>
+          <a:p>
+            <a:r>
+              <a:rPr lang="en-US" altLang="zh-CN" dirty="0"/>
+              <a:t>The 23rd slide shows the possible optimization.</a:t>
+            </a:r>
+            <a:endParaRPr lang="zh-CN" altLang="en-US" dirty="0"/>
+          </a:p>
+        </p:txBody>
+      </p:sp>
+      <p:sp>
+        <p:nvSpPr>
+          <p:cNvPr id="4" name="灯片编号占位符 3"/>
+          <p:cNvSpPr>
+            <a:spLocks noGrp="1"/>
+          </p:cNvSpPr>
+          <p:nvPr>
+            <p:ph type="sldNum" sz="quarter" idx="5"/>
+          </p:nvPr>
+        </p:nvSpPr>
+        <p:spPr/>
+        <p:txBody>
+          <a:bodyPr/>
+          <a:lstStyle/>
+          <a:p>
+            <a:fld id="{9AC5B61F-A5F0-4C64-8ED9-3ED35B2F1A5C}" type="slidenum">
+              <a:rPr lang="zh-CN" altLang="en-US" smtClean="0"/>
+              <a:t>39</a:t>
+            </a:fld>
+            <a:endParaRPr lang="zh-CN" altLang="en-US"/>
+          </a:p>
+        </p:txBody>
+      </p:sp>
+    </p:spTree>
+    <p:extLst>
+      <p:ext uri="{BB962C8B-B14F-4D97-AF65-F5344CB8AC3E}">
+        <p14:creationId xmlns:p14="http://schemas.microsoft.com/office/powerpoint/2010/main" val="518046999"/>
+      </p:ext>
+    </p:extLst>
+  </p:cSld>
+  <p:clrMapOvr>
+    <a:masterClrMapping/>
+  </p:clrMapOvr>
+</p:notes>
+</file>
+
+<file path=ppt/notesSlides/notesSlide2.xml><?xml version="1.0" encoding="utf-8"?>
+<p:notes xmlns:a="http://schemas.openxmlformats.org/drawingml/2006/main" xmlns:r="http://schemas.openxmlformats.org/officeDocument/2006/relationships" xmlns:p="http://schemas.openxmlformats.org/presentationml/2006/main">
+  <p:cSld>
+    <p:spTree>
+      <p:nvGrpSpPr>
+        <p:cNvPr id="1" name=""/>
+        <p:cNvGrpSpPr/>
+        <p:nvPr/>
+      </p:nvGrpSpPr>
+      <p:grpSpPr>
+        <a:xfrm>
+          <a:off x="0" y="0"/>
+          <a:ext cx="0" cy="0"/>
+          <a:chOff x="0" y="0"/>
+          <a:chExt cx="0" cy="0"/>
+        </a:xfrm>
+      </p:grpSpPr>
+      <p:sp>
+        <p:nvSpPr>
+          <p:cNvPr id="2" name="幻灯片图像占位符 1"/>
+          <p:cNvSpPr>
+            <a:spLocks noGrp="1" noRot="1" noChangeAspect="1"/>
+          </p:cNvSpPr>
+          <p:nvPr>
+            <p:ph type="sldImg"/>
+          </p:nvPr>
+        </p:nvSpPr>
+        <p:spPr/>
+      </p:sp>
+      <p:sp>
+        <p:nvSpPr>
+          <p:cNvPr id="3" name="备注占位符 2"/>
+          <p:cNvSpPr>
+            <a:spLocks noGrp="1"/>
+          </p:cNvSpPr>
+          <p:nvPr>
+            <p:ph type="body" idx="1"/>
+          </p:nvPr>
+        </p:nvSpPr>
+        <p:spPr/>
+        <p:txBody>
+          <a:bodyPr/>
+          <a:lstStyle/>
+          <a:p>
+            <a:r>
+              <a:rPr lang="en-US" altLang="zh-CN" dirty="0"/>
+              <a:t>The 23rd slide shows the possible optimization.</a:t>
+            </a:r>
+            <a:endParaRPr lang="zh-CN" altLang="en-US" dirty="0"/>
+          </a:p>
+        </p:txBody>
+      </p:sp>
+      <p:sp>
+        <p:nvSpPr>
+          <p:cNvPr id="4" name="灯片编号占位符 3"/>
+          <p:cNvSpPr>
+            <a:spLocks noGrp="1"/>
+          </p:cNvSpPr>
+          <p:nvPr>
+            <p:ph type="sldNum" sz="quarter" idx="5"/>
+          </p:nvPr>
+        </p:nvSpPr>
+        <p:spPr/>
+        <p:txBody>
+          <a:bodyPr/>
+          <a:lstStyle/>
+          <a:p>
+            <a:pPr marL="0" marR="0" lvl="0" indent="0" algn="r" defTabSz="914400" rtl="0" eaLnBrk="1" fontAlgn="auto" latinLnBrk="0" hangingPunct="1">
+              <a:lnSpc>
+                <a:spcPct val="100000"/>
+              </a:lnSpc>
+              <a:spcBef>
+                <a:spcPts val="0"/>
+              </a:spcBef>
+              <a:spcAft>
+                <a:spcPts val="0"/>
+              </a:spcAft>
+              <a:buClrTx/>
+              <a:buSzTx/>
+              <a:buFontTx/>
+              <a:buNone/>
+              <a:tabLst/>
+              <a:defRPr/>
+            </a:pPr>
+            <a:fld id="{9AC5B61F-A5F0-4C64-8ED9-3ED35B2F1A5C}" type="slidenum">
+              <a:rPr kumimoji="0" lang="zh-CN" altLang="en-US" sz="1200" b="0" i="0" u="none" strike="noStrike" kern="1200" cap="none" spc="0" normalizeH="0" baseline="0" noProof="0" smtClean="0">
+                <a:ln>
+                  <a:noFill/>
+                </a:ln>
+                <a:solidFill>
+                  <a:prstClr val="black"/>
+                </a:solidFill>
+                <a:effectLst/>
+                <a:uLnTx/>
+                <a:uFillTx/>
+                <a:latin typeface="等线" panose="020F0502020204030204"/>
+                <a:ea typeface="等线" panose="02010600030101010101" pitchFamily="2" charset="-122"/>
+                <a:cs typeface="+mn-cs"/>
+              </a:rPr>
+              <a:pPr marL="0" marR="0" lvl="0" indent="0" algn="r" defTabSz="914400" rtl="0" eaLnBrk="1" fontAlgn="auto" latinLnBrk="0" hangingPunct="1">
+                <a:lnSpc>
+                  <a:spcPct val="100000"/>
+                </a:lnSpc>
+                <a:spcBef>
+                  <a:spcPts val="0"/>
+                </a:spcBef>
+                <a:spcAft>
+                  <a:spcPts val="0"/>
+                </a:spcAft>
+                <a:buClrTx/>
+                <a:buSzTx/>
+                <a:buFontTx/>
+                <a:buNone/>
+                <a:tabLst/>
+                <a:defRPr/>
+              </a:pPr>
+              <a:t>40</a:t>
+            </a:fld>
+            <a:endParaRPr kumimoji="0" lang="zh-CN" altLang="en-US" sz="1200" b="0" i="0" u="none" strike="noStrike" kern="1200" cap="none" spc="0" normalizeH="0" baseline="0" noProof="0">
+              <a:ln>
+                <a:noFill/>
+              </a:ln>
+              <a:solidFill>
+                <a:prstClr val="black"/>
+              </a:solidFill>
+              <a:effectLst/>
+              <a:uLnTx/>
+              <a:uFillTx/>
+              <a:latin typeface="等线" panose="020F0502020204030204"/>
+              <a:ea typeface="等线" panose="02010600030101010101" pitchFamily="2" charset="-122"/>
+              <a:cs typeface="+mn-cs"/>
+            </a:endParaRPr>
+          </a:p>
+        </p:txBody>
+      </p:sp>
+    </p:spTree>
+    <p:extLst>
+      <p:ext uri="{BB962C8B-B14F-4D97-AF65-F5344CB8AC3E}">
+        <p14:creationId xmlns:p14="http://schemas.microsoft.com/office/powerpoint/2010/main" val="4080134925"/>
+      </p:ext>
+    </p:extLst>
+  </p:cSld>
+  <p:clrMapOvr>
+    <a:masterClrMapping/>
+  </p:clrMapOvr>
+</p:notes>
+</file>
+
 <file path=ppt/slideLayouts/slideLayout1.xml><?xml version="1.0" encoding="utf-8"?>
 <p:sldLayout xmlns:a="http://schemas.openxmlformats.org/drawingml/2006/main" xmlns:r="http://schemas.openxmlformats.org/officeDocument/2006/relationships" xmlns:p="http://schemas.openxmlformats.org/presentationml/2006/main" type="title" preserve="1">
   <p:cSld name="标题幻灯片">
@@ -271,7 +895,7 @@
           <a:p>
             <a:fld id="{ACDF5B7E-8B04-42BE-867D-2CCC28031EE2}" type="datetimeFigureOut">
               <a:rPr lang="zh-CN" altLang="en-US" smtClean="0"/>
-              <a:t>2025/2/9</a:t>
+              <a:t>2025/3/9</a:t>
             </a:fld>
             <a:endParaRPr lang="zh-CN" altLang="en-US"/>
           </a:p>
@@ -469,7 +1093,7 @@
           <a:p>
             <a:fld id="{ACDF5B7E-8B04-42BE-867D-2CCC28031EE2}" type="datetimeFigureOut">
               <a:rPr lang="zh-CN" altLang="en-US" smtClean="0"/>
-              <a:t>2025/2/9</a:t>
+              <a:t>2025/3/9</a:t>
             </a:fld>
             <a:endParaRPr lang="zh-CN" altLang="en-US"/>
           </a:p>
@@ -677,7 +1301,7 @@
           <a:p>
             <a:fld id="{ACDF5B7E-8B04-42BE-867D-2CCC28031EE2}" type="datetimeFigureOut">
               <a:rPr lang="zh-CN" altLang="en-US" smtClean="0"/>
-              <a:t>2025/2/9</a:t>
+              <a:t>2025/3/9</a:t>
             </a:fld>
             <a:endParaRPr lang="zh-CN" altLang="en-US"/>
           </a:p>
@@ -875,7 +1499,7 @@
           <a:p>
             <a:fld id="{ACDF5B7E-8B04-42BE-867D-2CCC28031EE2}" type="datetimeFigureOut">
               <a:rPr lang="zh-CN" altLang="en-US" smtClean="0"/>
-              <a:t>2025/2/9</a:t>
+              <a:t>2025/3/9</a:t>
             </a:fld>
             <a:endParaRPr lang="zh-CN" altLang="en-US"/>
           </a:p>
@@ -1150,7 +1774,7 @@
           <a:p>
             <a:fld id="{ACDF5B7E-8B04-42BE-867D-2CCC28031EE2}" type="datetimeFigureOut">
               <a:rPr lang="zh-CN" altLang="en-US" smtClean="0"/>
-              <a:t>2025/2/9</a:t>
+              <a:t>2025/3/9</a:t>
             </a:fld>
             <a:endParaRPr lang="zh-CN" altLang="en-US"/>
           </a:p>
@@ -1415,7 +2039,7 @@
           <a:p>
             <a:fld id="{ACDF5B7E-8B04-42BE-867D-2CCC28031EE2}" type="datetimeFigureOut">
               <a:rPr lang="zh-CN" altLang="en-US" smtClean="0"/>
-              <a:t>2025/2/9</a:t>
+              <a:t>2025/3/9</a:t>
             </a:fld>
             <a:endParaRPr lang="zh-CN" altLang="en-US"/>
           </a:p>
@@ -1827,7 +2451,7 @@
           <a:p>
             <a:fld id="{ACDF5B7E-8B04-42BE-867D-2CCC28031EE2}" type="datetimeFigureOut">
               <a:rPr lang="zh-CN" altLang="en-US" smtClean="0"/>
-              <a:t>2025/2/9</a:t>
+              <a:t>2025/3/9</a:t>
             </a:fld>
             <a:endParaRPr lang="zh-CN" altLang="en-US"/>
           </a:p>
@@ -1968,7 +2592,7 @@
           <a:p>
             <a:fld id="{ACDF5B7E-8B04-42BE-867D-2CCC28031EE2}" type="datetimeFigureOut">
               <a:rPr lang="zh-CN" altLang="en-US" smtClean="0"/>
-              <a:t>2025/2/9</a:t>
+              <a:t>2025/3/9</a:t>
             </a:fld>
             <a:endParaRPr lang="zh-CN" altLang="en-US"/>
           </a:p>
@@ -2081,7 +2705,7 @@
           <a:p>
             <a:fld id="{ACDF5B7E-8B04-42BE-867D-2CCC28031EE2}" type="datetimeFigureOut">
               <a:rPr lang="zh-CN" altLang="en-US" smtClean="0"/>
-              <a:t>2025/2/9</a:t>
+              <a:t>2025/3/9</a:t>
             </a:fld>
             <a:endParaRPr lang="zh-CN" altLang="en-US"/>
           </a:p>
@@ -2392,7 +3016,7 @@
           <a:p>
             <a:fld id="{ACDF5B7E-8B04-42BE-867D-2CCC28031EE2}" type="datetimeFigureOut">
               <a:rPr lang="zh-CN" altLang="en-US" smtClean="0"/>
-              <a:t>2025/2/9</a:t>
+              <a:t>2025/3/9</a:t>
             </a:fld>
             <a:endParaRPr lang="zh-CN" altLang="en-US"/>
           </a:p>
@@ -2680,7 +3304,7 @@
           <a:p>
             <a:fld id="{ACDF5B7E-8B04-42BE-867D-2CCC28031EE2}" type="datetimeFigureOut">
               <a:rPr lang="zh-CN" altLang="en-US" smtClean="0"/>
-              <a:t>2025/2/9</a:t>
+              <a:t>2025/3/9</a:t>
             </a:fld>
             <a:endParaRPr lang="zh-CN" altLang="en-US"/>
           </a:p>
@@ -2921,7 +3545,7 @@
           <a:p>
             <a:fld id="{ACDF5B7E-8B04-42BE-867D-2CCC28031EE2}" type="datetimeFigureOut">
               <a:rPr lang="zh-CN" altLang="en-US" smtClean="0"/>
-              <a:t>2025/2/9</a:t>
+              <a:t>2025/3/9</a:t>
             </a:fld>
             <a:endParaRPr lang="zh-CN" altLang="en-US"/>
           </a:p>
@@ -3490,10 +4114,10 @@
       </p:grpSpPr>
       <p:sp>
         <p:nvSpPr>
-          <p:cNvPr id="5" name="文本框 4">
-            <a:extLst>
-              <a:ext uri="{FF2B5EF4-FFF2-40B4-BE49-F238E27FC236}">
-                <a16:creationId xmlns:a16="http://schemas.microsoft.com/office/drawing/2014/main" id="{9D9B061A-FDAA-866C-A316-8D4F4BB6F906}"/>
+          <p:cNvPr id="2" name="文本框 1">
+            <a:extLst>
+              <a:ext uri="{FF2B5EF4-FFF2-40B4-BE49-F238E27FC236}">
+                <a16:creationId xmlns:a16="http://schemas.microsoft.com/office/drawing/2014/main" id="{97FA4CD7-3F1C-FE8C-6E44-D6EF901E0636}"/>
               </a:ext>
             </a:extLst>
           </p:cNvPr>
@@ -3502,8 +4126,8 @@
         </p:nvSpPr>
         <p:spPr>
           <a:xfrm>
-            <a:off x="428050" y="1416646"/>
-            <a:ext cx="4058034" cy="4832092"/>
+            <a:off x="207120" y="287876"/>
+            <a:ext cx="7678813" cy="523220"/>
           </a:xfrm>
           <a:prstGeom prst="rect">
             <a:avLst/>
@@ -3516,293 +4140,55 @@
           </a:bodyPr>
           <a:lstStyle/>
           <a:p>
-            <a:pPr marL="0" marR="0" lvl="0" indent="0" algn="l" defTabSz="914400" rtl="0" eaLnBrk="1" fontAlgn="auto" latinLnBrk="0" hangingPunct="1">
-              <a:lnSpc>
-                <a:spcPct val="100000"/>
-              </a:lnSpc>
-              <a:spcBef>
-                <a:spcPts val="0"/>
-              </a:spcBef>
-              <a:spcAft>
-                <a:spcPts val="0"/>
-              </a:spcAft>
-              <a:buClrTx/>
-              <a:buSzTx/>
-              <a:buFontTx/>
-              <a:buNone/>
-              <a:tabLst/>
-              <a:defRPr/>
-            </a:pPr>
-            <a:r>
-              <a:rPr kumimoji="0" lang="en-US" altLang="zh-CN" sz="2800" b="1" i="0" u="none" strike="noStrike" kern="1200" cap="none" spc="0" normalizeH="0" baseline="0" noProof="0" dirty="0">
-                <a:ln>
-                  <a:noFill/>
-                </a:ln>
+            <a:r>
+              <a:rPr lang="en-US" altLang="zh-CN" sz="2800" b="1" dirty="0">
                 <a:solidFill>
-                  <a:prstClr val="black"/>
+                  <a:schemeClr val="accent6">
+                    <a:lumMod val="75000"/>
+                  </a:schemeClr>
                 </a:solidFill>
-                <a:effectLst/>
-                <a:uLnTx/>
-                <a:uFillTx/>
-                <a:latin typeface="等线" panose="020F0502020204030204"/>
-                <a:ea typeface="等线" panose="02010600030101010101" pitchFamily="2" charset="-122"/>
-                <a:cs typeface="+mn-cs"/>
               </a:rPr>
-              <a:t>Results on cloud </a:t>
-            </a:r>
-            <a:r>
-              <a:rPr kumimoji="0" lang="en-US" altLang="zh-CN" sz="2800" b="1" i="0" u="none" strike="noStrike" kern="1200" cap="none" spc="0" normalizeH="0" baseline="0" noProof="0" dirty="0" err="1">
-                <a:ln>
-                  <a:noFill/>
-                </a:ln>
-                <a:solidFill>
-                  <a:prstClr val="black"/>
-                </a:solidFill>
-                <a:effectLst/>
-                <a:uLnTx/>
-                <a:uFillTx/>
-                <a:latin typeface="等线" panose="020F0502020204030204"/>
-                <a:ea typeface="等线" panose="02010600030101010101" pitchFamily="2" charset="-122"/>
-                <a:cs typeface="+mn-cs"/>
-              </a:rPr>
-              <a:t>gpu</a:t>
-            </a:r>
-            <a:r>
-              <a:rPr kumimoji="0" lang="en-US" altLang="zh-CN" sz="2800" b="1" i="0" u="none" strike="noStrike" kern="1200" cap="none" spc="0" normalizeH="0" baseline="0" noProof="0" dirty="0">
-                <a:ln>
-                  <a:noFill/>
-                </a:ln>
-                <a:solidFill>
-                  <a:prstClr val="black"/>
-                </a:solidFill>
-                <a:effectLst/>
-                <a:uLnTx/>
-                <a:uFillTx/>
-                <a:latin typeface="等线" panose="020F0502020204030204"/>
-                <a:ea typeface="等线" panose="02010600030101010101" pitchFamily="2" charset="-122"/>
-                <a:cs typeface="+mn-cs"/>
-              </a:rPr>
-              <a:t> A100-PCIE-40GB:</a:t>
-            </a:r>
-          </a:p>
-          <a:p>
-            <a:pPr marL="0" marR="0" lvl="0" indent="0" algn="l" defTabSz="914400" rtl="0" eaLnBrk="1" fontAlgn="auto" latinLnBrk="0" hangingPunct="1">
-              <a:lnSpc>
-                <a:spcPct val="100000"/>
-              </a:lnSpc>
-              <a:spcBef>
-                <a:spcPts val="0"/>
-              </a:spcBef>
-              <a:spcAft>
-                <a:spcPts val="0"/>
-              </a:spcAft>
-              <a:buClrTx/>
-              <a:buSzTx/>
-              <a:buFontTx/>
-              <a:buNone/>
-              <a:tabLst/>
-              <a:defRPr/>
-            </a:pPr>
-            <a:endParaRPr kumimoji="0" lang="en-US" altLang="zh-CN" sz="2800" b="1" i="0" u="none" strike="noStrike" kern="1200" cap="none" spc="0" normalizeH="0" baseline="0" noProof="0" dirty="0">
-              <a:ln>
-                <a:noFill/>
-              </a:ln>
-              <a:solidFill>
-                <a:prstClr val="black"/>
-              </a:solidFill>
-              <a:effectLst/>
-              <a:uLnTx/>
-              <a:uFillTx/>
-              <a:latin typeface="等线" panose="020F0502020204030204"/>
-              <a:ea typeface="等线" panose="02010600030101010101" pitchFamily="2" charset="-122"/>
-              <a:cs typeface="+mn-cs"/>
-            </a:endParaRPr>
-          </a:p>
-          <a:p>
-            <a:pPr marL="0" marR="0" lvl="0" indent="0" algn="l" defTabSz="914400" rtl="0" eaLnBrk="1" fontAlgn="auto" latinLnBrk="0" hangingPunct="1">
-              <a:lnSpc>
-                <a:spcPct val="100000"/>
-              </a:lnSpc>
-              <a:spcBef>
-                <a:spcPts val="0"/>
-              </a:spcBef>
-              <a:spcAft>
-                <a:spcPts val="0"/>
-              </a:spcAft>
-              <a:buClrTx/>
-              <a:buSzTx/>
-              <a:buFontTx/>
-              <a:buNone/>
-              <a:tabLst/>
-              <a:defRPr/>
-            </a:pPr>
-            <a:r>
-              <a:rPr kumimoji="0" lang="en-US" altLang="zh-CN" sz="2800" b="1" i="0" u="none" strike="noStrike" kern="1200" cap="none" spc="0" normalizeH="0" baseline="0" noProof="0" dirty="0">
-                <a:ln>
-                  <a:noFill/>
-                </a:ln>
-                <a:solidFill>
-                  <a:prstClr val="black"/>
-                </a:solidFill>
-                <a:effectLst/>
-                <a:uLnTx/>
-                <a:uFillTx/>
-                <a:latin typeface="等线" panose="020F0502020204030204"/>
-                <a:ea typeface="等线" panose="02010600030101010101" pitchFamily="2" charset="-122"/>
-                <a:cs typeface="+mn-cs"/>
-              </a:rPr>
-              <a:t>Change size,</a:t>
-            </a:r>
-          </a:p>
-          <a:p>
-            <a:pPr marL="0" marR="0" lvl="0" indent="0" algn="l" defTabSz="914400" rtl="0" eaLnBrk="1" fontAlgn="auto" latinLnBrk="0" hangingPunct="1">
-              <a:lnSpc>
-                <a:spcPct val="100000"/>
-              </a:lnSpc>
-              <a:spcBef>
-                <a:spcPts val="0"/>
-              </a:spcBef>
-              <a:spcAft>
-                <a:spcPts val="0"/>
-              </a:spcAft>
-              <a:buClrTx/>
-              <a:buSzTx/>
-              <a:buFontTx/>
-              <a:buNone/>
-              <a:tabLst/>
-              <a:defRPr/>
-            </a:pPr>
-            <a:endParaRPr lang="en-US" altLang="zh-CN" sz="2800" b="1" dirty="0">
-              <a:solidFill>
-                <a:prstClr val="black"/>
-              </a:solidFill>
-              <a:latin typeface="等线" panose="020F0502020204030204"/>
-              <a:ea typeface="等线" panose="02010600030101010101" pitchFamily="2" charset="-122"/>
-            </a:endParaRPr>
-          </a:p>
-          <a:p>
-            <a:pPr marL="0" marR="0" lvl="0" indent="0" algn="l" defTabSz="914400" rtl="0" eaLnBrk="1" fontAlgn="auto" latinLnBrk="0" hangingPunct="1">
-              <a:lnSpc>
-                <a:spcPct val="100000"/>
-              </a:lnSpc>
-              <a:spcBef>
-                <a:spcPts val="0"/>
-              </a:spcBef>
-              <a:spcAft>
-                <a:spcPts val="0"/>
-              </a:spcAft>
-              <a:buClrTx/>
-              <a:buSzTx/>
-              <a:buFontTx/>
-              <a:buNone/>
-              <a:tabLst/>
-              <a:defRPr/>
-            </a:pPr>
-            <a:r>
-              <a:rPr kumimoji="0" lang="en-US" altLang="zh-CN" sz="2800" b="1" i="0" u="none" strike="noStrike" kern="1200" cap="none" spc="0" normalizeH="0" baseline="0" noProof="0" dirty="0">
-                <a:ln>
-                  <a:noFill/>
-                </a:ln>
-                <a:solidFill>
-                  <a:prstClr val="black"/>
-                </a:solidFill>
-                <a:effectLst/>
-                <a:uLnTx/>
-                <a:uFillTx/>
-                <a:latin typeface="等线" panose="020F0502020204030204"/>
-                <a:ea typeface="等线" panose="02010600030101010101" pitchFamily="2" charset="-122"/>
-                <a:cs typeface="+mn-cs"/>
-              </a:rPr>
-              <a:t>Choose:</a:t>
-            </a:r>
-          </a:p>
-          <a:p>
-            <a:pPr marL="0" marR="0" lvl="0" indent="0" algn="l" defTabSz="914400" rtl="0" eaLnBrk="1" fontAlgn="auto" latinLnBrk="0" hangingPunct="1">
-              <a:lnSpc>
-                <a:spcPct val="100000"/>
-              </a:lnSpc>
-              <a:spcBef>
-                <a:spcPts val="0"/>
-              </a:spcBef>
-              <a:spcAft>
-                <a:spcPts val="0"/>
-              </a:spcAft>
-              <a:buClrTx/>
-              <a:buSzTx/>
-              <a:buFontTx/>
-              <a:buNone/>
-              <a:tabLst/>
-              <a:defRPr/>
-            </a:pPr>
-            <a:endParaRPr kumimoji="0" lang="en-US" altLang="zh-CN" sz="2800" b="1" i="0" u="none" strike="noStrike" kern="1200" cap="none" spc="0" normalizeH="0" baseline="0" noProof="0" dirty="0">
-              <a:ln>
-                <a:noFill/>
-              </a:ln>
-              <a:solidFill>
-                <a:prstClr val="black"/>
-              </a:solidFill>
-              <a:effectLst/>
-              <a:uLnTx/>
-              <a:uFillTx/>
-              <a:latin typeface="等线" panose="020F0502020204030204"/>
-              <a:ea typeface="等线" panose="02010600030101010101" pitchFamily="2" charset="-122"/>
-              <a:cs typeface="+mn-cs"/>
-            </a:endParaRPr>
-          </a:p>
-          <a:p>
-            <a:r>
-              <a:rPr lang="en-US" altLang="zh-CN" sz="2800" b="1" dirty="0" err="1"/>
-              <a:t>cublas</a:t>
-            </a:r>
-            <a:r>
-              <a:rPr lang="en-US" altLang="zh-CN" sz="2800" b="1" dirty="0"/>
-              <a:t>, </a:t>
-            </a:r>
-          </a:p>
-          <a:p>
-            <a:r>
-              <a:rPr lang="en-US" altLang="zh-CN" sz="2800" b="1" dirty="0"/>
-              <a:t>vectorize, </a:t>
-            </a:r>
-          </a:p>
-          <a:p>
-            <a:r>
-              <a:rPr lang="en-US" altLang="zh-CN" sz="2800" b="1" dirty="0" err="1"/>
-              <a:t>warp_tile</a:t>
-            </a:r>
-            <a:r>
-              <a:rPr lang="en-US" altLang="zh-CN" sz="2800" b="1" dirty="0"/>
-              <a:t>, </a:t>
-            </a:r>
-          </a:p>
-          <a:p>
-            <a:r>
-              <a:rPr lang="en-US" altLang="zh-CN" sz="2800" b="1" dirty="0" err="1"/>
-              <a:t>double_buffering</a:t>
-            </a:r>
-            <a:endParaRPr kumimoji="0" lang="zh-CN" altLang="en-US" sz="2800" b="1" i="0" u="none" strike="noStrike" kern="1200" cap="none" spc="0" normalizeH="0" baseline="0" noProof="0" dirty="0">
-              <a:ln>
-                <a:noFill/>
-              </a:ln>
-              <a:solidFill>
-                <a:prstClr val="black"/>
-              </a:solidFill>
-              <a:effectLst/>
-              <a:uLnTx/>
-              <a:uFillTx/>
-              <a:latin typeface="等线" panose="020F0502020204030204"/>
-              <a:ea typeface="等线" panose="02010600030101010101" pitchFamily="2" charset="-122"/>
-              <a:cs typeface="+mn-cs"/>
-            </a:endParaRPr>
-          </a:p>
-        </p:txBody>
-      </p:sp>
+              <a:t>Optimization worklog and concept illustration</a:t>
+            </a:r>
+          </a:p>
+        </p:txBody>
+      </p:sp>
+      <p:pic>
+        <p:nvPicPr>
+          <p:cNvPr id="4" name="图片 3">
+            <a:extLst>
+              <a:ext uri="{FF2B5EF4-FFF2-40B4-BE49-F238E27FC236}">
+                <a16:creationId xmlns:a16="http://schemas.microsoft.com/office/drawing/2014/main" id="{2FB6A6B0-AE40-F61B-65C5-C2D98795BF11}"/>
+              </a:ext>
+            </a:extLst>
+          </p:cNvPr>
+          <p:cNvPicPr>
+            <a:picLocks noChangeAspect="1"/>
+          </p:cNvPicPr>
+          <p:nvPr/>
+        </p:nvPicPr>
+        <p:blipFill>
+          <a:blip r:embed="rId2"/>
+          <a:stretch>
+            <a:fillRect/>
+          </a:stretch>
+        </p:blipFill>
+        <p:spPr>
+          <a:xfrm>
+            <a:off x="2404918" y="1331709"/>
+            <a:ext cx="7524785" cy="2441584"/>
+          </a:xfrm>
+          <a:prstGeom prst="rect">
+            <a:avLst/>
+          </a:prstGeom>
+        </p:spPr>
+      </p:pic>
       <p:sp>
         <p:nvSpPr>
           <p:cNvPr id="6" name="文本框 5">
             <a:extLst>
               <a:ext uri="{FF2B5EF4-FFF2-40B4-BE49-F238E27FC236}">
-                <a16:creationId xmlns:a16="http://schemas.microsoft.com/office/drawing/2014/main" id="{34BF86F6-90CC-4332-CC15-522E22BFF013}"/>
+                <a16:creationId xmlns:a16="http://schemas.microsoft.com/office/drawing/2014/main" id="{9205F2DB-43A2-AFFB-244A-6458A904DEC7}"/>
               </a:ext>
             </a:extLst>
           </p:cNvPr>
@@ -3811,8 +4197,8 @@
         </p:nvSpPr>
         <p:spPr>
           <a:xfrm>
-            <a:off x="348271" y="220929"/>
-            <a:ext cx="4137812" cy="461665"/>
+            <a:off x="3596230" y="4713150"/>
+            <a:ext cx="7842975" cy="1015663"/>
           </a:xfrm>
           <a:prstGeom prst="rect">
             <a:avLst/>
@@ -3820,26 +4206,44 @@
           <a:noFill/>
         </p:spPr>
         <p:txBody>
-          <a:bodyPr wrap="square">
+          <a:bodyPr wrap="square" rtlCol="0">
             <a:spAutoFit/>
           </a:bodyPr>
           <a:lstStyle/>
           <a:p>
-            <a:r>
-              <a:rPr lang="en-US" altLang="zh-CN" sz="2400" b="1" dirty="0">
-                <a:solidFill>
-                  <a:srgbClr val="00B0F0"/>
-                </a:solidFill>
-              </a:rPr>
-              <a:t>Profile result demonstration</a:t>
-            </a:r>
+            <a:pPr marL="285750" indent="-285750">
+              <a:buFont typeface="Arial" panose="020B0604020202020204" pitchFamily="34" charset="0"/>
+              <a:buChar char="•"/>
+            </a:pPr>
+            <a:r>
+              <a:rPr lang="en-US" altLang="zh-CN" sz="2000" b="1" dirty="0"/>
+              <a:t>Too much global memory access.</a:t>
+            </a:r>
+          </a:p>
+          <a:p>
+            <a:pPr marL="285750" indent="-285750">
+              <a:buFont typeface="Arial" panose="020B0604020202020204" pitchFamily="34" charset="0"/>
+              <a:buChar char="•"/>
+            </a:pPr>
+            <a:endParaRPr lang="en-US" altLang="zh-CN" sz="2000" b="1" dirty="0"/>
+          </a:p>
+          <a:p>
+            <a:pPr marL="285750" indent="-285750">
+              <a:buFont typeface="Arial" panose="020B0604020202020204" pitchFamily="34" charset="0"/>
+              <a:buChar char="•"/>
+            </a:pPr>
+            <a:r>
+              <a:rPr lang="en-US" altLang="zh-CN" sz="2000" b="1" dirty="0"/>
+              <a:t>The computation of x and y is wrong.</a:t>
+            </a:r>
+            <a:endParaRPr lang="zh-CN" altLang="en-US" b="1" dirty="0"/>
           </a:p>
         </p:txBody>
       </p:sp>
     </p:spTree>
     <p:extLst>
       <p:ext uri="{BB962C8B-B14F-4D97-AF65-F5344CB8AC3E}">
-        <p14:creationId xmlns:p14="http://schemas.microsoft.com/office/powerpoint/2010/main" val="1019426670"/>
+        <p14:creationId xmlns:p14="http://schemas.microsoft.com/office/powerpoint/2010/main" val="3935658201"/>
       </p:ext>
     </p:extLst>
   </p:cSld>
@@ -3871,7 +4275,7 @@
           <p:cNvPr id="2" name="文本框 1">
             <a:extLst>
               <a:ext uri="{FF2B5EF4-FFF2-40B4-BE49-F238E27FC236}">
-                <a16:creationId xmlns:a16="http://schemas.microsoft.com/office/drawing/2014/main" id="{29B65DDD-ED63-1AAD-7389-C80CB2E7A5D9}"/>
+                <a16:creationId xmlns:a16="http://schemas.microsoft.com/office/drawing/2014/main" id="{9466AE97-1CFA-D96D-9F85-57A8FA44C651}"/>
               </a:ext>
             </a:extLst>
           </p:cNvPr>
@@ -3880,8 +4284,8 @@
         </p:nvSpPr>
         <p:spPr>
           <a:xfrm>
-            <a:off x="576870" y="1086234"/>
-            <a:ext cx="6891753" cy="369332"/>
+            <a:off x="207120" y="287876"/>
+            <a:ext cx="7678813" cy="523220"/>
           </a:xfrm>
           <a:prstGeom prst="rect">
             <a:avLst/>
@@ -3889,31 +4293,88 @@
           <a:noFill/>
         </p:spPr>
         <p:txBody>
-          <a:bodyPr wrap="square" rtlCol="0">
+          <a:bodyPr wrap="square">
             <a:spAutoFit/>
           </a:bodyPr>
           <a:lstStyle/>
           <a:p>
             <a:r>
-              <a:rPr lang="en-US" altLang="zh-CN" dirty="0"/>
-              <a:t>Results on cloud </a:t>
-            </a:r>
-            <a:r>
-              <a:rPr lang="en-US" altLang="zh-CN" dirty="0" err="1"/>
-              <a:t>gpu</a:t>
-            </a:r>
-            <a:r>
-              <a:rPr lang="en-US" altLang="zh-CN" dirty="0"/>
-              <a:t> H800</a:t>
-            </a:r>
-            <a:endParaRPr lang="zh-CN" altLang="en-US" dirty="0"/>
-          </a:p>
-        </p:txBody>
-      </p:sp>
+              <a:rPr lang="en-US" altLang="zh-CN" sz="2800" b="1" dirty="0">
+                <a:solidFill>
+                  <a:schemeClr val="accent6">
+                    <a:lumMod val="75000"/>
+                  </a:schemeClr>
+                </a:solidFill>
+              </a:rPr>
+              <a:t>Optimization worklog and concept illustration</a:t>
+            </a:r>
+          </a:p>
+        </p:txBody>
+      </p:sp>
+      <p:pic>
+        <p:nvPicPr>
+          <p:cNvPr id="4" name="图片 3">
+            <a:extLst>
+              <a:ext uri="{FF2B5EF4-FFF2-40B4-BE49-F238E27FC236}">
+                <a16:creationId xmlns:a16="http://schemas.microsoft.com/office/drawing/2014/main" id="{073A1395-5948-606B-6931-5D9EAAE61E31}"/>
+              </a:ext>
+            </a:extLst>
+          </p:cNvPr>
+          <p:cNvPicPr>
+            <a:picLocks noChangeAspect="1"/>
+          </p:cNvPicPr>
+          <p:nvPr/>
+        </p:nvPicPr>
+        <p:blipFill>
+          <a:blip r:embed="rId2"/>
+          <a:stretch>
+            <a:fillRect/>
+          </a:stretch>
+        </p:blipFill>
+        <p:spPr>
+          <a:xfrm>
+            <a:off x="732457" y="1373597"/>
+            <a:ext cx="11132122" cy="2711589"/>
+          </a:xfrm>
+          <a:prstGeom prst="rect">
+            <a:avLst/>
+          </a:prstGeom>
+        </p:spPr>
+      </p:pic>
+      <p:pic>
+        <p:nvPicPr>
+          <p:cNvPr id="6" name="图片 5">
+            <a:extLst>
+              <a:ext uri="{FF2B5EF4-FFF2-40B4-BE49-F238E27FC236}">
+                <a16:creationId xmlns:a16="http://schemas.microsoft.com/office/drawing/2014/main" id="{EA9EB52F-5C6F-FE6D-C92C-29D192B66A6F}"/>
+              </a:ext>
+            </a:extLst>
+          </p:cNvPr>
+          <p:cNvPicPr>
+            <a:picLocks noChangeAspect="1"/>
+          </p:cNvPicPr>
+          <p:nvPr/>
+        </p:nvPicPr>
+        <p:blipFill>
+          <a:blip r:embed="rId3"/>
+          <a:stretch>
+            <a:fillRect/>
+          </a:stretch>
+        </p:blipFill>
+        <p:spPr>
+          <a:xfrm>
+            <a:off x="1133924" y="4357208"/>
+            <a:ext cx="10321646" cy="1974952"/>
+          </a:xfrm>
+          <a:prstGeom prst="rect">
+            <a:avLst/>
+          </a:prstGeom>
+        </p:spPr>
+      </p:pic>
     </p:spTree>
     <p:extLst>
       <p:ext uri="{BB962C8B-B14F-4D97-AF65-F5344CB8AC3E}">
-        <p14:creationId xmlns:p14="http://schemas.microsoft.com/office/powerpoint/2010/main" val="3648905260"/>
+        <p14:creationId xmlns:p14="http://schemas.microsoft.com/office/powerpoint/2010/main" val="4027794579"/>
       </p:ext>
     </p:extLst>
   </p:cSld>
@@ -3942,10 +4403,10 @@
       </p:grpSpPr>
       <p:sp>
         <p:nvSpPr>
-          <p:cNvPr id="3" name="文本框 2">
-            <a:extLst>
-              <a:ext uri="{FF2B5EF4-FFF2-40B4-BE49-F238E27FC236}">
-                <a16:creationId xmlns:a16="http://schemas.microsoft.com/office/drawing/2014/main" id="{91F2C09F-1FCE-E85F-0CCE-6E3DECC4C06D}"/>
+          <p:cNvPr id="2" name="文本框 1">
+            <a:extLst>
+              <a:ext uri="{FF2B5EF4-FFF2-40B4-BE49-F238E27FC236}">
+                <a16:creationId xmlns:a16="http://schemas.microsoft.com/office/drawing/2014/main" id="{D31689D8-2DD6-3E18-538C-D6564613920D}"/>
               </a:ext>
             </a:extLst>
           </p:cNvPr>
@@ -3954,8 +4415,8 @@
         </p:nvSpPr>
         <p:spPr>
           <a:xfrm>
-            <a:off x="207121" y="287876"/>
-            <a:ext cx="4542850" cy="954107"/>
+            <a:off x="207120" y="287876"/>
+            <a:ext cx="7678813" cy="523220"/>
           </a:xfrm>
           <a:prstGeom prst="rect">
             <a:avLst/>
@@ -3981,10 +4442,94 @@
           </a:p>
         </p:txBody>
       </p:sp>
+      <p:sp>
+        <p:nvSpPr>
+          <p:cNvPr id="3" name="文本框 2">
+            <a:extLst>
+              <a:ext uri="{FF2B5EF4-FFF2-40B4-BE49-F238E27FC236}">
+                <a16:creationId xmlns:a16="http://schemas.microsoft.com/office/drawing/2014/main" id="{F7E3AAF8-306D-35DE-9649-EB37AA710DBE}"/>
+              </a:ext>
+            </a:extLst>
+          </p:cNvPr>
+          <p:cNvSpPr txBox="1"/>
+          <p:nvPr/>
+        </p:nvSpPr>
+        <p:spPr>
+          <a:xfrm>
+            <a:off x="1208972" y="2675694"/>
+            <a:ext cx="10794830" cy="1384995"/>
+          </a:xfrm>
+          <a:prstGeom prst="rect">
+            <a:avLst/>
+          </a:prstGeom>
+          <a:noFill/>
+        </p:spPr>
+        <p:txBody>
+          <a:bodyPr wrap="square" rtlCol="0">
+            <a:spAutoFit/>
+          </a:bodyPr>
+          <a:lstStyle/>
+          <a:p>
+            <a:r>
+              <a:rPr lang="en-US" altLang="zh-CN" sz="2800" b="1" dirty="0"/>
+              <a:t>Compared with the naive implementation,</a:t>
+            </a:r>
+          </a:p>
+          <a:p>
+            <a:r>
+              <a:rPr lang="en-US" altLang="zh-CN" sz="2800" b="1" dirty="0"/>
+              <a:t>the memory throughput of the coalesce kernel improves </a:t>
+            </a:r>
+            <a:r>
+              <a:rPr lang="en-US" altLang="zh-CN" sz="2800" b="1" dirty="0">
+                <a:solidFill>
+                  <a:srgbClr val="FF0000"/>
+                </a:solidFill>
+              </a:rPr>
+              <a:t>101%</a:t>
+            </a:r>
+            <a:r>
+              <a:rPr lang="en-US" altLang="zh-CN" sz="2800" b="1" dirty="0"/>
+              <a:t>,</a:t>
+            </a:r>
+          </a:p>
+          <a:p>
+            <a:r>
+              <a:rPr lang="en-US" altLang="zh-CN" sz="2800" b="1" dirty="0"/>
+              <a:t>from </a:t>
+            </a:r>
+            <a:r>
+              <a:rPr lang="en-US" altLang="zh-CN" sz="2800" b="1" dirty="0">
+                <a:solidFill>
+                  <a:srgbClr val="FF0000"/>
+                </a:solidFill>
+              </a:rPr>
+              <a:t>3.85</a:t>
+            </a:r>
+            <a:r>
+              <a:rPr lang="en-US" altLang="zh-CN" sz="2800" b="1" dirty="0"/>
+              <a:t> GB/s to </a:t>
+            </a:r>
+            <a:r>
+              <a:rPr lang="en-US" altLang="zh-CN" sz="2800" b="1" dirty="0">
+                <a:solidFill>
+                  <a:srgbClr val="FF0000"/>
+                </a:solidFill>
+              </a:rPr>
+              <a:t>7.75</a:t>
+            </a:r>
+            <a:r>
+              <a:rPr lang="en-US" altLang="zh-CN" sz="2800" b="1" dirty="0"/>
+              <a:t> GB/s</a:t>
+            </a:r>
+            <a:endParaRPr lang="zh-CN" altLang="en-US" sz="2800" b="1" dirty="0"/>
+          </a:p>
+        </p:txBody>
+      </p:sp>
     </p:spTree>
     <p:extLst>
       <p:ext uri="{BB962C8B-B14F-4D97-AF65-F5344CB8AC3E}">
-        <p14:creationId xmlns:p14="http://schemas.microsoft.com/office/powerpoint/2010/main" val="3801913651"/>
+        <p14:creationId xmlns:p14="http://schemas.microsoft.com/office/powerpoint/2010/main" val="3453839910"/>
       </p:ext>
     </p:extLst>
   </p:cSld>
@@ -4013,10 +4558,10 @@
       </p:grpSpPr>
       <p:sp>
         <p:nvSpPr>
-          <p:cNvPr id="3" name="文本框 2">
-            <a:extLst>
-              <a:ext uri="{FF2B5EF4-FFF2-40B4-BE49-F238E27FC236}">
-                <a16:creationId xmlns:a16="http://schemas.microsoft.com/office/drawing/2014/main" id="{95FBDC81-BD3C-4909-29E2-83E6A06DBD87}"/>
+          <p:cNvPr id="2" name="文本框 1">
+            <a:extLst>
+              <a:ext uri="{FF2B5EF4-FFF2-40B4-BE49-F238E27FC236}">
+                <a16:creationId xmlns:a16="http://schemas.microsoft.com/office/drawing/2014/main" id="{7E42EB8B-B603-420A-3D89-F1AE369AA861}"/>
               </a:ext>
             </a:extLst>
           </p:cNvPr>
@@ -4025,8 +4570,8 @@
         </p:nvSpPr>
         <p:spPr>
           <a:xfrm>
-            <a:off x="593746" y="431769"/>
-            <a:ext cx="4064171" cy="584775"/>
+            <a:off x="207120" y="287876"/>
+            <a:ext cx="7678813" cy="523220"/>
           </a:xfrm>
           <a:prstGeom prst="rect">
             <a:avLst/>
@@ -4039,7 +4584,138 @@
           </a:bodyPr>
           <a:lstStyle/>
           <a:p>
-            <a:pPr marR="0" lvl="0" algn="l" defTabSz="914400" rtl="0" eaLnBrk="1" fontAlgn="auto" latinLnBrk="0" hangingPunct="1">
+            <a:r>
+              <a:rPr lang="en-US" altLang="zh-CN" sz="2800" b="1" dirty="0">
+                <a:solidFill>
+                  <a:schemeClr val="accent6">
+                    <a:lumMod val="75000"/>
+                  </a:schemeClr>
+                </a:solidFill>
+              </a:rPr>
+              <a:t>Optimization worklog and concept illustration</a:t>
+            </a:r>
+          </a:p>
+        </p:txBody>
+      </p:sp>
+      <p:pic>
+        <p:nvPicPr>
+          <p:cNvPr id="4" name="图片 3">
+            <a:extLst>
+              <a:ext uri="{FF2B5EF4-FFF2-40B4-BE49-F238E27FC236}">
+                <a16:creationId xmlns:a16="http://schemas.microsoft.com/office/drawing/2014/main" id="{D4227879-1A90-B413-A0C5-C5BFDEB42615}"/>
+              </a:ext>
+            </a:extLst>
+          </p:cNvPr>
+          <p:cNvPicPr>
+            <a:picLocks noChangeAspect="1"/>
+          </p:cNvPicPr>
+          <p:nvPr/>
+        </p:nvPicPr>
+        <p:blipFill>
+          <a:blip r:embed="rId2"/>
+          <a:stretch>
+            <a:fillRect/>
+          </a:stretch>
+        </p:blipFill>
+        <p:spPr>
+          <a:xfrm>
+            <a:off x="638773" y="1208972"/>
+            <a:ext cx="5915002" cy="5243992"/>
+          </a:xfrm>
+          <a:prstGeom prst="rect">
+            <a:avLst/>
+          </a:prstGeom>
+        </p:spPr>
+      </p:pic>
+      <p:pic>
+        <p:nvPicPr>
+          <p:cNvPr id="6" name="图片 5">
+            <a:extLst>
+              <a:ext uri="{FF2B5EF4-FFF2-40B4-BE49-F238E27FC236}">
+                <a16:creationId xmlns:a16="http://schemas.microsoft.com/office/drawing/2014/main" id="{9F922FFD-2EBE-0AFF-6AEF-D539C264D968}"/>
+              </a:ext>
+            </a:extLst>
+          </p:cNvPr>
+          <p:cNvPicPr>
+            <a:picLocks noChangeAspect="1"/>
+          </p:cNvPicPr>
+          <p:nvPr/>
+        </p:nvPicPr>
+        <p:blipFill>
+          <a:blip r:embed="rId3"/>
+          <a:stretch>
+            <a:fillRect/>
+          </a:stretch>
+        </p:blipFill>
+        <p:spPr>
+          <a:xfrm>
+            <a:off x="7247694" y="1760054"/>
+            <a:ext cx="4160428" cy="4024639"/>
+          </a:xfrm>
+          <a:prstGeom prst="rect">
+            <a:avLst/>
+          </a:prstGeom>
+        </p:spPr>
+      </p:pic>
+    </p:spTree>
+    <p:extLst>
+      <p:ext uri="{BB962C8B-B14F-4D97-AF65-F5344CB8AC3E}">
+        <p14:creationId xmlns:p14="http://schemas.microsoft.com/office/powerpoint/2010/main" val="2291093937"/>
+      </p:ext>
+    </p:extLst>
+  </p:cSld>
+  <p:clrMapOvr>
+    <a:masterClrMapping/>
+  </p:clrMapOvr>
+</p:sld>
+</file>
+
+<file path=ppt/slides/slide14.xml><?xml version="1.0" encoding="utf-8"?>
+<p:sld xmlns:a="http://schemas.openxmlformats.org/drawingml/2006/main" xmlns:r="http://schemas.openxmlformats.org/officeDocument/2006/relationships" xmlns:p="http://schemas.openxmlformats.org/presentationml/2006/main">
+  <p:cSld>
+    <p:spTree>
+      <p:nvGrpSpPr>
+        <p:cNvPr id="1" name=""/>
+        <p:cNvGrpSpPr/>
+        <p:nvPr/>
+      </p:nvGrpSpPr>
+      <p:grpSpPr>
+        <a:xfrm>
+          <a:off x="0" y="0"/>
+          <a:ext cx="0" cy="0"/>
+          <a:chOff x="0" y="0"/>
+          <a:chExt cx="0" cy="0"/>
+        </a:xfrm>
+      </p:grpSpPr>
+      <p:sp>
+        <p:nvSpPr>
+          <p:cNvPr id="2" name="文本框 1">
+            <a:extLst>
+              <a:ext uri="{FF2B5EF4-FFF2-40B4-BE49-F238E27FC236}">
+                <a16:creationId xmlns:a16="http://schemas.microsoft.com/office/drawing/2014/main" id="{7E42EB8B-B603-420A-3D89-F1AE369AA861}"/>
+              </a:ext>
+            </a:extLst>
+          </p:cNvPr>
+          <p:cNvSpPr txBox="1"/>
+          <p:nvPr/>
+        </p:nvSpPr>
+        <p:spPr>
+          <a:xfrm>
+            <a:off x="207120" y="287876"/>
+            <a:ext cx="7678813" cy="523220"/>
+          </a:xfrm>
+          <a:prstGeom prst="rect">
+            <a:avLst/>
+          </a:prstGeom>
+          <a:noFill/>
+        </p:spPr>
+        <p:txBody>
+          <a:bodyPr wrap="square">
+            <a:spAutoFit/>
+          </a:bodyPr>
+          <a:lstStyle/>
+          <a:p>
+            <a:pPr marL="0" marR="0" lvl="0" indent="0" algn="l" defTabSz="914400" rtl="0" eaLnBrk="1" fontAlgn="auto" latinLnBrk="0" hangingPunct="1">
               <a:lnSpc>
                 <a:spcPct val="100000"/>
               </a:lnSpc>
@@ -4051,18 +4727,19 @@
               </a:spcAft>
               <a:buClrTx/>
               <a:buSzTx/>
+              <a:buFontTx/>
+              <a:buNone/>
               <a:tabLst/>
               <a:defRPr/>
             </a:pPr>
             <a:r>
-              <a:rPr kumimoji="0" lang="en-US" altLang="zh-CN" sz="3200" b="1" i="0" u="none" strike="noStrike" kern="1200" cap="none" spc="0" normalizeH="0" baseline="0" noProof="0" dirty="0">
+              <a:rPr kumimoji="0" lang="en-US" altLang="zh-CN" sz="2800" b="1" i="0" u="none" strike="noStrike" kern="1200" cap="none" spc="0" normalizeH="0" baseline="0" noProof="0" dirty="0">
                 <a:ln>
                   <a:noFill/>
                 </a:ln>
                 <a:solidFill>
-                  <a:srgbClr val="ED7D31">
-                    <a:lumMod val="60000"/>
-                    <a:lumOff val="40000"/>
+                  <a:srgbClr val="70AD47">
+                    <a:lumMod val="75000"/>
                   </a:srgbClr>
                 </a:solidFill>
                 <a:effectLst/>
@@ -4072,95 +4749,910 @@
                 <a:ea typeface="等线" panose="02010600030101010101" pitchFamily="2" charset="-122"/>
                 <a:cs typeface="+mn-cs"/>
               </a:rPr>
-              <a:t>Todo</a:t>
-            </a:r>
-            <a:r>
-              <a:rPr kumimoji="0" lang="zh-CN" altLang="en-US" sz="3200" b="1" i="0" u="none" strike="noStrike" kern="1200" cap="none" spc="0" normalizeH="0" baseline="0" noProof="0" dirty="0">
-                <a:ln>
-                  <a:noFill/>
-                </a:ln>
+              <a:t>Optimization worklog and concept illustration</a:t>
+            </a:r>
+          </a:p>
+        </p:txBody>
+      </p:sp>
+      <p:sp>
+        <p:nvSpPr>
+          <p:cNvPr id="3" name="文本框 2">
+            <a:extLst>
+              <a:ext uri="{FF2B5EF4-FFF2-40B4-BE49-F238E27FC236}">
+                <a16:creationId xmlns:a16="http://schemas.microsoft.com/office/drawing/2014/main" id="{3BD7FCD3-7208-F786-89B8-D6C098FD1EA8}"/>
+              </a:ext>
+            </a:extLst>
+          </p:cNvPr>
+          <p:cNvSpPr txBox="1"/>
+          <p:nvPr/>
+        </p:nvSpPr>
+        <p:spPr>
+          <a:xfrm>
+            <a:off x="1638556" y="2460902"/>
+            <a:ext cx="10058400" cy="1508105"/>
+          </a:xfrm>
+          <a:prstGeom prst="rect">
+            <a:avLst/>
+          </a:prstGeom>
+          <a:noFill/>
+        </p:spPr>
+        <p:txBody>
+          <a:bodyPr wrap="square" rtlCol="0">
+            <a:spAutoFit/>
+          </a:bodyPr>
+          <a:lstStyle/>
+          <a:p>
+            <a:r>
+              <a:rPr lang="en-US" altLang="zh-CN" sz="2800" b="1" dirty="0"/>
+              <a:t>By using shared memory, the flops now is </a:t>
+            </a:r>
+            <a:r>
+              <a:rPr lang="en-US" altLang="zh-CN" sz="2800" b="1" dirty="0">
                 <a:solidFill>
-                  <a:srgbClr val="ED7D31">
-                    <a:lumMod val="60000"/>
-                    <a:lumOff val="40000"/>
-                  </a:srgbClr>
+                  <a:srgbClr val="FF0000"/>
                 </a:solidFill>
-                <a:effectLst/>
-                <a:uLnTx/>
-                <a:uFillTx/>
-                <a:latin typeface="等线" panose="020F0502020204030204"/>
-                <a:ea typeface="等线" panose="02010600030101010101" pitchFamily="2" charset="-122"/>
-                <a:cs typeface="+mn-cs"/>
               </a:rPr>
-              <a:t> </a:t>
-            </a:r>
-            <a:r>
-              <a:rPr kumimoji="0" lang="en-US" altLang="zh-CN" sz="3200" b="1" i="0" u="none" strike="noStrike" kern="1200" cap="none" spc="0" normalizeH="0" baseline="0" noProof="0" dirty="0">
-                <a:ln>
-                  <a:noFill/>
-                </a:ln>
+              <a:t>1.60E12</a:t>
+            </a:r>
+            <a:r>
+              <a:rPr lang="en-US" altLang="zh-CN" sz="2800" b="1" dirty="0"/>
+              <a:t> ,</a:t>
+            </a:r>
+          </a:p>
+          <a:p>
+            <a:r>
+              <a:rPr lang="en-US" altLang="zh-CN" sz="2800" b="1" dirty="0"/>
+              <a:t>compared to the coalesce kernel, which has </a:t>
+            </a:r>
+            <a:r>
+              <a:rPr lang="en-US" altLang="zh-CN" sz="2800" b="1" dirty="0">
                 <a:solidFill>
-                  <a:srgbClr val="ED7D31">
-                    <a:lumMod val="60000"/>
-                    <a:lumOff val="40000"/>
-                  </a:srgbClr>
+                  <a:srgbClr val="FF0000"/>
                 </a:solidFill>
-                <a:effectLst/>
-                <a:uLnTx/>
-                <a:uFillTx/>
-                <a:latin typeface="等线" panose="020F0502020204030204"/>
-                <a:ea typeface="等线" panose="02010600030101010101" pitchFamily="2" charset="-122"/>
-                <a:cs typeface="+mn-cs"/>
               </a:rPr>
-              <a:t>and</a:t>
-            </a:r>
-            <a:r>
-              <a:rPr kumimoji="0" lang="zh-CN" altLang="en-US" sz="3200" b="1" i="0" u="none" strike="noStrike" kern="1200" cap="none" spc="0" normalizeH="0" baseline="0" noProof="0" dirty="0">
-                <a:ln>
-                  <a:noFill/>
-                </a:ln>
-                <a:solidFill>
-                  <a:srgbClr val="ED7D31">
-                    <a:lumMod val="60000"/>
-                    <a:lumOff val="40000"/>
-                  </a:srgbClr>
-                </a:solidFill>
-                <a:effectLst/>
-                <a:uLnTx/>
-                <a:uFillTx/>
-                <a:latin typeface="等线" panose="020F0502020204030204"/>
-                <a:ea typeface="等线" panose="02010600030101010101" pitchFamily="2" charset="-122"/>
-                <a:cs typeface="+mn-cs"/>
-              </a:rPr>
-              <a:t> </a:t>
-            </a:r>
-            <a:r>
-              <a:rPr kumimoji="0" lang="en-US" altLang="zh-CN" sz="3200" b="1" i="0" u="none" strike="noStrike" kern="1200" cap="none" spc="0" normalizeH="0" baseline="0" noProof="0" dirty="0">
-                <a:ln>
-                  <a:noFill/>
-                </a:ln>
-                <a:solidFill>
-                  <a:srgbClr val="ED7D31">
-                    <a:lumMod val="60000"/>
-                    <a:lumOff val="40000"/>
-                  </a:srgbClr>
-                </a:solidFill>
-                <a:effectLst/>
-                <a:uLnTx/>
-                <a:uFillTx/>
-                <a:latin typeface="等线" panose="020F0502020204030204"/>
-                <a:ea typeface="等线" panose="02010600030101010101" pitchFamily="2" charset="-122"/>
-                <a:cs typeface="+mn-cs"/>
-              </a:rPr>
-              <a:t>confusion</a:t>
-            </a:r>
+              <a:t>1.16E12 flops</a:t>
+            </a:r>
+            <a:r>
+              <a:rPr lang="en-US" altLang="zh-CN" sz="2800" b="1" dirty="0"/>
+              <a:t>.</a:t>
+            </a:r>
+          </a:p>
+          <a:p>
+            <a:endParaRPr lang="en-US" altLang="zh-CN" dirty="0"/>
+          </a:p>
+          <a:p>
+            <a:endParaRPr lang="zh-CN" altLang="en-US" dirty="0"/>
           </a:p>
         </p:txBody>
       </p:sp>
     </p:spTree>
     <p:extLst>
       <p:ext uri="{BB962C8B-B14F-4D97-AF65-F5344CB8AC3E}">
-        <p14:creationId xmlns:p14="http://schemas.microsoft.com/office/powerpoint/2010/main" val="501055896"/>
+        <p14:creationId xmlns:p14="http://schemas.microsoft.com/office/powerpoint/2010/main" val="3174510419"/>
+      </p:ext>
+    </p:extLst>
+  </p:cSld>
+  <p:clrMapOvr>
+    <a:masterClrMapping/>
+  </p:clrMapOvr>
+</p:sld>
+</file>
+
+<file path=ppt/slides/slide15.xml><?xml version="1.0" encoding="utf-8"?>
+<p:sld xmlns:a="http://schemas.openxmlformats.org/drawingml/2006/main" xmlns:r="http://schemas.openxmlformats.org/officeDocument/2006/relationships" xmlns:p="http://schemas.openxmlformats.org/presentationml/2006/main">
+  <p:cSld>
+    <p:spTree>
+      <p:nvGrpSpPr>
+        <p:cNvPr id="1" name=""/>
+        <p:cNvGrpSpPr/>
+        <p:nvPr/>
+      </p:nvGrpSpPr>
+      <p:grpSpPr>
+        <a:xfrm>
+          <a:off x="0" y="0"/>
+          <a:ext cx="0" cy="0"/>
+          <a:chOff x="0" y="0"/>
+          <a:chExt cx="0" cy="0"/>
+        </a:xfrm>
+      </p:grpSpPr>
+      <p:sp>
+        <p:nvSpPr>
+          <p:cNvPr id="2" name="文本框 1">
+            <a:extLst>
+              <a:ext uri="{FF2B5EF4-FFF2-40B4-BE49-F238E27FC236}">
+                <a16:creationId xmlns:a16="http://schemas.microsoft.com/office/drawing/2014/main" id="{7E42EB8B-B603-420A-3D89-F1AE369AA861}"/>
+              </a:ext>
+            </a:extLst>
+          </p:cNvPr>
+          <p:cNvSpPr txBox="1"/>
+          <p:nvPr/>
+        </p:nvSpPr>
+        <p:spPr>
+          <a:xfrm>
+            <a:off x="207120" y="287876"/>
+            <a:ext cx="7678813" cy="523220"/>
+          </a:xfrm>
+          <a:prstGeom prst="rect">
+            <a:avLst/>
+          </a:prstGeom>
+          <a:noFill/>
+        </p:spPr>
+        <p:txBody>
+          <a:bodyPr wrap="square">
+            <a:spAutoFit/>
+          </a:bodyPr>
+          <a:lstStyle/>
+          <a:p>
+            <a:r>
+              <a:rPr lang="en-US" altLang="zh-CN" sz="2800" b="1" dirty="0">
+                <a:solidFill>
+                  <a:schemeClr val="accent6">
+                    <a:lumMod val="75000"/>
+                  </a:schemeClr>
+                </a:solidFill>
+              </a:rPr>
+              <a:t>Optimization worklog and concept illustration</a:t>
+            </a:r>
+          </a:p>
+        </p:txBody>
+      </p:sp>
+      <p:sp>
+        <p:nvSpPr>
+          <p:cNvPr id="3" name="文本框 2">
+            <a:extLst>
+              <a:ext uri="{FF2B5EF4-FFF2-40B4-BE49-F238E27FC236}">
+                <a16:creationId xmlns:a16="http://schemas.microsoft.com/office/drawing/2014/main" id="{6688753B-5213-C3A1-2023-FC0169AEFF99}"/>
+              </a:ext>
+            </a:extLst>
+          </p:cNvPr>
+          <p:cNvSpPr txBox="1"/>
+          <p:nvPr/>
+        </p:nvSpPr>
+        <p:spPr>
+          <a:xfrm>
+            <a:off x="988043" y="1178287"/>
+            <a:ext cx="7634319" cy="677108"/>
+          </a:xfrm>
+          <a:prstGeom prst="rect">
+            <a:avLst/>
+          </a:prstGeom>
+          <a:noFill/>
+        </p:spPr>
+        <p:txBody>
+          <a:bodyPr wrap="square" rtlCol="0">
+            <a:spAutoFit/>
+          </a:bodyPr>
+          <a:lstStyle/>
+          <a:p>
+            <a:r>
+              <a:rPr lang="en-US" altLang="zh-CN" sz="2000" b="1" dirty="0"/>
+              <a:t>By profiling the tiled kernel, I can tell that:</a:t>
+            </a:r>
+          </a:p>
+          <a:p>
+            <a:endParaRPr lang="en-US" altLang="zh-CN" dirty="0"/>
+          </a:p>
+        </p:txBody>
+      </p:sp>
+      <p:pic>
+        <p:nvPicPr>
+          <p:cNvPr id="7" name="图片 6" descr="图形用户界面&#10;&#10;中度可信度描述已自动生成">
+            <a:extLst>
+              <a:ext uri="{FF2B5EF4-FFF2-40B4-BE49-F238E27FC236}">
+                <a16:creationId xmlns:a16="http://schemas.microsoft.com/office/drawing/2014/main" id="{84B56ED8-4630-9AFE-B3BA-C40B7C4A13B7}"/>
+              </a:ext>
+            </a:extLst>
+          </p:cNvPr>
+          <p:cNvPicPr>
+            <a:picLocks noChangeAspect="1"/>
+          </p:cNvPicPr>
+          <p:nvPr/>
+        </p:nvPicPr>
+        <p:blipFill>
+          <a:blip r:embed="rId2">
+            <a:extLst>
+              <a:ext uri="{28A0092B-C50C-407E-A947-70E740481C1C}">
+                <a14:useLocalDpi xmlns:a14="http://schemas.microsoft.com/office/drawing/2010/main" val="0"/>
+              </a:ext>
+            </a:extLst>
+          </a:blip>
+          <a:stretch>
+            <a:fillRect/>
+          </a:stretch>
+        </p:blipFill>
+        <p:spPr>
+          <a:xfrm>
+            <a:off x="668922" y="1921069"/>
+            <a:ext cx="11326695" cy="3624120"/>
+          </a:xfrm>
+          <a:prstGeom prst="rect">
+            <a:avLst/>
+          </a:prstGeom>
+        </p:spPr>
+      </p:pic>
+    </p:spTree>
+    <p:extLst>
+      <p:ext uri="{BB962C8B-B14F-4D97-AF65-F5344CB8AC3E}">
+        <p14:creationId xmlns:p14="http://schemas.microsoft.com/office/powerpoint/2010/main" val="1714328839"/>
+      </p:ext>
+    </p:extLst>
+  </p:cSld>
+  <p:clrMapOvr>
+    <a:masterClrMapping/>
+  </p:clrMapOvr>
+</p:sld>
+</file>
+
+<file path=ppt/slides/slide16.xml><?xml version="1.0" encoding="utf-8"?>
+<p:sld xmlns:a="http://schemas.openxmlformats.org/drawingml/2006/main" xmlns:r="http://schemas.openxmlformats.org/officeDocument/2006/relationships" xmlns:p="http://schemas.openxmlformats.org/presentationml/2006/main">
+  <p:cSld>
+    <p:spTree>
+      <p:nvGrpSpPr>
+        <p:cNvPr id="1" name=""/>
+        <p:cNvGrpSpPr/>
+        <p:nvPr/>
+      </p:nvGrpSpPr>
+      <p:grpSpPr>
+        <a:xfrm>
+          <a:off x="0" y="0"/>
+          <a:ext cx="0" cy="0"/>
+          <a:chOff x="0" y="0"/>
+          <a:chExt cx="0" cy="0"/>
+        </a:xfrm>
+      </p:grpSpPr>
+      <p:sp>
+        <p:nvSpPr>
+          <p:cNvPr id="2" name="文本框 1">
+            <a:extLst>
+              <a:ext uri="{FF2B5EF4-FFF2-40B4-BE49-F238E27FC236}">
+                <a16:creationId xmlns:a16="http://schemas.microsoft.com/office/drawing/2014/main" id="{7E42EB8B-B603-420A-3D89-F1AE369AA861}"/>
+              </a:ext>
+            </a:extLst>
+          </p:cNvPr>
+          <p:cNvSpPr txBox="1"/>
+          <p:nvPr/>
+        </p:nvSpPr>
+        <p:spPr>
+          <a:xfrm>
+            <a:off x="207120" y="287876"/>
+            <a:ext cx="7678813" cy="523220"/>
+          </a:xfrm>
+          <a:prstGeom prst="rect">
+            <a:avLst/>
+          </a:prstGeom>
+          <a:noFill/>
+        </p:spPr>
+        <p:txBody>
+          <a:bodyPr wrap="square">
+            <a:spAutoFit/>
+          </a:bodyPr>
+          <a:lstStyle/>
+          <a:p>
+            <a:r>
+              <a:rPr lang="en-US" altLang="zh-CN" sz="2800" b="1" dirty="0">
+                <a:solidFill>
+                  <a:schemeClr val="accent6">
+                    <a:lumMod val="75000"/>
+                  </a:schemeClr>
+                </a:solidFill>
+              </a:rPr>
+              <a:t>Optimization worklog and concept illustration</a:t>
+            </a:r>
+          </a:p>
+        </p:txBody>
+      </p:sp>
+      <p:sp>
+        <p:nvSpPr>
+          <p:cNvPr id="4" name="文本框 3">
+            <a:extLst>
+              <a:ext uri="{FF2B5EF4-FFF2-40B4-BE49-F238E27FC236}">
+                <a16:creationId xmlns:a16="http://schemas.microsoft.com/office/drawing/2014/main" id="{CEA24BCF-11FC-849B-3653-3B78C5277582}"/>
+              </a:ext>
+            </a:extLst>
+          </p:cNvPr>
+          <p:cNvSpPr txBox="1"/>
+          <p:nvPr/>
+        </p:nvSpPr>
+        <p:spPr>
+          <a:xfrm>
+            <a:off x="955824" y="1307991"/>
+            <a:ext cx="10642941" cy="4708981"/>
+          </a:xfrm>
+          <a:prstGeom prst="rect">
+            <a:avLst/>
+          </a:prstGeom>
+          <a:noFill/>
+        </p:spPr>
+        <p:txBody>
+          <a:bodyPr wrap="square">
+            <a:spAutoFit/>
+          </a:bodyPr>
+          <a:lstStyle/>
+          <a:p>
+            <a:r>
+              <a:rPr lang="en-US" altLang="zh-CN" sz="2000" b="1" dirty="0"/>
+              <a:t>Thread coarsening: make each thread do more things.</a:t>
+            </a:r>
+          </a:p>
+          <a:p>
+            <a:endParaRPr lang="en-US" altLang="zh-CN" sz="2000" b="1" dirty="0"/>
+          </a:p>
+          <a:p>
+            <a:r>
+              <a:rPr lang="en-US" altLang="zh-CN" sz="2000" b="1" dirty="0"/>
+              <a:t>A simple idea is one thread now load and compute more elements.</a:t>
+            </a:r>
+          </a:p>
+          <a:p>
+            <a:endParaRPr lang="en-US" altLang="zh-CN" sz="2000" b="1" dirty="0"/>
+          </a:p>
+          <a:p>
+            <a:r>
+              <a:rPr lang="en-US" altLang="zh-CN" sz="2000" b="1" dirty="0"/>
+              <a:t>Another idea is to change the size of A_TILE and B_TILE, this doesn’t change the global load to compute C_TILE, but makes each thread compute more elements.</a:t>
+            </a:r>
+          </a:p>
+          <a:p>
+            <a:endParaRPr lang="en-US" altLang="zh-CN" sz="2000" b="1" dirty="0"/>
+          </a:p>
+          <a:p>
+            <a:r>
+              <a:rPr lang="en-US" altLang="zh-CN" sz="2000" b="1" dirty="0"/>
+              <a:t>For example:</a:t>
+            </a:r>
+          </a:p>
+          <a:p>
+            <a:endParaRPr lang="en-US" altLang="zh-CN" sz="2000" b="1" dirty="0"/>
+          </a:p>
+          <a:p>
+            <a:endParaRPr lang="en-US" altLang="zh-CN" sz="2000" b="1" dirty="0"/>
+          </a:p>
+          <a:p>
+            <a:r>
+              <a:rPr lang="en-US" altLang="zh-CN" sz="2000" b="1" dirty="0" err="1"/>
+              <a:t>i</a:t>
+            </a:r>
+            <a:r>
+              <a:rPr lang="en-US" altLang="zh-CN" sz="2000" b="1" dirty="0"/>
+              <a:t>)  A_TILE = 64 x 64, B_TILE = 64 x 64</a:t>
+            </a:r>
+          </a:p>
+          <a:p>
+            <a:r>
+              <a:rPr lang="en-US" altLang="zh-CN" sz="2000" b="1" dirty="0"/>
+              <a:t>ii) A_TILE = 64 x 8,   B_TILE = 8 x 64</a:t>
+            </a:r>
+          </a:p>
+          <a:p>
+            <a:endParaRPr lang="en-US" altLang="zh-CN" sz="2000" b="1" dirty="0"/>
+          </a:p>
+          <a:p>
+            <a:r>
+              <a:rPr lang="en-US" altLang="zh-CN" sz="2000" b="1" dirty="0"/>
+              <a:t>Both results in a 64 x 64 C_ACCUMULATE.</a:t>
+            </a:r>
+          </a:p>
+          <a:p>
+            <a:r>
+              <a:rPr lang="en-US" altLang="zh-CN" sz="2000" b="1" dirty="0"/>
+              <a:t>If </a:t>
+            </a:r>
+            <a:r>
+              <a:rPr lang="en-US" altLang="zh-CN" sz="2000" b="1" dirty="0" err="1"/>
+              <a:t>i</a:t>
+            </a:r>
+            <a:r>
+              <a:rPr lang="en-US" altLang="zh-CN" sz="2000" b="1" dirty="0"/>
+              <a:t>) and ii) share the same launch settings, threads in ii) compute 8x elements.</a:t>
+            </a:r>
+          </a:p>
+        </p:txBody>
+      </p:sp>
+    </p:spTree>
+    <p:extLst>
+      <p:ext uri="{BB962C8B-B14F-4D97-AF65-F5344CB8AC3E}">
+        <p14:creationId xmlns:p14="http://schemas.microsoft.com/office/powerpoint/2010/main" val="3486770759"/>
+      </p:ext>
+    </p:extLst>
+  </p:cSld>
+  <p:clrMapOvr>
+    <a:masterClrMapping/>
+  </p:clrMapOvr>
+</p:sld>
+</file>
+
+<file path=ppt/slides/slide17.xml><?xml version="1.0" encoding="utf-8"?>
+<p:sld xmlns:a="http://schemas.openxmlformats.org/drawingml/2006/main" xmlns:r="http://schemas.openxmlformats.org/officeDocument/2006/relationships" xmlns:p="http://schemas.openxmlformats.org/presentationml/2006/main">
+  <p:cSld>
+    <p:spTree>
+      <p:nvGrpSpPr>
+        <p:cNvPr id="1" name=""/>
+        <p:cNvGrpSpPr/>
+        <p:nvPr/>
+      </p:nvGrpSpPr>
+      <p:grpSpPr>
+        <a:xfrm>
+          <a:off x="0" y="0"/>
+          <a:ext cx="0" cy="0"/>
+          <a:chOff x="0" y="0"/>
+          <a:chExt cx="0" cy="0"/>
+        </a:xfrm>
+      </p:grpSpPr>
+      <p:sp>
+        <p:nvSpPr>
+          <p:cNvPr id="2" name="文本框 1">
+            <a:extLst>
+              <a:ext uri="{FF2B5EF4-FFF2-40B4-BE49-F238E27FC236}">
+                <a16:creationId xmlns:a16="http://schemas.microsoft.com/office/drawing/2014/main" id="{7E42EB8B-B603-420A-3D89-F1AE369AA861}"/>
+              </a:ext>
+            </a:extLst>
+          </p:cNvPr>
+          <p:cNvSpPr txBox="1"/>
+          <p:nvPr/>
+        </p:nvSpPr>
+        <p:spPr>
+          <a:xfrm>
+            <a:off x="207120" y="287876"/>
+            <a:ext cx="7678813" cy="523220"/>
+          </a:xfrm>
+          <a:prstGeom prst="rect">
+            <a:avLst/>
+          </a:prstGeom>
+          <a:noFill/>
+        </p:spPr>
+        <p:txBody>
+          <a:bodyPr wrap="square">
+            <a:spAutoFit/>
+          </a:bodyPr>
+          <a:lstStyle/>
+          <a:p>
+            <a:r>
+              <a:rPr lang="en-US" altLang="zh-CN" sz="2800" b="1" dirty="0">
+                <a:solidFill>
+                  <a:schemeClr val="accent6">
+                    <a:lumMod val="75000"/>
+                  </a:schemeClr>
+                </a:solidFill>
+              </a:rPr>
+              <a:t>Optimization worklog and concept illustration</a:t>
+            </a:r>
+          </a:p>
+        </p:txBody>
+      </p:sp>
+      <p:pic>
+        <p:nvPicPr>
+          <p:cNvPr id="6" name="图片 5">
+            <a:extLst>
+              <a:ext uri="{FF2B5EF4-FFF2-40B4-BE49-F238E27FC236}">
+                <a16:creationId xmlns:a16="http://schemas.microsoft.com/office/drawing/2014/main" id="{D06C2349-63EC-CC63-564A-BDB1A58AA8D8}"/>
+              </a:ext>
+            </a:extLst>
+          </p:cNvPr>
+          <p:cNvPicPr>
+            <a:picLocks noChangeAspect="1"/>
+          </p:cNvPicPr>
+          <p:nvPr/>
+        </p:nvPicPr>
+        <p:blipFill>
+          <a:blip r:embed="rId2"/>
+          <a:stretch>
+            <a:fillRect/>
+          </a:stretch>
+        </p:blipFill>
+        <p:spPr>
+          <a:xfrm>
+            <a:off x="1389295" y="1883716"/>
+            <a:ext cx="9413410" cy="2455082"/>
+          </a:xfrm>
+          <a:prstGeom prst="rect">
+            <a:avLst/>
+          </a:prstGeom>
+        </p:spPr>
+      </p:pic>
+      <p:sp>
+        <p:nvSpPr>
+          <p:cNvPr id="7" name="文本框 6">
+            <a:extLst>
+              <a:ext uri="{FF2B5EF4-FFF2-40B4-BE49-F238E27FC236}">
+                <a16:creationId xmlns:a16="http://schemas.microsoft.com/office/drawing/2014/main" id="{34BC011E-3D17-DA76-1E5C-61DB9926290E}"/>
+              </a:ext>
+            </a:extLst>
+          </p:cNvPr>
+          <p:cNvSpPr txBox="1"/>
+          <p:nvPr/>
+        </p:nvSpPr>
+        <p:spPr>
+          <a:xfrm>
+            <a:off x="2788204" y="5455716"/>
+            <a:ext cx="6615592" cy="461665"/>
+          </a:xfrm>
+          <a:prstGeom prst="rect">
+            <a:avLst/>
+          </a:prstGeom>
+          <a:noFill/>
+        </p:spPr>
+        <p:txBody>
+          <a:bodyPr wrap="square" rtlCol="0">
+            <a:spAutoFit/>
+          </a:bodyPr>
+          <a:lstStyle/>
+          <a:p>
+            <a:r>
+              <a:rPr lang="en-US" altLang="zh-CN" sz="2400" b="1" dirty="0"/>
+              <a:t>I will illustrate this kernel more specifically</a:t>
+            </a:r>
+            <a:endParaRPr lang="zh-CN" altLang="en-US" sz="2400" b="1" dirty="0"/>
+          </a:p>
+        </p:txBody>
+      </p:sp>
+    </p:spTree>
+    <p:extLst>
+      <p:ext uri="{BB962C8B-B14F-4D97-AF65-F5344CB8AC3E}">
+        <p14:creationId xmlns:p14="http://schemas.microsoft.com/office/powerpoint/2010/main" val="2525235537"/>
+      </p:ext>
+    </p:extLst>
+  </p:cSld>
+  <p:clrMapOvr>
+    <a:masterClrMapping/>
+  </p:clrMapOvr>
+</p:sld>
+</file>
+
+<file path=ppt/slides/slide18.xml><?xml version="1.0" encoding="utf-8"?>
+<p:sld xmlns:a="http://schemas.openxmlformats.org/drawingml/2006/main" xmlns:r="http://schemas.openxmlformats.org/officeDocument/2006/relationships" xmlns:p="http://schemas.openxmlformats.org/presentationml/2006/main">
+  <p:cSld>
+    <p:spTree>
+      <p:nvGrpSpPr>
+        <p:cNvPr id="1" name=""/>
+        <p:cNvGrpSpPr/>
+        <p:nvPr/>
+      </p:nvGrpSpPr>
+      <p:grpSpPr>
+        <a:xfrm>
+          <a:off x="0" y="0"/>
+          <a:ext cx="0" cy="0"/>
+          <a:chOff x="0" y="0"/>
+          <a:chExt cx="0" cy="0"/>
+        </a:xfrm>
+      </p:grpSpPr>
+      <p:sp>
+        <p:nvSpPr>
+          <p:cNvPr id="2" name="文本框 1">
+            <a:extLst>
+              <a:ext uri="{FF2B5EF4-FFF2-40B4-BE49-F238E27FC236}">
+                <a16:creationId xmlns:a16="http://schemas.microsoft.com/office/drawing/2014/main" id="{E9E5EDD4-E834-ACA9-751C-DABEBA015FFB}"/>
+              </a:ext>
+            </a:extLst>
+          </p:cNvPr>
+          <p:cNvSpPr txBox="1"/>
+          <p:nvPr/>
+        </p:nvSpPr>
+        <p:spPr>
+          <a:xfrm>
+            <a:off x="207120" y="287876"/>
+            <a:ext cx="7678813" cy="523220"/>
+          </a:xfrm>
+          <a:prstGeom prst="rect">
+            <a:avLst/>
+          </a:prstGeom>
+          <a:noFill/>
+        </p:spPr>
+        <p:txBody>
+          <a:bodyPr wrap="square">
+            <a:spAutoFit/>
+          </a:bodyPr>
+          <a:lstStyle/>
+          <a:p>
+            <a:r>
+              <a:rPr lang="en-US" altLang="zh-CN" sz="2800" b="1" dirty="0">
+                <a:solidFill>
+                  <a:schemeClr val="accent6">
+                    <a:lumMod val="75000"/>
+                  </a:schemeClr>
+                </a:solidFill>
+              </a:rPr>
+              <a:t>Optimization worklog and concept illustration</a:t>
+            </a:r>
+          </a:p>
+        </p:txBody>
+      </p:sp>
+      <p:sp>
+        <p:nvSpPr>
+          <p:cNvPr id="3" name="文本框 2">
+            <a:extLst>
+              <a:ext uri="{FF2B5EF4-FFF2-40B4-BE49-F238E27FC236}">
+                <a16:creationId xmlns:a16="http://schemas.microsoft.com/office/drawing/2014/main" id="{61ED71CA-971E-9972-207D-81A937F5BA20}"/>
+              </a:ext>
+            </a:extLst>
+          </p:cNvPr>
+          <p:cNvSpPr txBox="1"/>
+          <p:nvPr/>
+        </p:nvSpPr>
+        <p:spPr>
+          <a:xfrm>
+            <a:off x="262352" y="1227383"/>
+            <a:ext cx="10082947" cy="523220"/>
+          </a:xfrm>
+          <a:prstGeom prst="rect">
+            <a:avLst/>
+          </a:prstGeom>
+          <a:noFill/>
+        </p:spPr>
+        <p:txBody>
+          <a:bodyPr wrap="square" rtlCol="0">
+            <a:spAutoFit/>
+          </a:bodyPr>
+          <a:lstStyle/>
+          <a:p>
+            <a:r>
+              <a:rPr lang="en-US" altLang="zh-CN" sz="2800" b="1" dirty="0"/>
+              <a:t>Load 4 elements each thread in to shared memory.</a:t>
+            </a:r>
+            <a:endParaRPr lang="zh-CN" altLang="en-US" sz="2800" b="1" dirty="0"/>
+          </a:p>
+        </p:txBody>
+      </p:sp>
+      <p:pic>
+        <p:nvPicPr>
+          <p:cNvPr id="7" name="图片 6">
+            <a:extLst>
+              <a:ext uri="{FF2B5EF4-FFF2-40B4-BE49-F238E27FC236}">
+                <a16:creationId xmlns:a16="http://schemas.microsoft.com/office/drawing/2014/main" id="{233752BC-DD11-1251-DC15-9CD4B21E3340}"/>
+              </a:ext>
+            </a:extLst>
+          </p:cNvPr>
+          <p:cNvPicPr>
+            <a:picLocks noChangeAspect="1"/>
+          </p:cNvPicPr>
+          <p:nvPr/>
+        </p:nvPicPr>
+        <p:blipFill>
+          <a:blip r:embed="rId2"/>
+          <a:stretch>
+            <a:fillRect/>
+          </a:stretch>
+        </p:blipFill>
+        <p:spPr>
+          <a:xfrm>
+            <a:off x="6513723" y="2757394"/>
+            <a:ext cx="4372585" cy="1343212"/>
+          </a:xfrm>
+          <a:prstGeom prst="rect">
+            <a:avLst/>
+          </a:prstGeom>
+        </p:spPr>
+      </p:pic>
+      <p:pic>
+        <p:nvPicPr>
+          <p:cNvPr id="9" name="图片 8">
+            <a:extLst>
+              <a:ext uri="{FF2B5EF4-FFF2-40B4-BE49-F238E27FC236}">
+                <a16:creationId xmlns:a16="http://schemas.microsoft.com/office/drawing/2014/main" id="{15945BA7-3EEF-61BA-07CD-AF5AC1C1C2EF}"/>
+              </a:ext>
+            </a:extLst>
+          </p:cNvPr>
+          <p:cNvPicPr>
+            <a:picLocks noChangeAspect="1"/>
+          </p:cNvPicPr>
+          <p:nvPr/>
+        </p:nvPicPr>
+        <p:blipFill>
+          <a:blip r:embed="rId3"/>
+          <a:stretch>
+            <a:fillRect/>
+          </a:stretch>
+        </p:blipFill>
+        <p:spPr>
+          <a:xfrm>
+            <a:off x="1645600" y="5107397"/>
+            <a:ext cx="8900800" cy="1343212"/>
+          </a:xfrm>
+          <a:prstGeom prst="rect">
+            <a:avLst/>
+          </a:prstGeom>
+        </p:spPr>
+      </p:pic>
+      <p:pic>
+        <p:nvPicPr>
+          <p:cNvPr id="13" name="图片 12">
+            <a:extLst>
+              <a:ext uri="{FF2B5EF4-FFF2-40B4-BE49-F238E27FC236}">
+                <a16:creationId xmlns:a16="http://schemas.microsoft.com/office/drawing/2014/main" id="{DDE0AF40-6CE8-3AE9-F945-08EFFE35B21C}"/>
+              </a:ext>
+            </a:extLst>
+          </p:cNvPr>
+          <p:cNvPicPr>
+            <a:picLocks noChangeAspect="1"/>
+          </p:cNvPicPr>
+          <p:nvPr/>
+        </p:nvPicPr>
+        <p:blipFill>
+          <a:blip r:embed="rId4"/>
+          <a:stretch>
+            <a:fillRect/>
+          </a:stretch>
+        </p:blipFill>
+        <p:spPr>
+          <a:xfrm>
+            <a:off x="1038046" y="2339334"/>
+            <a:ext cx="4520276" cy="2179332"/>
+          </a:xfrm>
+          <a:prstGeom prst="rect">
+            <a:avLst/>
+          </a:prstGeom>
+        </p:spPr>
+      </p:pic>
+    </p:spTree>
+    <p:extLst>
+      <p:ext uri="{BB962C8B-B14F-4D97-AF65-F5344CB8AC3E}">
+        <p14:creationId xmlns:p14="http://schemas.microsoft.com/office/powerpoint/2010/main" val="642166898"/>
+      </p:ext>
+    </p:extLst>
+  </p:cSld>
+  <p:clrMapOvr>
+    <a:masterClrMapping/>
+  </p:clrMapOvr>
+</p:sld>
+</file>
+
+<file path=ppt/slides/slide19.xml><?xml version="1.0" encoding="utf-8"?>
+<p:sld xmlns:a="http://schemas.openxmlformats.org/drawingml/2006/main" xmlns:r="http://schemas.openxmlformats.org/officeDocument/2006/relationships" xmlns:p="http://schemas.openxmlformats.org/presentationml/2006/main">
+  <p:cSld>
+    <p:spTree>
+      <p:nvGrpSpPr>
+        <p:cNvPr id="1" name=""/>
+        <p:cNvGrpSpPr/>
+        <p:nvPr/>
+      </p:nvGrpSpPr>
+      <p:grpSpPr>
+        <a:xfrm>
+          <a:off x="0" y="0"/>
+          <a:ext cx="0" cy="0"/>
+          <a:chOff x="0" y="0"/>
+          <a:chExt cx="0" cy="0"/>
+        </a:xfrm>
+      </p:grpSpPr>
+      <p:sp>
+        <p:nvSpPr>
+          <p:cNvPr id="2" name="文本框 1">
+            <a:extLst>
+              <a:ext uri="{FF2B5EF4-FFF2-40B4-BE49-F238E27FC236}">
+                <a16:creationId xmlns:a16="http://schemas.microsoft.com/office/drawing/2014/main" id="{B991E693-D56E-AC65-102B-82E2E4BE7FD3}"/>
+              </a:ext>
+            </a:extLst>
+          </p:cNvPr>
+          <p:cNvSpPr txBox="1"/>
+          <p:nvPr/>
+        </p:nvSpPr>
+        <p:spPr>
+          <a:xfrm>
+            <a:off x="207120" y="287876"/>
+            <a:ext cx="7678813" cy="523220"/>
+          </a:xfrm>
+          <a:prstGeom prst="rect">
+            <a:avLst/>
+          </a:prstGeom>
+          <a:noFill/>
+        </p:spPr>
+        <p:txBody>
+          <a:bodyPr wrap="square">
+            <a:spAutoFit/>
+          </a:bodyPr>
+          <a:lstStyle/>
+          <a:p>
+            <a:r>
+              <a:rPr lang="en-US" altLang="zh-CN" sz="2800" b="1" dirty="0">
+                <a:solidFill>
+                  <a:schemeClr val="accent6">
+                    <a:lumMod val="75000"/>
+                  </a:schemeClr>
+                </a:solidFill>
+              </a:rPr>
+              <a:t>Optimization worklog and concept illustration</a:t>
+            </a:r>
+          </a:p>
+        </p:txBody>
+      </p:sp>
+      <p:sp>
+        <p:nvSpPr>
+          <p:cNvPr id="3" name="文本框 2">
+            <a:extLst>
+              <a:ext uri="{FF2B5EF4-FFF2-40B4-BE49-F238E27FC236}">
+                <a16:creationId xmlns:a16="http://schemas.microsoft.com/office/drawing/2014/main" id="{CD8FE190-84FB-E69F-03C9-1CEA0A509C4F}"/>
+              </a:ext>
+            </a:extLst>
+          </p:cNvPr>
+          <p:cNvSpPr txBox="1"/>
+          <p:nvPr/>
+        </p:nvSpPr>
+        <p:spPr>
+          <a:xfrm>
+            <a:off x="207120" y="1208972"/>
+            <a:ext cx="8567130" cy="523220"/>
+          </a:xfrm>
+          <a:prstGeom prst="rect">
+            <a:avLst/>
+          </a:prstGeom>
+          <a:noFill/>
+        </p:spPr>
+        <p:txBody>
+          <a:bodyPr wrap="square" rtlCol="0">
+            <a:spAutoFit/>
+          </a:bodyPr>
+          <a:lstStyle/>
+          <a:p>
+            <a:r>
+              <a:rPr lang="en-US" altLang="zh-CN" sz="2800" b="1" dirty="0"/>
+              <a:t>Compute a sub-square 8 x 8 matrix per thread.</a:t>
+            </a:r>
+            <a:endParaRPr lang="zh-CN" altLang="en-US" sz="2800" b="1" dirty="0"/>
+          </a:p>
+        </p:txBody>
+      </p:sp>
+      <p:pic>
+        <p:nvPicPr>
+          <p:cNvPr id="5" name="图片 4">
+            <a:extLst>
+              <a:ext uri="{FF2B5EF4-FFF2-40B4-BE49-F238E27FC236}">
+                <a16:creationId xmlns:a16="http://schemas.microsoft.com/office/drawing/2014/main" id="{1AF02DDC-D63B-5238-DF90-ECB91D53C150}"/>
+              </a:ext>
+            </a:extLst>
+          </p:cNvPr>
+          <p:cNvPicPr>
+            <a:picLocks noChangeAspect="1"/>
+          </p:cNvPicPr>
+          <p:nvPr/>
+        </p:nvPicPr>
+        <p:blipFill>
+          <a:blip r:embed="rId2"/>
+          <a:stretch>
+            <a:fillRect/>
+          </a:stretch>
+        </p:blipFill>
+        <p:spPr>
+          <a:xfrm>
+            <a:off x="777420" y="2310050"/>
+            <a:ext cx="4263032" cy="3338978"/>
+          </a:xfrm>
+          <a:prstGeom prst="rect">
+            <a:avLst/>
+          </a:prstGeom>
+        </p:spPr>
+      </p:pic>
+      <p:pic>
+        <p:nvPicPr>
+          <p:cNvPr id="7" name="图片 6">
+            <a:extLst>
+              <a:ext uri="{FF2B5EF4-FFF2-40B4-BE49-F238E27FC236}">
+                <a16:creationId xmlns:a16="http://schemas.microsoft.com/office/drawing/2014/main" id="{7F7CC973-2E2A-FE92-C65B-B99DECFF51D8}"/>
+              </a:ext>
+            </a:extLst>
+          </p:cNvPr>
+          <p:cNvPicPr>
+            <a:picLocks noChangeAspect="1"/>
+          </p:cNvPicPr>
+          <p:nvPr/>
+        </p:nvPicPr>
+        <p:blipFill>
+          <a:blip r:embed="rId3"/>
+          <a:stretch>
+            <a:fillRect/>
+          </a:stretch>
+        </p:blipFill>
+        <p:spPr>
+          <a:xfrm>
+            <a:off x="6044858" y="2130068"/>
+            <a:ext cx="5292305" cy="4207216"/>
+          </a:xfrm>
+          <a:prstGeom prst="rect">
+            <a:avLst/>
+          </a:prstGeom>
+        </p:spPr>
+      </p:pic>
+    </p:spTree>
+    <p:extLst>
+      <p:ext uri="{BB962C8B-B14F-4D97-AF65-F5344CB8AC3E}">
+        <p14:creationId xmlns:p14="http://schemas.microsoft.com/office/powerpoint/2010/main" val="2256989460"/>
       </p:ext>
     </p:extLst>
   </p:cSld>
@@ -4201,7 +5693,7 @@
         </p:nvSpPr>
         <p:spPr>
           <a:xfrm>
-            <a:off x="1429900" y="889852"/>
+            <a:off x="1534228" y="1374668"/>
             <a:ext cx="9714733" cy="4339650"/>
           </a:xfrm>
           <a:prstGeom prst="rect">
@@ -4345,6 +5837,1621 @@
     <p:extLst>
       <p:ext uri="{BB962C8B-B14F-4D97-AF65-F5344CB8AC3E}">
         <p14:creationId xmlns:p14="http://schemas.microsoft.com/office/powerpoint/2010/main" val="452948393"/>
+      </p:ext>
+    </p:extLst>
+  </p:cSld>
+  <p:clrMapOvr>
+    <a:masterClrMapping/>
+  </p:clrMapOvr>
+</p:sld>
+</file>
+
+<file path=ppt/slides/slide20.xml><?xml version="1.0" encoding="utf-8"?>
+<p:sld xmlns:a="http://schemas.openxmlformats.org/drawingml/2006/main" xmlns:r="http://schemas.openxmlformats.org/officeDocument/2006/relationships" xmlns:p="http://schemas.openxmlformats.org/presentationml/2006/main">
+  <p:cSld>
+    <p:spTree>
+      <p:nvGrpSpPr>
+        <p:cNvPr id="1" name=""/>
+        <p:cNvGrpSpPr/>
+        <p:nvPr/>
+      </p:nvGrpSpPr>
+      <p:grpSpPr>
+        <a:xfrm>
+          <a:off x="0" y="0"/>
+          <a:ext cx="0" cy="0"/>
+          <a:chOff x="0" y="0"/>
+          <a:chExt cx="0" cy="0"/>
+        </a:xfrm>
+      </p:grpSpPr>
+      <p:sp>
+        <p:nvSpPr>
+          <p:cNvPr id="2" name="文本框 1">
+            <a:extLst>
+              <a:ext uri="{FF2B5EF4-FFF2-40B4-BE49-F238E27FC236}">
+                <a16:creationId xmlns:a16="http://schemas.microsoft.com/office/drawing/2014/main" id="{1511D8EF-DB85-64E7-16C2-35F160F19A8B}"/>
+              </a:ext>
+            </a:extLst>
+          </p:cNvPr>
+          <p:cNvSpPr txBox="1"/>
+          <p:nvPr/>
+        </p:nvSpPr>
+        <p:spPr>
+          <a:xfrm>
+            <a:off x="207120" y="287876"/>
+            <a:ext cx="7678813" cy="523220"/>
+          </a:xfrm>
+          <a:prstGeom prst="rect">
+            <a:avLst/>
+          </a:prstGeom>
+          <a:noFill/>
+        </p:spPr>
+        <p:txBody>
+          <a:bodyPr wrap="square">
+            <a:spAutoFit/>
+          </a:bodyPr>
+          <a:lstStyle/>
+          <a:p>
+            <a:r>
+              <a:rPr lang="en-US" altLang="zh-CN" sz="2800" b="1" dirty="0">
+                <a:solidFill>
+                  <a:schemeClr val="accent6">
+                    <a:lumMod val="75000"/>
+                  </a:schemeClr>
+                </a:solidFill>
+              </a:rPr>
+              <a:t>Optimization worklog and concept illustration</a:t>
+            </a:r>
+          </a:p>
+        </p:txBody>
+      </p:sp>
+      <p:sp>
+        <p:nvSpPr>
+          <p:cNvPr id="3" name="文本框 2">
+            <a:extLst>
+              <a:ext uri="{FF2B5EF4-FFF2-40B4-BE49-F238E27FC236}">
+                <a16:creationId xmlns:a16="http://schemas.microsoft.com/office/drawing/2014/main" id="{BFD253B0-9D73-8FB4-BB73-2EA7609FED42}"/>
+              </a:ext>
+            </a:extLst>
+          </p:cNvPr>
+          <p:cNvSpPr txBox="1"/>
+          <p:nvPr/>
+        </p:nvSpPr>
+        <p:spPr>
+          <a:xfrm>
+            <a:off x="773251" y="1294889"/>
+            <a:ext cx="10211823" cy="400110"/>
+          </a:xfrm>
+          <a:prstGeom prst="rect">
+            <a:avLst/>
+          </a:prstGeom>
+          <a:noFill/>
+        </p:spPr>
+        <p:txBody>
+          <a:bodyPr wrap="square" rtlCol="0">
+            <a:spAutoFit/>
+          </a:bodyPr>
+          <a:lstStyle/>
+          <a:p>
+            <a:r>
+              <a:rPr lang="en-US" altLang="zh-CN" sz="2000" b="1" dirty="0"/>
+              <a:t>Let me compare </a:t>
+            </a:r>
+            <a:r>
+              <a:rPr lang="en-US" altLang="zh-CN" sz="2000" b="1" dirty="0">
+                <a:solidFill>
+                  <a:srgbClr val="FF0000"/>
+                </a:solidFill>
+              </a:rPr>
+              <a:t>the load/store instruction </a:t>
+            </a:r>
+            <a:r>
+              <a:rPr lang="en-US" altLang="zh-CN" sz="2000" b="1" dirty="0"/>
+              <a:t>per element computation per thread needs</a:t>
+            </a:r>
+            <a:r>
+              <a:rPr lang="en-US" altLang="zh-CN" dirty="0"/>
+              <a:t>.</a:t>
+            </a:r>
+            <a:endParaRPr lang="zh-CN" altLang="en-US" dirty="0"/>
+          </a:p>
+        </p:txBody>
+      </p:sp>
+      <p:sp>
+        <p:nvSpPr>
+          <p:cNvPr id="4" name="文本框 3">
+            <a:extLst>
+              <a:ext uri="{FF2B5EF4-FFF2-40B4-BE49-F238E27FC236}">
+                <a16:creationId xmlns:a16="http://schemas.microsoft.com/office/drawing/2014/main" id="{492BFDF3-F369-E3F8-DD57-8681991CF083}"/>
+              </a:ext>
+            </a:extLst>
+          </p:cNvPr>
+          <p:cNvSpPr txBox="1"/>
+          <p:nvPr/>
+        </p:nvSpPr>
+        <p:spPr>
+          <a:xfrm>
+            <a:off x="1166013" y="2442492"/>
+            <a:ext cx="9641090" cy="3477875"/>
+          </a:xfrm>
+          <a:prstGeom prst="rect">
+            <a:avLst/>
+          </a:prstGeom>
+          <a:noFill/>
+        </p:spPr>
+        <p:txBody>
+          <a:bodyPr wrap="square" rtlCol="0">
+            <a:spAutoFit/>
+          </a:bodyPr>
+          <a:lstStyle/>
+          <a:p>
+            <a:r>
+              <a:rPr lang="en-US" altLang="zh-CN" sz="2000" b="1" dirty="0" err="1"/>
+              <a:t>i</a:t>
+            </a:r>
+            <a:r>
+              <a:rPr lang="en-US" altLang="zh-CN" sz="2000" b="1" dirty="0"/>
+              <a:t>) A_TILE: 32 x 32, B_TILE: 32 x 32, N = 2048, step = 64, global load into </a:t>
+            </a:r>
+            <a:r>
+              <a:rPr lang="en-US" altLang="zh-CN" sz="2000" b="1" dirty="0" err="1"/>
+              <a:t>smem</a:t>
+            </a:r>
+            <a:r>
+              <a:rPr lang="en-US" altLang="zh-CN" sz="2000" b="1" dirty="0"/>
+              <a:t>: 64 x 2, </a:t>
+            </a:r>
+            <a:r>
+              <a:rPr lang="en-US" altLang="zh-CN" sz="2000" b="1" dirty="0" err="1"/>
+              <a:t>smem</a:t>
+            </a:r>
+            <a:r>
+              <a:rPr lang="en-US" altLang="zh-CN" sz="2000" b="1" dirty="0"/>
+              <a:t> load:  64 x 32 x 2, global store: 1, compute 1 element.</a:t>
+            </a:r>
+          </a:p>
+          <a:p>
+            <a:r>
+              <a:rPr lang="en-US" altLang="zh-CN" sz="2000" b="1" dirty="0"/>
+              <a:t>1 element computation needs: 128 global load, 4096 </a:t>
+            </a:r>
+            <a:r>
+              <a:rPr lang="en-US" altLang="zh-CN" sz="2000" b="1" dirty="0" err="1"/>
+              <a:t>smem</a:t>
+            </a:r>
+            <a:r>
+              <a:rPr lang="en-US" altLang="zh-CN" sz="2000" b="1" dirty="0"/>
+              <a:t> load, 1 global store.</a:t>
+            </a:r>
+          </a:p>
+          <a:p>
+            <a:endParaRPr lang="en-US" altLang="zh-CN" sz="2000" b="1" dirty="0"/>
+          </a:p>
+          <a:p>
+            <a:r>
+              <a:rPr lang="en-US" altLang="zh-CN" sz="2000" b="1" dirty="0"/>
+              <a:t>ii) A_TILE = 128 x 8, B_TILE = 8 x 128, N = 2048, step = 256,</a:t>
+            </a:r>
+          </a:p>
+          <a:p>
+            <a:r>
+              <a:rPr lang="en-US" altLang="zh-CN" sz="2000" b="1" dirty="0"/>
+              <a:t>global load into </a:t>
+            </a:r>
+            <a:r>
+              <a:rPr lang="en-US" altLang="zh-CN" sz="2000" b="1" dirty="0" err="1"/>
+              <a:t>smem</a:t>
+            </a:r>
+            <a:r>
+              <a:rPr lang="en-US" altLang="zh-CN" sz="2000" b="1" dirty="0"/>
+              <a:t>: 256 x 2 x 4, </a:t>
+            </a:r>
+            <a:r>
+              <a:rPr lang="en-US" altLang="zh-CN" sz="2000" b="1" dirty="0" err="1"/>
+              <a:t>smem</a:t>
+            </a:r>
+            <a:r>
+              <a:rPr lang="en-US" altLang="zh-CN" sz="2000" b="1" dirty="0"/>
+              <a:t> load: 256 x 8 x (8 + 8), global store: 64</a:t>
+            </a:r>
+          </a:p>
+          <a:p>
+            <a:r>
+              <a:rPr lang="en-US" altLang="zh-CN" sz="2000" b="1" dirty="0"/>
+              <a:t>compute 64 element.</a:t>
+            </a:r>
+          </a:p>
+          <a:p>
+            <a:endParaRPr lang="en-US" altLang="zh-CN" sz="2000" b="1" dirty="0"/>
+          </a:p>
+          <a:p>
+            <a:r>
+              <a:rPr lang="en-US" altLang="zh-CN" sz="2000" b="1" dirty="0"/>
+              <a:t>1 element computation needs: 32 global load, 512 </a:t>
+            </a:r>
+            <a:r>
+              <a:rPr lang="en-US" altLang="zh-CN" sz="2000" b="1" dirty="0" err="1"/>
+              <a:t>smem</a:t>
+            </a:r>
+            <a:r>
+              <a:rPr lang="en-US" altLang="zh-CN" sz="2000" b="1" dirty="0"/>
+              <a:t> load, 1 global store.</a:t>
+            </a:r>
+          </a:p>
+          <a:p>
+            <a:endParaRPr lang="en-US" altLang="zh-CN" sz="2000" b="1" dirty="0"/>
+          </a:p>
+          <a:p>
+            <a:r>
+              <a:rPr lang="en-US" altLang="zh-CN" sz="2000" b="1" dirty="0"/>
+              <a:t>(ignore registers usage for now.)</a:t>
+            </a:r>
+            <a:endParaRPr lang="zh-CN" altLang="en-US" sz="2000" b="1" dirty="0"/>
+          </a:p>
+        </p:txBody>
+      </p:sp>
+    </p:spTree>
+    <p:extLst>
+      <p:ext uri="{BB962C8B-B14F-4D97-AF65-F5344CB8AC3E}">
+        <p14:creationId xmlns:p14="http://schemas.microsoft.com/office/powerpoint/2010/main" val="2563273084"/>
+      </p:ext>
+    </p:extLst>
+  </p:cSld>
+  <p:clrMapOvr>
+    <a:masterClrMapping/>
+  </p:clrMapOvr>
+</p:sld>
+</file>
+
+<file path=ppt/slides/slide21.xml><?xml version="1.0" encoding="utf-8"?>
+<p:sld xmlns:a="http://schemas.openxmlformats.org/drawingml/2006/main" xmlns:r="http://schemas.openxmlformats.org/officeDocument/2006/relationships" xmlns:p="http://schemas.openxmlformats.org/presentationml/2006/main">
+  <p:cSld>
+    <p:spTree>
+      <p:nvGrpSpPr>
+        <p:cNvPr id="1" name=""/>
+        <p:cNvGrpSpPr/>
+        <p:nvPr/>
+      </p:nvGrpSpPr>
+      <p:grpSpPr>
+        <a:xfrm>
+          <a:off x="0" y="0"/>
+          <a:ext cx="0" cy="0"/>
+          <a:chOff x="0" y="0"/>
+          <a:chExt cx="0" cy="0"/>
+        </a:xfrm>
+      </p:grpSpPr>
+      <p:pic>
+        <p:nvPicPr>
+          <p:cNvPr id="4" name="图片 3">
+            <a:extLst>
+              <a:ext uri="{FF2B5EF4-FFF2-40B4-BE49-F238E27FC236}">
+                <a16:creationId xmlns:a16="http://schemas.microsoft.com/office/drawing/2014/main" id="{66396B04-8960-12F8-B652-B8DEE7F88138}"/>
+              </a:ext>
+            </a:extLst>
+          </p:cNvPr>
+          <p:cNvPicPr>
+            <a:picLocks noChangeAspect="1"/>
+          </p:cNvPicPr>
+          <p:nvPr/>
+        </p:nvPicPr>
+        <p:blipFill>
+          <a:blip r:embed="rId2"/>
+          <a:stretch>
+            <a:fillRect/>
+          </a:stretch>
+        </p:blipFill>
+        <p:spPr>
+          <a:xfrm>
+            <a:off x="671992" y="3329751"/>
+            <a:ext cx="11068945" cy="1409309"/>
+          </a:xfrm>
+          <a:prstGeom prst="rect">
+            <a:avLst/>
+          </a:prstGeom>
+        </p:spPr>
+      </p:pic>
+      <p:sp>
+        <p:nvSpPr>
+          <p:cNvPr id="5" name="文本框 4">
+            <a:extLst>
+              <a:ext uri="{FF2B5EF4-FFF2-40B4-BE49-F238E27FC236}">
+                <a16:creationId xmlns:a16="http://schemas.microsoft.com/office/drawing/2014/main" id="{A9BEE3CE-867E-1127-933D-62374499D260}"/>
+              </a:ext>
+            </a:extLst>
+          </p:cNvPr>
+          <p:cNvSpPr txBox="1"/>
+          <p:nvPr/>
+        </p:nvSpPr>
+        <p:spPr>
+          <a:xfrm>
+            <a:off x="207120" y="287876"/>
+            <a:ext cx="7678813" cy="523220"/>
+          </a:xfrm>
+          <a:prstGeom prst="rect">
+            <a:avLst/>
+          </a:prstGeom>
+          <a:noFill/>
+        </p:spPr>
+        <p:txBody>
+          <a:bodyPr wrap="square">
+            <a:spAutoFit/>
+          </a:bodyPr>
+          <a:lstStyle/>
+          <a:p>
+            <a:r>
+              <a:rPr lang="en-US" altLang="zh-CN" sz="2800" b="1" dirty="0">
+                <a:solidFill>
+                  <a:schemeClr val="accent6">
+                    <a:lumMod val="75000"/>
+                  </a:schemeClr>
+                </a:solidFill>
+              </a:rPr>
+              <a:t>Optimization worklog and concept illustration</a:t>
+            </a:r>
+          </a:p>
+        </p:txBody>
+      </p:sp>
+      <p:sp>
+        <p:nvSpPr>
+          <p:cNvPr id="7" name="文本框 6">
+            <a:extLst>
+              <a:ext uri="{FF2B5EF4-FFF2-40B4-BE49-F238E27FC236}">
+                <a16:creationId xmlns:a16="http://schemas.microsoft.com/office/drawing/2014/main" id="{4E4C8F50-9FA9-1EAE-5CF8-35457B002002}"/>
+              </a:ext>
+            </a:extLst>
+          </p:cNvPr>
+          <p:cNvSpPr txBox="1"/>
+          <p:nvPr/>
+        </p:nvSpPr>
+        <p:spPr>
+          <a:xfrm>
+            <a:off x="1239657" y="1769136"/>
+            <a:ext cx="10211823" cy="400110"/>
+          </a:xfrm>
+          <a:prstGeom prst="rect">
+            <a:avLst/>
+          </a:prstGeom>
+          <a:noFill/>
+        </p:spPr>
+        <p:txBody>
+          <a:bodyPr wrap="square" rtlCol="0">
+            <a:spAutoFit/>
+          </a:bodyPr>
+          <a:lstStyle/>
+          <a:p>
+            <a:r>
+              <a:rPr lang="en-US" altLang="zh-CN" sz="2000" b="1" dirty="0"/>
+              <a:t>Let me compare </a:t>
+            </a:r>
+            <a:r>
+              <a:rPr lang="en-US" altLang="zh-CN" sz="2000" b="1" dirty="0">
+                <a:solidFill>
+                  <a:srgbClr val="FF0000"/>
+                </a:solidFill>
+              </a:rPr>
+              <a:t>the load/store instruction </a:t>
+            </a:r>
+            <a:r>
+              <a:rPr lang="en-US" altLang="zh-CN" sz="2000" b="1" dirty="0"/>
+              <a:t>per element computation per thread needs</a:t>
+            </a:r>
+            <a:r>
+              <a:rPr lang="en-US" altLang="zh-CN" dirty="0"/>
+              <a:t>.</a:t>
+            </a:r>
+            <a:endParaRPr lang="zh-CN" altLang="en-US" dirty="0"/>
+          </a:p>
+        </p:txBody>
+      </p:sp>
+    </p:spTree>
+    <p:extLst>
+      <p:ext uri="{BB962C8B-B14F-4D97-AF65-F5344CB8AC3E}">
+        <p14:creationId xmlns:p14="http://schemas.microsoft.com/office/powerpoint/2010/main" val="501055896"/>
+      </p:ext>
+    </p:extLst>
+  </p:cSld>
+  <p:clrMapOvr>
+    <a:masterClrMapping/>
+  </p:clrMapOvr>
+</p:sld>
+</file>
+
+<file path=ppt/slides/slide22.xml><?xml version="1.0" encoding="utf-8"?>
+<p:sld xmlns:a="http://schemas.openxmlformats.org/drawingml/2006/main" xmlns:r="http://schemas.openxmlformats.org/officeDocument/2006/relationships" xmlns:p="http://schemas.openxmlformats.org/presentationml/2006/main">
+  <p:cSld>
+    <p:spTree>
+      <p:nvGrpSpPr>
+        <p:cNvPr id="1" name=""/>
+        <p:cNvGrpSpPr/>
+        <p:nvPr/>
+      </p:nvGrpSpPr>
+      <p:grpSpPr>
+        <a:xfrm>
+          <a:off x="0" y="0"/>
+          <a:ext cx="0" cy="0"/>
+          <a:chOff x="0" y="0"/>
+          <a:chExt cx="0" cy="0"/>
+        </a:xfrm>
+      </p:grpSpPr>
+      <p:sp>
+        <p:nvSpPr>
+          <p:cNvPr id="2" name="文本框 1">
+            <a:extLst>
+              <a:ext uri="{FF2B5EF4-FFF2-40B4-BE49-F238E27FC236}">
+                <a16:creationId xmlns:a16="http://schemas.microsoft.com/office/drawing/2014/main" id="{BEA703A6-FA07-48F8-A103-D3F2396D9F43}"/>
+              </a:ext>
+            </a:extLst>
+          </p:cNvPr>
+          <p:cNvSpPr txBox="1"/>
+          <p:nvPr/>
+        </p:nvSpPr>
+        <p:spPr>
+          <a:xfrm>
+            <a:off x="207120" y="287876"/>
+            <a:ext cx="7678813" cy="523220"/>
+          </a:xfrm>
+          <a:prstGeom prst="rect">
+            <a:avLst/>
+          </a:prstGeom>
+          <a:noFill/>
+        </p:spPr>
+        <p:txBody>
+          <a:bodyPr wrap="square">
+            <a:spAutoFit/>
+          </a:bodyPr>
+          <a:lstStyle/>
+          <a:p>
+            <a:r>
+              <a:rPr lang="en-US" altLang="zh-CN" sz="2800" b="1" dirty="0">
+                <a:solidFill>
+                  <a:schemeClr val="accent6">
+                    <a:lumMod val="75000"/>
+                  </a:schemeClr>
+                </a:solidFill>
+              </a:rPr>
+              <a:t>Optimization worklog and concept illustration</a:t>
+            </a:r>
+          </a:p>
+        </p:txBody>
+      </p:sp>
+      <p:sp>
+        <p:nvSpPr>
+          <p:cNvPr id="3" name="文本框 2">
+            <a:extLst>
+              <a:ext uri="{FF2B5EF4-FFF2-40B4-BE49-F238E27FC236}">
+                <a16:creationId xmlns:a16="http://schemas.microsoft.com/office/drawing/2014/main" id="{8F41A2A0-5F6A-3BED-08C2-C1A40CED6828}"/>
+              </a:ext>
+            </a:extLst>
+          </p:cNvPr>
+          <p:cNvSpPr txBox="1"/>
+          <p:nvPr/>
+        </p:nvSpPr>
+        <p:spPr>
+          <a:xfrm>
+            <a:off x="969633" y="1626281"/>
+            <a:ext cx="4713149" cy="400110"/>
+          </a:xfrm>
+          <a:prstGeom prst="rect">
+            <a:avLst/>
+          </a:prstGeom>
+          <a:noFill/>
+        </p:spPr>
+        <p:txBody>
+          <a:bodyPr wrap="square" rtlCol="0">
+            <a:spAutoFit/>
+          </a:bodyPr>
+          <a:lstStyle/>
+          <a:p>
+            <a:r>
+              <a:rPr lang="en-US" altLang="zh-CN" sz="2000" b="1" dirty="0"/>
+              <a:t>Vectorize load: float4</a:t>
+            </a:r>
+          </a:p>
+        </p:txBody>
+      </p:sp>
+      <p:pic>
+        <p:nvPicPr>
+          <p:cNvPr id="5" name="图片 4">
+            <a:extLst>
+              <a:ext uri="{FF2B5EF4-FFF2-40B4-BE49-F238E27FC236}">
+                <a16:creationId xmlns:a16="http://schemas.microsoft.com/office/drawing/2014/main" id="{2AFFF908-CEAF-1F17-D1DF-840E6AB56B9E}"/>
+              </a:ext>
+            </a:extLst>
+          </p:cNvPr>
+          <p:cNvPicPr>
+            <a:picLocks noChangeAspect="1"/>
+          </p:cNvPicPr>
+          <p:nvPr/>
+        </p:nvPicPr>
+        <p:blipFill>
+          <a:blip r:embed="rId2"/>
+          <a:stretch>
+            <a:fillRect/>
+          </a:stretch>
+        </p:blipFill>
+        <p:spPr>
+          <a:xfrm>
+            <a:off x="1124064" y="3130359"/>
+            <a:ext cx="10717121" cy="1971950"/>
+          </a:xfrm>
+          <a:prstGeom prst="rect">
+            <a:avLst/>
+          </a:prstGeom>
+        </p:spPr>
+      </p:pic>
+    </p:spTree>
+    <p:extLst>
+      <p:ext uri="{BB962C8B-B14F-4D97-AF65-F5344CB8AC3E}">
+        <p14:creationId xmlns:p14="http://schemas.microsoft.com/office/powerpoint/2010/main" val="495580245"/>
+      </p:ext>
+    </p:extLst>
+  </p:cSld>
+  <p:clrMapOvr>
+    <a:masterClrMapping/>
+  </p:clrMapOvr>
+</p:sld>
+</file>
+
+<file path=ppt/slides/slide23.xml><?xml version="1.0" encoding="utf-8"?>
+<p:sld xmlns:a="http://schemas.openxmlformats.org/drawingml/2006/main" xmlns:r="http://schemas.openxmlformats.org/officeDocument/2006/relationships" xmlns:p="http://schemas.openxmlformats.org/presentationml/2006/main">
+  <p:cSld>
+    <p:spTree>
+      <p:nvGrpSpPr>
+        <p:cNvPr id="1" name=""/>
+        <p:cNvGrpSpPr/>
+        <p:nvPr/>
+      </p:nvGrpSpPr>
+      <p:grpSpPr>
+        <a:xfrm>
+          <a:off x="0" y="0"/>
+          <a:ext cx="0" cy="0"/>
+          <a:chOff x="0" y="0"/>
+          <a:chExt cx="0" cy="0"/>
+        </a:xfrm>
+      </p:grpSpPr>
+      <p:sp>
+        <p:nvSpPr>
+          <p:cNvPr id="2" name="文本框 1">
+            <a:extLst>
+              <a:ext uri="{FF2B5EF4-FFF2-40B4-BE49-F238E27FC236}">
+                <a16:creationId xmlns:a16="http://schemas.microsoft.com/office/drawing/2014/main" id="{6EFC7FFF-B4D7-30A1-696E-E620727B2FFA}"/>
+              </a:ext>
+            </a:extLst>
+          </p:cNvPr>
+          <p:cNvSpPr txBox="1"/>
+          <p:nvPr/>
+        </p:nvSpPr>
+        <p:spPr>
+          <a:xfrm>
+            <a:off x="207120" y="287876"/>
+            <a:ext cx="7678813" cy="523220"/>
+          </a:xfrm>
+          <a:prstGeom prst="rect">
+            <a:avLst/>
+          </a:prstGeom>
+          <a:noFill/>
+        </p:spPr>
+        <p:txBody>
+          <a:bodyPr wrap="square">
+            <a:spAutoFit/>
+          </a:bodyPr>
+          <a:lstStyle/>
+          <a:p>
+            <a:r>
+              <a:rPr lang="en-US" altLang="zh-CN" sz="2800" b="1" dirty="0">
+                <a:solidFill>
+                  <a:schemeClr val="accent6">
+                    <a:lumMod val="75000"/>
+                  </a:schemeClr>
+                </a:solidFill>
+              </a:rPr>
+              <a:t>Optimization worklog and concept illustration</a:t>
+            </a:r>
+          </a:p>
+        </p:txBody>
+      </p:sp>
+      <p:sp>
+        <p:nvSpPr>
+          <p:cNvPr id="3" name="文本框 2">
+            <a:extLst>
+              <a:ext uri="{FF2B5EF4-FFF2-40B4-BE49-F238E27FC236}">
+                <a16:creationId xmlns:a16="http://schemas.microsoft.com/office/drawing/2014/main" id="{52AAA6A0-A128-BEAE-F236-52030BBE408F}"/>
+              </a:ext>
+            </a:extLst>
+          </p:cNvPr>
+          <p:cNvSpPr txBox="1"/>
+          <p:nvPr/>
+        </p:nvSpPr>
+        <p:spPr>
+          <a:xfrm>
+            <a:off x="2278840" y="1331710"/>
+            <a:ext cx="7634319" cy="2554545"/>
+          </a:xfrm>
+          <a:prstGeom prst="rect">
+            <a:avLst/>
+          </a:prstGeom>
+          <a:noFill/>
+        </p:spPr>
+        <p:txBody>
+          <a:bodyPr wrap="square" rtlCol="0">
+            <a:spAutoFit/>
+          </a:bodyPr>
+          <a:lstStyle/>
+          <a:p>
+            <a:r>
+              <a:rPr lang="en-US" altLang="zh-CN" sz="2000" b="1" dirty="0"/>
+              <a:t>The kernel 7, which uses vectorize memory access, works pretty good now, but there are still bottlenecks. </a:t>
+            </a:r>
+          </a:p>
+          <a:p>
+            <a:endParaRPr lang="en-US" altLang="zh-CN" sz="2000" b="1" dirty="0"/>
+          </a:p>
+          <a:p>
+            <a:r>
+              <a:rPr lang="en-US" altLang="zh-CN" sz="2000" b="1" dirty="0"/>
+              <a:t>From the profiler, I can tell that the two main bottleneck:</a:t>
+            </a:r>
+          </a:p>
+          <a:p>
+            <a:r>
+              <a:rPr lang="en-US" altLang="zh-CN" sz="2000" b="1" dirty="0"/>
+              <a:t>One is uncoalesced global memory store in C, the other is bank conflict.</a:t>
+            </a:r>
+          </a:p>
+          <a:p>
+            <a:endParaRPr lang="en-US" altLang="zh-CN" sz="2000" b="1" dirty="0"/>
+          </a:p>
+          <a:p>
+            <a:r>
+              <a:rPr lang="en-US" altLang="zh-CN" sz="2000" b="1" dirty="0"/>
+              <a:t>I will illustrate these two bottlenecks more specifically.</a:t>
+            </a:r>
+          </a:p>
+        </p:txBody>
+      </p:sp>
+      <p:pic>
+        <p:nvPicPr>
+          <p:cNvPr id="6" name="图片 5">
+            <a:extLst>
+              <a:ext uri="{FF2B5EF4-FFF2-40B4-BE49-F238E27FC236}">
+                <a16:creationId xmlns:a16="http://schemas.microsoft.com/office/drawing/2014/main" id="{85FC5F1C-75B9-CBB7-04C7-750553957BCF}"/>
+              </a:ext>
+            </a:extLst>
+          </p:cNvPr>
+          <p:cNvPicPr>
+            <a:picLocks noChangeAspect="1"/>
+          </p:cNvPicPr>
+          <p:nvPr/>
+        </p:nvPicPr>
+        <p:blipFill>
+          <a:blip r:embed="rId2"/>
+          <a:stretch>
+            <a:fillRect/>
+          </a:stretch>
+        </p:blipFill>
+        <p:spPr>
+          <a:xfrm>
+            <a:off x="316824" y="4618182"/>
+            <a:ext cx="11616558" cy="1423651"/>
+          </a:xfrm>
+          <a:prstGeom prst="rect">
+            <a:avLst/>
+          </a:prstGeom>
+        </p:spPr>
+      </p:pic>
+    </p:spTree>
+    <p:extLst>
+      <p:ext uri="{BB962C8B-B14F-4D97-AF65-F5344CB8AC3E}">
+        <p14:creationId xmlns:p14="http://schemas.microsoft.com/office/powerpoint/2010/main" val="1916787492"/>
+      </p:ext>
+    </p:extLst>
+  </p:cSld>
+  <p:clrMapOvr>
+    <a:masterClrMapping/>
+  </p:clrMapOvr>
+</p:sld>
+</file>
+
+<file path=ppt/slides/slide24.xml><?xml version="1.0" encoding="utf-8"?>
+<p:sld xmlns:a="http://schemas.openxmlformats.org/drawingml/2006/main" xmlns:r="http://schemas.openxmlformats.org/officeDocument/2006/relationships" xmlns:p="http://schemas.openxmlformats.org/presentationml/2006/main">
+  <p:cSld>
+    <p:spTree>
+      <p:nvGrpSpPr>
+        <p:cNvPr id="1" name=""/>
+        <p:cNvGrpSpPr/>
+        <p:nvPr/>
+      </p:nvGrpSpPr>
+      <p:grpSpPr>
+        <a:xfrm>
+          <a:off x="0" y="0"/>
+          <a:ext cx="0" cy="0"/>
+          <a:chOff x="0" y="0"/>
+          <a:chExt cx="0" cy="0"/>
+        </a:xfrm>
+      </p:grpSpPr>
+      <p:sp>
+        <p:nvSpPr>
+          <p:cNvPr id="2" name="文本框 1">
+            <a:extLst>
+              <a:ext uri="{FF2B5EF4-FFF2-40B4-BE49-F238E27FC236}">
+                <a16:creationId xmlns:a16="http://schemas.microsoft.com/office/drawing/2014/main" id="{325317F1-AB4E-AE08-5F59-8DDDDAC31B11}"/>
+              </a:ext>
+            </a:extLst>
+          </p:cNvPr>
+          <p:cNvSpPr txBox="1"/>
+          <p:nvPr/>
+        </p:nvSpPr>
+        <p:spPr>
+          <a:xfrm>
+            <a:off x="176436" y="183548"/>
+            <a:ext cx="7678813" cy="523220"/>
+          </a:xfrm>
+          <a:prstGeom prst="rect">
+            <a:avLst/>
+          </a:prstGeom>
+          <a:noFill/>
+        </p:spPr>
+        <p:txBody>
+          <a:bodyPr wrap="square">
+            <a:spAutoFit/>
+          </a:bodyPr>
+          <a:lstStyle/>
+          <a:p>
+            <a:r>
+              <a:rPr lang="en-US" altLang="zh-CN" sz="2800" b="1" dirty="0">
+                <a:solidFill>
+                  <a:schemeClr val="accent6">
+                    <a:lumMod val="75000"/>
+                  </a:schemeClr>
+                </a:solidFill>
+              </a:rPr>
+              <a:t>Optimization worklog and concept illustration</a:t>
+            </a:r>
+          </a:p>
+        </p:txBody>
+      </p:sp>
+      <p:sp>
+        <p:nvSpPr>
+          <p:cNvPr id="3" name="文本框 2">
+            <a:extLst>
+              <a:ext uri="{FF2B5EF4-FFF2-40B4-BE49-F238E27FC236}">
+                <a16:creationId xmlns:a16="http://schemas.microsoft.com/office/drawing/2014/main" id="{A1BC26F5-C324-88D6-ADBB-DC11B2D6D2A9}"/>
+              </a:ext>
+            </a:extLst>
+          </p:cNvPr>
+          <p:cNvSpPr txBox="1"/>
+          <p:nvPr/>
+        </p:nvSpPr>
+        <p:spPr>
+          <a:xfrm>
+            <a:off x="778365" y="952496"/>
+            <a:ext cx="10635270" cy="1938992"/>
+          </a:xfrm>
+          <a:prstGeom prst="rect">
+            <a:avLst/>
+          </a:prstGeom>
+          <a:noFill/>
+        </p:spPr>
+        <p:txBody>
+          <a:bodyPr wrap="square" rtlCol="0">
+            <a:spAutoFit/>
+          </a:bodyPr>
+          <a:lstStyle/>
+          <a:p>
+            <a:r>
+              <a:rPr lang="en-US" altLang="zh-CN" sz="2000" b="1" dirty="0"/>
+              <a:t>Let me start by bank conflict of shared memory first.</a:t>
+            </a:r>
+          </a:p>
+          <a:p>
+            <a:endParaRPr lang="en-US" altLang="zh-CN" sz="2000" b="1" dirty="0"/>
+          </a:p>
+          <a:p>
+            <a:r>
+              <a:rPr lang="en-US" altLang="zh-CN" sz="2000" b="1" dirty="0"/>
+              <a:t>Bank conflict happens within a warp.</a:t>
+            </a:r>
+          </a:p>
+          <a:p>
+            <a:endParaRPr lang="en-US" altLang="zh-CN" sz="2000" b="1" dirty="0"/>
+          </a:p>
+          <a:p>
+            <a:r>
+              <a:rPr lang="en-US" altLang="zh-CN" sz="2000" b="1" dirty="0"/>
+              <a:t>Shared memory has 32 banks that are organized such that successive 32-bit words map to successive banks. Each bank has a bandwidth of 32 bits(a single float32) per clock cycle.</a:t>
+            </a:r>
+            <a:endParaRPr lang="zh-CN" altLang="en-US" sz="2000" b="1" dirty="0"/>
+          </a:p>
+        </p:txBody>
+      </p:sp>
+      <p:pic>
+        <p:nvPicPr>
+          <p:cNvPr id="5" name="图片 4">
+            <a:extLst>
+              <a:ext uri="{FF2B5EF4-FFF2-40B4-BE49-F238E27FC236}">
+                <a16:creationId xmlns:a16="http://schemas.microsoft.com/office/drawing/2014/main" id="{E54B2892-6F36-5614-C309-278975666C8A}"/>
+              </a:ext>
+            </a:extLst>
+          </p:cNvPr>
+          <p:cNvPicPr>
+            <a:picLocks noChangeAspect="1"/>
+          </p:cNvPicPr>
+          <p:nvPr/>
+        </p:nvPicPr>
+        <p:blipFill>
+          <a:blip r:embed="rId2"/>
+          <a:stretch>
+            <a:fillRect/>
+          </a:stretch>
+        </p:blipFill>
+        <p:spPr>
+          <a:xfrm>
+            <a:off x="2236905" y="3534223"/>
+            <a:ext cx="7718190" cy="3048175"/>
+          </a:xfrm>
+          <a:prstGeom prst="rect">
+            <a:avLst/>
+          </a:prstGeom>
+        </p:spPr>
+      </p:pic>
+    </p:spTree>
+    <p:extLst>
+      <p:ext uri="{BB962C8B-B14F-4D97-AF65-F5344CB8AC3E}">
+        <p14:creationId xmlns:p14="http://schemas.microsoft.com/office/powerpoint/2010/main" val="2046784483"/>
+      </p:ext>
+    </p:extLst>
+  </p:cSld>
+  <p:clrMapOvr>
+    <a:masterClrMapping/>
+  </p:clrMapOvr>
+</p:sld>
+</file>
+
+<file path=ppt/slides/slide25.xml><?xml version="1.0" encoding="utf-8"?>
+<p:sld xmlns:a="http://schemas.openxmlformats.org/drawingml/2006/main" xmlns:r="http://schemas.openxmlformats.org/officeDocument/2006/relationships" xmlns:p="http://schemas.openxmlformats.org/presentationml/2006/main">
+  <p:cSld>
+    <p:spTree>
+      <p:nvGrpSpPr>
+        <p:cNvPr id="1" name=""/>
+        <p:cNvGrpSpPr/>
+        <p:nvPr/>
+      </p:nvGrpSpPr>
+      <p:grpSpPr>
+        <a:xfrm>
+          <a:off x="0" y="0"/>
+          <a:ext cx="0" cy="0"/>
+          <a:chOff x="0" y="0"/>
+          <a:chExt cx="0" cy="0"/>
+        </a:xfrm>
+      </p:grpSpPr>
+      <p:sp>
+        <p:nvSpPr>
+          <p:cNvPr id="2" name="文本框 1">
+            <a:extLst>
+              <a:ext uri="{FF2B5EF4-FFF2-40B4-BE49-F238E27FC236}">
+                <a16:creationId xmlns:a16="http://schemas.microsoft.com/office/drawing/2014/main" id="{F6B151FA-8979-1129-A213-FE0B5094BCD7}"/>
+              </a:ext>
+            </a:extLst>
+          </p:cNvPr>
+          <p:cNvSpPr txBox="1"/>
+          <p:nvPr/>
+        </p:nvSpPr>
+        <p:spPr>
+          <a:xfrm>
+            <a:off x="176436" y="183548"/>
+            <a:ext cx="7678813" cy="523220"/>
+          </a:xfrm>
+          <a:prstGeom prst="rect">
+            <a:avLst/>
+          </a:prstGeom>
+          <a:noFill/>
+        </p:spPr>
+        <p:txBody>
+          <a:bodyPr wrap="square">
+            <a:spAutoFit/>
+          </a:bodyPr>
+          <a:lstStyle/>
+          <a:p>
+            <a:r>
+              <a:rPr lang="en-US" altLang="zh-CN" sz="2800" b="1" dirty="0">
+                <a:solidFill>
+                  <a:schemeClr val="accent6">
+                    <a:lumMod val="75000"/>
+                  </a:schemeClr>
+                </a:solidFill>
+              </a:rPr>
+              <a:t>Optimization worklog and concept illustration</a:t>
+            </a:r>
+          </a:p>
+        </p:txBody>
+      </p:sp>
+      <p:sp>
+        <p:nvSpPr>
+          <p:cNvPr id="3" name="文本框 2">
+            <a:extLst>
+              <a:ext uri="{FF2B5EF4-FFF2-40B4-BE49-F238E27FC236}">
+                <a16:creationId xmlns:a16="http://schemas.microsoft.com/office/drawing/2014/main" id="{A4E6934B-F788-EDFE-A535-9CABE5F0B891}"/>
+              </a:ext>
+            </a:extLst>
+          </p:cNvPr>
+          <p:cNvSpPr txBox="1"/>
+          <p:nvPr/>
+        </p:nvSpPr>
+        <p:spPr>
+          <a:xfrm>
+            <a:off x="1198743" y="1724472"/>
+            <a:ext cx="9794514" cy="4093428"/>
+          </a:xfrm>
+          <a:prstGeom prst="rect">
+            <a:avLst/>
+          </a:prstGeom>
+          <a:noFill/>
+        </p:spPr>
+        <p:txBody>
+          <a:bodyPr wrap="square" rtlCol="0">
+            <a:spAutoFit/>
+          </a:bodyPr>
+          <a:lstStyle/>
+          <a:p>
+            <a:r>
+              <a:rPr lang="en-US" altLang="zh-CN" sz="2000" b="1" dirty="0"/>
+              <a:t>There are 4 patterns when multiple threads within a warp access shared memory.</a:t>
+            </a:r>
+          </a:p>
+          <a:p>
+            <a:endParaRPr lang="en-US" altLang="zh-CN" sz="2000" b="1" dirty="0"/>
+          </a:p>
+          <a:p>
+            <a:endParaRPr lang="en-US" altLang="zh-CN" sz="2000" b="1" dirty="0"/>
+          </a:p>
+          <a:p>
+            <a:pPr marL="285750" indent="-285750">
+              <a:buFont typeface="Arial" panose="020B0604020202020204" pitchFamily="34" charset="0"/>
+              <a:buChar char="•"/>
+            </a:pPr>
+            <a:r>
+              <a:rPr lang="en-US" altLang="zh-CN" sz="2000" b="1" dirty="0"/>
+              <a:t>Each thread access different bank accordingly. The optimal pattern.</a:t>
+            </a:r>
+          </a:p>
+          <a:p>
+            <a:pPr marL="285750" indent="-285750">
+              <a:buFont typeface="Arial" panose="020B0604020202020204" pitchFamily="34" charset="0"/>
+              <a:buChar char="•"/>
+            </a:pPr>
+            <a:endParaRPr lang="en-US" altLang="zh-CN" sz="2000" b="1" dirty="0"/>
+          </a:p>
+          <a:p>
+            <a:pPr marL="285750" indent="-285750">
+              <a:buFont typeface="Arial" panose="020B0604020202020204" pitchFamily="34" charset="0"/>
+              <a:buChar char="•"/>
+            </a:pPr>
+            <a:endParaRPr lang="en-US" altLang="zh-CN" sz="2000" b="1" dirty="0"/>
+          </a:p>
+          <a:p>
+            <a:pPr marL="285750" indent="-285750">
+              <a:buFont typeface="Arial" panose="020B0604020202020204" pitchFamily="34" charset="0"/>
+              <a:buChar char="•"/>
+            </a:pPr>
+            <a:r>
+              <a:rPr lang="en-US" altLang="zh-CN" sz="2000" b="1" dirty="0"/>
+              <a:t>Each thread access random different bank. Not bad.</a:t>
+            </a:r>
+          </a:p>
+          <a:p>
+            <a:pPr marL="285750" indent="-285750">
+              <a:buFont typeface="Arial" panose="020B0604020202020204" pitchFamily="34" charset="0"/>
+              <a:buChar char="•"/>
+            </a:pPr>
+            <a:endParaRPr lang="en-US" altLang="zh-CN" sz="2000" b="1" dirty="0"/>
+          </a:p>
+          <a:p>
+            <a:pPr marL="285750" indent="-285750">
+              <a:buFont typeface="Arial" panose="020B0604020202020204" pitchFamily="34" charset="0"/>
+              <a:buChar char="•"/>
+            </a:pPr>
+            <a:endParaRPr lang="en-US" altLang="zh-CN" sz="2000" b="1" dirty="0"/>
+          </a:p>
+          <a:p>
+            <a:pPr marL="285750" indent="-285750">
+              <a:buFont typeface="Arial" panose="020B0604020202020204" pitchFamily="34" charset="0"/>
+              <a:buChar char="•"/>
+            </a:pPr>
+            <a:r>
+              <a:rPr lang="en-US" altLang="zh-CN" sz="2000" b="1" dirty="0"/>
+              <a:t>There are some threads accessing the same word in the same bank. Not bad.</a:t>
+            </a:r>
+          </a:p>
+          <a:p>
+            <a:pPr marL="285750" indent="-285750">
+              <a:buFont typeface="Arial" panose="020B0604020202020204" pitchFamily="34" charset="0"/>
+              <a:buChar char="•"/>
+            </a:pPr>
+            <a:endParaRPr lang="en-US" altLang="zh-CN" sz="2000" b="1" dirty="0"/>
+          </a:p>
+          <a:p>
+            <a:pPr marL="285750" indent="-285750">
+              <a:buFont typeface="Arial" panose="020B0604020202020204" pitchFamily="34" charset="0"/>
+              <a:buChar char="•"/>
+            </a:pPr>
+            <a:endParaRPr lang="en-US" altLang="zh-CN" sz="2000" b="1" dirty="0"/>
+          </a:p>
+          <a:p>
+            <a:pPr marL="285750" indent="-285750">
+              <a:buFont typeface="Arial" panose="020B0604020202020204" pitchFamily="34" charset="0"/>
+              <a:buChar char="•"/>
+            </a:pPr>
+            <a:r>
+              <a:rPr lang="en-US" altLang="zh-CN" sz="2000" b="1" dirty="0"/>
+              <a:t>There are threads accessing the same bank, but different words. Bad.</a:t>
+            </a:r>
+            <a:endParaRPr lang="zh-CN" altLang="en-US" sz="2000" b="1" dirty="0"/>
+          </a:p>
+        </p:txBody>
+      </p:sp>
+    </p:spTree>
+    <p:extLst>
+      <p:ext uri="{BB962C8B-B14F-4D97-AF65-F5344CB8AC3E}">
+        <p14:creationId xmlns:p14="http://schemas.microsoft.com/office/powerpoint/2010/main" val="615135331"/>
+      </p:ext>
+    </p:extLst>
+  </p:cSld>
+  <p:clrMapOvr>
+    <a:masterClrMapping/>
+  </p:clrMapOvr>
+</p:sld>
+</file>
+
+<file path=ppt/slides/slide26.xml><?xml version="1.0" encoding="utf-8"?>
+<p:sld xmlns:a="http://schemas.openxmlformats.org/drawingml/2006/main" xmlns:r="http://schemas.openxmlformats.org/officeDocument/2006/relationships" xmlns:p="http://schemas.openxmlformats.org/presentationml/2006/main">
+  <p:cSld>
+    <p:spTree>
+      <p:nvGrpSpPr>
+        <p:cNvPr id="1" name=""/>
+        <p:cNvGrpSpPr/>
+        <p:nvPr/>
+      </p:nvGrpSpPr>
+      <p:grpSpPr>
+        <a:xfrm>
+          <a:off x="0" y="0"/>
+          <a:ext cx="0" cy="0"/>
+          <a:chOff x="0" y="0"/>
+          <a:chExt cx="0" cy="0"/>
+        </a:xfrm>
+      </p:grpSpPr>
+      <p:sp>
+        <p:nvSpPr>
+          <p:cNvPr id="2" name="文本框 1">
+            <a:extLst>
+              <a:ext uri="{FF2B5EF4-FFF2-40B4-BE49-F238E27FC236}">
+                <a16:creationId xmlns:a16="http://schemas.microsoft.com/office/drawing/2014/main" id="{D636511A-F651-AA6C-087B-D99F64906AB7}"/>
+              </a:ext>
+            </a:extLst>
+          </p:cNvPr>
+          <p:cNvSpPr txBox="1"/>
+          <p:nvPr/>
+        </p:nvSpPr>
+        <p:spPr>
+          <a:xfrm>
+            <a:off x="176436" y="183548"/>
+            <a:ext cx="7678813" cy="523220"/>
+          </a:xfrm>
+          <a:prstGeom prst="rect">
+            <a:avLst/>
+          </a:prstGeom>
+          <a:noFill/>
+        </p:spPr>
+        <p:txBody>
+          <a:bodyPr wrap="square">
+            <a:spAutoFit/>
+          </a:bodyPr>
+          <a:lstStyle/>
+          <a:p>
+            <a:r>
+              <a:rPr lang="en-US" altLang="zh-CN" sz="2800" b="1" dirty="0">
+                <a:solidFill>
+                  <a:schemeClr val="accent6">
+                    <a:lumMod val="75000"/>
+                  </a:schemeClr>
+                </a:solidFill>
+              </a:rPr>
+              <a:t>Optimization worklog and concept illustration</a:t>
+            </a:r>
+          </a:p>
+        </p:txBody>
+      </p:sp>
+      <p:pic>
+        <p:nvPicPr>
+          <p:cNvPr id="4" name="图片 3">
+            <a:extLst>
+              <a:ext uri="{FF2B5EF4-FFF2-40B4-BE49-F238E27FC236}">
+                <a16:creationId xmlns:a16="http://schemas.microsoft.com/office/drawing/2014/main" id="{F00E78F1-969E-2DA6-B0B8-1D14F3235A70}"/>
+              </a:ext>
+            </a:extLst>
+          </p:cNvPr>
+          <p:cNvPicPr>
+            <a:picLocks noChangeAspect="1"/>
+          </p:cNvPicPr>
+          <p:nvPr/>
+        </p:nvPicPr>
+        <p:blipFill>
+          <a:blip r:embed="rId2"/>
+          <a:stretch>
+            <a:fillRect/>
+          </a:stretch>
+        </p:blipFill>
+        <p:spPr>
+          <a:xfrm rot="16200000">
+            <a:off x="4929694" y="-589121"/>
+            <a:ext cx="1559360" cy="6858000"/>
+          </a:xfrm>
+          <a:prstGeom prst="rect">
+            <a:avLst/>
+          </a:prstGeom>
+        </p:spPr>
+      </p:pic>
+      <p:sp>
+        <p:nvSpPr>
+          <p:cNvPr id="6" name="文本框 5">
+            <a:extLst>
+              <a:ext uri="{FF2B5EF4-FFF2-40B4-BE49-F238E27FC236}">
+                <a16:creationId xmlns:a16="http://schemas.microsoft.com/office/drawing/2014/main" id="{4D17863B-BC6E-53E8-F338-DB410D60A516}"/>
+              </a:ext>
+            </a:extLst>
+          </p:cNvPr>
+          <p:cNvSpPr txBox="1"/>
+          <p:nvPr/>
+        </p:nvSpPr>
+        <p:spPr>
+          <a:xfrm>
+            <a:off x="1723447" y="4972990"/>
+            <a:ext cx="8887275" cy="400110"/>
+          </a:xfrm>
+          <a:prstGeom prst="rect">
+            <a:avLst/>
+          </a:prstGeom>
+          <a:noFill/>
+        </p:spPr>
+        <p:txBody>
+          <a:bodyPr wrap="square">
+            <a:spAutoFit/>
+          </a:bodyPr>
+          <a:lstStyle/>
+          <a:p>
+            <a:pPr marL="285750" indent="-285750">
+              <a:buFont typeface="Arial" panose="020B0604020202020204" pitchFamily="34" charset="0"/>
+              <a:buChar char="•"/>
+            </a:pPr>
+            <a:r>
+              <a:rPr lang="en-US" altLang="zh-CN" sz="2000" b="1" dirty="0"/>
+              <a:t>Each thread access different bank accordingly. The optimal pattern.</a:t>
+            </a:r>
+          </a:p>
+        </p:txBody>
+      </p:sp>
+    </p:spTree>
+    <p:extLst>
+      <p:ext uri="{BB962C8B-B14F-4D97-AF65-F5344CB8AC3E}">
+        <p14:creationId xmlns:p14="http://schemas.microsoft.com/office/powerpoint/2010/main" val="2158742366"/>
+      </p:ext>
+    </p:extLst>
+  </p:cSld>
+  <p:clrMapOvr>
+    <a:masterClrMapping/>
+  </p:clrMapOvr>
+</p:sld>
+</file>
+
+<file path=ppt/slides/slide27.xml><?xml version="1.0" encoding="utf-8"?>
+<p:sld xmlns:a="http://schemas.openxmlformats.org/drawingml/2006/main" xmlns:r="http://schemas.openxmlformats.org/officeDocument/2006/relationships" xmlns:p="http://schemas.openxmlformats.org/presentationml/2006/main">
+  <p:cSld>
+    <p:spTree>
+      <p:nvGrpSpPr>
+        <p:cNvPr id="1" name=""/>
+        <p:cNvGrpSpPr/>
+        <p:nvPr/>
+      </p:nvGrpSpPr>
+      <p:grpSpPr>
+        <a:xfrm>
+          <a:off x="0" y="0"/>
+          <a:ext cx="0" cy="0"/>
+          <a:chOff x="0" y="0"/>
+          <a:chExt cx="0" cy="0"/>
+        </a:xfrm>
+      </p:grpSpPr>
+      <p:sp>
+        <p:nvSpPr>
+          <p:cNvPr id="2" name="文本框 1">
+            <a:extLst>
+              <a:ext uri="{FF2B5EF4-FFF2-40B4-BE49-F238E27FC236}">
+                <a16:creationId xmlns:a16="http://schemas.microsoft.com/office/drawing/2014/main" id="{CA8EB0A0-25DF-083A-0EB3-626B9AC0A62F}"/>
+              </a:ext>
+            </a:extLst>
+          </p:cNvPr>
+          <p:cNvSpPr txBox="1"/>
+          <p:nvPr/>
+        </p:nvSpPr>
+        <p:spPr>
+          <a:xfrm>
+            <a:off x="176436" y="183548"/>
+            <a:ext cx="7678813" cy="523220"/>
+          </a:xfrm>
+          <a:prstGeom prst="rect">
+            <a:avLst/>
+          </a:prstGeom>
+          <a:noFill/>
+        </p:spPr>
+        <p:txBody>
+          <a:bodyPr wrap="square">
+            <a:spAutoFit/>
+          </a:bodyPr>
+          <a:lstStyle/>
+          <a:p>
+            <a:r>
+              <a:rPr lang="en-US" altLang="zh-CN" sz="2800" b="1" dirty="0">
+                <a:solidFill>
+                  <a:schemeClr val="accent6">
+                    <a:lumMod val="75000"/>
+                  </a:schemeClr>
+                </a:solidFill>
+              </a:rPr>
+              <a:t>Optimization worklog and concept illustration</a:t>
+            </a:r>
+          </a:p>
+        </p:txBody>
+      </p:sp>
+      <p:pic>
+        <p:nvPicPr>
+          <p:cNvPr id="4" name="图片 3">
+            <a:extLst>
+              <a:ext uri="{FF2B5EF4-FFF2-40B4-BE49-F238E27FC236}">
+                <a16:creationId xmlns:a16="http://schemas.microsoft.com/office/drawing/2014/main" id="{B62D3A22-471A-3026-072A-B90D363D815F}"/>
+              </a:ext>
+            </a:extLst>
+          </p:cNvPr>
+          <p:cNvPicPr>
+            <a:picLocks noChangeAspect="1"/>
+          </p:cNvPicPr>
+          <p:nvPr/>
+        </p:nvPicPr>
+        <p:blipFill>
+          <a:blip r:embed="rId2"/>
+          <a:stretch>
+            <a:fillRect/>
+          </a:stretch>
+        </p:blipFill>
+        <p:spPr>
+          <a:xfrm rot="16200000">
+            <a:off x="5349010" y="-746990"/>
+            <a:ext cx="1493979" cy="6858000"/>
+          </a:xfrm>
+          <a:prstGeom prst="rect">
+            <a:avLst/>
+          </a:prstGeom>
+        </p:spPr>
+      </p:pic>
+      <p:sp>
+        <p:nvSpPr>
+          <p:cNvPr id="6" name="文本框 5">
+            <a:extLst>
+              <a:ext uri="{FF2B5EF4-FFF2-40B4-BE49-F238E27FC236}">
+                <a16:creationId xmlns:a16="http://schemas.microsoft.com/office/drawing/2014/main" id="{F3C55A9B-CAB1-9123-4E26-7A0A6378A3C2}"/>
+              </a:ext>
+            </a:extLst>
+          </p:cNvPr>
+          <p:cNvSpPr txBox="1"/>
+          <p:nvPr/>
+        </p:nvSpPr>
+        <p:spPr>
+          <a:xfrm>
+            <a:off x="2786158" y="5062394"/>
+            <a:ext cx="6973068" cy="400110"/>
+          </a:xfrm>
+          <a:prstGeom prst="rect">
+            <a:avLst/>
+          </a:prstGeom>
+          <a:noFill/>
+        </p:spPr>
+        <p:txBody>
+          <a:bodyPr wrap="square">
+            <a:spAutoFit/>
+          </a:bodyPr>
+          <a:lstStyle/>
+          <a:p>
+            <a:pPr marL="285750" indent="-285750">
+              <a:buFont typeface="Arial" panose="020B0604020202020204" pitchFamily="34" charset="0"/>
+              <a:buChar char="•"/>
+            </a:pPr>
+            <a:r>
+              <a:rPr lang="en-US" altLang="zh-CN" sz="2000" b="1" dirty="0"/>
+              <a:t>Each thread access random different bank. Not bad.</a:t>
+            </a:r>
+          </a:p>
+        </p:txBody>
+      </p:sp>
+    </p:spTree>
+    <p:extLst>
+      <p:ext uri="{BB962C8B-B14F-4D97-AF65-F5344CB8AC3E}">
+        <p14:creationId xmlns:p14="http://schemas.microsoft.com/office/powerpoint/2010/main" val="1893184436"/>
+      </p:ext>
+    </p:extLst>
+  </p:cSld>
+  <p:clrMapOvr>
+    <a:masterClrMapping/>
+  </p:clrMapOvr>
+</p:sld>
+</file>
+
+<file path=ppt/slides/slide28.xml><?xml version="1.0" encoding="utf-8"?>
+<p:sld xmlns:a="http://schemas.openxmlformats.org/drawingml/2006/main" xmlns:r="http://schemas.openxmlformats.org/officeDocument/2006/relationships" xmlns:p="http://schemas.openxmlformats.org/presentationml/2006/main">
+  <p:cSld>
+    <p:spTree>
+      <p:nvGrpSpPr>
+        <p:cNvPr id="1" name=""/>
+        <p:cNvGrpSpPr/>
+        <p:nvPr/>
+      </p:nvGrpSpPr>
+      <p:grpSpPr>
+        <a:xfrm>
+          <a:off x="0" y="0"/>
+          <a:ext cx="0" cy="0"/>
+          <a:chOff x="0" y="0"/>
+          <a:chExt cx="0" cy="0"/>
+        </a:xfrm>
+      </p:grpSpPr>
+      <p:sp>
+        <p:nvSpPr>
+          <p:cNvPr id="2" name="文本框 1">
+            <a:extLst>
+              <a:ext uri="{FF2B5EF4-FFF2-40B4-BE49-F238E27FC236}">
+                <a16:creationId xmlns:a16="http://schemas.microsoft.com/office/drawing/2014/main" id="{D63A063B-2752-F760-3E1A-835A52C6E909}"/>
+              </a:ext>
+            </a:extLst>
+          </p:cNvPr>
+          <p:cNvSpPr txBox="1"/>
+          <p:nvPr/>
+        </p:nvSpPr>
+        <p:spPr>
+          <a:xfrm>
+            <a:off x="176436" y="183548"/>
+            <a:ext cx="7678813" cy="523220"/>
+          </a:xfrm>
+          <a:prstGeom prst="rect">
+            <a:avLst/>
+          </a:prstGeom>
+          <a:noFill/>
+        </p:spPr>
+        <p:txBody>
+          <a:bodyPr wrap="square">
+            <a:spAutoFit/>
+          </a:bodyPr>
+          <a:lstStyle/>
+          <a:p>
+            <a:r>
+              <a:rPr lang="en-US" altLang="zh-CN" sz="2800" b="1" dirty="0">
+                <a:solidFill>
+                  <a:schemeClr val="accent6">
+                    <a:lumMod val="75000"/>
+                  </a:schemeClr>
+                </a:solidFill>
+              </a:rPr>
+              <a:t>Optimization worklog and concept illustration</a:t>
+            </a:r>
+          </a:p>
+        </p:txBody>
+      </p:sp>
+      <p:pic>
+        <p:nvPicPr>
+          <p:cNvPr id="4" name="图片 3">
+            <a:extLst>
+              <a:ext uri="{FF2B5EF4-FFF2-40B4-BE49-F238E27FC236}">
+                <a16:creationId xmlns:a16="http://schemas.microsoft.com/office/drawing/2014/main" id="{680359DA-B269-DEF7-4B82-0F18BCE28B95}"/>
+              </a:ext>
+            </a:extLst>
+          </p:cNvPr>
+          <p:cNvPicPr>
+            <a:picLocks noChangeAspect="1"/>
+          </p:cNvPicPr>
+          <p:nvPr/>
+        </p:nvPicPr>
+        <p:blipFill>
+          <a:blip r:embed="rId2"/>
+          <a:stretch>
+            <a:fillRect/>
+          </a:stretch>
+        </p:blipFill>
+        <p:spPr>
+          <a:xfrm rot="16200000">
+            <a:off x="5085936" y="-693472"/>
+            <a:ext cx="1688733" cy="6858000"/>
+          </a:xfrm>
+          <a:prstGeom prst="rect">
+            <a:avLst/>
+          </a:prstGeom>
+        </p:spPr>
+      </p:pic>
+      <p:sp>
+        <p:nvSpPr>
+          <p:cNvPr id="6" name="文本框 5">
+            <a:extLst>
+              <a:ext uri="{FF2B5EF4-FFF2-40B4-BE49-F238E27FC236}">
+                <a16:creationId xmlns:a16="http://schemas.microsoft.com/office/drawing/2014/main" id="{8D88192C-4600-8B10-9545-4D4B08A86A7C}"/>
+              </a:ext>
+            </a:extLst>
+          </p:cNvPr>
+          <p:cNvSpPr txBox="1"/>
+          <p:nvPr/>
+        </p:nvSpPr>
+        <p:spPr>
+          <a:xfrm>
+            <a:off x="1448309" y="5177504"/>
+            <a:ext cx="10641407" cy="400110"/>
+          </a:xfrm>
+          <a:prstGeom prst="rect">
+            <a:avLst/>
+          </a:prstGeom>
+          <a:noFill/>
+        </p:spPr>
+        <p:txBody>
+          <a:bodyPr wrap="square">
+            <a:spAutoFit/>
+          </a:bodyPr>
+          <a:lstStyle/>
+          <a:p>
+            <a:pPr marL="285750" indent="-285750">
+              <a:buFont typeface="Arial" panose="020B0604020202020204" pitchFamily="34" charset="0"/>
+              <a:buChar char="•"/>
+            </a:pPr>
+            <a:r>
+              <a:rPr lang="en-US" altLang="zh-CN" sz="2000" b="1" dirty="0"/>
+              <a:t>There are some threads accessing the same word in the same bank. Not bad.</a:t>
+            </a:r>
+          </a:p>
+        </p:txBody>
+      </p:sp>
+    </p:spTree>
+    <p:extLst>
+      <p:ext uri="{BB962C8B-B14F-4D97-AF65-F5344CB8AC3E}">
+        <p14:creationId xmlns:p14="http://schemas.microsoft.com/office/powerpoint/2010/main" val="3146182283"/>
+      </p:ext>
+    </p:extLst>
+  </p:cSld>
+  <p:clrMapOvr>
+    <a:masterClrMapping/>
+  </p:clrMapOvr>
+</p:sld>
+</file>
+
+<file path=ppt/slides/slide29.xml><?xml version="1.0" encoding="utf-8"?>
+<p:sld xmlns:a="http://schemas.openxmlformats.org/drawingml/2006/main" xmlns:r="http://schemas.openxmlformats.org/officeDocument/2006/relationships" xmlns:p="http://schemas.openxmlformats.org/presentationml/2006/main">
+  <p:cSld>
+    <p:spTree>
+      <p:nvGrpSpPr>
+        <p:cNvPr id="1" name=""/>
+        <p:cNvGrpSpPr/>
+        <p:nvPr/>
+      </p:nvGrpSpPr>
+      <p:grpSpPr>
+        <a:xfrm>
+          <a:off x="0" y="0"/>
+          <a:ext cx="0" cy="0"/>
+          <a:chOff x="0" y="0"/>
+          <a:chExt cx="0" cy="0"/>
+        </a:xfrm>
+      </p:grpSpPr>
+      <p:sp>
+        <p:nvSpPr>
+          <p:cNvPr id="2" name="文本框 1">
+            <a:extLst>
+              <a:ext uri="{FF2B5EF4-FFF2-40B4-BE49-F238E27FC236}">
+                <a16:creationId xmlns:a16="http://schemas.microsoft.com/office/drawing/2014/main" id="{964141DE-7D80-FEF4-266A-AF8F2DE247B6}"/>
+              </a:ext>
+            </a:extLst>
+          </p:cNvPr>
+          <p:cNvSpPr txBox="1"/>
+          <p:nvPr/>
+        </p:nvSpPr>
+        <p:spPr>
+          <a:xfrm>
+            <a:off x="176436" y="183548"/>
+            <a:ext cx="7678813" cy="523220"/>
+          </a:xfrm>
+          <a:prstGeom prst="rect">
+            <a:avLst/>
+          </a:prstGeom>
+          <a:noFill/>
+        </p:spPr>
+        <p:txBody>
+          <a:bodyPr wrap="square">
+            <a:spAutoFit/>
+          </a:bodyPr>
+          <a:lstStyle/>
+          <a:p>
+            <a:r>
+              <a:rPr lang="en-US" altLang="zh-CN" sz="2800" b="1" dirty="0">
+                <a:solidFill>
+                  <a:schemeClr val="accent6">
+                    <a:lumMod val="75000"/>
+                  </a:schemeClr>
+                </a:solidFill>
+              </a:rPr>
+              <a:t>Optimization worklog and concept illustration</a:t>
+            </a:r>
+          </a:p>
+        </p:txBody>
+      </p:sp>
+      <p:pic>
+        <p:nvPicPr>
+          <p:cNvPr id="4" name="图片 3">
+            <a:extLst>
+              <a:ext uri="{FF2B5EF4-FFF2-40B4-BE49-F238E27FC236}">
+                <a16:creationId xmlns:a16="http://schemas.microsoft.com/office/drawing/2014/main" id="{EC9972CB-7536-7529-D107-EAB2EECBF4A6}"/>
+              </a:ext>
+            </a:extLst>
+          </p:cNvPr>
+          <p:cNvPicPr>
+            <a:picLocks noChangeAspect="1"/>
+          </p:cNvPicPr>
+          <p:nvPr/>
+        </p:nvPicPr>
+        <p:blipFill>
+          <a:blip r:embed="rId2"/>
+          <a:stretch>
+            <a:fillRect/>
+          </a:stretch>
+        </p:blipFill>
+        <p:spPr>
+          <a:xfrm rot="16200000">
+            <a:off x="4809864" y="-1043274"/>
+            <a:ext cx="1627188" cy="6858000"/>
+          </a:xfrm>
+          <a:prstGeom prst="rect">
+            <a:avLst/>
+          </a:prstGeom>
+        </p:spPr>
+      </p:pic>
+      <p:sp>
+        <p:nvSpPr>
+          <p:cNvPr id="6" name="文本框 5">
+            <a:extLst>
+              <a:ext uri="{FF2B5EF4-FFF2-40B4-BE49-F238E27FC236}">
+                <a16:creationId xmlns:a16="http://schemas.microsoft.com/office/drawing/2014/main" id="{D43B1E57-4165-178C-CF2C-1F952E07D626}"/>
+              </a:ext>
+            </a:extLst>
+          </p:cNvPr>
+          <p:cNvSpPr txBox="1"/>
+          <p:nvPr/>
+        </p:nvSpPr>
+        <p:spPr>
+          <a:xfrm>
+            <a:off x="1797092" y="4488129"/>
+            <a:ext cx="8597816" cy="1015663"/>
+          </a:xfrm>
+          <a:prstGeom prst="rect">
+            <a:avLst/>
+          </a:prstGeom>
+          <a:noFill/>
+        </p:spPr>
+        <p:txBody>
+          <a:bodyPr wrap="square">
+            <a:spAutoFit/>
+          </a:bodyPr>
+          <a:lstStyle/>
+          <a:p>
+            <a:pPr marL="285750" indent="-285750">
+              <a:buFont typeface="Arial" panose="020B0604020202020204" pitchFamily="34" charset="0"/>
+              <a:buChar char="•"/>
+            </a:pPr>
+            <a:r>
+              <a:rPr lang="en-US" altLang="zh-CN" sz="2000" b="1" dirty="0"/>
+              <a:t>There are threads accessing the same bank, but different words. Bad. When multiple addresses fall into the same bank, the request must be serialized. In the picture above, a two-way bank conflict occurs.</a:t>
+            </a:r>
+          </a:p>
+        </p:txBody>
+      </p:sp>
+    </p:spTree>
+    <p:extLst>
+      <p:ext uri="{BB962C8B-B14F-4D97-AF65-F5344CB8AC3E}">
+        <p14:creationId xmlns:p14="http://schemas.microsoft.com/office/powerpoint/2010/main" val="2981694133"/>
       </p:ext>
     </p:extLst>
   </p:cSld>
@@ -4385,8 +7492,8 @@
         </p:nvSpPr>
         <p:spPr>
           <a:xfrm>
-            <a:off x="1659012" y="822346"/>
-            <a:ext cx="8873976" cy="4031873"/>
+            <a:off x="1841074" y="951220"/>
+            <a:ext cx="9655409" cy="4524315"/>
           </a:xfrm>
           <a:prstGeom prst="rect">
             <a:avLst/>
@@ -4401,7 +7508,7 @@
           <a:p>
             <a:r>
               <a:rPr lang="en-US" altLang="zh-CN" sz="3200" b="1" dirty="0"/>
-              <a:t>This presentation has 3 parts:</a:t>
+              <a:t>This presentation has 4 parts:</a:t>
             </a:r>
           </a:p>
           <a:p>
@@ -4512,12 +7619,1816 @@
               <a:t>confusion</a:t>
             </a:r>
           </a:p>
+          <a:p>
+            <a:pPr marL="285750" indent="-285750">
+              <a:buFont typeface="Arial" panose="020B0604020202020204" pitchFamily="34" charset="0"/>
+              <a:buChar char="•"/>
+            </a:pPr>
+            <a:endParaRPr lang="en-US" altLang="zh-CN" sz="3200" b="1" dirty="0">
+              <a:solidFill>
+                <a:schemeClr val="accent2">
+                  <a:lumMod val="60000"/>
+                  <a:lumOff val="40000"/>
+                </a:schemeClr>
+              </a:solidFill>
+            </a:endParaRPr>
+          </a:p>
+          <a:p>
+            <a:pPr marL="285750" indent="-285750">
+              <a:buFont typeface="Arial" panose="020B0604020202020204" pitchFamily="34" charset="0"/>
+              <a:buChar char="•"/>
+            </a:pPr>
+            <a:r>
+              <a:rPr lang="en-US" altLang="zh-CN" sz="3200" b="1" dirty="0">
+                <a:solidFill>
+                  <a:srgbClr val="CF90E8"/>
+                </a:solidFill>
+              </a:rPr>
+              <a:t>Bonus</a:t>
+            </a:r>
+          </a:p>
         </p:txBody>
       </p:sp>
     </p:spTree>
     <p:extLst>
       <p:ext uri="{BB962C8B-B14F-4D97-AF65-F5344CB8AC3E}">
         <p14:creationId xmlns:p14="http://schemas.microsoft.com/office/powerpoint/2010/main" val="1771195540"/>
+      </p:ext>
+    </p:extLst>
+  </p:cSld>
+  <p:clrMapOvr>
+    <a:masterClrMapping/>
+  </p:clrMapOvr>
+</p:sld>
+</file>
+
+<file path=ppt/slides/slide30.xml><?xml version="1.0" encoding="utf-8"?>
+<p:sld xmlns:a="http://schemas.openxmlformats.org/drawingml/2006/main" xmlns:r="http://schemas.openxmlformats.org/officeDocument/2006/relationships" xmlns:p="http://schemas.openxmlformats.org/presentationml/2006/main">
+  <p:cSld>
+    <p:spTree>
+      <p:nvGrpSpPr>
+        <p:cNvPr id="1" name=""/>
+        <p:cNvGrpSpPr/>
+        <p:nvPr/>
+      </p:nvGrpSpPr>
+      <p:grpSpPr>
+        <a:xfrm>
+          <a:off x="0" y="0"/>
+          <a:ext cx="0" cy="0"/>
+          <a:chOff x="0" y="0"/>
+          <a:chExt cx="0" cy="0"/>
+        </a:xfrm>
+      </p:grpSpPr>
+      <p:sp>
+        <p:nvSpPr>
+          <p:cNvPr id="2" name="文本框 1">
+            <a:extLst>
+              <a:ext uri="{FF2B5EF4-FFF2-40B4-BE49-F238E27FC236}">
+                <a16:creationId xmlns:a16="http://schemas.microsoft.com/office/drawing/2014/main" id="{7F2A74F3-3973-72F6-DEA5-4320E6DF53CD}"/>
+              </a:ext>
+            </a:extLst>
+          </p:cNvPr>
+          <p:cNvSpPr txBox="1"/>
+          <p:nvPr/>
+        </p:nvSpPr>
+        <p:spPr>
+          <a:xfrm>
+            <a:off x="176436" y="183548"/>
+            <a:ext cx="7678813" cy="523220"/>
+          </a:xfrm>
+          <a:prstGeom prst="rect">
+            <a:avLst/>
+          </a:prstGeom>
+          <a:noFill/>
+        </p:spPr>
+        <p:txBody>
+          <a:bodyPr wrap="square">
+            <a:spAutoFit/>
+          </a:bodyPr>
+          <a:lstStyle/>
+          <a:p>
+            <a:r>
+              <a:rPr lang="en-US" altLang="zh-CN" sz="2800" b="1" dirty="0">
+                <a:solidFill>
+                  <a:schemeClr val="accent6">
+                    <a:lumMod val="75000"/>
+                  </a:schemeClr>
+                </a:solidFill>
+              </a:rPr>
+              <a:t>Optimization worklog and concept illustration</a:t>
+            </a:r>
+          </a:p>
+        </p:txBody>
+      </p:sp>
+      <p:sp>
+        <p:nvSpPr>
+          <p:cNvPr id="3" name="文本框 2">
+            <a:extLst>
+              <a:ext uri="{FF2B5EF4-FFF2-40B4-BE49-F238E27FC236}">
+                <a16:creationId xmlns:a16="http://schemas.microsoft.com/office/drawing/2014/main" id="{5381A0F2-90D6-49A3-BE72-3BB3A0555515}"/>
+              </a:ext>
+            </a:extLst>
+          </p:cNvPr>
+          <p:cNvSpPr txBox="1"/>
+          <p:nvPr/>
+        </p:nvSpPr>
+        <p:spPr>
+          <a:xfrm>
+            <a:off x="853031" y="1202835"/>
+            <a:ext cx="5517084" cy="400110"/>
+          </a:xfrm>
+          <a:prstGeom prst="rect">
+            <a:avLst/>
+          </a:prstGeom>
+          <a:noFill/>
+        </p:spPr>
+        <p:txBody>
+          <a:bodyPr wrap="square" rtlCol="0">
+            <a:spAutoFit/>
+          </a:bodyPr>
+          <a:lstStyle/>
+          <a:p>
+            <a:r>
+              <a:rPr lang="en-US" altLang="zh-CN" sz="2000" b="1" dirty="0"/>
+              <a:t>Why my kernel 7 suffers from bank conflict:</a:t>
+            </a:r>
+            <a:endParaRPr lang="zh-CN" altLang="en-US" sz="2000" b="1" dirty="0"/>
+          </a:p>
+        </p:txBody>
+      </p:sp>
+      <p:pic>
+        <p:nvPicPr>
+          <p:cNvPr id="5" name="图片 4">
+            <a:extLst>
+              <a:ext uri="{FF2B5EF4-FFF2-40B4-BE49-F238E27FC236}">
+                <a16:creationId xmlns:a16="http://schemas.microsoft.com/office/drawing/2014/main" id="{77E1E5C0-D1C5-9518-6093-1B8EC26195DC}"/>
+              </a:ext>
+            </a:extLst>
+          </p:cNvPr>
+          <p:cNvPicPr>
+            <a:picLocks noChangeAspect="1"/>
+          </p:cNvPicPr>
+          <p:nvPr/>
+        </p:nvPicPr>
+        <p:blipFill>
+          <a:blip r:embed="rId2"/>
+          <a:stretch>
+            <a:fillRect/>
+          </a:stretch>
+        </p:blipFill>
+        <p:spPr>
+          <a:xfrm>
+            <a:off x="1267272" y="2203121"/>
+            <a:ext cx="9056038" cy="3581514"/>
+          </a:xfrm>
+          <a:prstGeom prst="rect">
+            <a:avLst/>
+          </a:prstGeom>
+        </p:spPr>
+      </p:pic>
+    </p:spTree>
+    <p:extLst>
+      <p:ext uri="{BB962C8B-B14F-4D97-AF65-F5344CB8AC3E}">
+        <p14:creationId xmlns:p14="http://schemas.microsoft.com/office/powerpoint/2010/main" val="2419689640"/>
+      </p:ext>
+    </p:extLst>
+  </p:cSld>
+  <p:clrMapOvr>
+    <a:masterClrMapping/>
+  </p:clrMapOvr>
+</p:sld>
+</file>
+
+<file path=ppt/slides/slide31.xml><?xml version="1.0" encoding="utf-8"?>
+<p:sld xmlns:a="http://schemas.openxmlformats.org/drawingml/2006/main" xmlns:r="http://schemas.openxmlformats.org/officeDocument/2006/relationships" xmlns:p="http://schemas.openxmlformats.org/presentationml/2006/main">
+  <p:cSld>
+    <p:spTree>
+      <p:nvGrpSpPr>
+        <p:cNvPr id="1" name=""/>
+        <p:cNvGrpSpPr/>
+        <p:nvPr/>
+      </p:nvGrpSpPr>
+      <p:grpSpPr>
+        <a:xfrm>
+          <a:off x="0" y="0"/>
+          <a:ext cx="0" cy="0"/>
+          <a:chOff x="0" y="0"/>
+          <a:chExt cx="0" cy="0"/>
+        </a:xfrm>
+      </p:grpSpPr>
+      <p:sp>
+        <p:nvSpPr>
+          <p:cNvPr id="2" name="文本框 1">
+            <a:extLst>
+              <a:ext uri="{FF2B5EF4-FFF2-40B4-BE49-F238E27FC236}">
+                <a16:creationId xmlns:a16="http://schemas.microsoft.com/office/drawing/2014/main" id="{E1A1155F-45DD-1F11-B6A6-360E59DF9906}"/>
+              </a:ext>
+            </a:extLst>
+          </p:cNvPr>
+          <p:cNvSpPr txBox="1"/>
+          <p:nvPr/>
+        </p:nvSpPr>
+        <p:spPr>
+          <a:xfrm>
+            <a:off x="176436" y="183548"/>
+            <a:ext cx="7678813" cy="523220"/>
+          </a:xfrm>
+          <a:prstGeom prst="rect">
+            <a:avLst/>
+          </a:prstGeom>
+          <a:noFill/>
+        </p:spPr>
+        <p:txBody>
+          <a:bodyPr wrap="square">
+            <a:spAutoFit/>
+          </a:bodyPr>
+          <a:lstStyle/>
+          <a:p>
+            <a:r>
+              <a:rPr lang="en-US" altLang="zh-CN" sz="2800" b="1" dirty="0">
+                <a:solidFill>
+                  <a:schemeClr val="accent6">
+                    <a:lumMod val="75000"/>
+                  </a:schemeClr>
+                </a:solidFill>
+              </a:rPr>
+              <a:t>Optimization worklog and concept illustration</a:t>
+            </a:r>
+          </a:p>
+        </p:txBody>
+      </p:sp>
+      <p:pic>
+        <p:nvPicPr>
+          <p:cNvPr id="4" name="图片 3">
+            <a:extLst>
+              <a:ext uri="{FF2B5EF4-FFF2-40B4-BE49-F238E27FC236}">
+                <a16:creationId xmlns:a16="http://schemas.microsoft.com/office/drawing/2014/main" id="{B1454803-8E08-3706-29D9-077EAD3117AE}"/>
+              </a:ext>
+            </a:extLst>
+          </p:cNvPr>
+          <p:cNvPicPr>
+            <a:picLocks noChangeAspect="1"/>
+          </p:cNvPicPr>
+          <p:nvPr/>
+        </p:nvPicPr>
+        <p:blipFill>
+          <a:blip r:embed="rId2"/>
+          <a:stretch>
+            <a:fillRect/>
+          </a:stretch>
+        </p:blipFill>
+        <p:spPr>
+          <a:xfrm>
+            <a:off x="364571" y="1515818"/>
+            <a:ext cx="5386801" cy="4579622"/>
+          </a:xfrm>
+          <a:prstGeom prst="rect">
+            <a:avLst/>
+          </a:prstGeom>
+        </p:spPr>
+      </p:pic>
+      <p:pic>
+        <p:nvPicPr>
+          <p:cNvPr id="6" name="图片 5">
+            <a:extLst>
+              <a:ext uri="{FF2B5EF4-FFF2-40B4-BE49-F238E27FC236}">
+                <a16:creationId xmlns:a16="http://schemas.microsoft.com/office/drawing/2014/main" id="{8EDC8577-AFAC-5797-77FC-22F3B2B3E3F9}"/>
+              </a:ext>
+            </a:extLst>
+          </p:cNvPr>
+          <p:cNvPicPr>
+            <a:picLocks noChangeAspect="1"/>
+          </p:cNvPicPr>
+          <p:nvPr/>
+        </p:nvPicPr>
+        <p:blipFill>
+          <a:blip r:embed="rId3"/>
+          <a:stretch>
+            <a:fillRect/>
+          </a:stretch>
+        </p:blipFill>
+        <p:spPr>
+          <a:xfrm>
+            <a:off x="5906421" y="1313298"/>
+            <a:ext cx="5994651" cy="4691670"/>
+          </a:xfrm>
+          <a:prstGeom prst="rect">
+            <a:avLst/>
+          </a:prstGeom>
+        </p:spPr>
+      </p:pic>
+    </p:spTree>
+    <p:extLst>
+      <p:ext uri="{BB962C8B-B14F-4D97-AF65-F5344CB8AC3E}">
+        <p14:creationId xmlns:p14="http://schemas.microsoft.com/office/powerpoint/2010/main" val="4234656505"/>
+      </p:ext>
+    </p:extLst>
+  </p:cSld>
+  <p:clrMapOvr>
+    <a:masterClrMapping/>
+  </p:clrMapOvr>
+</p:sld>
+</file>
+
+<file path=ppt/slides/slide32.xml><?xml version="1.0" encoding="utf-8"?>
+<p:sld xmlns:a="http://schemas.openxmlformats.org/drawingml/2006/main" xmlns:r="http://schemas.openxmlformats.org/officeDocument/2006/relationships" xmlns:p="http://schemas.openxmlformats.org/presentationml/2006/main">
+  <p:cSld>
+    <p:spTree>
+      <p:nvGrpSpPr>
+        <p:cNvPr id="1" name=""/>
+        <p:cNvGrpSpPr/>
+        <p:nvPr/>
+      </p:nvGrpSpPr>
+      <p:grpSpPr>
+        <a:xfrm>
+          <a:off x="0" y="0"/>
+          <a:ext cx="0" cy="0"/>
+          <a:chOff x="0" y="0"/>
+          <a:chExt cx="0" cy="0"/>
+        </a:xfrm>
+      </p:grpSpPr>
+      <p:sp>
+        <p:nvSpPr>
+          <p:cNvPr id="2" name="文本框 1">
+            <a:extLst>
+              <a:ext uri="{FF2B5EF4-FFF2-40B4-BE49-F238E27FC236}">
+                <a16:creationId xmlns:a16="http://schemas.microsoft.com/office/drawing/2014/main" id="{ADDEF014-86BF-A3CE-1959-38E81315CCA1}"/>
+              </a:ext>
+            </a:extLst>
+          </p:cNvPr>
+          <p:cNvSpPr txBox="1"/>
+          <p:nvPr/>
+        </p:nvSpPr>
+        <p:spPr>
+          <a:xfrm>
+            <a:off x="176436" y="183548"/>
+            <a:ext cx="7678813" cy="523220"/>
+          </a:xfrm>
+          <a:prstGeom prst="rect">
+            <a:avLst/>
+          </a:prstGeom>
+          <a:noFill/>
+        </p:spPr>
+        <p:txBody>
+          <a:bodyPr wrap="square">
+            <a:spAutoFit/>
+          </a:bodyPr>
+          <a:lstStyle/>
+          <a:p>
+            <a:r>
+              <a:rPr lang="en-US" altLang="zh-CN" sz="2800" b="1" dirty="0">
+                <a:solidFill>
+                  <a:schemeClr val="accent6">
+                    <a:lumMod val="75000"/>
+                  </a:schemeClr>
+                </a:solidFill>
+              </a:rPr>
+              <a:t>Optimization worklog and concept illustration</a:t>
+            </a:r>
+          </a:p>
+        </p:txBody>
+      </p:sp>
+      <p:sp>
+        <p:nvSpPr>
+          <p:cNvPr id="3" name="文本框 2">
+            <a:extLst>
+              <a:ext uri="{FF2B5EF4-FFF2-40B4-BE49-F238E27FC236}">
+                <a16:creationId xmlns:a16="http://schemas.microsoft.com/office/drawing/2014/main" id="{3EE0E1D4-5CFC-B592-AE06-24A28E54F376}"/>
+              </a:ext>
+            </a:extLst>
+          </p:cNvPr>
+          <p:cNvSpPr txBox="1"/>
+          <p:nvPr/>
+        </p:nvSpPr>
+        <p:spPr>
+          <a:xfrm>
+            <a:off x="1350121" y="2595914"/>
+            <a:ext cx="10074765" cy="1938992"/>
+          </a:xfrm>
+          <a:prstGeom prst="rect">
+            <a:avLst/>
+          </a:prstGeom>
+          <a:noFill/>
+        </p:spPr>
+        <p:txBody>
+          <a:bodyPr wrap="square" rtlCol="0">
+            <a:spAutoFit/>
+          </a:bodyPr>
+          <a:lstStyle/>
+          <a:p>
+            <a:r>
+              <a:rPr lang="en-US" altLang="zh-CN" sz="2400" b="1" dirty="0"/>
+              <a:t>In fact, the shared memory access pattern is even worse for B, </a:t>
+            </a:r>
+          </a:p>
+          <a:p>
+            <a:r>
+              <a:rPr lang="en-US" altLang="zh-CN" sz="2400" b="1" dirty="0"/>
+              <a:t>which results in a 4-way conflict.</a:t>
+            </a:r>
+          </a:p>
+          <a:p>
+            <a:endParaRPr lang="en-US" altLang="zh-CN" sz="2400" b="1" dirty="0"/>
+          </a:p>
+          <a:p>
+            <a:r>
+              <a:rPr lang="en-US" altLang="zh-CN" sz="2400" b="1" dirty="0"/>
+              <a:t>Before thinking how to resolve bank conflict, let me check another problem, uncoalesced global store.</a:t>
+            </a:r>
+            <a:endParaRPr lang="zh-CN" altLang="en-US" sz="2400" b="1" dirty="0"/>
+          </a:p>
+        </p:txBody>
+      </p:sp>
+    </p:spTree>
+    <p:extLst>
+      <p:ext uri="{BB962C8B-B14F-4D97-AF65-F5344CB8AC3E}">
+        <p14:creationId xmlns:p14="http://schemas.microsoft.com/office/powerpoint/2010/main" val="1857582931"/>
+      </p:ext>
+    </p:extLst>
+  </p:cSld>
+  <p:clrMapOvr>
+    <a:masterClrMapping/>
+  </p:clrMapOvr>
+</p:sld>
+</file>
+
+<file path=ppt/slides/slide33.xml><?xml version="1.0" encoding="utf-8"?>
+<p:sld xmlns:a="http://schemas.openxmlformats.org/drawingml/2006/main" xmlns:r="http://schemas.openxmlformats.org/officeDocument/2006/relationships" xmlns:p="http://schemas.openxmlformats.org/presentationml/2006/main">
+  <p:cSld>
+    <p:spTree>
+      <p:nvGrpSpPr>
+        <p:cNvPr id="1" name=""/>
+        <p:cNvGrpSpPr/>
+        <p:nvPr/>
+      </p:nvGrpSpPr>
+      <p:grpSpPr>
+        <a:xfrm>
+          <a:off x="0" y="0"/>
+          <a:ext cx="0" cy="0"/>
+          <a:chOff x="0" y="0"/>
+          <a:chExt cx="0" cy="0"/>
+        </a:xfrm>
+      </p:grpSpPr>
+      <p:sp>
+        <p:nvSpPr>
+          <p:cNvPr id="2" name="文本框 1">
+            <a:extLst>
+              <a:ext uri="{FF2B5EF4-FFF2-40B4-BE49-F238E27FC236}">
+                <a16:creationId xmlns:a16="http://schemas.microsoft.com/office/drawing/2014/main" id="{12C1AB39-C40A-965E-9B72-EC75E0CCE14F}"/>
+              </a:ext>
+            </a:extLst>
+          </p:cNvPr>
+          <p:cNvSpPr txBox="1"/>
+          <p:nvPr/>
+        </p:nvSpPr>
+        <p:spPr>
+          <a:xfrm>
+            <a:off x="176436" y="183548"/>
+            <a:ext cx="7678813" cy="523220"/>
+          </a:xfrm>
+          <a:prstGeom prst="rect">
+            <a:avLst/>
+          </a:prstGeom>
+          <a:noFill/>
+        </p:spPr>
+        <p:txBody>
+          <a:bodyPr wrap="square">
+            <a:spAutoFit/>
+          </a:bodyPr>
+          <a:lstStyle/>
+          <a:p>
+            <a:r>
+              <a:rPr lang="en-US" altLang="zh-CN" sz="2800" b="1" dirty="0">
+                <a:solidFill>
+                  <a:schemeClr val="accent6">
+                    <a:lumMod val="75000"/>
+                  </a:schemeClr>
+                </a:solidFill>
+              </a:rPr>
+              <a:t>Optimization worklog and concept illustration</a:t>
+            </a:r>
+          </a:p>
+        </p:txBody>
+      </p:sp>
+      <p:sp>
+        <p:nvSpPr>
+          <p:cNvPr id="6" name="文本框 5">
+            <a:extLst>
+              <a:ext uri="{FF2B5EF4-FFF2-40B4-BE49-F238E27FC236}">
+                <a16:creationId xmlns:a16="http://schemas.microsoft.com/office/drawing/2014/main" id="{C9F3A5F3-E08E-DA30-7CFA-35DF8A31F300}"/>
+              </a:ext>
+            </a:extLst>
+          </p:cNvPr>
+          <p:cNvSpPr txBox="1"/>
+          <p:nvPr/>
+        </p:nvSpPr>
+        <p:spPr>
+          <a:xfrm>
+            <a:off x="1804252" y="2295620"/>
+            <a:ext cx="9291286" cy="1754326"/>
+          </a:xfrm>
+          <a:prstGeom prst="rect">
+            <a:avLst/>
+          </a:prstGeom>
+          <a:noFill/>
+        </p:spPr>
+        <p:txBody>
+          <a:bodyPr wrap="square">
+            <a:spAutoFit/>
+          </a:bodyPr>
+          <a:lstStyle/>
+          <a:p>
+            <a:r>
+              <a:rPr lang="en-US" altLang="zh-CN" b="0" i="0" dirty="0">
+                <a:effectLst/>
+                <a:latin typeface="inherit"/>
+              </a:rPr>
+              <a:t>Each cache line in the GPU is dedicated by sectors</a:t>
+            </a:r>
+            <a:r>
+              <a:rPr lang="en-US" altLang="zh-CN" b="0" i="0" dirty="0">
+                <a:effectLst/>
+                <a:latin typeface="gg sans"/>
+              </a:rPr>
+              <a:t>, which are the smallest unit of memory </a:t>
+            </a:r>
+            <a:r>
+              <a:rPr lang="en-US" altLang="zh-CN" dirty="0">
+                <a:latin typeface="gg sans"/>
+              </a:rPr>
+              <a:t>that</a:t>
+            </a:r>
+            <a:r>
+              <a:rPr lang="en-US" altLang="zh-CN" b="0" i="0" dirty="0">
+                <a:effectLst/>
+                <a:latin typeface="gg sans"/>
+              </a:rPr>
+              <a:t> can </a:t>
+            </a:r>
+            <a:r>
+              <a:rPr lang="en-US" altLang="zh-CN" dirty="0">
+                <a:latin typeface="gg sans"/>
+              </a:rPr>
+              <a:t>be </a:t>
+            </a:r>
+            <a:r>
+              <a:rPr lang="en-US" altLang="zh-CN" b="0" i="0" dirty="0">
+                <a:effectLst/>
+                <a:latin typeface="gg sans"/>
+              </a:rPr>
+              <a:t>transferred into the cache</a:t>
+            </a:r>
+            <a:r>
+              <a:rPr lang="en-US" altLang="zh-CN" b="0" i="0" dirty="0">
+                <a:effectLst/>
+                <a:latin typeface="inherit"/>
+              </a:rPr>
+              <a:t>. What it is telling </a:t>
+            </a:r>
+            <a:r>
+              <a:rPr lang="en-US" altLang="zh-CN" dirty="0">
+                <a:latin typeface="inherit"/>
+              </a:rPr>
+              <a:t>me</a:t>
+            </a:r>
+            <a:r>
+              <a:rPr lang="en-US" altLang="zh-CN" b="0" i="0" dirty="0">
+                <a:effectLst/>
+                <a:latin typeface="inherit"/>
+              </a:rPr>
+              <a:t> is that out of the 32 bytes that need to be fetched to get a full sector</a:t>
+            </a:r>
+            <a:r>
+              <a:rPr lang="en-US" altLang="zh-CN" b="0" i="0" dirty="0">
+                <a:effectLst/>
+                <a:latin typeface="gg sans"/>
+              </a:rPr>
+              <a:t>, only 1 byte is read by </a:t>
+            </a:r>
+            <a:r>
+              <a:rPr lang="en-US" altLang="zh-CN" dirty="0">
+                <a:latin typeface="gg sans"/>
+              </a:rPr>
+              <a:t>my</a:t>
+            </a:r>
+            <a:r>
+              <a:rPr lang="en-US" altLang="zh-CN" b="0" i="0" dirty="0">
+                <a:effectLst/>
+                <a:latin typeface="gg sans"/>
+              </a:rPr>
+              <a:t> kernel, whereas the rest is just eating up cache space and bandwidth.</a:t>
+            </a:r>
+          </a:p>
+          <a:p>
+            <a:endParaRPr lang="en-US" altLang="zh-CN" dirty="0">
+              <a:latin typeface="gg sans"/>
+            </a:endParaRPr>
+          </a:p>
+          <a:p>
+            <a:r>
+              <a:rPr lang="en-US" altLang="zh-CN" dirty="0">
+                <a:latin typeface="gg sans"/>
+              </a:rPr>
+              <a:t>Remember that in kernel 7, each thread computes an 8 x 8 square submatrix of C. Why it is bad ?</a:t>
+            </a:r>
+            <a:endParaRPr lang="zh-CN" altLang="en-US" dirty="0"/>
+          </a:p>
+        </p:txBody>
+      </p:sp>
+      <p:pic>
+        <p:nvPicPr>
+          <p:cNvPr id="8" name="图片 7">
+            <a:extLst>
+              <a:ext uri="{FF2B5EF4-FFF2-40B4-BE49-F238E27FC236}">
+                <a16:creationId xmlns:a16="http://schemas.microsoft.com/office/drawing/2014/main" id="{A35AEF39-5AA9-CF51-0BA5-87AACB199F7F}"/>
+              </a:ext>
+            </a:extLst>
+          </p:cNvPr>
+          <p:cNvPicPr>
+            <a:picLocks noChangeAspect="1"/>
+          </p:cNvPicPr>
+          <p:nvPr/>
+        </p:nvPicPr>
+        <p:blipFill>
+          <a:blip r:embed="rId2"/>
+          <a:stretch>
+            <a:fillRect/>
+          </a:stretch>
+        </p:blipFill>
+        <p:spPr>
+          <a:xfrm>
+            <a:off x="144217" y="1210373"/>
+            <a:ext cx="11903565" cy="453802"/>
+          </a:xfrm>
+          <a:prstGeom prst="rect">
+            <a:avLst/>
+          </a:prstGeom>
+        </p:spPr>
+      </p:pic>
+      <p:pic>
+        <p:nvPicPr>
+          <p:cNvPr id="10" name="图片 9">
+            <a:extLst>
+              <a:ext uri="{FF2B5EF4-FFF2-40B4-BE49-F238E27FC236}">
+                <a16:creationId xmlns:a16="http://schemas.microsoft.com/office/drawing/2014/main" id="{8ADD4441-0A34-3918-D237-26ADD9AFB948}"/>
+              </a:ext>
+            </a:extLst>
+          </p:cNvPr>
+          <p:cNvPicPr>
+            <a:picLocks noChangeAspect="1"/>
+          </p:cNvPicPr>
+          <p:nvPr/>
+        </p:nvPicPr>
+        <p:blipFill>
+          <a:blip r:embed="rId3"/>
+          <a:stretch>
+            <a:fillRect/>
+          </a:stretch>
+        </p:blipFill>
+        <p:spPr>
+          <a:xfrm>
+            <a:off x="144216" y="4804446"/>
+            <a:ext cx="11903565" cy="1039562"/>
+          </a:xfrm>
+          <a:prstGeom prst="rect">
+            <a:avLst/>
+          </a:prstGeom>
+        </p:spPr>
+      </p:pic>
+    </p:spTree>
+    <p:extLst>
+      <p:ext uri="{BB962C8B-B14F-4D97-AF65-F5344CB8AC3E}">
+        <p14:creationId xmlns:p14="http://schemas.microsoft.com/office/powerpoint/2010/main" val="536758473"/>
+      </p:ext>
+    </p:extLst>
+  </p:cSld>
+  <p:clrMapOvr>
+    <a:masterClrMapping/>
+  </p:clrMapOvr>
+</p:sld>
+</file>
+
+<file path=ppt/slides/slide34.xml><?xml version="1.0" encoding="utf-8"?>
+<p:sld xmlns:a="http://schemas.openxmlformats.org/drawingml/2006/main" xmlns:r="http://schemas.openxmlformats.org/officeDocument/2006/relationships" xmlns:p="http://schemas.openxmlformats.org/presentationml/2006/main">
+  <p:cSld>
+    <p:spTree>
+      <p:nvGrpSpPr>
+        <p:cNvPr id="1" name=""/>
+        <p:cNvGrpSpPr/>
+        <p:nvPr/>
+      </p:nvGrpSpPr>
+      <p:grpSpPr>
+        <a:xfrm>
+          <a:off x="0" y="0"/>
+          <a:ext cx="0" cy="0"/>
+          <a:chOff x="0" y="0"/>
+          <a:chExt cx="0" cy="0"/>
+        </a:xfrm>
+      </p:grpSpPr>
+      <p:sp>
+        <p:nvSpPr>
+          <p:cNvPr id="2" name="文本框 1">
+            <a:extLst>
+              <a:ext uri="{FF2B5EF4-FFF2-40B4-BE49-F238E27FC236}">
+                <a16:creationId xmlns:a16="http://schemas.microsoft.com/office/drawing/2014/main" id="{24091B99-6A5E-1918-373C-63FC66434FC4}"/>
+              </a:ext>
+            </a:extLst>
+          </p:cNvPr>
+          <p:cNvSpPr txBox="1"/>
+          <p:nvPr/>
+        </p:nvSpPr>
+        <p:spPr>
+          <a:xfrm>
+            <a:off x="176436" y="183548"/>
+            <a:ext cx="7678813" cy="523220"/>
+          </a:xfrm>
+          <a:prstGeom prst="rect">
+            <a:avLst/>
+          </a:prstGeom>
+          <a:noFill/>
+        </p:spPr>
+        <p:txBody>
+          <a:bodyPr wrap="square">
+            <a:spAutoFit/>
+          </a:bodyPr>
+          <a:lstStyle/>
+          <a:p>
+            <a:r>
+              <a:rPr lang="en-US" altLang="zh-CN" sz="2800" b="1" dirty="0">
+                <a:solidFill>
+                  <a:schemeClr val="accent6">
+                    <a:lumMod val="75000"/>
+                  </a:schemeClr>
+                </a:solidFill>
+              </a:rPr>
+              <a:t>Optimization worklog and concept illustration</a:t>
+            </a:r>
+          </a:p>
+        </p:txBody>
+      </p:sp>
+      <p:sp>
+        <p:nvSpPr>
+          <p:cNvPr id="5" name="文本框 4">
+            <a:extLst>
+              <a:ext uri="{FF2B5EF4-FFF2-40B4-BE49-F238E27FC236}">
+                <a16:creationId xmlns:a16="http://schemas.microsoft.com/office/drawing/2014/main" id="{BD794944-786F-8066-9CB7-4911EAE31323}"/>
+              </a:ext>
+            </a:extLst>
+          </p:cNvPr>
+          <p:cNvSpPr txBox="1"/>
+          <p:nvPr/>
+        </p:nvSpPr>
+        <p:spPr>
+          <a:xfrm>
+            <a:off x="2600517" y="5644295"/>
+            <a:ext cx="6776685" cy="707886"/>
+          </a:xfrm>
+          <a:prstGeom prst="rect">
+            <a:avLst/>
+          </a:prstGeom>
+          <a:noFill/>
+        </p:spPr>
+        <p:txBody>
+          <a:bodyPr wrap="square" rtlCol="0">
+            <a:spAutoFit/>
+          </a:bodyPr>
+          <a:lstStyle/>
+          <a:p>
+            <a:r>
+              <a:rPr lang="en-US" altLang="zh-CN" sz="2000" b="1" dirty="0"/>
+              <a:t>That is why only 4 bytes from a 32 bytes fetch is useful. </a:t>
+            </a:r>
+          </a:p>
+          <a:p>
+            <a:r>
+              <a:rPr lang="en-US" altLang="zh-CN" sz="2000" b="1" dirty="0"/>
+              <a:t>I need to avoid stride between threads .</a:t>
+            </a:r>
+            <a:endParaRPr lang="zh-CN" altLang="en-US" sz="2000" b="1" dirty="0"/>
+          </a:p>
+        </p:txBody>
+      </p:sp>
+      <p:pic>
+        <p:nvPicPr>
+          <p:cNvPr id="7" name="图片 6">
+            <a:extLst>
+              <a:ext uri="{FF2B5EF4-FFF2-40B4-BE49-F238E27FC236}">
+                <a16:creationId xmlns:a16="http://schemas.microsoft.com/office/drawing/2014/main" id="{E9282735-F694-2DF9-38A5-74866E4BC77A}"/>
+              </a:ext>
+            </a:extLst>
+          </p:cNvPr>
+          <p:cNvPicPr>
+            <a:picLocks noChangeAspect="1"/>
+          </p:cNvPicPr>
+          <p:nvPr/>
+        </p:nvPicPr>
+        <p:blipFill>
+          <a:blip r:embed="rId2"/>
+          <a:stretch>
+            <a:fillRect/>
+          </a:stretch>
+        </p:blipFill>
+        <p:spPr>
+          <a:xfrm>
+            <a:off x="788848" y="2190775"/>
+            <a:ext cx="10719141" cy="3018924"/>
+          </a:xfrm>
+          <a:prstGeom prst="rect">
+            <a:avLst/>
+          </a:prstGeom>
+        </p:spPr>
+      </p:pic>
+      <p:sp>
+        <p:nvSpPr>
+          <p:cNvPr id="3" name="文本框 2">
+            <a:extLst>
+              <a:ext uri="{FF2B5EF4-FFF2-40B4-BE49-F238E27FC236}">
+                <a16:creationId xmlns:a16="http://schemas.microsoft.com/office/drawing/2014/main" id="{D4E7E911-12C9-2485-8070-3A545995D4F1}"/>
+              </a:ext>
+            </a:extLst>
+          </p:cNvPr>
+          <p:cNvSpPr txBox="1"/>
+          <p:nvPr/>
+        </p:nvSpPr>
+        <p:spPr>
+          <a:xfrm>
+            <a:off x="239340" y="1186636"/>
+            <a:ext cx="4979082" cy="461665"/>
+          </a:xfrm>
+          <a:prstGeom prst="rect">
+            <a:avLst/>
+          </a:prstGeom>
+          <a:noFill/>
+        </p:spPr>
+        <p:txBody>
+          <a:bodyPr wrap="square" rtlCol="0">
+            <a:spAutoFit/>
+          </a:bodyPr>
+          <a:lstStyle/>
+          <a:p>
+            <a:r>
+              <a:rPr lang="en-US" altLang="zh-CN" sz="2400" b="1" dirty="0"/>
+              <a:t>Global store pattern of C:</a:t>
+            </a:r>
+            <a:endParaRPr lang="zh-CN" altLang="en-US" sz="2400" b="1" dirty="0"/>
+          </a:p>
+        </p:txBody>
+      </p:sp>
+    </p:spTree>
+    <p:extLst>
+      <p:ext uri="{BB962C8B-B14F-4D97-AF65-F5344CB8AC3E}">
+        <p14:creationId xmlns:p14="http://schemas.microsoft.com/office/powerpoint/2010/main" val="3253413955"/>
+      </p:ext>
+    </p:extLst>
+  </p:cSld>
+  <p:clrMapOvr>
+    <a:masterClrMapping/>
+  </p:clrMapOvr>
+</p:sld>
+</file>
+
+<file path=ppt/slides/slide35.xml><?xml version="1.0" encoding="utf-8"?>
+<p:sld xmlns:a="http://schemas.openxmlformats.org/drawingml/2006/main" xmlns:r="http://schemas.openxmlformats.org/officeDocument/2006/relationships" xmlns:p="http://schemas.openxmlformats.org/presentationml/2006/main">
+  <p:cSld>
+    <p:spTree>
+      <p:nvGrpSpPr>
+        <p:cNvPr id="1" name=""/>
+        <p:cNvGrpSpPr/>
+        <p:nvPr/>
+      </p:nvGrpSpPr>
+      <p:grpSpPr>
+        <a:xfrm>
+          <a:off x="0" y="0"/>
+          <a:ext cx="0" cy="0"/>
+          <a:chOff x="0" y="0"/>
+          <a:chExt cx="0" cy="0"/>
+        </a:xfrm>
+      </p:grpSpPr>
+      <p:sp>
+        <p:nvSpPr>
+          <p:cNvPr id="2" name="文本框 1">
+            <a:extLst>
+              <a:ext uri="{FF2B5EF4-FFF2-40B4-BE49-F238E27FC236}">
+                <a16:creationId xmlns:a16="http://schemas.microsoft.com/office/drawing/2014/main" id="{A770D929-5EA8-CCC5-25C5-DC15A7DA2772}"/>
+              </a:ext>
+            </a:extLst>
+          </p:cNvPr>
+          <p:cNvSpPr txBox="1"/>
+          <p:nvPr/>
+        </p:nvSpPr>
+        <p:spPr>
+          <a:xfrm>
+            <a:off x="176436" y="183548"/>
+            <a:ext cx="7678813" cy="523220"/>
+          </a:xfrm>
+          <a:prstGeom prst="rect">
+            <a:avLst/>
+          </a:prstGeom>
+          <a:noFill/>
+        </p:spPr>
+        <p:txBody>
+          <a:bodyPr wrap="square">
+            <a:spAutoFit/>
+          </a:bodyPr>
+          <a:lstStyle/>
+          <a:p>
+            <a:r>
+              <a:rPr lang="en-US" altLang="zh-CN" sz="2800" b="1" dirty="0">
+                <a:solidFill>
+                  <a:schemeClr val="accent6">
+                    <a:lumMod val="75000"/>
+                  </a:schemeClr>
+                </a:solidFill>
+              </a:rPr>
+              <a:t>Optimization worklog and concept illustration</a:t>
+            </a:r>
+          </a:p>
+        </p:txBody>
+      </p:sp>
+      <p:sp>
+        <p:nvSpPr>
+          <p:cNvPr id="3" name="文本框 2">
+            <a:extLst>
+              <a:ext uri="{FF2B5EF4-FFF2-40B4-BE49-F238E27FC236}">
+                <a16:creationId xmlns:a16="http://schemas.microsoft.com/office/drawing/2014/main" id="{D59F4806-ECA1-4973-9828-6106C35F4113}"/>
+              </a:ext>
+            </a:extLst>
+          </p:cNvPr>
+          <p:cNvSpPr txBox="1"/>
+          <p:nvPr/>
+        </p:nvSpPr>
+        <p:spPr>
+          <a:xfrm>
+            <a:off x="1307162" y="1969948"/>
+            <a:ext cx="10230233" cy="3170099"/>
+          </a:xfrm>
+          <a:prstGeom prst="rect">
+            <a:avLst/>
+          </a:prstGeom>
+          <a:noFill/>
+        </p:spPr>
+        <p:txBody>
+          <a:bodyPr wrap="square" rtlCol="0">
+            <a:spAutoFit/>
+          </a:bodyPr>
+          <a:lstStyle/>
+          <a:p>
+            <a:r>
+              <a:rPr lang="en-US" altLang="zh-CN" sz="2000" b="1" dirty="0"/>
+              <a:t>Let me conclude the two problems:</a:t>
+            </a:r>
+          </a:p>
+          <a:p>
+            <a:endParaRPr lang="en-US" altLang="zh-CN" sz="2000" b="1" dirty="0"/>
+          </a:p>
+          <a:p>
+            <a:pPr marL="285750" indent="-285750">
+              <a:buFont typeface="Arial" panose="020B0604020202020204" pitchFamily="34" charset="0"/>
+              <a:buChar char="•"/>
+            </a:pPr>
+            <a:r>
+              <a:rPr lang="en-US" altLang="zh-CN" sz="2000" b="1" dirty="0"/>
+              <a:t>The access pattern for shared memory is bad, I need to arrange how threads within a warp access shared memory.</a:t>
+            </a:r>
+          </a:p>
+          <a:p>
+            <a:pPr marL="285750" indent="-285750">
+              <a:buFont typeface="Arial" panose="020B0604020202020204" pitchFamily="34" charset="0"/>
+              <a:buChar char="•"/>
+            </a:pPr>
+            <a:endParaRPr lang="en-US" altLang="zh-CN" sz="2000" b="1" dirty="0"/>
+          </a:p>
+          <a:p>
+            <a:pPr marL="285750" indent="-285750">
+              <a:buFont typeface="Arial" panose="020B0604020202020204" pitchFamily="34" charset="0"/>
+              <a:buChar char="•"/>
+            </a:pPr>
+            <a:r>
+              <a:rPr lang="en-US" altLang="zh-CN" sz="2000" b="1" dirty="0"/>
+              <a:t>The global store pattern is bad due to stride between threads. I need to arrange how threads within a warp access global memory.</a:t>
+            </a:r>
+          </a:p>
+          <a:p>
+            <a:pPr marL="285750" indent="-285750">
+              <a:buFont typeface="Arial" panose="020B0604020202020204" pitchFamily="34" charset="0"/>
+              <a:buChar char="•"/>
+            </a:pPr>
+            <a:endParaRPr lang="en-US" altLang="zh-CN" sz="2000" b="1" dirty="0"/>
+          </a:p>
+          <a:p>
+            <a:r>
+              <a:rPr lang="en-US" altLang="zh-CN" sz="2000" b="1" dirty="0"/>
+              <a:t>Now the optimization direction is quite clear, in addition to block level parallelism, I need to introduce the warp level parallelism.</a:t>
+            </a:r>
+          </a:p>
+        </p:txBody>
+      </p:sp>
+    </p:spTree>
+    <p:extLst>
+      <p:ext uri="{BB962C8B-B14F-4D97-AF65-F5344CB8AC3E}">
+        <p14:creationId xmlns:p14="http://schemas.microsoft.com/office/powerpoint/2010/main" val="3716740816"/>
+      </p:ext>
+    </p:extLst>
+  </p:cSld>
+  <p:clrMapOvr>
+    <a:masterClrMapping/>
+  </p:clrMapOvr>
+</p:sld>
+</file>
+
+<file path=ppt/slides/slide36.xml><?xml version="1.0" encoding="utf-8"?>
+<p:sld xmlns:a="http://schemas.openxmlformats.org/drawingml/2006/main" xmlns:r="http://schemas.openxmlformats.org/officeDocument/2006/relationships" xmlns:p="http://schemas.openxmlformats.org/presentationml/2006/main">
+  <p:cSld>
+    <p:spTree>
+      <p:nvGrpSpPr>
+        <p:cNvPr id="1" name=""/>
+        <p:cNvGrpSpPr/>
+        <p:nvPr/>
+      </p:nvGrpSpPr>
+      <p:grpSpPr>
+        <a:xfrm>
+          <a:off x="0" y="0"/>
+          <a:ext cx="0" cy="0"/>
+          <a:chOff x="0" y="0"/>
+          <a:chExt cx="0" cy="0"/>
+        </a:xfrm>
+      </p:grpSpPr>
+      <p:pic>
+        <p:nvPicPr>
+          <p:cNvPr id="3" name="图片 2">
+            <a:extLst>
+              <a:ext uri="{FF2B5EF4-FFF2-40B4-BE49-F238E27FC236}">
+                <a16:creationId xmlns:a16="http://schemas.microsoft.com/office/drawing/2014/main" id="{E415590D-8F86-441B-8686-DFDC5C27079A}"/>
+              </a:ext>
+            </a:extLst>
+          </p:cNvPr>
+          <p:cNvPicPr>
+            <a:picLocks noChangeAspect="1"/>
+          </p:cNvPicPr>
+          <p:nvPr/>
+        </p:nvPicPr>
+        <p:blipFill>
+          <a:blip r:embed="rId2"/>
+          <a:stretch>
+            <a:fillRect/>
+          </a:stretch>
+        </p:blipFill>
+        <p:spPr>
+          <a:xfrm>
+            <a:off x="214790" y="2408316"/>
+            <a:ext cx="11879017" cy="1705824"/>
+          </a:xfrm>
+          <a:prstGeom prst="rect">
+            <a:avLst/>
+          </a:prstGeom>
+        </p:spPr>
+      </p:pic>
+      <p:sp>
+        <p:nvSpPr>
+          <p:cNvPr id="4" name="文本框 3">
+            <a:extLst>
+              <a:ext uri="{FF2B5EF4-FFF2-40B4-BE49-F238E27FC236}">
+                <a16:creationId xmlns:a16="http://schemas.microsoft.com/office/drawing/2014/main" id="{9E5073A1-58A3-3F75-4221-F0A800AB41F7}"/>
+              </a:ext>
+            </a:extLst>
+          </p:cNvPr>
+          <p:cNvSpPr txBox="1"/>
+          <p:nvPr/>
+        </p:nvSpPr>
+        <p:spPr>
+          <a:xfrm>
+            <a:off x="176436" y="183548"/>
+            <a:ext cx="7678813" cy="523220"/>
+          </a:xfrm>
+          <a:prstGeom prst="rect">
+            <a:avLst/>
+          </a:prstGeom>
+          <a:noFill/>
+        </p:spPr>
+        <p:txBody>
+          <a:bodyPr wrap="square">
+            <a:spAutoFit/>
+          </a:bodyPr>
+          <a:lstStyle/>
+          <a:p>
+            <a:r>
+              <a:rPr lang="en-US" altLang="zh-CN" sz="2800" b="1" dirty="0">
+                <a:solidFill>
+                  <a:schemeClr val="accent6">
+                    <a:lumMod val="75000"/>
+                  </a:schemeClr>
+                </a:solidFill>
+              </a:rPr>
+              <a:t>Optimization worklog and concept illustration</a:t>
+            </a:r>
+          </a:p>
+        </p:txBody>
+      </p:sp>
+      <p:sp>
+        <p:nvSpPr>
+          <p:cNvPr id="5" name="文本框 4">
+            <a:extLst>
+              <a:ext uri="{FF2B5EF4-FFF2-40B4-BE49-F238E27FC236}">
+                <a16:creationId xmlns:a16="http://schemas.microsoft.com/office/drawing/2014/main" id="{B3CA1060-874A-5001-CB77-E6A2C351F599}"/>
+              </a:ext>
+            </a:extLst>
+          </p:cNvPr>
+          <p:cNvSpPr txBox="1"/>
+          <p:nvPr/>
+        </p:nvSpPr>
+        <p:spPr>
+          <a:xfrm>
+            <a:off x="1098508" y="4768381"/>
+            <a:ext cx="9536762" cy="707886"/>
+          </a:xfrm>
+          <a:prstGeom prst="rect">
+            <a:avLst/>
+          </a:prstGeom>
+          <a:noFill/>
+        </p:spPr>
+        <p:txBody>
+          <a:bodyPr wrap="square" rtlCol="0">
+            <a:spAutoFit/>
+          </a:bodyPr>
+          <a:lstStyle/>
+          <a:p>
+            <a:r>
+              <a:rPr lang="en-US" altLang="zh-CN" sz="2000" b="1" dirty="0"/>
+              <a:t>I choose the second way, thread-level matrix computations issued to </a:t>
+            </a:r>
+            <a:r>
+              <a:rPr lang="en-US" altLang="zh-CN" sz="2000" b="1" dirty="0" err="1"/>
+              <a:t>cuda</a:t>
+            </a:r>
+            <a:r>
+              <a:rPr lang="en-US" altLang="zh-CN" sz="2000" b="1" dirty="0"/>
+              <a:t> cores.</a:t>
+            </a:r>
+          </a:p>
+          <a:p>
+            <a:r>
+              <a:rPr lang="en-US" altLang="zh-CN" sz="2000" b="1" dirty="0"/>
+              <a:t>Utilizing tensor cores typically needs mixed precision.</a:t>
+            </a:r>
+          </a:p>
+        </p:txBody>
+      </p:sp>
+      <p:sp>
+        <p:nvSpPr>
+          <p:cNvPr id="6" name="文本框 5">
+            <a:extLst>
+              <a:ext uri="{FF2B5EF4-FFF2-40B4-BE49-F238E27FC236}">
+                <a16:creationId xmlns:a16="http://schemas.microsoft.com/office/drawing/2014/main" id="{7A888A1B-CED2-73B5-36D5-060A86683096}"/>
+              </a:ext>
+            </a:extLst>
+          </p:cNvPr>
+          <p:cNvSpPr txBox="1"/>
+          <p:nvPr/>
+        </p:nvSpPr>
+        <p:spPr>
+          <a:xfrm>
+            <a:off x="276161" y="1274662"/>
+            <a:ext cx="4504494" cy="400110"/>
+          </a:xfrm>
+          <a:prstGeom prst="rect">
+            <a:avLst/>
+          </a:prstGeom>
+          <a:noFill/>
+        </p:spPr>
+        <p:txBody>
+          <a:bodyPr wrap="square" rtlCol="0">
+            <a:spAutoFit/>
+          </a:bodyPr>
+          <a:lstStyle/>
+          <a:p>
+            <a:r>
+              <a:rPr lang="en-US" altLang="zh-CN" sz="2000" b="1" dirty="0"/>
+              <a:t>The cutlass document says that . . .</a:t>
+            </a:r>
+            <a:endParaRPr lang="zh-CN" altLang="en-US" sz="2000" b="1" dirty="0"/>
+          </a:p>
+        </p:txBody>
+      </p:sp>
+    </p:spTree>
+    <p:extLst>
+      <p:ext uri="{BB962C8B-B14F-4D97-AF65-F5344CB8AC3E}">
+        <p14:creationId xmlns:p14="http://schemas.microsoft.com/office/powerpoint/2010/main" val="2328979769"/>
+      </p:ext>
+    </p:extLst>
+  </p:cSld>
+  <p:clrMapOvr>
+    <a:masterClrMapping/>
+  </p:clrMapOvr>
+</p:sld>
+</file>
+
+<file path=ppt/slides/slide37.xml><?xml version="1.0" encoding="utf-8"?>
+<p:sld xmlns:a="http://schemas.openxmlformats.org/drawingml/2006/main" xmlns:r="http://schemas.openxmlformats.org/officeDocument/2006/relationships" xmlns:p="http://schemas.openxmlformats.org/presentationml/2006/main">
+  <p:cSld>
+    <p:spTree>
+      <p:nvGrpSpPr>
+        <p:cNvPr id="1" name=""/>
+        <p:cNvGrpSpPr/>
+        <p:nvPr/>
+      </p:nvGrpSpPr>
+      <p:grpSpPr>
+        <a:xfrm>
+          <a:off x="0" y="0"/>
+          <a:ext cx="0" cy="0"/>
+          <a:chOff x="0" y="0"/>
+          <a:chExt cx="0" cy="0"/>
+        </a:xfrm>
+      </p:grpSpPr>
+      <p:sp>
+        <p:nvSpPr>
+          <p:cNvPr id="2" name="文本框 1">
+            <a:extLst>
+              <a:ext uri="{FF2B5EF4-FFF2-40B4-BE49-F238E27FC236}">
+                <a16:creationId xmlns:a16="http://schemas.microsoft.com/office/drawing/2014/main" id="{E6DC90D0-3B34-9019-2880-E290A09AFE8F}"/>
+              </a:ext>
+            </a:extLst>
+          </p:cNvPr>
+          <p:cNvSpPr txBox="1"/>
+          <p:nvPr/>
+        </p:nvSpPr>
+        <p:spPr>
+          <a:xfrm>
+            <a:off x="176436" y="183548"/>
+            <a:ext cx="7678813" cy="523220"/>
+          </a:xfrm>
+          <a:prstGeom prst="rect">
+            <a:avLst/>
+          </a:prstGeom>
+          <a:noFill/>
+        </p:spPr>
+        <p:txBody>
+          <a:bodyPr wrap="square">
+            <a:spAutoFit/>
+          </a:bodyPr>
+          <a:lstStyle/>
+          <a:p>
+            <a:r>
+              <a:rPr lang="en-US" altLang="zh-CN" sz="2800" b="1" dirty="0">
+                <a:solidFill>
+                  <a:schemeClr val="accent6">
+                    <a:lumMod val="75000"/>
+                  </a:schemeClr>
+                </a:solidFill>
+              </a:rPr>
+              <a:t>Optimization worklog and concept illustration</a:t>
+            </a:r>
+          </a:p>
+        </p:txBody>
+      </p:sp>
+      <p:sp>
+        <p:nvSpPr>
+          <p:cNvPr id="3" name="文本框 2">
+            <a:extLst>
+              <a:ext uri="{FF2B5EF4-FFF2-40B4-BE49-F238E27FC236}">
+                <a16:creationId xmlns:a16="http://schemas.microsoft.com/office/drawing/2014/main" id="{D28D6E02-D701-0B49-D325-99FB7A6DCBEB}"/>
+              </a:ext>
+            </a:extLst>
+          </p:cNvPr>
+          <p:cNvSpPr txBox="1"/>
+          <p:nvPr/>
+        </p:nvSpPr>
+        <p:spPr>
+          <a:xfrm>
+            <a:off x="711881" y="1515817"/>
+            <a:ext cx="10586174" cy="4431983"/>
+          </a:xfrm>
+          <a:prstGeom prst="rect">
+            <a:avLst/>
+          </a:prstGeom>
+          <a:noFill/>
+        </p:spPr>
+        <p:txBody>
+          <a:bodyPr wrap="square" rtlCol="0">
+            <a:spAutoFit/>
+          </a:bodyPr>
+          <a:lstStyle/>
+          <a:p>
+            <a:r>
+              <a:rPr lang="en-US" altLang="zh-CN" sz="2400" b="1" dirty="0"/>
+              <a:t>To think in warp level:</a:t>
+            </a:r>
+          </a:p>
+          <a:p>
+            <a:endParaRPr lang="en-US" altLang="zh-CN" sz="2400" b="1" dirty="0"/>
+          </a:p>
+          <a:p>
+            <a:pPr marL="285750" indent="-285750">
+              <a:buFont typeface="Arial" panose="020B0604020202020204" pitchFamily="34" charset="0"/>
+              <a:buChar char="•"/>
+            </a:pPr>
+            <a:r>
+              <a:rPr lang="en-US" altLang="zh-CN" sz="2400" b="1" dirty="0"/>
+              <a:t>256 threads per block means 8 warps per block.</a:t>
+            </a:r>
+          </a:p>
+          <a:p>
+            <a:pPr marL="285750" indent="-285750">
+              <a:buFont typeface="Arial" panose="020B0604020202020204" pitchFamily="34" charset="0"/>
+              <a:buChar char="•"/>
+            </a:pPr>
+            <a:endParaRPr lang="en-US" altLang="zh-CN" sz="2400" b="1" dirty="0"/>
+          </a:p>
+          <a:p>
+            <a:pPr marL="285750" indent="-285750">
+              <a:buFont typeface="Arial" panose="020B0604020202020204" pitchFamily="34" charset="0"/>
+              <a:buChar char="•"/>
+            </a:pPr>
+            <a:endParaRPr lang="en-US" altLang="zh-CN" sz="2400" b="1" dirty="0"/>
+          </a:p>
+          <a:p>
+            <a:pPr marL="285750" indent="-285750">
+              <a:buFont typeface="Arial" panose="020B0604020202020204" pitchFamily="34" charset="0"/>
+              <a:buChar char="•"/>
+            </a:pPr>
+            <a:r>
+              <a:rPr lang="en-US" altLang="zh-CN" sz="2400" b="1" dirty="0"/>
+              <a:t>The size of A_TILE is 128 x 8, means each thread loads 4 elements, means each warp loads 4 x 32 = 128 elements. This is the same for B_TILE.</a:t>
+            </a:r>
+          </a:p>
+          <a:p>
+            <a:pPr marL="285750" indent="-285750">
+              <a:buFont typeface="Arial" panose="020B0604020202020204" pitchFamily="34" charset="0"/>
+              <a:buChar char="•"/>
+            </a:pPr>
+            <a:endParaRPr lang="en-US" altLang="zh-CN" sz="2400" b="1" dirty="0"/>
+          </a:p>
+          <a:p>
+            <a:pPr marL="285750" indent="-285750">
+              <a:buFont typeface="Arial" panose="020B0604020202020204" pitchFamily="34" charset="0"/>
+              <a:buChar char="•"/>
+            </a:pPr>
+            <a:endParaRPr lang="en-US" altLang="zh-CN" sz="2400" b="1" dirty="0"/>
+          </a:p>
+          <a:p>
+            <a:pPr marL="285750" indent="-285750">
+              <a:buFont typeface="Arial" panose="020B0604020202020204" pitchFamily="34" charset="0"/>
+              <a:buChar char="•"/>
+            </a:pPr>
+            <a:r>
+              <a:rPr lang="en-US" altLang="zh-CN" sz="2400" b="1" dirty="0"/>
+              <a:t>The size of C_TILE is 128 x 128, means each thread computes 64 elements, means each warp computes 64 x 32 = 2048 elements.</a:t>
+            </a:r>
+          </a:p>
+          <a:p>
+            <a:pPr marL="285750" indent="-285750">
+              <a:buFont typeface="Arial" panose="020B0604020202020204" pitchFamily="34" charset="0"/>
+              <a:buChar char="•"/>
+            </a:pPr>
+            <a:endParaRPr lang="zh-CN" altLang="en-US" dirty="0"/>
+          </a:p>
+        </p:txBody>
+      </p:sp>
+    </p:spTree>
+    <p:extLst>
+      <p:ext uri="{BB962C8B-B14F-4D97-AF65-F5344CB8AC3E}">
+        <p14:creationId xmlns:p14="http://schemas.microsoft.com/office/powerpoint/2010/main" val="2066971635"/>
+      </p:ext>
+    </p:extLst>
+  </p:cSld>
+  <p:clrMapOvr>
+    <a:masterClrMapping/>
+  </p:clrMapOvr>
+</p:sld>
+</file>
+
+<file path=ppt/slides/slide38.xml><?xml version="1.0" encoding="utf-8"?>
+<p:sld xmlns:a="http://schemas.openxmlformats.org/drawingml/2006/main" xmlns:r="http://schemas.openxmlformats.org/officeDocument/2006/relationships" xmlns:p="http://schemas.openxmlformats.org/presentationml/2006/main">
+  <p:cSld>
+    <p:spTree>
+      <p:nvGrpSpPr>
+        <p:cNvPr id="1" name=""/>
+        <p:cNvGrpSpPr/>
+        <p:nvPr/>
+      </p:nvGrpSpPr>
+      <p:grpSpPr>
+        <a:xfrm>
+          <a:off x="0" y="0"/>
+          <a:ext cx="0" cy="0"/>
+          <a:chOff x="0" y="0"/>
+          <a:chExt cx="0" cy="0"/>
+        </a:xfrm>
+      </p:grpSpPr>
+      <p:sp>
+        <p:nvSpPr>
+          <p:cNvPr id="2" name="文本框 1">
+            <a:extLst>
+              <a:ext uri="{FF2B5EF4-FFF2-40B4-BE49-F238E27FC236}">
+                <a16:creationId xmlns:a16="http://schemas.microsoft.com/office/drawing/2014/main" id="{165CC7E4-F2B6-A22C-2E9D-37C4B244B6E7}"/>
+              </a:ext>
+            </a:extLst>
+          </p:cNvPr>
+          <p:cNvSpPr txBox="1"/>
+          <p:nvPr/>
+        </p:nvSpPr>
+        <p:spPr>
+          <a:xfrm>
+            <a:off x="176436" y="183548"/>
+            <a:ext cx="7678813" cy="523220"/>
+          </a:xfrm>
+          <a:prstGeom prst="rect">
+            <a:avLst/>
+          </a:prstGeom>
+          <a:noFill/>
+        </p:spPr>
+        <p:txBody>
+          <a:bodyPr wrap="square">
+            <a:spAutoFit/>
+          </a:bodyPr>
+          <a:lstStyle/>
+          <a:p>
+            <a:r>
+              <a:rPr lang="en-US" altLang="zh-CN" sz="2800" b="1" dirty="0">
+                <a:solidFill>
+                  <a:schemeClr val="accent6">
+                    <a:lumMod val="75000"/>
+                  </a:schemeClr>
+                </a:solidFill>
+              </a:rPr>
+              <a:t>Optimization worklog and concept illustration</a:t>
+            </a:r>
+          </a:p>
+        </p:txBody>
+      </p:sp>
+      <p:pic>
+        <p:nvPicPr>
+          <p:cNvPr id="10" name="图片 9">
+            <a:extLst>
+              <a:ext uri="{FF2B5EF4-FFF2-40B4-BE49-F238E27FC236}">
+                <a16:creationId xmlns:a16="http://schemas.microsoft.com/office/drawing/2014/main" id="{689FE4A3-08B4-1A81-89DA-F20823E683A9}"/>
+              </a:ext>
+            </a:extLst>
+          </p:cNvPr>
+          <p:cNvPicPr>
+            <a:picLocks noChangeAspect="1"/>
+          </p:cNvPicPr>
+          <p:nvPr/>
+        </p:nvPicPr>
+        <p:blipFill>
+          <a:blip r:embed="rId2"/>
+          <a:stretch>
+            <a:fillRect/>
+          </a:stretch>
+        </p:blipFill>
+        <p:spPr>
+          <a:xfrm>
+            <a:off x="304800" y="1110673"/>
+            <a:ext cx="5444297" cy="3224662"/>
+          </a:xfrm>
+          <a:prstGeom prst="rect">
+            <a:avLst/>
+          </a:prstGeom>
+        </p:spPr>
+      </p:pic>
+      <p:pic>
+        <p:nvPicPr>
+          <p:cNvPr id="12" name="图片 11">
+            <a:extLst>
+              <a:ext uri="{FF2B5EF4-FFF2-40B4-BE49-F238E27FC236}">
+                <a16:creationId xmlns:a16="http://schemas.microsoft.com/office/drawing/2014/main" id="{EF4748E1-666B-CCED-00F5-0B40EF2DDE5C}"/>
+              </a:ext>
+            </a:extLst>
+          </p:cNvPr>
+          <p:cNvPicPr>
+            <a:picLocks noChangeAspect="1"/>
+          </p:cNvPicPr>
+          <p:nvPr/>
+        </p:nvPicPr>
+        <p:blipFill>
+          <a:blip r:embed="rId3"/>
+          <a:stretch>
+            <a:fillRect/>
+          </a:stretch>
+        </p:blipFill>
+        <p:spPr>
+          <a:xfrm>
+            <a:off x="433196" y="4843610"/>
+            <a:ext cx="5444297" cy="1344584"/>
+          </a:xfrm>
+          <a:prstGeom prst="rect">
+            <a:avLst/>
+          </a:prstGeom>
+        </p:spPr>
+      </p:pic>
+      <p:pic>
+        <p:nvPicPr>
+          <p:cNvPr id="14" name="图片 13">
+            <a:extLst>
+              <a:ext uri="{FF2B5EF4-FFF2-40B4-BE49-F238E27FC236}">
+                <a16:creationId xmlns:a16="http://schemas.microsoft.com/office/drawing/2014/main" id="{42323A14-A028-5642-1E37-A43A680A2A35}"/>
+              </a:ext>
+            </a:extLst>
+          </p:cNvPr>
+          <p:cNvPicPr>
+            <a:picLocks noChangeAspect="1"/>
+          </p:cNvPicPr>
+          <p:nvPr/>
+        </p:nvPicPr>
+        <p:blipFill>
+          <a:blip r:embed="rId4"/>
+          <a:stretch>
+            <a:fillRect/>
+          </a:stretch>
+        </p:blipFill>
+        <p:spPr>
+          <a:xfrm>
+            <a:off x="6314509" y="1403411"/>
+            <a:ext cx="5443240" cy="4096327"/>
+          </a:xfrm>
+          <a:prstGeom prst="rect">
+            <a:avLst/>
+          </a:prstGeom>
+        </p:spPr>
+      </p:pic>
+    </p:spTree>
+    <p:extLst>
+      <p:ext uri="{BB962C8B-B14F-4D97-AF65-F5344CB8AC3E}">
+        <p14:creationId xmlns:p14="http://schemas.microsoft.com/office/powerpoint/2010/main" val="1468604051"/>
+      </p:ext>
+    </p:extLst>
+  </p:cSld>
+  <p:clrMapOvr>
+    <a:masterClrMapping/>
+  </p:clrMapOvr>
+</p:sld>
+</file>
+
+<file path=ppt/slides/slide39.xml><?xml version="1.0" encoding="utf-8"?>
+<p:sld xmlns:a="http://schemas.openxmlformats.org/drawingml/2006/main" xmlns:r="http://schemas.openxmlformats.org/officeDocument/2006/relationships" xmlns:p="http://schemas.openxmlformats.org/presentationml/2006/main">
+  <p:cSld>
+    <p:spTree>
+      <p:nvGrpSpPr>
+        <p:cNvPr id="1" name=""/>
+        <p:cNvGrpSpPr/>
+        <p:nvPr/>
+      </p:nvGrpSpPr>
+      <p:grpSpPr>
+        <a:xfrm>
+          <a:off x="0" y="0"/>
+          <a:ext cx="0" cy="0"/>
+          <a:chOff x="0" y="0"/>
+          <a:chExt cx="0" cy="0"/>
+        </a:xfrm>
+      </p:grpSpPr>
+      <p:sp>
+        <p:nvSpPr>
+          <p:cNvPr id="2" name="文本框 1">
+            <a:extLst>
+              <a:ext uri="{FF2B5EF4-FFF2-40B4-BE49-F238E27FC236}">
+                <a16:creationId xmlns:a16="http://schemas.microsoft.com/office/drawing/2014/main" id="{7B1DCD9B-BDDD-095A-45A0-720E625F0CEA}"/>
+              </a:ext>
+            </a:extLst>
+          </p:cNvPr>
+          <p:cNvSpPr txBox="1"/>
+          <p:nvPr/>
+        </p:nvSpPr>
+        <p:spPr>
+          <a:xfrm>
+            <a:off x="176436" y="183548"/>
+            <a:ext cx="7678813" cy="523220"/>
+          </a:xfrm>
+          <a:prstGeom prst="rect">
+            <a:avLst/>
+          </a:prstGeom>
+          <a:noFill/>
+        </p:spPr>
+        <p:txBody>
+          <a:bodyPr wrap="square">
+            <a:spAutoFit/>
+          </a:bodyPr>
+          <a:lstStyle/>
+          <a:p>
+            <a:r>
+              <a:rPr lang="en-US" altLang="zh-CN" sz="2800" b="1" dirty="0">
+                <a:solidFill>
+                  <a:schemeClr val="accent6">
+                    <a:lumMod val="75000"/>
+                  </a:schemeClr>
+                </a:solidFill>
+              </a:rPr>
+              <a:t>Optimization worklog and concept illustration</a:t>
+            </a:r>
+          </a:p>
+        </p:txBody>
+      </p:sp>
+      <p:pic>
+        <p:nvPicPr>
+          <p:cNvPr id="4" name="图片 3">
+            <a:extLst>
+              <a:ext uri="{FF2B5EF4-FFF2-40B4-BE49-F238E27FC236}">
+                <a16:creationId xmlns:a16="http://schemas.microsoft.com/office/drawing/2014/main" id="{81501B3B-E34E-B4D8-7370-C8CFFA8B6EDA}"/>
+              </a:ext>
+            </a:extLst>
+          </p:cNvPr>
+          <p:cNvPicPr>
+            <a:picLocks noChangeAspect="1"/>
+          </p:cNvPicPr>
+          <p:nvPr/>
+        </p:nvPicPr>
+        <p:blipFill>
+          <a:blip r:embed="rId3"/>
+          <a:stretch>
+            <a:fillRect/>
+          </a:stretch>
+        </p:blipFill>
+        <p:spPr>
+          <a:xfrm>
+            <a:off x="398109" y="1339040"/>
+            <a:ext cx="8977745" cy="1649343"/>
+          </a:xfrm>
+          <a:prstGeom prst="rect">
+            <a:avLst/>
+          </a:prstGeom>
+        </p:spPr>
+      </p:pic>
+      <p:pic>
+        <p:nvPicPr>
+          <p:cNvPr id="6" name="图片 5">
+            <a:extLst>
+              <a:ext uri="{FF2B5EF4-FFF2-40B4-BE49-F238E27FC236}">
+                <a16:creationId xmlns:a16="http://schemas.microsoft.com/office/drawing/2014/main" id="{75281AB1-3121-C79B-46E8-0A1BE881CCF7}"/>
+              </a:ext>
+            </a:extLst>
+          </p:cNvPr>
+          <p:cNvPicPr>
+            <a:picLocks noChangeAspect="1"/>
+          </p:cNvPicPr>
+          <p:nvPr/>
+        </p:nvPicPr>
+        <p:blipFill>
+          <a:blip r:embed="rId4"/>
+          <a:stretch>
+            <a:fillRect/>
+          </a:stretch>
+        </p:blipFill>
+        <p:spPr>
+          <a:xfrm>
+            <a:off x="481236" y="4410541"/>
+            <a:ext cx="8894618" cy="1811243"/>
+          </a:xfrm>
+          <a:prstGeom prst="rect">
+            <a:avLst/>
+          </a:prstGeom>
+        </p:spPr>
+      </p:pic>
+      <p:sp>
+        <p:nvSpPr>
+          <p:cNvPr id="7" name="文本框 6">
+            <a:extLst>
+              <a:ext uri="{FF2B5EF4-FFF2-40B4-BE49-F238E27FC236}">
+                <a16:creationId xmlns:a16="http://schemas.microsoft.com/office/drawing/2014/main" id="{5C083ADA-12BA-DDA1-83AC-EB942ED434A9}"/>
+              </a:ext>
+            </a:extLst>
+          </p:cNvPr>
+          <p:cNvSpPr txBox="1"/>
+          <p:nvPr/>
+        </p:nvSpPr>
+        <p:spPr>
+          <a:xfrm>
+            <a:off x="1021563" y="3499407"/>
+            <a:ext cx="7730836" cy="400110"/>
+          </a:xfrm>
+          <a:prstGeom prst="rect">
+            <a:avLst/>
+          </a:prstGeom>
+          <a:noFill/>
+        </p:spPr>
+        <p:txBody>
+          <a:bodyPr wrap="square" rtlCol="0">
+            <a:spAutoFit/>
+          </a:bodyPr>
+          <a:lstStyle/>
+          <a:p>
+            <a:r>
+              <a:rPr lang="en-US" altLang="zh-CN" sz="2000" b="1" dirty="0"/>
+              <a:t>I avoid the bank conflict completely. I think this is impressive.</a:t>
+            </a:r>
+            <a:endParaRPr lang="zh-CN" altLang="en-US" sz="2000" b="1" dirty="0"/>
+          </a:p>
+        </p:txBody>
+      </p:sp>
+      <p:sp>
+        <p:nvSpPr>
+          <p:cNvPr id="8" name="文本框 7">
+            <a:extLst>
+              <a:ext uri="{FF2B5EF4-FFF2-40B4-BE49-F238E27FC236}">
+                <a16:creationId xmlns:a16="http://schemas.microsoft.com/office/drawing/2014/main" id="{9264583E-4B69-A90C-F7A0-0EFB1BD0083A}"/>
+              </a:ext>
+            </a:extLst>
+          </p:cNvPr>
+          <p:cNvSpPr txBox="1"/>
+          <p:nvPr/>
+        </p:nvSpPr>
+        <p:spPr>
+          <a:xfrm>
+            <a:off x="10086109" y="1985818"/>
+            <a:ext cx="1707782" cy="461665"/>
+          </a:xfrm>
+          <a:prstGeom prst="rect">
+            <a:avLst/>
+          </a:prstGeom>
+          <a:noFill/>
+        </p:spPr>
+        <p:txBody>
+          <a:bodyPr wrap="square" rtlCol="0">
+            <a:spAutoFit/>
+          </a:bodyPr>
+          <a:lstStyle/>
+          <a:p>
+            <a:r>
+              <a:rPr lang="en-US" altLang="zh-CN" sz="2400" b="1" dirty="0"/>
+              <a:t>kernel 07</a:t>
+            </a:r>
+            <a:endParaRPr lang="zh-CN" altLang="en-US" sz="2400" b="1" dirty="0"/>
+          </a:p>
+        </p:txBody>
+      </p:sp>
+      <p:sp>
+        <p:nvSpPr>
+          <p:cNvPr id="9" name="文本框 8">
+            <a:extLst>
+              <a:ext uri="{FF2B5EF4-FFF2-40B4-BE49-F238E27FC236}">
+                <a16:creationId xmlns:a16="http://schemas.microsoft.com/office/drawing/2014/main" id="{21FCE974-32F5-B0B2-AEBF-F545ED7628ED}"/>
+              </a:ext>
+            </a:extLst>
+          </p:cNvPr>
+          <p:cNvSpPr txBox="1"/>
+          <p:nvPr/>
+        </p:nvSpPr>
+        <p:spPr>
+          <a:xfrm>
+            <a:off x="10002982" y="5085329"/>
+            <a:ext cx="1707782" cy="461665"/>
+          </a:xfrm>
+          <a:prstGeom prst="rect">
+            <a:avLst/>
+          </a:prstGeom>
+          <a:noFill/>
+        </p:spPr>
+        <p:txBody>
+          <a:bodyPr wrap="square" rtlCol="0">
+            <a:spAutoFit/>
+          </a:bodyPr>
+          <a:lstStyle/>
+          <a:p>
+            <a:r>
+              <a:rPr lang="en-US" altLang="zh-CN" sz="2400" b="1" dirty="0"/>
+              <a:t>kernel 08</a:t>
+            </a:r>
+            <a:endParaRPr lang="zh-CN" altLang="en-US" sz="2400" b="1" dirty="0"/>
+          </a:p>
+        </p:txBody>
+      </p:sp>
+      <p:cxnSp>
+        <p:nvCxnSpPr>
+          <p:cNvPr id="11" name="直接箭头连接符 10">
+            <a:extLst>
+              <a:ext uri="{FF2B5EF4-FFF2-40B4-BE49-F238E27FC236}">
+                <a16:creationId xmlns:a16="http://schemas.microsoft.com/office/drawing/2014/main" id="{838F1A32-EFF9-8C0C-04E4-E699FC524773}"/>
+              </a:ext>
+            </a:extLst>
+          </p:cNvPr>
+          <p:cNvCxnSpPr/>
+          <p:nvPr/>
+        </p:nvCxnSpPr>
+        <p:spPr>
+          <a:xfrm>
+            <a:off x="10695709" y="2900218"/>
+            <a:ext cx="0" cy="1995055"/>
+          </a:xfrm>
+          <a:prstGeom prst="straightConnector1">
+            <a:avLst/>
+          </a:prstGeom>
+          <a:ln w="57150">
+            <a:solidFill>
+              <a:schemeClr val="tx1"/>
+            </a:solidFill>
+            <a:tailEnd type="triangle"/>
+          </a:ln>
+        </p:spPr>
+        <p:style>
+          <a:lnRef idx="1">
+            <a:schemeClr val="accent1"/>
+          </a:lnRef>
+          <a:fillRef idx="0">
+            <a:schemeClr val="accent1"/>
+          </a:fillRef>
+          <a:effectRef idx="0">
+            <a:schemeClr val="accent1"/>
+          </a:effectRef>
+          <a:fontRef idx="minor">
+            <a:schemeClr val="tx1"/>
+          </a:fontRef>
+        </p:style>
+      </p:cxnSp>
+    </p:spTree>
+    <p:extLst>
+      <p:ext uri="{BB962C8B-B14F-4D97-AF65-F5344CB8AC3E}">
+        <p14:creationId xmlns:p14="http://schemas.microsoft.com/office/powerpoint/2010/main" val="650156779"/>
       </p:ext>
     </p:extLst>
   </p:cSld>
@@ -4677,7 +9588,7 @@
             </a:r>
             <a:r>
               <a:rPr lang="en-US" altLang="zh-CN" sz="2000" b="1" dirty="0"/>
-              <a:t>  due to lack of admin privilege. So I can only use </a:t>
+              <a:t>  due to lack of admin privilege. So, I can only use </a:t>
             </a:r>
             <a:r>
               <a:rPr lang="en-US" altLang="zh-CN" sz="2000" b="1" dirty="0" err="1"/>
@@ -4792,7 +9703,7 @@
             </a:pPr>
             <a:r>
               <a:rPr lang="en-US" altLang="zh-CN" sz="2000" b="1" dirty="0"/>
-              <a:t>So the analysis is mainly focused on my laptop RTX 4060, I am sorry if it is not quite convincible.</a:t>
+              <a:t>The analysis is mainly focused on my laptop RTX 4060, I am sorry if it is not quite convincible or limited.</a:t>
             </a:r>
           </a:p>
         </p:txBody>
@@ -4840,6 +9751,1970 @@
     <p:extLst>
       <p:ext uri="{BB962C8B-B14F-4D97-AF65-F5344CB8AC3E}">
         <p14:creationId xmlns:p14="http://schemas.microsoft.com/office/powerpoint/2010/main" val="2529693256"/>
+      </p:ext>
+    </p:extLst>
+  </p:cSld>
+  <p:clrMapOvr>
+    <a:masterClrMapping/>
+  </p:clrMapOvr>
+</p:sld>
+</file>
+
+<file path=ppt/slides/slide40.xml><?xml version="1.0" encoding="utf-8"?>
+<p:sld xmlns:a="http://schemas.openxmlformats.org/drawingml/2006/main" xmlns:r="http://schemas.openxmlformats.org/officeDocument/2006/relationships" xmlns:p="http://schemas.openxmlformats.org/presentationml/2006/main">
+  <p:cSld>
+    <p:spTree>
+      <p:nvGrpSpPr>
+        <p:cNvPr id="1" name=""/>
+        <p:cNvGrpSpPr/>
+        <p:nvPr/>
+      </p:nvGrpSpPr>
+      <p:grpSpPr>
+        <a:xfrm>
+          <a:off x="0" y="0"/>
+          <a:ext cx="0" cy="0"/>
+          <a:chOff x="0" y="0"/>
+          <a:chExt cx="0" cy="0"/>
+        </a:xfrm>
+      </p:grpSpPr>
+      <p:sp>
+        <p:nvSpPr>
+          <p:cNvPr id="2" name="文本框 1">
+            <a:extLst>
+              <a:ext uri="{FF2B5EF4-FFF2-40B4-BE49-F238E27FC236}">
+                <a16:creationId xmlns:a16="http://schemas.microsoft.com/office/drawing/2014/main" id="{7B1DCD9B-BDDD-095A-45A0-720E625F0CEA}"/>
+              </a:ext>
+            </a:extLst>
+          </p:cNvPr>
+          <p:cNvSpPr txBox="1"/>
+          <p:nvPr/>
+        </p:nvSpPr>
+        <p:spPr>
+          <a:xfrm>
+            <a:off x="176436" y="183548"/>
+            <a:ext cx="7678813" cy="523220"/>
+          </a:xfrm>
+          <a:prstGeom prst="rect">
+            <a:avLst/>
+          </a:prstGeom>
+          <a:noFill/>
+        </p:spPr>
+        <p:txBody>
+          <a:bodyPr wrap="square">
+            <a:spAutoFit/>
+          </a:bodyPr>
+          <a:lstStyle/>
+          <a:p>
+            <a:pPr marL="0" marR="0" lvl="0" indent="0" algn="l" defTabSz="914400" rtl="0" eaLnBrk="1" fontAlgn="auto" latinLnBrk="0" hangingPunct="1">
+              <a:lnSpc>
+                <a:spcPct val="100000"/>
+              </a:lnSpc>
+              <a:spcBef>
+                <a:spcPts val="0"/>
+              </a:spcBef>
+              <a:spcAft>
+                <a:spcPts val="0"/>
+              </a:spcAft>
+              <a:buClrTx/>
+              <a:buSzTx/>
+              <a:buFontTx/>
+              <a:buNone/>
+              <a:tabLst/>
+              <a:defRPr/>
+            </a:pPr>
+            <a:r>
+              <a:rPr kumimoji="0" lang="en-US" altLang="zh-CN" sz="2800" b="1" i="0" u="none" strike="noStrike" kern="1200" cap="none" spc="0" normalizeH="0" baseline="0" noProof="0" dirty="0">
+                <a:ln>
+                  <a:noFill/>
+                </a:ln>
+                <a:solidFill>
+                  <a:srgbClr val="70AD47">
+                    <a:lumMod val="75000"/>
+                  </a:srgbClr>
+                </a:solidFill>
+                <a:effectLst/>
+                <a:uLnTx/>
+                <a:uFillTx/>
+                <a:latin typeface="等线" panose="020F0502020204030204"/>
+                <a:ea typeface="等线" panose="02010600030101010101" pitchFamily="2" charset="-122"/>
+                <a:cs typeface="+mn-cs"/>
+              </a:rPr>
+              <a:t>Optimization worklog and concept illustration</a:t>
+            </a:r>
+          </a:p>
+        </p:txBody>
+      </p:sp>
+      <p:sp>
+        <p:nvSpPr>
+          <p:cNvPr id="7" name="文本框 6">
+            <a:extLst>
+              <a:ext uri="{FF2B5EF4-FFF2-40B4-BE49-F238E27FC236}">
+                <a16:creationId xmlns:a16="http://schemas.microsoft.com/office/drawing/2014/main" id="{5C083ADA-12BA-DDA1-83AC-EB942ED434A9}"/>
+              </a:ext>
+            </a:extLst>
+          </p:cNvPr>
+          <p:cNvSpPr txBox="1"/>
+          <p:nvPr/>
+        </p:nvSpPr>
+        <p:spPr>
+          <a:xfrm>
+            <a:off x="1089891" y="3428627"/>
+            <a:ext cx="8198217" cy="707886"/>
+          </a:xfrm>
+          <a:prstGeom prst="rect">
+            <a:avLst/>
+          </a:prstGeom>
+          <a:noFill/>
+        </p:spPr>
+        <p:txBody>
+          <a:bodyPr wrap="square" rtlCol="0">
+            <a:spAutoFit/>
+          </a:bodyPr>
+          <a:lstStyle/>
+          <a:p>
+            <a:pPr marL="0" marR="0" lvl="0" indent="0" algn="l" defTabSz="914400" rtl="0" eaLnBrk="1" fontAlgn="auto" latinLnBrk="0" hangingPunct="1">
+              <a:lnSpc>
+                <a:spcPct val="100000"/>
+              </a:lnSpc>
+              <a:spcBef>
+                <a:spcPts val="0"/>
+              </a:spcBef>
+              <a:spcAft>
+                <a:spcPts val="0"/>
+              </a:spcAft>
+              <a:buClrTx/>
+              <a:buSzTx/>
+              <a:buFontTx/>
+              <a:buNone/>
+              <a:tabLst/>
+              <a:defRPr/>
+            </a:pPr>
+            <a:r>
+              <a:rPr kumimoji="0" lang="en-US" altLang="zh-CN" sz="2000" b="1" i="0" u="none" strike="noStrike" kern="1200" cap="none" spc="0" normalizeH="0" baseline="0" noProof="0" dirty="0">
+                <a:ln>
+                  <a:noFill/>
+                </a:ln>
+                <a:solidFill>
+                  <a:prstClr val="black"/>
+                </a:solidFill>
+                <a:effectLst/>
+                <a:uLnTx/>
+                <a:uFillTx/>
+                <a:latin typeface="等线" panose="020F0502020204030204"/>
+                <a:ea typeface="等线" panose="02010600030101010101" pitchFamily="2" charset="-122"/>
+                <a:cs typeface="+mn-cs"/>
+              </a:rPr>
+              <a:t>I optimized the global store pattern:</a:t>
+            </a:r>
+          </a:p>
+          <a:p>
+            <a:pPr marL="0" marR="0" lvl="0" indent="0" algn="l" defTabSz="914400" rtl="0" eaLnBrk="1" fontAlgn="auto" latinLnBrk="0" hangingPunct="1">
+              <a:lnSpc>
+                <a:spcPct val="100000"/>
+              </a:lnSpc>
+              <a:spcBef>
+                <a:spcPts val="0"/>
+              </a:spcBef>
+              <a:spcAft>
+                <a:spcPts val="0"/>
+              </a:spcAft>
+              <a:buClrTx/>
+              <a:buSzTx/>
+              <a:buFontTx/>
+              <a:buNone/>
+              <a:tabLst/>
+              <a:defRPr/>
+            </a:pPr>
+            <a:r>
+              <a:rPr kumimoji="0" lang="en-US" altLang="zh-CN" sz="2000" b="1" i="0" u="none" strike="noStrike" kern="1200" cap="none" spc="0" normalizeH="0" baseline="0" noProof="0" dirty="0">
+                <a:ln>
+                  <a:noFill/>
+                </a:ln>
+                <a:solidFill>
+                  <a:prstClr val="black"/>
+                </a:solidFill>
+                <a:effectLst/>
+                <a:uLnTx/>
+                <a:uFillTx/>
+                <a:latin typeface="等线" panose="020F0502020204030204"/>
+                <a:ea typeface="等线" panose="02010600030101010101" pitchFamily="2" charset="-122"/>
+                <a:cs typeface="+mn-cs"/>
+              </a:rPr>
+              <a:t>4,194,304 = 524,288 x 8 (Remember the 8 elements stride in slide 34)</a:t>
+            </a:r>
+            <a:endParaRPr kumimoji="0" lang="zh-CN" altLang="en-US" sz="2000" b="1" i="0" u="none" strike="noStrike" kern="1200" cap="none" spc="0" normalizeH="0" baseline="0" noProof="0" dirty="0">
+              <a:ln>
+                <a:noFill/>
+              </a:ln>
+              <a:solidFill>
+                <a:prstClr val="black"/>
+              </a:solidFill>
+              <a:effectLst/>
+              <a:uLnTx/>
+              <a:uFillTx/>
+              <a:latin typeface="等线" panose="020F0502020204030204"/>
+              <a:ea typeface="等线" panose="02010600030101010101" pitchFamily="2" charset="-122"/>
+              <a:cs typeface="+mn-cs"/>
+            </a:endParaRPr>
+          </a:p>
+        </p:txBody>
+      </p:sp>
+      <p:sp>
+        <p:nvSpPr>
+          <p:cNvPr id="8" name="文本框 7">
+            <a:extLst>
+              <a:ext uri="{FF2B5EF4-FFF2-40B4-BE49-F238E27FC236}">
+                <a16:creationId xmlns:a16="http://schemas.microsoft.com/office/drawing/2014/main" id="{9264583E-4B69-A90C-F7A0-0EFB1BD0083A}"/>
+              </a:ext>
+            </a:extLst>
+          </p:cNvPr>
+          <p:cNvSpPr txBox="1"/>
+          <p:nvPr/>
+        </p:nvSpPr>
+        <p:spPr>
+          <a:xfrm>
+            <a:off x="10086109" y="1985818"/>
+            <a:ext cx="1707782" cy="461665"/>
+          </a:xfrm>
+          <a:prstGeom prst="rect">
+            <a:avLst/>
+          </a:prstGeom>
+          <a:noFill/>
+        </p:spPr>
+        <p:txBody>
+          <a:bodyPr wrap="square" rtlCol="0">
+            <a:spAutoFit/>
+          </a:bodyPr>
+          <a:lstStyle/>
+          <a:p>
+            <a:pPr marL="0" marR="0" lvl="0" indent="0" algn="l" defTabSz="914400" rtl="0" eaLnBrk="1" fontAlgn="auto" latinLnBrk="0" hangingPunct="1">
+              <a:lnSpc>
+                <a:spcPct val="100000"/>
+              </a:lnSpc>
+              <a:spcBef>
+                <a:spcPts val="0"/>
+              </a:spcBef>
+              <a:spcAft>
+                <a:spcPts val="0"/>
+              </a:spcAft>
+              <a:buClrTx/>
+              <a:buSzTx/>
+              <a:buFontTx/>
+              <a:buNone/>
+              <a:tabLst/>
+              <a:defRPr/>
+            </a:pPr>
+            <a:r>
+              <a:rPr kumimoji="0" lang="en-US" altLang="zh-CN" sz="2400" b="1" i="0" u="none" strike="noStrike" kern="1200" cap="none" spc="0" normalizeH="0" baseline="0" noProof="0" dirty="0">
+                <a:ln>
+                  <a:noFill/>
+                </a:ln>
+                <a:solidFill>
+                  <a:prstClr val="black"/>
+                </a:solidFill>
+                <a:effectLst/>
+                <a:uLnTx/>
+                <a:uFillTx/>
+                <a:latin typeface="等线" panose="020F0502020204030204"/>
+                <a:ea typeface="等线" panose="02010600030101010101" pitchFamily="2" charset="-122"/>
+                <a:cs typeface="+mn-cs"/>
+              </a:rPr>
+              <a:t>kernel 07</a:t>
+            </a:r>
+            <a:endParaRPr kumimoji="0" lang="zh-CN" altLang="en-US" sz="2400" b="1" i="0" u="none" strike="noStrike" kern="1200" cap="none" spc="0" normalizeH="0" baseline="0" noProof="0" dirty="0">
+              <a:ln>
+                <a:noFill/>
+              </a:ln>
+              <a:solidFill>
+                <a:prstClr val="black"/>
+              </a:solidFill>
+              <a:effectLst/>
+              <a:uLnTx/>
+              <a:uFillTx/>
+              <a:latin typeface="等线" panose="020F0502020204030204"/>
+              <a:ea typeface="等线" panose="02010600030101010101" pitchFamily="2" charset="-122"/>
+              <a:cs typeface="+mn-cs"/>
+            </a:endParaRPr>
+          </a:p>
+        </p:txBody>
+      </p:sp>
+      <p:sp>
+        <p:nvSpPr>
+          <p:cNvPr id="9" name="文本框 8">
+            <a:extLst>
+              <a:ext uri="{FF2B5EF4-FFF2-40B4-BE49-F238E27FC236}">
+                <a16:creationId xmlns:a16="http://schemas.microsoft.com/office/drawing/2014/main" id="{21FCE974-32F5-B0B2-AEBF-F545ED7628ED}"/>
+              </a:ext>
+            </a:extLst>
+          </p:cNvPr>
+          <p:cNvSpPr txBox="1"/>
+          <p:nvPr/>
+        </p:nvSpPr>
+        <p:spPr>
+          <a:xfrm>
+            <a:off x="10002982" y="5085329"/>
+            <a:ext cx="1707782" cy="461665"/>
+          </a:xfrm>
+          <a:prstGeom prst="rect">
+            <a:avLst/>
+          </a:prstGeom>
+          <a:noFill/>
+        </p:spPr>
+        <p:txBody>
+          <a:bodyPr wrap="square" rtlCol="0">
+            <a:spAutoFit/>
+          </a:bodyPr>
+          <a:lstStyle/>
+          <a:p>
+            <a:pPr marL="0" marR="0" lvl="0" indent="0" algn="l" defTabSz="914400" rtl="0" eaLnBrk="1" fontAlgn="auto" latinLnBrk="0" hangingPunct="1">
+              <a:lnSpc>
+                <a:spcPct val="100000"/>
+              </a:lnSpc>
+              <a:spcBef>
+                <a:spcPts val="0"/>
+              </a:spcBef>
+              <a:spcAft>
+                <a:spcPts val="0"/>
+              </a:spcAft>
+              <a:buClrTx/>
+              <a:buSzTx/>
+              <a:buFontTx/>
+              <a:buNone/>
+              <a:tabLst/>
+              <a:defRPr/>
+            </a:pPr>
+            <a:r>
+              <a:rPr kumimoji="0" lang="en-US" altLang="zh-CN" sz="2400" b="1" i="0" u="none" strike="noStrike" kern="1200" cap="none" spc="0" normalizeH="0" baseline="0" noProof="0" dirty="0">
+                <a:ln>
+                  <a:noFill/>
+                </a:ln>
+                <a:solidFill>
+                  <a:prstClr val="black"/>
+                </a:solidFill>
+                <a:effectLst/>
+                <a:uLnTx/>
+                <a:uFillTx/>
+                <a:latin typeface="等线" panose="020F0502020204030204"/>
+                <a:ea typeface="等线" panose="02010600030101010101" pitchFamily="2" charset="-122"/>
+                <a:cs typeface="+mn-cs"/>
+              </a:rPr>
+              <a:t>kernel 08</a:t>
+            </a:r>
+            <a:endParaRPr kumimoji="0" lang="zh-CN" altLang="en-US" sz="2400" b="1" i="0" u="none" strike="noStrike" kern="1200" cap="none" spc="0" normalizeH="0" baseline="0" noProof="0" dirty="0">
+              <a:ln>
+                <a:noFill/>
+              </a:ln>
+              <a:solidFill>
+                <a:prstClr val="black"/>
+              </a:solidFill>
+              <a:effectLst/>
+              <a:uLnTx/>
+              <a:uFillTx/>
+              <a:latin typeface="等线" panose="020F0502020204030204"/>
+              <a:ea typeface="等线" panose="02010600030101010101" pitchFamily="2" charset="-122"/>
+              <a:cs typeface="+mn-cs"/>
+            </a:endParaRPr>
+          </a:p>
+        </p:txBody>
+      </p:sp>
+      <p:cxnSp>
+        <p:nvCxnSpPr>
+          <p:cNvPr id="11" name="直接箭头连接符 10">
+            <a:extLst>
+              <a:ext uri="{FF2B5EF4-FFF2-40B4-BE49-F238E27FC236}">
+                <a16:creationId xmlns:a16="http://schemas.microsoft.com/office/drawing/2014/main" id="{838F1A32-EFF9-8C0C-04E4-E699FC524773}"/>
+              </a:ext>
+            </a:extLst>
+          </p:cNvPr>
+          <p:cNvCxnSpPr/>
+          <p:nvPr/>
+        </p:nvCxnSpPr>
+        <p:spPr>
+          <a:xfrm>
+            <a:off x="10695709" y="2900218"/>
+            <a:ext cx="0" cy="1995055"/>
+          </a:xfrm>
+          <a:prstGeom prst="straightConnector1">
+            <a:avLst/>
+          </a:prstGeom>
+          <a:ln w="57150">
+            <a:solidFill>
+              <a:schemeClr val="tx1"/>
+            </a:solidFill>
+            <a:tailEnd type="triangle"/>
+          </a:ln>
+        </p:spPr>
+        <p:style>
+          <a:lnRef idx="1">
+            <a:schemeClr val="accent1"/>
+          </a:lnRef>
+          <a:fillRef idx="0">
+            <a:schemeClr val="accent1"/>
+          </a:fillRef>
+          <a:effectRef idx="0">
+            <a:schemeClr val="accent1"/>
+          </a:effectRef>
+          <a:fontRef idx="minor">
+            <a:schemeClr val="tx1"/>
+          </a:fontRef>
+        </p:style>
+      </p:cxnSp>
+      <p:sp>
+        <p:nvSpPr>
+          <p:cNvPr id="10" name="文本框 9">
+            <a:extLst>
+              <a:ext uri="{FF2B5EF4-FFF2-40B4-BE49-F238E27FC236}">
+                <a16:creationId xmlns:a16="http://schemas.microsoft.com/office/drawing/2014/main" id="{E06957A9-930E-8AEF-2EB4-441A96926A6C}"/>
+              </a:ext>
+            </a:extLst>
+          </p:cNvPr>
+          <p:cNvSpPr txBox="1"/>
+          <p:nvPr/>
+        </p:nvSpPr>
+        <p:spPr>
+          <a:xfrm>
+            <a:off x="1653310" y="2142836"/>
+            <a:ext cx="6003636" cy="461665"/>
+          </a:xfrm>
+          <a:prstGeom prst="rect">
+            <a:avLst/>
+          </a:prstGeom>
+          <a:noFill/>
+        </p:spPr>
+        <p:txBody>
+          <a:bodyPr wrap="square" rtlCol="0">
+            <a:spAutoFit/>
+          </a:bodyPr>
+          <a:lstStyle/>
+          <a:p>
+            <a:r>
+              <a:rPr lang="en-US" altLang="zh-CN" sz="2400" b="1" dirty="0"/>
+              <a:t>Number of sectors requested: 4,194,304</a:t>
+            </a:r>
+            <a:endParaRPr lang="zh-CN" altLang="en-US" sz="2400" b="1" dirty="0"/>
+          </a:p>
+        </p:txBody>
+      </p:sp>
+      <p:sp>
+        <p:nvSpPr>
+          <p:cNvPr id="12" name="文本框 11">
+            <a:extLst>
+              <a:ext uri="{FF2B5EF4-FFF2-40B4-BE49-F238E27FC236}">
+                <a16:creationId xmlns:a16="http://schemas.microsoft.com/office/drawing/2014/main" id="{59BEB065-5D8A-6FA2-F1FB-B3F170B8E40F}"/>
+              </a:ext>
+            </a:extLst>
+          </p:cNvPr>
+          <p:cNvSpPr txBox="1"/>
+          <p:nvPr/>
+        </p:nvSpPr>
+        <p:spPr>
+          <a:xfrm>
+            <a:off x="1653310" y="5085329"/>
+            <a:ext cx="6003636" cy="461665"/>
+          </a:xfrm>
+          <a:prstGeom prst="rect">
+            <a:avLst/>
+          </a:prstGeom>
+          <a:noFill/>
+        </p:spPr>
+        <p:txBody>
+          <a:bodyPr wrap="square" rtlCol="0">
+            <a:spAutoFit/>
+          </a:bodyPr>
+          <a:lstStyle/>
+          <a:p>
+            <a:r>
+              <a:rPr lang="en-US" altLang="zh-CN" sz="2400" b="1" dirty="0"/>
+              <a:t>Number of sectors requested: 524,288</a:t>
+            </a:r>
+            <a:endParaRPr lang="zh-CN" altLang="en-US" sz="2400" b="1" dirty="0"/>
+          </a:p>
+        </p:txBody>
+      </p:sp>
+    </p:spTree>
+    <p:extLst>
+      <p:ext uri="{BB962C8B-B14F-4D97-AF65-F5344CB8AC3E}">
+        <p14:creationId xmlns:p14="http://schemas.microsoft.com/office/powerpoint/2010/main" val="1191200527"/>
+      </p:ext>
+    </p:extLst>
+  </p:cSld>
+  <p:clrMapOvr>
+    <a:masterClrMapping/>
+  </p:clrMapOvr>
+</p:sld>
+</file>
+
+<file path=ppt/slides/slide41.xml><?xml version="1.0" encoding="utf-8"?>
+<p:sld xmlns:a="http://schemas.openxmlformats.org/drawingml/2006/main" xmlns:r="http://schemas.openxmlformats.org/officeDocument/2006/relationships" xmlns:p="http://schemas.openxmlformats.org/presentationml/2006/main">
+  <p:cSld>
+    <p:spTree>
+      <p:nvGrpSpPr>
+        <p:cNvPr id="1" name=""/>
+        <p:cNvGrpSpPr/>
+        <p:nvPr/>
+      </p:nvGrpSpPr>
+      <p:grpSpPr>
+        <a:xfrm>
+          <a:off x="0" y="0"/>
+          <a:ext cx="0" cy="0"/>
+          <a:chOff x="0" y="0"/>
+          <a:chExt cx="0" cy="0"/>
+        </a:xfrm>
+      </p:grpSpPr>
+      <p:sp>
+        <p:nvSpPr>
+          <p:cNvPr id="2" name="文本框 1">
+            <a:extLst>
+              <a:ext uri="{FF2B5EF4-FFF2-40B4-BE49-F238E27FC236}">
+                <a16:creationId xmlns:a16="http://schemas.microsoft.com/office/drawing/2014/main" id="{28C4963E-BDD4-DB39-42B4-4979629CF52A}"/>
+              </a:ext>
+            </a:extLst>
+          </p:cNvPr>
+          <p:cNvSpPr txBox="1"/>
+          <p:nvPr/>
+        </p:nvSpPr>
+        <p:spPr>
+          <a:xfrm>
+            <a:off x="176436" y="183548"/>
+            <a:ext cx="7678813" cy="523220"/>
+          </a:xfrm>
+          <a:prstGeom prst="rect">
+            <a:avLst/>
+          </a:prstGeom>
+          <a:noFill/>
+        </p:spPr>
+        <p:txBody>
+          <a:bodyPr wrap="square">
+            <a:spAutoFit/>
+          </a:bodyPr>
+          <a:lstStyle/>
+          <a:p>
+            <a:pPr marL="0" marR="0" lvl="0" indent="0" algn="l" defTabSz="914400" rtl="0" eaLnBrk="1" fontAlgn="auto" latinLnBrk="0" hangingPunct="1">
+              <a:lnSpc>
+                <a:spcPct val="100000"/>
+              </a:lnSpc>
+              <a:spcBef>
+                <a:spcPts val="0"/>
+              </a:spcBef>
+              <a:spcAft>
+                <a:spcPts val="0"/>
+              </a:spcAft>
+              <a:buClrTx/>
+              <a:buSzTx/>
+              <a:buFontTx/>
+              <a:buNone/>
+              <a:tabLst/>
+              <a:defRPr/>
+            </a:pPr>
+            <a:r>
+              <a:rPr kumimoji="0" lang="en-US" altLang="zh-CN" sz="2800" b="1" i="0" u="none" strike="noStrike" kern="1200" cap="none" spc="0" normalizeH="0" baseline="0" noProof="0" dirty="0">
+                <a:ln>
+                  <a:noFill/>
+                </a:ln>
+                <a:solidFill>
+                  <a:srgbClr val="70AD47">
+                    <a:lumMod val="75000"/>
+                  </a:srgbClr>
+                </a:solidFill>
+                <a:effectLst/>
+                <a:uLnTx/>
+                <a:uFillTx/>
+                <a:latin typeface="等线" panose="020F0502020204030204"/>
+                <a:ea typeface="等线" panose="02010600030101010101" pitchFamily="2" charset="-122"/>
+                <a:cs typeface="+mn-cs"/>
+              </a:rPr>
+              <a:t>Optimization worklog and concept illustration</a:t>
+            </a:r>
+          </a:p>
+        </p:txBody>
+      </p:sp>
+      <p:pic>
+        <p:nvPicPr>
+          <p:cNvPr id="7" name="图片 6">
+            <a:extLst>
+              <a:ext uri="{FF2B5EF4-FFF2-40B4-BE49-F238E27FC236}">
+                <a16:creationId xmlns:a16="http://schemas.microsoft.com/office/drawing/2014/main" id="{0B55F4A6-9AE6-EC66-5751-F237A1E91404}"/>
+              </a:ext>
+            </a:extLst>
+          </p:cNvPr>
+          <p:cNvPicPr>
+            <a:picLocks noChangeAspect="1"/>
+          </p:cNvPicPr>
+          <p:nvPr/>
+        </p:nvPicPr>
+        <p:blipFill>
+          <a:blip r:embed="rId2"/>
+          <a:stretch>
+            <a:fillRect/>
+          </a:stretch>
+        </p:blipFill>
+        <p:spPr>
+          <a:xfrm>
+            <a:off x="859806" y="2319940"/>
+            <a:ext cx="10289539" cy="2677278"/>
+          </a:xfrm>
+          <a:prstGeom prst="rect">
+            <a:avLst/>
+          </a:prstGeom>
+        </p:spPr>
+      </p:pic>
+      <p:sp>
+        <p:nvSpPr>
+          <p:cNvPr id="8" name="文本框 7">
+            <a:extLst>
+              <a:ext uri="{FF2B5EF4-FFF2-40B4-BE49-F238E27FC236}">
+                <a16:creationId xmlns:a16="http://schemas.microsoft.com/office/drawing/2014/main" id="{4E72B0D6-4532-BAFD-D0DC-C79A64FE9552}"/>
+              </a:ext>
+            </a:extLst>
+          </p:cNvPr>
+          <p:cNvSpPr txBox="1"/>
+          <p:nvPr/>
+        </p:nvSpPr>
+        <p:spPr>
+          <a:xfrm>
+            <a:off x="914401" y="1313299"/>
+            <a:ext cx="3946034" cy="400110"/>
+          </a:xfrm>
+          <a:prstGeom prst="rect">
+            <a:avLst/>
+          </a:prstGeom>
+          <a:noFill/>
+        </p:spPr>
+        <p:txBody>
+          <a:bodyPr wrap="square" rtlCol="0">
+            <a:spAutoFit/>
+          </a:bodyPr>
+          <a:lstStyle/>
+          <a:p>
+            <a:r>
+              <a:rPr lang="en-US" altLang="zh-CN" sz="2000" b="1" dirty="0"/>
+              <a:t>As cutlass document said:</a:t>
+            </a:r>
+            <a:endParaRPr lang="zh-CN" altLang="en-US" sz="2000" b="1" dirty="0"/>
+          </a:p>
+        </p:txBody>
+      </p:sp>
+    </p:spTree>
+    <p:extLst>
+      <p:ext uri="{BB962C8B-B14F-4D97-AF65-F5344CB8AC3E}">
+        <p14:creationId xmlns:p14="http://schemas.microsoft.com/office/powerpoint/2010/main" val="835114469"/>
+      </p:ext>
+    </p:extLst>
+  </p:cSld>
+  <p:clrMapOvr>
+    <a:masterClrMapping/>
+  </p:clrMapOvr>
+</p:sld>
+</file>
+
+<file path=ppt/slides/slide42.xml><?xml version="1.0" encoding="utf-8"?>
+<p:sld xmlns:a="http://schemas.openxmlformats.org/drawingml/2006/main" xmlns:r="http://schemas.openxmlformats.org/officeDocument/2006/relationships" xmlns:p="http://schemas.openxmlformats.org/presentationml/2006/main">
+  <p:cSld>
+    <p:spTree>
+      <p:nvGrpSpPr>
+        <p:cNvPr id="1" name=""/>
+        <p:cNvGrpSpPr/>
+        <p:nvPr/>
+      </p:nvGrpSpPr>
+      <p:grpSpPr>
+        <a:xfrm>
+          <a:off x="0" y="0"/>
+          <a:ext cx="0" cy="0"/>
+          <a:chOff x="0" y="0"/>
+          <a:chExt cx="0" cy="0"/>
+        </a:xfrm>
+      </p:grpSpPr>
+      <p:sp>
+        <p:nvSpPr>
+          <p:cNvPr id="2" name="文本框 1">
+            <a:extLst>
+              <a:ext uri="{FF2B5EF4-FFF2-40B4-BE49-F238E27FC236}">
+                <a16:creationId xmlns:a16="http://schemas.microsoft.com/office/drawing/2014/main" id="{A96DDCC3-E34A-7B9B-FD27-64FAC20C270B}"/>
+              </a:ext>
+            </a:extLst>
+          </p:cNvPr>
+          <p:cNvSpPr txBox="1"/>
+          <p:nvPr/>
+        </p:nvSpPr>
+        <p:spPr>
+          <a:xfrm>
+            <a:off x="765066" y="1665980"/>
+            <a:ext cx="10545263" cy="3170099"/>
+          </a:xfrm>
+          <a:prstGeom prst="rect">
+            <a:avLst/>
+          </a:prstGeom>
+          <a:noFill/>
+        </p:spPr>
+        <p:txBody>
+          <a:bodyPr wrap="square" rtlCol="0">
+            <a:spAutoFit/>
+          </a:bodyPr>
+          <a:lstStyle/>
+          <a:p>
+            <a:pPr algn="just"/>
+            <a:r>
+              <a:rPr lang="en-US" altLang="zh-CN" sz="2000" b="1" dirty="0"/>
+              <a:t>Data transfers from global memory to shared memory have significantly higher latency compared to arithmetic operations. </a:t>
+            </a:r>
+          </a:p>
+          <a:p>
+            <a:pPr algn="just"/>
+            <a:endParaRPr lang="en-US" altLang="zh-CN" sz="2000" b="1" dirty="0"/>
+          </a:p>
+          <a:p>
+            <a:pPr algn="just"/>
+            <a:r>
+              <a:rPr lang="en-US" altLang="zh-CN" sz="2000" b="1" dirty="0"/>
+              <a:t>During this time, threads are forced to stall, idly waiting for the data needed to compute TILE_A * TILE_B. </a:t>
+            </a:r>
+          </a:p>
+          <a:p>
+            <a:pPr algn="just"/>
+            <a:endParaRPr lang="en-US" altLang="zh-CN" sz="2000" b="1" dirty="0"/>
+          </a:p>
+          <a:p>
+            <a:pPr algn="just"/>
+            <a:r>
+              <a:rPr lang="en-US" altLang="zh-CN" sz="2000" b="1" dirty="0"/>
+              <a:t>One way to mitigate this latency is by overlapping data transfers(</a:t>
+            </a:r>
+            <a:r>
+              <a:rPr lang="en-US" altLang="zh-CN" sz="2000" b="1" dirty="0" err="1"/>
+              <a:t>ld</a:t>
+            </a:r>
+            <a:r>
+              <a:rPr lang="en-US" altLang="zh-CN" sz="2000" b="1" dirty="0"/>
+              <a:t> instruction) with computations(</a:t>
+            </a:r>
+            <a:r>
+              <a:rPr lang="en-US" altLang="zh-CN" sz="2000" b="1" dirty="0" err="1"/>
+              <a:t>fma</a:t>
+            </a:r>
+            <a:r>
+              <a:rPr lang="en-US" altLang="zh-CN" sz="2000" b="1" dirty="0"/>
+              <a:t> instruction), leveraging instruction-level parallelism. </a:t>
+            </a:r>
+          </a:p>
+          <a:p>
+            <a:pPr algn="just"/>
+            <a:endParaRPr lang="en-US" altLang="zh-CN" sz="2000" b="1" dirty="0"/>
+          </a:p>
+          <a:p>
+            <a:pPr algn="just"/>
+            <a:r>
+              <a:rPr lang="en-US" altLang="zh-CN" sz="2000" b="1" dirty="0"/>
+              <a:t>The pseudo code is as follows:</a:t>
+            </a:r>
+          </a:p>
+        </p:txBody>
+      </p:sp>
+      <p:sp>
+        <p:nvSpPr>
+          <p:cNvPr id="3" name="文本框 2">
+            <a:extLst>
+              <a:ext uri="{FF2B5EF4-FFF2-40B4-BE49-F238E27FC236}">
+                <a16:creationId xmlns:a16="http://schemas.microsoft.com/office/drawing/2014/main" id="{7F39B435-E99E-A65B-821B-17A69B505E21}"/>
+              </a:ext>
+            </a:extLst>
+          </p:cNvPr>
+          <p:cNvSpPr txBox="1"/>
+          <p:nvPr/>
+        </p:nvSpPr>
+        <p:spPr>
+          <a:xfrm>
+            <a:off x="176436" y="183548"/>
+            <a:ext cx="7678813" cy="523220"/>
+          </a:xfrm>
+          <a:prstGeom prst="rect">
+            <a:avLst/>
+          </a:prstGeom>
+          <a:noFill/>
+        </p:spPr>
+        <p:txBody>
+          <a:bodyPr wrap="square">
+            <a:spAutoFit/>
+          </a:bodyPr>
+          <a:lstStyle/>
+          <a:p>
+            <a:pPr marL="0" marR="0" lvl="0" indent="0" algn="l" defTabSz="914400" rtl="0" eaLnBrk="1" fontAlgn="auto" latinLnBrk="0" hangingPunct="1">
+              <a:lnSpc>
+                <a:spcPct val="100000"/>
+              </a:lnSpc>
+              <a:spcBef>
+                <a:spcPts val="0"/>
+              </a:spcBef>
+              <a:spcAft>
+                <a:spcPts val="0"/>
+              </a:spcAft>
+              <a:buClrTx/>
+              <a:buSzTx/>
+              <a:buFontTx/>
+              <a:buNone/>
+              <a:tabLst/>
+              <a:defRPr/>
+            </a:pPr>
+            <a:r>
+              <a:rPr kumimoji="0" lang="en-US" altLang="zh-CN" sz="2800" b="1" i="0" u="none" strike="noStrike" kern="1200" cap="none" spc="0" normalizeH="0" baseline="0" noProof="0" dirty="0">
+                <a:ln>
+                  <a:noFill/>
+                </a:ln>
+                <a:solidFill>
+                  <a:srgbClr val="70AD47">
+                    <a:lumMod val="75000"/>
+                  </a:srgbClr>
+                </a:solidFill>
+                <a:effectLst/>
+                <a:uLnTx/>
+                <a:uFillTx/>
+                <a:latin typeface="等线" panose="020F0502020204030204"/>
+                <a:ea typeface="等线" panose="02010600030101010101" pitchFamily="2" charset="-122"/>
+                <a:cs typeface="+mn-cs"/>
+              </a:rPr>
+              <a:t>Optimization worklog and concept illustration</a:t>
+            </a:r>
+          </a:p>
+        </p:txBody>
+      </p:sp>
+    </p:spTree>
+    <p:extLst>
+      <p:ext uri="{BB962C8B-B14F-4D97-AF65-F5344CB8AC3E}">
+        <p14:creationId xmlns:p14="http://schemas.microsoft.com/office/powerpoint/2010/main" val="2544584525"/>
+      </p:ext>
+    </p:extLst>
+  </p:cSld>
+  <p:clrMapOvr>
+    <a:masterClrMapping/>
+  </p:clrMapOvr>
+</p:sld>
+</file>
+
+<file path=ppt/slides/slide43.xml><?xml version="1.0" encoding="utf-8"?>
+<p:sld xmlns:a="http://schemas.openxmlformats.org/drawingml/2006/main" xmlns:r="http://schemas.openxmlformats.org/officeDocument/2006/relationships" xmlns:p="http://schemas.openxmlformats.org/presentationml/2006/main">
+  <p:cSld>
+    <p:spTree>
+      <p:nvGrpSpPr>
+        <p:cNvPr id="1" name=""/>
+        <p:cNvGrpSpPr/>
+        <p:nvPr/>
+      </p:nvGrpSpPr>
+      <p:grpSpPr>
+        <a:xfrm>
+          <a:off x="0" y="0"/>
+          <a:ext cx="0" cy="0"/>
+          <a:chOff x="0" y="0"/>
+          <a:chExt cx="0" cy="0"/>
+        </a:xfrm>
+      </p:grpSpPr>
+      <p:sp>
+        <p:nvSpPr>
+          <p:cNvPr id="5" name="文本框 4">
+            <a:extLst>
+              <a:ext uri="{FF2B5EF4-FFF2-40B4-BE49-F238E27FC236}">
+                <a16:creationId xmlns:a16="http://schemas.microsoft.com/office/drawing/2014/main" id="{DAB9FFA6-B7DE-8B48-D7C6-15C95E9B2BBA}"/>
+              </a:ext>
+            </a:extLst>
+          </p:cNvPr>
+          <p:cNvSpPr txBox="1"/>
+          <p:nvPr/>
+        </p:nvSpPr>
+        <p:spPr>
+          <a:xfrm>
+            <a:off x="188710" y="345294"/>
+            <a:ext cx="8360009" cy="523220"/>
+          </a:xfrm>
+          <a:prstGeom prst="rect">
+            <a:avLst/>
+          </a:prstGeom>
+          <a:noFill/>
+        </p:spPr>
+        <p:txBody>
+          <a:bodyPr wrap="square">
+            <a:spAutoFit/>
+          </a:bodyPr>
+          <a:lstStyle/>
+          <a:p>
+            <a:pPr marL="0" marR="0" lvl="0" indent="0" algn="l" defTabSz="914400" rtl="0" eaLnBrk="1" fontAlgn="auto" latinLnBrk="0" hangingPunct="1">
+              <a:lnSpc>
+                <a:spcPct val="100000"/>
+              </a:lnSpc>
+              <a:spcBef>
+                <a:spcPts val="0"/>
+              </a:spcBef>
+              <a:spcAft>
+                <a:spcPts val="0"/>
+              </a:spcAft>
+              <a:buClrTx/>
+              <a:buSzTx/>
+              <a:buFontTx/>
+              <a:buNone/>
+              <a:tabLst/>
+              <a:defRPr/>
+            </a:pPr>
+            <a:r>
+              <a:rPr kumimoji="0" lang="en-US" altLang="zh-CN" sz="2800" b="1" i="0" u="none" strike="noStrike" kern="1200" cap="none" spc="0" normalizeH="0" baseline="0" noProof="0" dirty="0">
+                <a:ln>
+                  <a:noFill/>
+                </a:ln>
+                <a:solidFill>
+                  <a:srgbClr val="70AD47">
+                    <a:lumMod val="75000"/>
+                  </a:srgbClr>
+                </a:solidFill>
+                <a:effectLst/>
+                <a:uLnTx/>
+                <a:uFillTx/>
+                <a:latin typeface="等线" panose="020F0502020204030204"/>
+                <a:ea typeface="等线" panose="02010600030101010101" pitchFamily="2" charset="-122"/>
+                <a:cs typeface="+mn-cs"/>
+              </a:rPr>
+              <a:t>Optimization worklog and concept illustration</a:t>
+            </a:r>
+          </a:p>
+        </p:txBody>
+      </p:sp>
+      <p:pic>
+        <p:nvPicPr>
+          <p:cNvPr id="9" name="图片 8">
+            <a:extLst>
+              <a:ext uri="{FF2B5EF4-FFF2-40B4-BE49-F238E27FC236}">
+                <a16:creationId xmlns:a16="http://schemas.microsoft.com/office/drawing/2014/main" id="{0B12A95F-4BC2-1D51-439F-9252687C9111}"/>
+              </a:ext>
+            </a:extLst>
+          </p:cNvPr>
+          <p:cNvPicPr>
+            <a:picLocks noChangeAspect="1"/>
+          </p:cNvPicPr>
+          <p:nvPr/>
+        </p:nvPicPr>
+        <p:blipFill>
+          <a:blip r:embed="rId2"/>
+          <a:stretch>
+            <a:fillRect/>
+          </a:stretch>
+        </p:blipFill>
+        <p:spPr>
+          <a:xfrm>
+            <a:off x="2828571" y="1337509"/>
+            <a:ext cx="5982535" cy="4391638"/>
+          </a:xfrm>
+          <a:prstGeom prst="rect">
+            <a:avLst/>
+          </a:prstGeom>
+        </p:spPr>
+      </p:pic>
+    </p:spTree>
+    <p:extLst>
+      <p:ext uri="{BB962C8B-B14F-4D97-AF65-F5344CB8AC3E}">
+        <p14:creationId xmlns:p14="http://schemas.microsoft.com/office/powerpoint/2010/main" val="1462063294"/>
+      </p:ext>
+    </p:extLst>
+  </p:cSld>
+  <p:clrMapOvr>
+    <a:masterClrMapping/>
+  </p:clrMapOvr>
+</p:sld>
+</file>
+
+<file path=ppt/slides/slide44.xml><?xml version="1.0" encoding="utf-8"?>
+<p:sld xmlns:a="http://schemas.openxmlformats.org/drawingml/2006/main" xmlns:r="http://schemas.openxmlformats.org/officeDocument/2006/relationships" xmlns:p="http://schemas.openxmlformats.org/presentationml/2006/main">
+  <p:cSld>
+    <p:spTree>
+      <p:nvGrpSpPr>
+        <p:cNvPr id="1" name=""/>
+        <p:cNvGrpSpPr/>
+        <p:nvPr/>
+      </p:nvGrpSpPr>
+      <p:grpSpPr>
+        <a:xfrm>
+          <a:off x="0" y="0"/>
+          <a:ext cx="0" cy="0"/>
+          <a:chOff x="0" y="0"/>
+          <a:chExt cx="0" cy="0"/>
+        </a:xfrm>
+      </p:grpSpPr>
+      <p:sp>
+        <p:nvSpPr>
+          <p:cNvPr id="2" name="文本框 1">
+            <a:extLst>
+              <a:ext uri="{FF2B5EF4-FFF2-40B4-BE49-F238E27FC236}">
+                <a16:creationId xmlns:a16="http://schemas.microsoft.com/office/drawing/2014/main" id="{5C20ADEE-FF9D-CE49-8F9A-775C360AE867}"/>
+              </a:ext>
+            </a:extLst>
+          </p:cNvPr>
+          <p:cNvSpPr txBox="1"/>
+          <p:nvPr/>
+        </p:nvSpPr>
+        <p:spPr>
+          <a:xfrm>
+            <a:off x="335996" y="127758"/>
+            <a:ext cx="4389427" cy="584775"/>
+          </a:xfrm>
+          <a:prstGeom prst="rect">
+            <a:avLst/>
+          </a:prstGeom>
+          <a:noFill/>
+        </p:spPr>
+        <p:txBody>
+          <a:bodyPr wrap="square">
+            <a:spAutoFit/>
+          </a:bodyPr>
+          <a:lstStyle/>
+          <a:p>
+            <a:pPr marR="0" lvl="0" algn="l" defTabSz="914400" rtl="0" eaLnBrk="1" fontAlgn="auto" latinLnBrk="0" hangingPunct="1">
+              <a:lnSpc>
+                <a:spcPct val="100000"/>
+              </a:lnSpc>
+              <a:spcBef>
+                <a:spcPts val="0"/>
+              </a:spcBef>
+              <a:spcAft>
+                <a:spcPts val="0"/>
+              </a:spcAft>
+              <a:buClrTx/>
+              <a:buSzTx/>
+              <a:tabLst/>
+              <a:defRPr/>
+            </a:pPr>
+            <a:r>
+              <a:rPr kumimoji="0" lang="en-US" altLang="zh-CN" sz="3200" b="1" i="0" u="none" strike="noStrike" kern="1200" cap="none" spc="0" normalizeH="0" baseline="0" noProof="0" dirty="0">
+                <a:ln>
+                  <a:noFill/>
+                </a:ln>
+                <a:solidFill>
+                  <a:srgbClr val="ED7D31">
+                    <a:lumMod val="60000"/>
+                    <a:lumOff val="40000"/>
+                  </a:srgbClr>
+                </a:solidFill>
+                <a:effectLst/>
+                <a:uLnTx/>
+                <a:uFillTx/>
+                <a:latin typeface="等线" panose="020F0502020204030204"/>
+                <a:ea typeface="等线" panose="02010600030101010101" pitchFamily="2" charset="-122"/>
+                <a:cs typeface="+mn-cs"/>
+              </a:rPr>
+              <a:t>Confusion and</a:t>
+            </a:r>
+            <a:r>
+              <a:rPr lang="zh-CN" altLang="en-US" sz="3200" b="1" dirty="0">
+                <a:solidFill>
+                  <a:srgbClr val="ED7D31">
+                    <a:lumMod val="60000"/>
+                    <a:lumOff val="40000"/>
+                  </a:srgbClr>
+                </a:solidFill>
+                <a:latin typeface="等线" panose="020F0502020204030204"/>
+                <a:ea typeface="等线" panose="02010600030101010101" pitchFamily="2" charset="-122"/>
+              </a:rPr>
+              <a:t> </a:t>
+            </a:r>
+            <a:r>
+              <a:rPr lang="en-US" altLang="zh-CN" sz="3200" b="1" dirty="0">
+                <a:solidFill>
+                  <a:srgbClr val="ED7D31">
+                    <a:lumMod val="60000"/>
+                    <a:lumOff val="40000"/>
+                  </a:srgbClr>
+                </a:solidFill>
+                <a:latin typeface="等线" panose="020F0502020204030204"/>
+                <a:ea typeface="等线" panose="02010600030101010101" pitchFamily="2" charset="-122"/>
+              </a:rPr>
+              <a:t>TODO</a:t>
+            </a:r>
+            <a:endParaRPr kumimoji="0" lang="en-US" altLang="zh-CN" sz="3200" b="1" i="0" u="none" strike="noStrike" kern="1200" cap="none" spc="0" normalizeH="0" baseline="0" noProof="0" dirty="0">
+              <a:ln>
+                <a:noFill/>
+              </a:ln>
+              <a:solidFill>
+                <a:srgbClr val="ED7D31">
+                  <a:lumMod val="60000"/>
+                  <a:lumOff val="40000"/>
+                </a:srgbClr>
+              </a:solidFill>
+              <a:effectLst/>
+              <a:uLnTx/>
+              <a:uFillTx/>
+              <a:latin typeface="等线" panose="020F0502020204030204"/>
+              <a:ea typeface="等线" panose="02010600030101010101" pitchFamily="2" charset="-122"/>
+              <a:cs typeface="+mn-cs"/>
+            </a:endParaRPr>
+          </a:p>
+        </p:txBody>
+      </p:sp>
+      <p:sp>
+        <p:nvSpPr>
+          <p:cNvPr id="6" name="文本框 5">
+            <a:extLst>
+              <a:ext uri="{FF2B5EF4-FFF2-40B4-BE49-F238E27FC236}">
+                <a16:creationId xmlns:a16="http://schemas.microsoft.com/office/drawing/2014/main" id="{45E110C7-0CC5-0F7A-776C-6C4A2921D05E}"/>
+              </a:ext>
+            </a:extLst>
+          </p:cNvPr>
+          <p:cNvSpPr txBox="1"/>
+          <p:nvPr/>
+        </p:nvSpPr>
+        <p:spPr>
+          <a:xfrm>
+            <a:off x="1049413" y="1968687"/>
+            <a:ext cx="10721186" cy="2246769"/>
+          </a:xfrm>
+          <a:prstGeom prst="rect">
+            <a:avLst/>
+          </a:prstGeom>
+          <a:noFill/>
+        </p:spPr>
+        <p:txBody>
+          <a:bodyPr wrap="square" rtlCol="0">
+            <a:spAutoFit/>
+          </a:bodyPr>
+          <a:lstStyle/>
+          <a:p>
+            <a:r>
+              <a:rPr lang="en-US" altLang="zh-CN" sz="2000" b="1" dirty="0"/>
+              <a:t>The main problems are:</a:t>
+            </a:r>
+          </a:p>
+          <a:p>
+            <a:endParaRPr lang="en-US" altLang="zh-CN" sz="2000" b="1" dirty="0"/>
+          </a:p>
+          <a:p>
+            <a:pPr marL="285750" indent="-285750">
+              <a:buFont typeface="Arial" panose="020B0604020202020204" pitchFamily="34" charset="0"/>
+              <a:buChar char="•"/>
+            </a:pPr>
+            <a:r>
+              <a:rPr lang="en-US" altLang="zh-CN" sz="2000" b="1" dirty="0"/>
+              <a:t>Even kernel 8(</a:t>
+            </a:r>
+            <a:r>
+              <a:rPr lang="en-US" altLang="zh-CN" sz="2000" b="1" dirty="0" err="1"/>
+              <a:t>warp_tile</a:t>
+            </a:r>
+            <a:r>
+              <a:rPr lang="en-US" altLang="zh-CN" sz="2000" b="1" dirty="0"/>
+              <a:t>) solves the bank conflict and uncoalesced global store, the performance is worse than kernel 7.</a:t>
+            </a:r>
+          </a:p>
+          <a:p>
+            <a:pPr marL="285750" indent="-285750">
+              <a:buFont typeface="Arial" panose="020B0604020202020204" pitchFamily="34" charset="0"/>
+              <a:buChar char="•"/>
+            </a:pPr>
+            <a:endParaRPr lang="en-US" altLang="zh-CN" sz="2000" b="1" dirty="0"/>
+          </a:p>
+          <a:p>
+            <a:pPr marL="285750" indent="-285750">
+              <a:buFont typeface="Arial" panose="020B0604020202020204" pitchFamily="34" charset="0"/>
+              <a:buChar char="•"/>
+            </a:pPr>
+            <a:r>
+              <a:rPr lang="en-US" altLang="zh-CN" sz="2000" b="1" dirty="0"/>
+              <a:t>Kernel 9(double buffering) performs even worse than kernel 8, this is because of excessive register usage.</a:t>
+            </a:r>
+            <a:endParaRPr lang="zh-CN" altLang="en-US" sz="2000" b="1" dirty="0"/>
+          </a:p>
+        </p:txBody>
+      </p:sp>
+    </p:spTree>
+    <p:extLst>
+      <p:ext uri="{BB962C8B-B14F-4D97-AF65-F5344CB8AC3E}">
+        <p14:creationId xmlns:p14="http://schemas.microsoft.com/office/powerpoint/2010/main" val="174841328"/>
+      </p:ext>
+    </p:extLst>
+  </p:cSld>
+  <p:clrMapOvr>
+    <a:masterClrMapping/>
+  </p:clrMapOvr>
+</p:sld>
+</file>
+
+<file path=ppt/slides/slide45.xml><?xml version="1.0" encoding="utf-8"?>
+<p:sld xmlns:a="http://schemas.openxmlformats.org/drawingml/2006/main" xmlns:r="http://schemas.openxmlformats.org/officeDocument/2006/relationships" xmlns:p="http://schemas.openxmlformats.org/presentationml/2006/main">
+  <p:cSld>
+    <p:spTree>
+      <p:nvGrpSpPr>
+        <p:cNvPr id="1" name=""/>
+        <p:cNvGrpSpPr/>
+        <p:nvPr/>
+      </p:nvGrpSpPr>
+      <p:grpSpPr>
+        <a:xfrm>
+          <a:off x="0" y="0"/>
+          <a:ext cx="0" cy="0"/>
+          <a:chOff x="0" y="0"/>
+          <a:chExt cx="0" cy="0"/>
+        </a:xfrm>
+      </p:grpSpPr>
+      <p:sp>
+        <p:nvSpPr>
+          <p:cNvPr id="2" name="文本框 1">
+            <a:extLst>
+              <a:ext uri="{FF2B5EF4-FFF2-40B4-BE49-F238E27FC236}">
+                <a16:creationId xmlns:a16="http://schemas.microsoft.com/office/drawing/2014/main" id="{8B482538-5B95-07B6-157A-F7184D247C55}"/>
+              </a:ext>
+            </a:extLst>
+          </p:cNvPr>
+          <p:cNvSpPr txBox="1"/>
+          <p:nvPr/>
+        </p:nvSpPr>
+        <p:spPr>
+          <a:xfrm>
+            <a:off x="335996" y="127758"/>
+            <a:ext cx="4389427" cy="584775"/>
+          </a:xfrm>
+          <a:prstGeom prst="rect">
+            <a:avLst/>
+          </a:prstGeom>
+          <a:noFill/>
+        </p:spPr>
+        <p:txBody>
+          <a:bodyPr wrap="square">
+            <a:spAutoFit/>
+          </a:bodyPr>
+          <a:lstStyle/>
+          <a:p>
+            <a:pPr marR="0" lvl="0" algn="l" defTabSz="914400" rtl="0" eaLnBrk="1" fontAlgn="auto" latinLnBrk="0" hangingPunct="1">
+              <a:lnSpc>
+                <a:spcPct val="100000"/>
+              </a:lnSpc>
+              <a:spcBef>
+                <a:spcPts val="0"/>
+              </a:spcBef>
+              <a:spcAft>
+                <a:spcPts val="0"/>
+              </a:spcAft>
+              <a:buClrTx/>
+              <a:buSzTx/>
+              <a:tabLst/>
+              <a:defRPr/>
+            </a:pPr>
+            <a:r>
+              <a:rPr kumimoji="0" lang="en-US" altLang="zh-CN" sz="3200" b="1" i="0" u="none" strike="noStrike" kern="1200" cap="none" spc="0" normalizeH="0" baseline="0" noProof="0" dirty="0">
+                <a:ln>
+                  <a:noFill/>
+                </a:ln>
+                <a:solidFill>
+                  <a:srgbClr val="ED7D31">
+                    <a:lumMod val="60000"/>
+                    <a:lumOff val="40000"/>
+                  </a:srgbClr>
+                </a:solidFill>
+                <a:effectLst/>
+                <a:uLnTx/>
+                <a:uFillTx/>
+                <a:latin typeface="等线" panose="020F0502020204030204"/>
+                <a:ea typeface="等线" panose="02010600030101010101" pitchFamily="2" charset="-122"/>
+                <a:cs typeface="+mn-cs"/>
+              </a:rPr>
+              <a:t>Confusion and</a:t>
+            </a:r>
+            <a:r>
+              <a:rPr lang="zh-CN" altLang="en-US" sz="3200" b="1" dirty="0">
+                <a:solidFill>
+                  <a:srgbClr val="ED7D31">
+                    <a:lumMod val="60000"/>
+                    <a:lumOff val="40000"/>
+                  </a:srgbClr>
+                </a:solidFill>
+                <a:latin typeface="等线" panose="020F0502020204030204"/>
+                <a:ea typeface="等线" panose="02010600030101010101" pitchFamily="2" charset="-122"/>
+              </a:rPr>
+              <a:t> </a:t>
+            </a:r>
+            <a:r>
+              <a:rPr lang="en-US" altLang="zh-CN" sz="3200" b="1" dirty="0">
+                <a:solidFill>
+                  <a:srgbClr val="ED7D31">
+                    <a:lumMod val="60000"/>
+                    <a:lumOff val="40000"/>
+                  </a:srgbClr>
+                </a:solidFill>
+                <a:latin typeface="等线" panose="020F0502020204030204"/>
+                <a:ea typeface="等线" panose="02010600030101010101" pitchFamily="2" charset="-122"/>
+              </a:rPr>
+              <a:t>TODO</a:t>
+            </a:r>
+            <a:endParaRPr kumimoji="0" lang="en-US" altLang="zh-CN" sz="3200" b="1" i="0" u="none" strike="noStrike" kern="1200" cap="none" spc="0" normalizeH="0" baseline="0" noProof="0" dirty="0">
+              <a:ln>
+                <a:noFill/>
+              </a:ln>
+              <a:solidFill>
+                <a:srgbClr val="ED7D31">
+                  <a:lumMod val="60000"/>
+                  <a:lumOff val="40000"/>
+                </a:srgbClr>
+              </a:solidFill>
+              <a:effectLst/>
+              <a:uLnTx/>
+              <a:uFillTx/>
+              <a:latin typeface="等线" panose="020F0502020204030204"/>
+              <a:ea typeface="等线" panose="02010600030101010101" pitchFamily="2" charset="-122"/>
+              <a:cs typeface="+mn-cs"/>
+            </a:endParaRPr>
+          </a:p>
+        </p:txBody>
+      </p:sp>
+      <p:sp>
+        <p:nvSpPr>
+          <p:cNvPr id="3" name="文本框 2">
+            <a:extLst>
+              <a:ext uri="{FF2B5EF4-FFF2-40B4-BE49-F238E27FC236}">
+                <a16:creationId xmlns:a16="http://schemas.microsoft.com/office/drawing/2014/main" id="{183CADAA-2CB8-82D7-81AD-443DB1A196AE}"/>
+              </a:ext>
+            </a:extLst>
+          </p:cNvPr>
+          <p:cNvSpPr txBox="1"/>
+          <p:nvPr/>
+        </p:nvSpPr>
+        <p:spPr>
+          <a:xfrm>
+            <a:off x="1098506" y="1301026"/>
+            <a:ext cx="10211823" cy="4401205"/>
+          </a:xfrm>
+          <a:prstGeom prst="rect">
+            <a:avLst/>
+          </a:prstGeom>
+          <a:noFill/>
+        </p:spPr>
+        <p:txBody>
+          <a:bodyPr wrap="square" rtlCol="0">
+            <a:spAutoFit/>
+          </a:bodyPr>
+          <a:lstStyle/>
+          <a:p>
+            <a:r>
+              <a:rPr lang="en-US" altLang="zh-CN" sz="2000" b="1" dirty="0"/>
+              <a:t>TODO:</a:t>
+            </a:r>
+          </a:p>
+          <a:p>
+            <a:endParaRPr lang="en-US" altLang="zh-CN" sz="2000" b="1" dirty="0"/>
+          </a:p>
+          <a:p>
+            <a:pPr marL="342900" indent="-342900">
+              <a:buFont typeface="Arial" panose="020B0604020202020204" pitchFamily="34" charset="0"/>
+              <a:buChar char="•"/>
+            </a:pPr>
+            <a:r>
+              <a:rPr lang="en-US" altLang="zh-CN" sz="2000" b="1" dirty="0"/>
+              <a:t>Test more configurations.</a:t>
+            </a:r>
+          </a:p>
+          <a:p>
+            <a:endParaRPr lang="en-US" altLang="zh-CN" sz="2000" b="1" dirty="0"/>
+          </a:p>
+          <a:p>
+            <a:pPr marL="285750" indent="-285750">
+              <a:buFont typeface="Arial" panose="020B0604020202020204" pitchFamily="34" charset="0"/>
+              <a:buChar char="•"/>
+            </a:pPr>
+            <a:r>
+              <a:rPr lang="en-US" altLang="zh-CN" sz="2000" b="1" dirty="0" err="1"/>
+              <a:t>asm</a:t>
+            </a:r>
+            <a:r>
+              <a:rPr lang="en-US" altLang="zh-CN" sz="2000" b="1" dirty="0"/>
+              <a:t>() can be used to integrate PTX code into CUDA code, I wonder if it brings any performance improvement.</a:t>
+            </a:r>
+          </a:p>
+          <a:p>
+            <a:pPr marL="285750" indent="-285750">
+              <a:buFont typeface="Arial" panose="020B0604020202020204" pitchFamily="34" charset="0"/>
+              <a:buChar char="•"/>
+            </a:pPr>
+            <a:endParaRPr lang="en-US" altLang="zh-CN" sz="2000" b="1" dirty="0"/>
+          </a:p>
+          <a:p>
+            <a:pPr marL="285750" indent="-285750">
+              <a:buFont typeface="Arial" panose="020B0604020202020204" pitchFamily="34" charset="0"/>
+              <a:buChar char="•"/>
+            </a:pPr>
+            <a:r>
+              <a:rPr lang="en-US" altLang="zh-CN" sz="2000" b="1" dirty="0"/>
+              <a:t>For now, my kernels only deal with perfect square matrix with no tile quantization.</a:t>
+            </a:r>
+          </a:p>
+          <a:p>
+            <a:pPr marL="285750" indent="-285750">
+              <a:buFont typeface="Arial" panose="020B0604020202020204" pitchFamily="34" charset="0"/>
+              <a:buChar char="•"/>
+            </a:pPr>
+            <a:endParaRPr lang="en-US" altLang="zh-CN" sz="2000" b="1" dirty="0"/>
+          </a:p>
+          <a:p>
+            <a:pPr marL="285750" indent="-285750">
+              <a:buFont typeface="Arial" panose="020B0604020202020204" pitchFamily="34" charset="0"/>
+              <a:buChar char="•"/>
+            </a:pPr>
+            <a:r>
+              <a:rPr lang="en-US" altLang="zh-CN" sz="2000" b="1" dirty="0" err="1"/>
+              <a:t>Sgemm</a:t>
+            </a:r>
+            <a:r>
+              <a:rPr lang="en-US" altLang="zh-CN" sz="2000" b="1" dirty="0"/>
+              <a:t> can’t use tensor core, bf16 format is useful in mixed precision training.</a:t>
+            </a:r>
+          </a:p>
+          <a:p>
+            <a:pPr marL="285750" indent="-285750">
+              <a:buFont typeface="Arial" panose="020B0604020202020204" pitchFamily="34" charset="0"/>
+              <a:buChar char="•"/>
+            </a:pPr>
+            <a:endParaRPr lang="en-US" altLang="zh-CN" sz="2000" b="1" dirty="0"/>
+          </a:p>
+          <a:p>
+            <a:pPr marL="285750" indent="-285750">
+              <a:buFont typeface="Arial" panose="020B0604020202020204" pitchFamily="34" charset="0"/>
+              <a:buChar char="•"/>
+            </a:pPr>
+            <a:r>
+              <a:rPr lang="en-US" altLang="zh-CN" sz="2000" b="1" dirty="0"/>
+              <a:t>Hopper GPU has some new features: TMA,   asynchronous barrier.</a:t>
+            </a:r>
+          </a:p>
+          <a:p>
+            <a:pPr marL="285750" indent="-285750">
+              <a:buFont typeface="Arial" panose="020B0604020202020204" pitchFamily="34" charset="0"/>
+              <a:buChar char="•"/>
+            </a:pPr>
+            <a:endParaRPr lang="en-US" altLang="zh-CN" sz="2000" b="1" dirty="0"/>
+          </a:p>
+          <a:p>
+            <a:pPr marL="285750" indent="-285750">
+              <a:buFont typeface="Arial" panose="020B0604020202020204" pitchFamily="34" charset="0"/>
+              <a:buChar char="•"/>
+            </a:pPr>
+            <a:r>
+              <a:rPr lang="en-US" altLang="zh-CN" sz="2000" b="1" dirty="0"/>
+              <a:t>Maybe I will digger deeper into CUTLASS</a:t>
+            </a:r>
+            <a:r>
+              <a:rPr lang="en-US" altLang="zh-CN" dirty="0"/>
+              <a:t>.</a:t>
+            </a:r>
+          </a:p>
+        </p:txBody>
+      </p:sp>
+    </p:spTree>
+    <p:extLst>
+      <p:ext uri="{BB962C8B-B14F-4D97-AF65-F5344CB8AC3E}">
+        <p14:creationId xmlns:p14="http://schemas.microsoft.com/office/powerpoint/2010/main" val="2993609768"/>
+      </p:ext>
+    </p:extLst>
+  </p:cSld>
+  <p:clrMapOvr>
+    <a:masterClrMapping/>
+  </p:clrMapOvr>
+</p:sld>
+</file>
+
+<file path=ppt/slides/slide46.xml><?xml version="1.0" encoding="utf-8"?>
+<p:sld xmlns:a="http://schemas.openxmlformats.org/drawingml/2006/main" xmlns:r="http://schemas.openxmlformats.org/officeDocument/2006/relationships" xmlns:p="http://schemas.openxmlformats.org/presentationml/2006/main">
+  <p:cSld>
+    <p:spTree>
+      <p:nvGrpSpPr>
+        <p:cNvPr id="1" name=""/>
+        <p:cNvGrpSpPr/>
+        <p:nvPr/>
+      </p:nvGrpSpPr>
+      <p:grpSpPr>
+        <a:xfrm>
+          <a:off x="0" y="0"/>
+          <a:ext cx="0" cy="0"/>
+          <a:chOff x="0" y="0"/>
+          <a:chExt cx="0" cy="0"/>
+        </a:xfrm>
+      </p:grpSpPr>
+      <p:sp>
+        <p:nvSpPr>
+          <p:cNvPr id="2" name="文本框 1">
+            <a:extLst>
+              <a:ext uri="{FF2B5EF4-FFF2-40B4-BE49-F238E27FC236}">
+                <a16:creationId xmlns:a16="http://schemas.microsoft.com/office/drawing/2014/main" id="{CA1E45E4-081D-9956-7EEF-11B283FB313F}"/>
+              </a:ext>
+            </a:extLst>
+          </p:cNvPr>
+          <p:cNvSpPr txBox="1"/>
+          <p:nvPr/>
+        </p:nvSpPr>
+        <p:spPr>
+          <a:xfrm>
+            <a:off x="593746" y="431769"/>
+            <a:ext cx="1400751" cy="584775"/>
+          </a:xfrm>
+          <a:prstGeom prst="rect">
+            <a:avLst/>
+          </a:prstGeom>
+          <a:noFill/>
+        </p:spPr>
+        <p:txBody>
+          <a:bodyPr wrap="square">
+            <a:spAutoFit/>
+          </a:bodyPr>
+          <a:lstStyle/>
+          <a:p>
+            <a:pPr marR="0" lvl="0" algn="l" defTabSz="914400" rtl="0" eaLnBrk="1" fontAlgn="auto" latinLnBrk="0" hangingPunct="1">
+              <a:lnSpc>
+                <a:spcPct val="100000"/>
+              </a:lnSpc>
+              <a:spcBef>
+                <a:spcPts val="0"/>
+              </a:spcBef>
+              <a:spcAft>
+                <a:spcPts val="0"/>
+              </a:spcAft>
+              <a:buClrTx/>
+              <a:buSzTx/>
+              <a:tabLst/>
+              <a:defRPr/>
+            </a:pPr>
+            <a:r>
+              <a:rPr kumimoji="0" lang="en-US" altLang="zh-CN" sz="3200" b="1" i="0" u="none" strike="noStrike" kern="1200" cap="none" spc="0" normalizeH="0" baseline="0" noProof="0" dirty="0">
+                <a:ln>
+                  <a:noFill/>
+                </a:ln>
+                <a:solidFill>
+                  <a:srgbClr val="CF90E8"/>
+                </a:solidFill>
+                <a:effectLst/>
+                <a:uLnTx/>
+                <a:uFillTx/>
+                <a:latin typeface="等线" panose="020F0502020204030204"/>
+                <a:ea typeface="等线" panose="02010600030101010101" pitchFamily="2" charset="-122"/>
+                <a:cs typeface="+mn-cs"/>
+              </a:rPr>
+              <a:t>Bonus</a:t>
+            </a:r>
+          </a:p>
+        </p:txBody>
+      </p:sp>
+      <p:sp>
+        <p:nvSpPr>
+          <p:cNvPr id="3" name="文本框 2">
+            <a:extLst>
+              <a:ext uri="{FF2B5EF4-FFF2-40B4-BE49-F238E27FC236}">
+                <a16:creationId xmlns:a16="http://schemas.microsoft.com/office/drawing/2014/main" id="{8227A2D7-0B01-4129-4E1F-1C5C25F6BB83}"/>
+              </a:ext>
+            </a:extLst>
+          </p:cNvPr>
+          <p:cNvSpPr txBox="1"/>
+          <p:nvPr/>
+        </p:nvSpPr>
+        <p:spPr>
+          <a:xfrm>
+            <a:off x="644376" y="2129508"/>
+            <a:ext cx="6511264" cy="954107"/>
+          </a:xfrm>
+          <a:prstGeom prst="rect">
+            <a:avLst/>
+          </a:prstGeom>
+          <a:noFill/>
+        </p:spPr>
+        <p:txBody>
+          <a:bodyPr wrap="square" rtlCol="0">
+            <a:spAutoFit/>
+          </a:bodyPr>
+          <a:lstStyle/>
+          <a:p>
+            <a:pPr marL="285750" indent="-285750">
+              <a:buFont typeface="Arial" panose="020B0604020202020204" pitchFamily="34" charset="0"/>
+              <a:buChar char="•"/>
+            </a:pPr>
+            <a:r>
+              <a:rPr lang="en-US" altLang="zh-CN" sz="2800" b="1" dirty="0"/>
+              <a:t>How </a:t>
+            </a:r>
+            <a:r>
+              <a:rPr lang="en-US" altLang="zh-CN" sz="2800" b="1" dirty="0" err="1"/>
+              <a:t>ncu</a:t>
+            </a:r>
+            <a:r>
+              <a:rPr lang="en-US" altLang="zh-CN" sz="2800" b="1" dirty="0"/>
+              <a:t> profiler works</a:t>
+            </a:r>
+          </a:p>
+          <a:p>
+            <a:endParaRPr lang="en-US" altLang="zh-CN" sz="2800" b="1" dirty="0"/>
+          </a:p>
+        </p:txBody>
+      </p:sp>
+    </p:spTree>
+    <p:extLst>
+      <p:ext uri="{BB962C8B-B14F-4D97-AF65-F5344CB8AC3E}">
+        <p14:creationId xmlns:p14="http://schemas.microsoft.com/office/powerpoint/2010/main" val="1266940628"/>
+      </p:ext>
+    </p:extLst>
+  </p:cSld>
+  <p:clrMapOvr>
+    <a:masterClrMapping/>
+  </p:clrMapOvr>
+</p:sld>
+</file>
+
+<file path=ppt/slides/slide47.xml><?xml version="1.0" encoding="utf-8"?>
+<p:sld xmlns:a="http://schemas.openxmlformats.org/drawingml/2006/main" xmlns:r="http://schemas.openxmlformats.org/officeDocument/2006/relationships" xmlns:p="http://schemas.openxmlformats.org/presentationml/2006/main">
+  <p:cSld>
+    <p:spTree>
+      <p:nvGrpSpPr>
+        <p:cNvPr id="1" name=""/>
+        <p:cNvGrpSpPr/>
+        <p:nvPr/>
+      </p:nvGrpSpPr>
+      <p:grpSpPr>
+        <a:xfrm>
+          <a:off x="0" y="0"/>
+          <a:ext cx="0" cy="0"/>
+          <a:chOff x="0" y="0"/>
+          <a:chExt cx="0" cy="0"/>
+        </a:xfrm>
+      </p:grpSpPr>
+      <p:sp>
+        <p:nvSpPr>
+          <p:cNvPr id="2" name="文本框 1">
+            <a:extLst>
+              <a:ext uri="{FF2B5EF4-FFF2-40B4-BE49-F238E27FC236}">
+                <a16:creationId xmlns:a16="http://schemas.microsoft.com/office/drawing/2014/main" id="{405F664B-8971-3F96-7160-B7E54F28CE3A}"/>
+              </a:ext>
+            </a:extLst>
+          </p:cNvPr>
+          <p:cNvSpPr txBox="1"/>
+          <p:nvPr/>
+        </p:nvSpPr>
+        <p:spPr>
+          <a:xfrm>
+            <a:off x="593746" y="431769"/>
+            <a:ext cx="1400751" cy="584775"/>
+          </a:xfrm>
+          <a:prstGeom prst="rect">
+            <a:avLst/>
+          </a:prstGeom>
+          <a:noFill/>
+        </p:spPr>
+        <p:txBody>
+          <a:bodyPr wrap="square">
+            <a:spAutoFit/>
+          </a:bodyPr>
+          <a:lstStyle/>
+          <a:p>
+            <a:pPr marR="0" lvl="0" algn="l" defTabSz="914400" rtl="0" eaLnBrk="1" fontAlgn="auto" latinLnBrk="0" hangingPunct="1">
+              <a:lnSpc>
+                <a:spcPct val="100000"/>
+              </a:lnSpc>
+              <a:spcBef>
+                <a:spcPts val="0"/>
+              </a:spcBef>
+              <a:spcAft>
+                <a:spcPts val="0"/>
+              </a:spcAft>
+              <a:buClrTx/>
+              <a:buSzTx/>
+              <a:tabLst/>
+              <a:defRPr/>
+            </a:pPr>
+            <a:r>
+              <a:rPr kumimoji="0" lang="en-US" altLang="zh-CN" sz="3200" b="1" i="0" u="none" strike="noStrike" kern="1200" cap="none" spc="0" normalizeH="0" baseline="0" noProof="0" dirty="0">
+                <a:ln>
+                  <a:noFill/>
+                </a:ln>
+                <a:solidFill>
+                  <a:srgbClr val="CF90E8"/>
+                </a:solidFill>
+                <a:effectLst/>
+                <a:uLnTx/>
+                <a:uFillTx/>
+                <a:latin typeface="等线" panose="020F0502020204030204"/>
+                <a:ea typeface="等线" panose="02010600030101010101" pitchFamily="2" charset="-122"/>
+                <a:cs typeface="+mn-cs"/>
+              </a:rPr>
+              <a:t>Bonus</a:t>
+            </a:r>
+          </a:p>
+        </p:txBody>
+      </p:sp>
+      <p:pic>
+        <p:nvPicPr>
+          <p:cNvPr id="12" name="图片 11">
+            <a:extLst>
+              <a:ext uri="{FF2B5EF4-FFF2-40B4-BE49-F238E27FC236}">
+                <a16:creationId xmlns:a16="http://schemas.microsoft.com/office/drawing/2014/main" id="{30FAECB4-09D6-1D02-3F23-E303D21C76D8}"/>
+              </a:ext>
+            </a:extLst>
+          </p:cNvPr>
+          <p:cNvPicPr>
+            <a:picLocks noChangeAspect="1"/>
+          </p:cNvPicPr>
+          <p:nvPr/>
+        </p:nvPicPr>
+        <p:blipFill>
+          <a:blip r:embed="rId2"/>
+          <a:stretch>
+            <a:fillRect/>
+          </a:stretch>
+        </p:blipFill>
+        <p:spPr>
+          <a:xfrm>
+            <a:off x="2630534" y="500205"/>
+            <a:ext cx="6820312" cy="6022734"/>
+          </a:xfrm>
+          <a:prstGeom prst="rect">
+            <a:avLst/>
+          </a:prstGeom>
+        </p:spPr>
+      </p:pic>
+    </p:spTree>
+    <p:extLst>
+      <p:ext uri="{BB962C8B-B14F-4D97-AF65-F5344CB8AC3E}">
+        <p14:creationId xmlns:p14="http://schemas.microsoft.com/office/powerpoint/2010/main" val="262606484"/>
+      </p:ext>
+    </p:extLst>
+  </p:cSld>
+  <p:clrMapOvr>
+    <a:masterClrMapping/>
+  </p:clrMapOvr>
+</p:sld>
+</file>
+
+<file path=ppt/slides/slide48.xml><?xml version="1.0" encoding="utf-8"?>
+<p:sld xmlns:a="http://schemas.openxmlformats.org/drawingml/2006/main" xmlns:r="http://schemas.openxmlformats.org/officeDocument/2006/relationships" xmlns:p="http://schemas.openxmlformats.org/presentationml/2006/main">
+  <p:cSld>
+    <p:spTree>
+      <p:nvGrpSpPr>
+        <p:cNvPr id="1" name=""/>
+        <p:cNvGrpSpPr/>
+        <p:nvPr/>
+      </p:nvGrpSpPr>
+      <p:grpSpPr>
+        <a:xfrm>
+          <a:off x="0" y="0"/>
+          <a:ext cx="0" cy="0"/>
+          <a:chOff x="0" y="0"/>
+          <a:chExt cx="0" cy="0"/>
+        </a:xfrm>
+      </p:grpSpPr>
+      <p:sp>
+        <p:nvSpPr>
+          <p:cNvPr id="3" name="文本框 2">
+            <a:extLst>
+              <a:ext uri="{FF2B5EF4-FFF2-40B4-BE49-F238E27FC236}">
+                <a16:creationId xmlns:a16="http://schemas.microsoft.com/office/drawing/2014/main" id="{C4259EF7-E784-32D2-DF07-A001183B8394}"/>
+              </a:ext>
+            </a:extLst>
+          </p:cNvPr>
+          <p:cNvSpPr txBox="1"/>
+          <p:nvPr/>
+        </p:nvSpPr>
+        <p:spPr>
+          <a:xfrm>
+            <a:off x="1080097" y="1448311"/>
+            <a:ext cx="9794513" cy="1323439"/>
+          </a:xfrm>
+          <a:prstGeom prst="rect">
+            <a:avLst/>
+          </a:prstGeom>
+          <a:noFill/>
+        </p:spPr>
+        <p:txBody>
+          <a:bodyPr wrap="square" rtlCol="0">
+            <a:spAutoFit/>
+          </a:bodyPr>
+          <a:lstStyle/>
+          <a:p>
+            <a:r>
+              <a:rPr lang="en-US" altLang="zh-CN" sz="2000" b="1" dirty="0"/>
+              <a:t>If collecting many metrics using </a:t>
+            </a:r>
+            <a:r>
+              <a:rPr lang="en-US" altLang="zh-CN" sz="2000" b="1" dirty="0" err="1"/>
+              <a:t>ncu</a:t>
+            </a:r>
+            <a:r>
+              <a:rPr lang="en-US" altLang="zh-CN" sz="2000" b="1" dirty="0"/>
+              <a:t>, one profile pass may not be enough because the profiling itself consumes </a:t>
+            </a:r>
+            <a:r>
+              <a:rPr lang="en-US" altLang="zh-CN" sz="2000" b="1" dirty="0" err="1"/>
+              <a:t>gpu</a:t>
+            </a:r>
+            <a:r>
+              <a:rPr lang="en-US" altLang="zh-CN" sz="2000" b="1" dirty="0"/>
+              <a:t> resources. To not have a negative impact on the kernel, typically multiple passes are needed to collect all the information. When replaying the kernel, </a:t>
+            </a:r>
+            <a:r>
+              <a:rPr lang="en-US" altLang="zh-CN" sz="2000" b="1" dirty="0" err="1"/>
+              <a:t>ncu</a:t>
+            </a:r>
+            <a:r>
+              <a:rPr lang="en-US" altLang="zh-CN" sz="2000" b="1" dirty="0"/>
+              <a:t> does the below:</a:t>
+            </a:r>
+            <a:endParaRPr lang="zh-CN" altLang="en-US" sz="2000" b="1" dirty="0"/>
+          </a:p>
+        </p:txBody>
+      </p:sp>
+      <p:sp>
+        <p:nvSpPr>
+          <p:cNvPr id="4" name="文本框 3">
+            <a:extLst>
+              <a:ext uri="{FF2B5EF4-FFF2-40B4-BE49-F238E27FC236}">
+                <a16:creationId xmlns:a16="http://schemas.microsoft.com/office/drawing/2014/main" id="{7CFD213A-2520-54B0-E74A-7D9511759731}"/>
+              </a:ext>
+            </a:extLst>
+          </p:cNvPr>
+          <p:cNvSpPr txBox="1"/>
+          <p:nvPr/>
+        </p:nvSpPr>
+        <p:spPr>
+          <a:xfrm>
+            <a:off x="593746" y="431769"/>
+            <a:ext cx="1400751" cy="584775"/>
+          </a:xfrm>
+          <a:prstGeom prst="rect">
+            <a:avLst/>
+          </a:prstGeom>
+          <a:noFill/>
+        </p:spPr>
+        <p:txBody>
+          <a:bodyPr wrap="square">
+            <a:spAutoFit/>
+          </a:bodyPr>
+          <a:lstStyle/>
+          <a:p>
+            <a:pPr marR="0" lvl="0" algn="l" defTabSz="914400" rtl="0" eaLnBrk="1" fontAlgn="auto" latinLnBrk="0" hangingPunct="1">
+              <a:lnSpc>
+                <a:spcPct val="100000"/>
+              </a:lnSpc>
+              <a:spcBef>
+                <a:spcPts val="0"/>
+              </a:spcBef>
+              <a:spcAft>
+                <a:spcPts val="0"/>
+              </a:spcAft>
+              <a:buClrTx/>
+              <a:buSzTx/>
+              <a:tabLst/>
+              <a:defRPr/>
+            </a:pPr>
+            <a:r>
+              <a:rPr kumimoji="0" lang="en-US" altLang="zh-CN" sz="3200" b="1" i="0" u="none" strike="noStrike" kern="1200" cap="none" spc="0" normalizeH="0" baseline="0" noProof="0" dirty="0">
+                <a:ln>
+                  <a:noFill/>
+                </a:ln>
+                <a:solidFill>
+                  <a:srgbClr val="CF90E8"/>
+                </a:solidFill>
+                <a:effectLst/>
+                <a:uLnTx/>
+                <a:uFillTx/>
+                <a:latin typeface="等线" panose="020F0502020204030204"/>
+                <a:ea typeface="等线" panose="02010600030101010101" pitchFamily="2" charset="-122"/>
+                <a:cs typeface="+mn-cs"/>
+              </a:rPr>
+              <a:t>Bonus</a:t>
+            </a:r>
+          </a:p>
+        </p:txBody>
+      </p:sp>
+      <p:pic>
+        <p:nvPicPr>
+          <p:cNvPr id="6" name="图片 5">
+            <a:extLst>
+              <a:ext uri="{FF2B5EF4-FFF2-40B4-BE49-F238E27FC236}">
+                <a16:creationId xmlns:a16="http://schemas.microsoft.com/office/drawing/2014/main" id="{4A96677C-D0CB-BFDA-F5B3-8A163AF5AD9F}"/>
+              </a:ext>
+            </a:extLst>
+          </p:cNvPr>
+          <p:cNvPicPr>
+            <a:picLocks noChangeAspect="1"/>
+          </p:cNvPicPr>
+          <p:nvPr/>
+        </p:nvPicPr>
+        <p:blipFill>
+          <a:blip r:embed="rId2"/>
+          <a:stretch>
+            <a:fillRect/>
+          </a:stretch>
+        </p:blipFill>
+        <p:spPr>
+          <a:xfrm>
+            <a:off x="1243746" y="3087719"/>
+            <a:ext cx="9794514" cy="3146557"/>
+          </a:xfrm>
+          <a:prstGeom prst="rect">
+            <a:avLst/>
+          </a:prstGeom>
+        </p:spPr>
+      </p:pic>
+    </p:spTree>
+    <p:extLst>
+      <p:ext uri="{BB962C8B-B14F-4D97-AF65-F5344CB8AC3E}">
+        <p14:creationId xmlns:p14="http://schemas.microsoft.com/office/powerpoint/2010/main" val="334617678"/>
+      </p:ext>
+    </p:extLst>
+  </p:cSld>
+  <p:clrMapOvr>
+    <a:masterClrMapping/>
+  </p:clrMapOvr>
+</p:sld>
+</file>
+
+<file path=ppt/slides/slide49.xml><?xml version="1.0" encoding="utf-8"?>
+<p:sld xmlns:a="http://schemas.openxmlformats.org/drawingml/2006/main" xmlns:r="http://schemas.openxmlformats.org/officeDocument/2006/relationships" xmlns:p="http://schemas.openxmlformats.org/presentationml/2006/main">
+  <p:cSld>
+    <p:spTree>
+      <p:nvGrpSpPr>
+        <p:cNvPr id="1" name=""/>
+        <p:cNvGrpSpPr/>
+        <p:nvPr/>
+      </p:nvGrpSpPr>
+      <p:grpSpPr>
+        <a:xfrm>
+          <a:off x="0" y="0"/>
+          <a:ext cx="0" cy="0"/>
+          <a:chOff x="0" y="0"/>
+          <a:chExt cx="0" cy="0"/>
+        </a:xfrm>
+      </p:grpSpPr>
+      <p:sp>
+        <p:nvSpPr>
+          <p:cNvPr id="2" name="文本框 1">
+            <a:extLst>
+              <a:ext uri="{FF2B5EF4-FFF2-40B4-BE49-F238E27FC236}">
+                <a16:creationId xmlns:a16="http://schemas.microsoft.com/office/drawing/2014/main" id="{3FEE3E1B-80C7-F3C7-FBD1-C7452742888A}"/>
+              </a:ext>
+            </a:extLst>
+          </p:cNvPr>
+          <p:cNvSpPr txBox="1"/>
+          <p:nvPr/>
+        </p:nvSpPr>
+        <p:spPr>
+          <a:xfrm>
+            <a:off x="3583958" y="2761611"/>
+            <a:ext cx="4854298" cy="584775"/>
+          </a:xfrm>
+          <a:prstGeom prst="rect">
+            <a:avLst/>
+          </a:prstGeom>
+          <a:noFill/>
+        </p:spPr>
+        <p:txBody>
+          <a:bodyPr wrap="square" rtlCol="0">
+            <a:spAutoFit/>
+          </a:bodyPr>
+          <a:lstStyle/>
+          <a:p>
+            <a:r>
+              <a:rPr lang="en-US" altLang="zh-CN" sz="3200" b="1" dirty="0"/>
+              <a:t>Thank you for your time.</a:t>
+            </a:r>
+            <a:endParaRPr lang="zh-CN" altLang="en-US" sz="3200" b="1" dirty="0"/>
+          </a:p>
+        </p:txBody>
+      </p:sp>
+    </p:spTree>
+    <p:extLst>
+      <p:ext uri="{BB962C8B-B14F-4D97-AF65-F5344CB8AC3E}">
+        <p14:creationId xmlns:p14="http://schemas.microsoft.com/office/powerpoint/2010/main" val="164160954"/>
       </p:ext>
     </p:extLst>
   </p:cSld>
@@ -5033,8 +11908,8 @@
         </p:nvSpPr>
         <p:spPr>
           <a:xfrm>
-            <a:off x="540049" y="1454449"/>
-            <a:ext cx="3829434" cy="3539430"/>
+            <a:off x="502460" y="2362712"/>
+            <a:ext cx="3829434" cy="2246769"/>
           </a:xfrm>
           <a:prstGeom prst="rect">
             <a:avLst/>
@@ -5050,15 +11925,6 @@
             <a:r>
               <a:rPr lang="en-US" altLang="zh-CN" sz="2800" b="1" dirty="0"/>
               <a:t>Result on my laptop RTX4060:</a:t>
-            </a:r>
-          </a:p>
-          <a:p>
-            <a:endParaRPr lang="en-US" altLang="zh-CN" sz="2800" b="1" dirty="0"/>
-          </a:p>
-          <a:p>
-            <a:r>
-              <a:rPr lang="en-US" altLang="zh-CN" sz="2800" b="1" dirty="0"/>
-              <a:t>Different Kernel Comparison,</a:t>
             </a:r>
           </a:p>
           <a:p>
@@ -5183,95 +12049,6 @@
       </p:grpSpPr>
       <p:sp>
         <p:nvSpPr>
-          <p:cNvPr id="3" name="文本框 2">
-            <a:extLst>
-              <a:ext uri="{FF2B5EF4-FFF2-40B4-BE49-F238E27FC236}">
-                <a16:creationId xmlns:a16="http://schemas.microsoft.com/office/drawing/2014/main" id="{22888792-CDBC-9CD6-E61C-F4111F2F680D}"/>
-              </a:ext>
-            </a:extLst>
-          </p:cNvPr>
-          <p:cNvSpPr txBox="1"/>
-          <p:nvPr/>
-        </p:nvSpPr>
-        <p:spPr>
-          <a:xfrm>
-            <a:off x="452596" y="1484574"/>
-            <a:ext cx="5150404" cy="3785652"/>
-          </a:xfrm>
-          <a:prstGeom prst="rect">
-            <a:avLst/>
-          </a:prstGeom>
-          <a:noFill/>
-        </p:spPr>
-        <p:txBody>
-          <a:bodyPr wrap="square">
-            <a:spAutoFit/>
-          </a:bodyPr>
-          <a:lstStyle/>
-          <a:p>
-            <a:r>
-              <a:rPr lang="en-US" altLang="zh-CN" sz="2400" b="1" dirty="0"/>
-              <a:t>Result on my laptop RTX4060:</a:t>
-            </a:r>
-          </a:p>
-          <a:p>
-            <a:endParaRPr lang="en-US" altLang="zh-CN" sz="2400" b="1" dirty="0"/>
-          </a:p>
-          <a:p>
-            <a:r>
-              <a:rPr lang="en-US" altLang="zh-CN" sz="2400" b="1" dirty="0"/>
-              <a:t>Different Problem Size,</a:t>
-            </a:r>
-          </a:p>
-          <a:p>
-            <a:endParaRPr lang="en-US" altLang="zh-CN" sz="2400" b="1" dirty="0"/>
-          </a:p>
-          <a:p>
-            <a:r>
-              <a:rPr lang="en-US" altLang="zh-CN" sz="2400" b="1" dirty="0"/>
-              <a:t>Choose :</a:t>
-            </a:r>
-          </a:p>
-          <a:p>
-            <a:endParaRPr lang="en-US" altLang="zh-CN" sz="2400" b="1" dirty="0"/>
-          </a:p>
-          <a:p>
-            <a:r>
-              <a:rPr lang="en-US" altLang="zh-CN" sz="2400" b="1" dirty="0" err="1"/>
-              <a:t>cublas</a:t>
-            </a:r>
-            <a:r>
-              <a:rPr lang="en-US" altLang="zh-CN" sz="2400" b="1" dirty="0"/>
-              <a:t>, </a:t>
-            </a:r>
-          </a:p>
-          <a:p>
-            <a:r>
-              <a:rPr lang="en-US" altLang="zh-CN" sz="2400" b="1" dirty="0"/>
-              <a:t>vectorize, </a:t>
-            </a:r>
-          </a:p>
-          <a:p>
-            <a:r>
-              <a:rPr lang="en-US" altLang="zh-CN" sz="2400" b="1" dirty="0" err="1"/>
-              <a:t>warp_tile</a:t>
-            </a:r>
-            <a:r>
-              <a:rPr lang="en-US" altLang="zh-CN" sz="2400" b="1" dirty="0"/>
-              <a:t>, </a:t>
-            </a:r>
-          </a:p>
-          <a:p>
-            <a:r>
-              <a:rPr lang="en-US" altLang="zh-CN" sz="2400" b="1" dirty="0" err="1"/>
-              <a:t>double_buffering</a:t>
-            </a:r>
-            <a:endParaRPr lang="en-US" altLang="zh-CN" sz="2400" b="1" dirty="0"/>
-          </a:p>
-        </p:txBody>
-      </p:sp>
-      <p:sp>
-        <p:nvSpPr>
           <p:cNvPr id="4" name="文本框 3">
             <a:extLst>
               <a:ext uri="{FF2B5EF4-FFF2-40B4-BE49-F238E27FC236}">
@@ -5309,6 +12086,42 @@
           </a:p>
         </p:txBody>
       </p:sp>
+      <p:pic>
+        <p:nvPicPr>
+          <p:cNvPr id="3" name="图片 2" descr="图表, 折线图&#10;&#10;描述已自动生成">
+            <a:extLst>
+              <a:ext uri="{FF2B5EF4-FFF2-40B4-BE49-F238E27FC236}">
+                <a16:creationId xmlns:a16="http://schemas.microsoft.com/office/drawing/2014/main" id="{3A20B549-FEC0-8FA5-77A6-FB99D255FA4B}"/>
+              </a:ext>
+            </a:extLst>
+          </p:cNvPr>
+          <p:cNvPicPr>
+            <a:picLocks noChangeAspect="1"/>
+          </p:cNvPicPr>
+          <p:nvPr/>
+        </p:nvPicPr>
+        <p:blipFill>
+          <a:blip r:embed="rId2">
+            <a:extLst>
+              <a:ext uri="{28A0092B-C50C-407E-A947-70E740481C1C}">
+                <a14:useLocalDpi xmlns:a14="http://schemas.microsoft.com/office/drawing/2010/main" val="0"/>
+              </a:ext>
+            </a:extLst>
+          </a:blip>
+          <a:stretch>
+            <a:fillRect/>
+          </a:stretch>
+        </p:blipFill>
+        <p:spPr>
+          <a:xfrm>
+            <a:off x="1624943" y="1007676"/>
+            <a:ext cx="9052578" cy="5394971"/>
+          </a:xfrm>
+          <a:prstGeom prst="rect">
+            <a:avLst/>
+          </a:prstGeom>
+        </p:spPr>
+      </p:pic>
     </p:spTree>
     <p:extLst>
       <p:ext uri="{BB962C8B-B14F-4D97-AF65-F5344CB8AC3E}">
@@ -5341,10 +12154,51 @@
       </p:grpSpPr>
       <p:sp>
         <p:nvSpPr>
+          <p:cNvPr id="3" name="文本框 2">
+            <a:extLst>
+              <a:ext uri="{FF2B5EF4-FFF2-40B4-BE49-F238E27FC236}">
+                <a16:creationId xmlns:a16="http://schemas.microsoft.com/office/drawing/2014/main" id="{91F2C09F-1FCE-E85F-0CCE-6E3DECC4C06D}"/>
+              </a:ext>
+            </a:extLst>
+          </p:cNvPr>
+          <p:cNvSpPr txBox="1"/>
+          <p:nvPr/>
+        </p:nvSpPr>
+        <p:spPr>
+          <a:xfrm>
+            <a:off x="207120" y="287876"/>
+            <a:ext cx="7678813" cy="523220"/>
+          </a:xfrm>
+          <a:prstGeom prst="rect">
+            <a:avLst/>
+          </a:prstGeom>
+          <a:noFill/>
+        </p:spPr>
+        <p:txBody>
+          <a:bodyPr wrap="square">
+            <a:spAutoFit/>
+          </a:bodyPr>
+          <a:lstStyle/>
+          <a:p>
+            <a:r>
+              <a:rPr lang="en-US" altLang="zh-CN" sz="2800" b="1" dirty="0">
+                <a:solidFill>
+                  <a:schemeClr val="accent6">
+                    <a:lumMod val="75000"/>
+                  </a:schemeClr>
+                </a:solidFill>
+              </a:rPr>
+              <a:t>Optimization worklog and concept illustration</a:t>
+            </a:r>
+          </a:p>
+        </p:txBody>
+      </p:sp>
+      <p:sp>
+        <p:nvSpPr>
           <p:cNvPr id="2" name="文本框 1">
             <a:extLst>
               <a:ext uri="{FF2B5EF4-FFF2-40B4-BE49-F238E27FC236}">
-                <a16:creationId xmlns:a16="http://schemas.microsoft.com/office/drawing/2014/main" id="{076D8265-CE94-1728-0284-66EB5E31505C}"/>
+                <a16:creationId xmlns:a16="http://schemas.microsoft.com/office/drawing/2014/main" id="{2DDF8BA5-0442-7E4B-6B02-6A6F5CFFF3D1}"/>
               </a:ext>
             </a:extLst>
           </p:cNvPr>
@@ -5353,8 +12207,8 @@
         </p:nvSpPr>
         <p:spPr>
           <a:xfrm>
-            <a:off x="2657282" y="1540365"/>
-            <a:ext cx="7585224" cy="2246769"/>
+            <a:off x="1374668" y="1443841"/>
+            <a:ext cx="9812924" cy="4401205"/>
           </a:xfrm>
           <a:prstGeom prst="rect">
             <a:avLst/>
@@ -5368,79 +12222,123 @@
           <a:lstStyle/>
           <a:p>
             <a:r>
-              <a:rPr lang="en-US" altLang="zh-CN" sz="2800" b="1" dirty="0"/>
-              <a:t>Results on cloud </a:t>
-            </a:r>
-            <a:r>
-              <a:rPr lang="en-US" altLang="zh-CN" sz="2800" b="1" dirty="0" err="1"/>
-              <a:t>gpu</a:t>
-            </a:r>
-            <a:r>
-              <a:rPr lang="en-US" altLang="zh-CN" sz="2800" b="1" dirty="0"/>
-              <a:t> A100-PCIE-40GB</a:t>
-            </a:r>
-          </a:p>
-          <a:p>
-            <a:endParaRPr lang="en-US" altLang="zh-CN" sz="2800" b="1" dirty="0"/>
-          </a:p>
-          <a:p>
-            <a:endParaRPr lang="en-US" altLang="zh-CN" sz="2800" b="1" dirty="0"/>
-          </a:p>
-          <a:p>
-            <a:r>
-              <a:rPr lang="en-US" altLang="zh-CN" sz="2800" b="1" dirty="0"/>
-              <a:t>Basic properties about A100-PCIE-40GB</a:t>
-            </a:r>
-            <a:endParaRPr lang="zh-CN" altLang="en-US" sz="2800" b="1" dirty="0"/>
-          </a:p>
-          <a:p>
-            <a:endParaRPr lang="zh-CN" altLang="en-US" sz="2800" b="1" dirty="0"/>
-          </a:p>
-        </p:txBody>
-      </p:sp>
-      <p:sp>
-        <p:nvSpPr>
-          <p:cNvPr id="3" name="文本框 2">
-            <a:extLst>
-              <a:ext uri="{FF2B5EF4-FFF2-40B4-BE49-F238E27FC236}">
-                <a16:creationId xmlns:a16="http://schemas.microsoft.com/office/drawing/2014/main" id="{B1397857-F107-F82F-4E42-1A4FB66B8C7A}"/>
-              </a:ext>
-            </a:extLst>
-          </p:cNvPr>
-          <p:cNvSpPr txBox="1"/>
-          <p:nvPr/>
-        </p:nvSpPr>
-        <p:spPr>
-          <a:xfrm>
-            <a:off x="348271" y="220929"/>
-            <a:ext cx="4137812" cy="461665"/>
-          </a:xfrm>
-          <a:prstGeom prst="rect">
-            <a:avLst/>
-          </a:prstGeom>
-          <a:noFill/>
-        </p:spPr>
-        <p:txBody>
-          <a:bodyPr wrap="square">
-            <a:spAutoFit/>
-          </a:bodyPr>
-          <a:lstStyle/>
-          <a:p>
-            <a:r>
-              <a:rPr lang="en-US" altLang="zh-CN" sz="2400" b="1" dirty="0">
+              <a:rPr lang="en-US" altLang="zh-CN" sz="2000" b="1" dirty="0"/>
+              <a:t>Before diving into GPU kernel optimization...</a:t>
+            </a:r>
+          </a:p>
+          <a:p>
+            <a:endParaRPr lang="en-US" altLang="zh-CN" sz="2000" b="1" dirty="0"/>
+          </a:p>
+          <a:p>
+            <a:pPr marL="285750" indent="-285750">
+              <a:buFont typeface="Arial" panose="020B0604020202020204" pitchFamily="34" charset="0"/>
+              <a:buChar char="•"/>
+            </a:pPr>
+            <a:r>
+              <a:rPr lang="en-US" altLang="zh-CN" sz="2000" b="1" dirty="0"/>
+              <a:t>Data acquisition (I/O)</a:t>
+            </a:r>
+          </a:p>
+          <a:p>
+            <a:pPr marL="285750" indent="-285750">
+              <a:buFont typeface="Arial" panose="020B0604020202020204" pitchFamily="34" charset="0"/>
+              <a:buChar char="•"/>
+            </a:pPr>
+            <a:endParaRPr lang="en-US" altLang="zh-CN" sz="2000" b="1" dirty="0"/>
+          </a:p>
+          <a:p>
+            <a:pPr marL="285750" indent="-285750">
+              <a:buFont typeface="Arial" panose="020B0604020202020204" pitchFamily="34" charset="0"/>
+              <a:buChar char="•"/>
+            </a:pPr>
+            <a:r>
+              <a:rPr lang="en-US" altLang="zh-CN" sz="2000" b="1" dirty="0"/>
+              <a:t>Data preprocessing</a:t>
+            </a:r>
+          </a:p>
+          <a:p>
+            <a:pPr marL="285750" indent="-285750">
+              <a:buFont typeface="Arial" panose="020B0604020202020204" pitchFamily="34" charset="0"/>
+              <a:buChar char="•"/>
+            </a:pPr>
+            <a:endParaRPr lang="en-US" altLang="zh-CN" sz="2000" b="1" dirty="0"/>
+          </a:p>
+          <a:p>
+            <a:pPr marL="285750" indent="-285750">
+              <a:buFont typeface="Arial" panose="020B0604020202020204" pitchFamily="34" charset="0"/>
+              <a:buChar char="•"/>
+            </a:pPr>
+            <a:r>
+              <a:rPr lang="en-US" altLang="zh-CN" sz="2000" b="1" dirty="0"/>
+              <a:t>Network latency and bandwidth</a:t>
+            </a:r>
+          </a:p>
+          <a:p>
+            <a:pPr marL="285750" indent="-285750">
+              <a:buFont typeface="Arial" panose="020B0604020202020204" pitchFamily="34" charset="0"/>
+              <a:buChar char="•"/>
+            </a:pPr>
+            <a:endParaRPr lang="en-US" altLang="zh-CN" sz="2000" b="1" dirty="0"/>
+          </a:p>
+          <a:p>
+            <a:pPr marL="285750" indent="-285750">
+              <a:buFont typeface="Arial" panose="020B0604020202020204" pitchFamily="34" charset="0"/>
+              <a:buChar char="•"/>
+            </a:pPr>
+            <a:r>
+              <a:rPr lang="en-US" altLang="zh-CN" sz="2000" b="1" dirty="0"/>
+              <a:t>Python level multiprocessing</a:t>
+            </a:r>
+          </a:p>
+          <a:p>
+            <a:pPr marL="285750" indent="-285750">
+              <a:buFont typeface="Arial" panose="020B0604020202020204" pitchFamily="34" charset="0"/>
+              <a:buChar char="•"/>
+            </a:pPr>
+            <a:endParaRPr lang="en-US" altLang="zh-CN" sz="2000" b="1" dirty="0"/>
+          </a:p>
+          <a:p>
+            <a:r>
+              <a:rPr lang="en-US" altLang="zh-CN" sz="2000" b="1" dirty="0"/>
+              <a:t>The overall performance improvement gained by optimizing a single part of a system is limited by the fraction of time that the improved part is actually used.   </a:t>
+            </a:r>
+          </a:p>
+          <a:p>
+            <a:endParaRPr lang="en-US" altLang="zh-CN" sz="2000" b="1" dirty="0"/>
+          </a:p>
+          <a:p>
+            <a:r>
+              <a:rPr lang="en-US" altLang="zh-CN" sz="2000" b="1" dirty="0"/>
+              <a:t>                                         					--</a:t>
+            </a:r>
+            <a:r>
+              <a:rPr lang="en-US" altLang="zh-CN" sz="2000" b="0" i="0" dirty="0">
                 <a:solidFill>
-                  <a:srgbClr val="00B0F0"/>
+                  <a:srgbClr val="202122"/>
                 </a:solidFill>
+                <a:effectLst/>
+                <a:latin typeface="Arial" panose="020B0604020202020204" pitchFamily="34" charset="0"/>
               </a:rPr>
-              <a:t>Profile result demonstration</a:t>
-            </a:r>
+              <a:t> </a:t>
+            </a:r>
+            <a:r>
+              <a:rPr lang="en-US" altLang="zh-CN" sz="2000" b="1" i="0" dirty="0">
+                <a:solidFill>
+                  <a:srgbClr val="202122"/>
+                </a:solidFill>
+                <a:effectLst/>
+                <a:latin typeface="Arial" panose="020B0604020202020204" pitchFamily="34" charset="0"/>
+              </a:rPr>
+              <a:t>Amdahl's law</a:t>
+            </a:r>
+            <a:endParaRPr lang="en-US" altLang="zh-CN" sz="2000" b="1" dirty="0"/>
           </a:p>
         </p:txBody>
       </p:sp>
     </p:spTree>
     <p:extLst>
       <p:ext uri="{BB962C8B-B14F-4D97-AF65-F5344CB8AC3E}">
-        <p14:creationId xmlns:p14="http://schemas.microsoft.com/office/powerpoint/2010/main" val="211448906"/>
+        <p14:creationId xmlns:p14="http://schemas.microsoft.com/office/powerpoint/2010/main" val="3801913651"/>
       </p:ext>
     </p:extLst>
   </p:cSld>
@@ -5469,10 +12367,10 @@
       </p:grpSpPr>
       <p:sp>
         <p:nvSpPr>
-          <p:cNvPr id="7" name="文本框 6">
-            <a:extLst>
-              <a:ext uri="{FF2B5EF4-FFF2-40B4-BE49-F238E27FC236}">
-                <a16:creationId xmlns:a16="http://schemas.microsoft.com/office/drawing/2014/main" id="{35BC131B-AE67-2F9B-20F6-02B635A1BAE7}"/>
+          <p:cNvPr id="2" name="文本框 1">
+            <a:extLst>
+              <a:ext uri="{FF2B5EF4-FFF2-40B4-BE49-F238E27FC236}">
+                <a16:creationId xmlns:a16="http://schemas.microsoft.com/office/drawing/2014/main" id="{D18B1993-088A-A7A3-3801-1E139A5CD979}"/>
               </a:ext>
             </a:extLst>
           </p:cNvPr>
@@ -5481,8 +12379,8 @@
         </p:nvSpPr>
         <p:spPr>
           <a:xfrm>
-            <a:off x="323722" y="1634045"/>
-            <a:ext cx="4266690" cy="3108543"/>
+            <a:off x="207120" y="287876"/>
+            <a:ext cx="7678813" cy="523220"/>
           </a:xfrm>
           <a:prstGeom prst="rect">
             <a:avLst/>
@@ -5495,191 +12393,25 @@
           </a:bodyPr>
           <a:lstStyle/>
           <a:p>
-            <a:pPr marL="0" marR="0" lvl="0" indent="0" algn="l" defTabSz="914400" rtl="0" eaLnBrk="1" fontAlgn="auto" latinLnBrk="0" hangingPunct="1">
-              <a:lnSpc>
-                <a:spcPct val="100000"/>
-              </a:lnSpc>
-              <a:spcBef>
-                <a:spcPts val="0"/>
-              </a:spcBef>
-              <a:spcAft>
-                <a:spcPts val="0"/>
-              </a:spcAft>
-              <a:buClrTx/>
-              <a:buSzTx/>
-              <a:buFontTx/>
-              <a:buNone/>
-              <a:tabLst/>
-              <a:defRPr/>
-            </a:pPr>
-            <a:r>
-              <a:rPr kumimoji="0" lang="en-US" altLang="zh-CN" sz="2800" b="1" i="0" u="none" strike="noStrike" kern="1200" cap="none" spc="0" normalizeH="0" baseline="0" noProof="0" dirty="0">
-                <a:ln>
-                  <a:noFill/>
-                </a:ln>
-                <a:solidFill>
-                  <a:prstClr val="black"/>
-                </a:solidFill>
-                <a:effectLst/>
-                <a:uLnTx/>
-                <a:uFillTx/>
-                <a:latin typeface="等线" panose="020F0502020204030204"/>
-                <a:ea typeface="等线" panose="02010600030101010101" pitchFamily="2" charset="-122"/>
-                <a:cs typeface="+mn-cs"/>
-              </a:rPr>
-              <a:t>Results on cloud </a:t>
-            </a:r>
-            <a:r>
-              <a:rPr kumimoji="0" lang="en-US" altLang="zh-CN" sz="2800" b="1" i="0" u="none" strike="noStrike" kern="1200" cap="none" spc="0" normalizeH="0" baseline="0" noProof="0" dirty="0" err="1">
-                <a:ln>
-                  <a:noFill/>
-                </a:ln>
-                <a:solidFill>
-                  <a:prstClr val="black"/>
-                </a:solidFill>
-                <a:effectLst/>
-                <a:uLnTx/>
-                <a:uFillTx/>
-                <a:latin typeface="等线" panose="020F0502020204030204"/>
-                <a:ea typeface="等线" panose="02010600030101010101" pitchFamily="2" charset="-122"/>
-                <a:cs typeface="+mn-cs"/>
-              </a:rPr>
-              <a:t>gpu</a:t>
-            </a:r>
-            <a:r>
-              <a:rPr kumimoji="0" lang="en-US" altLang="zh-CN" sz="2800" b="1" i="0" u="none" strike="noStrike" kern="1200" cap="none" spc="0" normalizeH="0" baseline="0" noProof="0" dirty="0">
-                <a:ln>
-                  <a:noFill/>
-                </a:ln>
-                <a:solidFill>
-                  <a:prstClr val="black"/>
-                </a:solidFill>
-                <a:effectLst/>
-                <a:uLnTx/>
-                <a:uFillTx/>
-                <a:latin typeface="等线" panose="020F0502020204030204"/>
-                <a:ea typeface="等线" panose="02010600030101010101" pitchFamily="2" charset="-122"/>
-                <a:cs typeface="+mn-cs"/>
-              </a:rPr>
-              <a:t> A100-PCIE-40GB:</a:t>
-            </a:r>
-          </a:p>
-          <a:p>
-            <a:pPr marL="0" marR="0" lvl="0" indent="0" algn="l" defTabSz="914400" rtl="0" eaLnBrk="1" fontAlgn="auto" latinLnBrk="0" hangingPunct="1">
-              <a:lnSpc>
-                <a:spcPct val="100000"/>
-              </a:lnSpc>
-              <a:spcBef>
-                <a:spcPts val="0"/>
-              </a:spcBef>
-              <a:spcAft>
-                <a:spcPts val="0"/>
-              </a:spcAft>
-              <a:buClrTx/>
-              <a:buSzTx/>
-              <a:buFontTx/>
-              <a:buNone/>
-              <a:tabLst/>
-              <a:defRPr/>
-            </a:pPr>
-            <a:endParaRPr lang="en-US" altLang="zh-CN" sz="2800" b="1" dirty="0">
-              <a:solidFill>
-                <a:prstClr val="black"/>
-              </a:solidFill>
-              <a:latin typeface="等线" panose="020F0502020204030204"/>
-              <a:ea typeface="等线" panose="02010600030101010101" pitchFamily="2" charset="-122"/>
-            </a:endParaRPr>
-          </a:p>
-          <a:p>
-            <a:pPr>
-              <a:defRPr/>
-            </a:pPr>
             <a:r>
               <a:rPr lang="en-US" altLang="zh-CN" sz="2800" b="1" dirty="0">
                 <a:solidFill>
-                  <a:prstClr val="black"/>
+                  <a:schemeClr val="accent6">
+                    <a:lumMod val="75000"/>
+                  </a:schemeClr>
                 </a:solidFill>
-                <a:latin typeface="等线" panose="020F0502020204030204"/>
-                <a:ea typeface="等线" panose="02010600030101010101" pitchFamily="2" charset="-122"/>
               </a:rPr>
-              <a:t>Different kernel</a:t>
-            </a:r>
-          </a:p>
-          <a:p>
-            <a:pPr>
-              <a:defRPr/>
-            </a:pPr>
-            <a:endParaRPr lang="en-US" altLang="zh-CN" sz="2800" b="1" dirty="0">
-              <a:solidFill>
-                <a:prstClr val="black"/>
-              </a:solidFill>
-              <a:latin typeface="等线" panose="020F0502020204030204"/>
-              <a:ea typeface="等线" panose="02010600030101010101" pitchFamily="2" charset="-122"/>
-            </a:endParaRPr>
-          </a:p>
-          <a:p>
-            <a:pPr>
-              <a:defRPr/>
-            </a:pPr>
-            <a:r>
-              <a:rPr lang="en-US" altLang="zh-CN" sz="2800" b="1" dirty="0">
-                <a:solidFill>
-                  <a:prstClr val="black"/>
-                </a:solidFill>
-                <a:latin typeface="等线" panose="020F0502020204030204"/>
-                <a:ea typeface="等线" panose="02010600030101010101" pitchFamily="2" charset="-122"/>
-              </a:rPr>
-              <a:t>M = N = K = 2048</a:t>
-            </a:r>
-            <a:endParaRPr lang="zh-CN" altLang="en-US" sz="2800" b="1" dirty="0">
-              <a:solidFill>
-                <a:prstClr val="black"/>
-              </a:solidFill>
-              <a:latin typeface="等线" panose="020F0502020204030204"/>
-              <a:ea typeface="等线" panose="02010600030101010101" pitchFamily="2" charset="-122"/>
-            </a:endParaRPr>
-          </a:p>
-          <a:p>
-            <a:pPr marL="0" marR="0" lvl="0" indent="0" algn="l" defTabSz="914400" rtl="0" eaLnBrk="1" fontAlgn="auto" latinLnBrk="0" hangingPunct="1">
-              <a:lnSpc>
-                <a:spcPct val="100000"/>
-              </a:lnSpc>
-              <a:spcBef>
-                <a:spcPts val="0"/>
-              </a:spcBef>
-              <a:spcAft>
-                <a:spcPts val="0"/>
-              </a:spcAft>
-              <a:buClrTx/>
-              <a:buSzTx/>
-              <a:buFontTx/>
-              <a:buNone/>
-              <a:tabLst/>
-              <a:defRPr/>
-            </a:pPr>
-            <a:endParaRPr kumimoji="0" lang="en-US" altLang="zh-CN" sz="2800" b="1" i="0" u="none" strike="noStrike" kern="1200" cap="none" spc="0" normalizeH="0" baseline="0" noProof="0" dirty="0">
-              <a:ln>
-                <a:noFill/>
-              </a:ln>
-              <a:solidFill>
-                <a:prstClr val="black"/>
-              </a:solidFill>
-              <a:effectLst/>
-              <a:uLnTx/>
-              <a:uFillTx/>
-              <a:latin typeface="等线" panose="020F0502020204030204"/>
-              <a:ea typeface="等线" panose="02010600030101010101" pitchFamily="2" charset="-122"/>
-              <a:cs typeface="+mn-cs"/>
-            </a:endParaRPr>
-          </a:p>
-        </p:txBody>
-      </p:sp>
-      <p:sp>
-        <p:nvSpPr>
-          <p:cNvPr id="8" name="文本框 7">
-            <a:extLst>
-              <a:ext uri="{FF2B5EF4-FFF2-40B4-BE49-F238E27FC236}">
-                <a16:creationId xmlns:a16="http://schemas.microsoft.com/office/drawing/2014/main" id="{7CC2DDD5-4180-F90E-32D6-D91C9B2B25E0}"/>
+              <a:t>Optimization worklog and concept illustration</a:t>
+            </a:r>
+          </a:p>
+        </p:txBody>
+      </p:sp>
+      <p:sp>
+        <p:nvSpPr>
+          <p:cNvPr id="3" name="文本框 2">
+            <a:extLst>
+              <a:ext uri="{FF2B5EF4-FFF2-40B4-BE49-F238E27FC236}">
+                <a16:creationId xmlns:a16="http://schemas.microsoft.com/office/drawing/2014/main" id="{78DBF29A-F7F7-234B-8DEC-0C80F154E68F}"/>
               </a:ext>
             </a:extLst>
           </p:cNvPr>
@@ -5688,8 +12420,8 @@
         </p:nvSpPr>
         <p:spPr>
           <a:xfrm>
-            <a:off x="219393" y="270024"/>
-            <a:ext cx="4137812" cy="461665"/>
+            <a:off x="1417625" y="1865622"/>
+            <a:ext cx="9819061" cy="3785652"/>
           </a:xfrm>
           <a:prstGeom prst="rect">
             <a:avLst/>
@@ -5697,18 +12429,72 @@
           <a:noFill/>
         </p:spPr>
         <p:txBody>
-          <a:bodyPr wrap="square">
+          <a:bodyPr wrap="square" rtlCol="0">
             <a:spAutoFit/>
           </a:bodyPr>
           <a:lstStyle/>
           <a:p>
             <a:r>
-              <a:rPr lang="en-US" altLang="zh-CN" sz="2400" b="1" dirty="0">
-                <a:solidFill>
-                  <a:srgbClr val="00B0F0"/>
-                </a:solidFill>
-              </a:rPr>
-              <a:t>Profile result demonstration</a:t>
+              <a:rPr lang="en-US" altLang="zh-CN" sz="2400" b="1" dirty="0"/>
+              <a:t>FP32 GEMM:</a:t>
+            </a:r>
+          </a:p>
+          <a:p>
+            <a:endParaRPr lang="en-US" altLang="zh-CN" sz="2400" b="1" dirty="0"/>
+          </a:p>
+          <a:p>
+            <a:r>
+              <a:rPr lang="en-US" altLang="zh-CN" sz="2400" b="1" dirty="0"/>
+              <a:t>C = </a:t>
+            </a:r>
+            <a:r>
+              <a:rPr lang="el-GR" altLang="zh-CN" sz="2400" b="1" dirty="0"/>
+              <a:t>α</a:t>
+            </a:r>
+            <a:r>
+              <a:rPr lang="en-US" altLang="zh-CN" sz="2400" b="1" dirty="0"/>
+              <a:t> * AB + </a:t>
+            </a:r>
+            <a:r>
+              <a:rPr lang="el-GR" altLang="zh-CN" sz="2400" b="1" dirty="0"/>
+              <a:t>β</a:t>
+            </a:r>
+            <a:r>
+              <a:rPr lang="en-US" altLang="zh-CN" sz="2400" b="1" dirty="0"/>
+              <a:t> * C</a:t>
+            </a:r>
+          </a:p>
+          <a:p>
+            <a:endParaRPr lang="en-US" altLang="zh-CN" sz="2400" b="1" dirty="0"/>
+          </a:p>
+          <a:p>
+            <a:r>
+              <a:rPr lang="en-US" altLang="zh-CN" sz="2400" b="1" dirty="0"/>
+              <a:t>When the dimension is small, this kernel is memory bound.</a:t>
+            </a:r>
+          </a:p>
+          <a:p>
+            <a:r>
+              <a:rPr lang="en-US" altLang="zh-CN" sz="2400" b="1" dirty="0"/>
+              <a:t>When the dimension is large, this kernel is computation bound.</a:t>
+            </a:r>
+          </a:p>
+          <a:p>
+            <a:endParaRPr lang="en-US" altLang="zh-CN" sz="2400" b="1" dirty="0"/>
+          </a:p>
+          <a:p>
+            <a:r>
+              <a:rPr lang="en-US" altLang="zh-CN" sz="2400" b="1" dirty="0"/>
+              <a:t>I use square matrix for simplicity and avoid tile quantization.</a:t>
+            </a:r>
+          </a:p>
+          <a:p>
+            <a:endParaRPr lang="en-US" altLang="zh-CN" sz="2400" b="1" dirty="0"/>
+          </a:p>
+          <a:p>
+            <a:r>
+              <a:rPr lang="en-US" altLang="zh-CN" sz="2400" b="1" dirty="0"/>
+              <a:t>Take M = N = K = 2048 for example.</a:t>
             </a:r>
           </a:p>
         </p:txBody>
@@ -5716,7 +12502,7 @@
     </p:spTree>
     <p:extLst>
       <p:ext uri="{BB962C8B-B14F-4D97-AF65-F5344CB8AC3E}">
-        <p14:creationId xmlns:p14="http://schemas.microsoft.com/office/powerpoint/2010/main" val="1961948590"/>
+        <p14:creationId xmlns:p14="http://schemas.microsoft.com/office/powerpoint/2010/main" val="580257334"/>
       </p:ext>
     </p:extLst>
   </p:cSld>
@@ -6019,4 +12805,299 @@
     </a:ext>
   </a:extLst>
 </a:theme>
+</file>
+
+<file path=ppt/theme/theme2.xml><?xml version="1.0" encoding="utf-8"?>
+<a:theme xmlns:a="http://schemas.openxmlformats.org/drawingml/2006/main" name="Office 主题​​">
+  <a:themeElements>
+    <a:clrScheme name="Office">
+      <a:dk1>
+        <a:sysClr val="windowText" lastClr="000000"/>
+      </a:dk1>
+      <a:lt1>
+        <a:sysClr val="window" lastClr="FFFFFF"/>
+      </a:lt1>
+      <a:dk2>
+        <a:srgbClr val="44546A"/>
+      </a:dk2>
+      <a:lt2>
+        <a:srgbClr val="E7E6E6"/>
+      </a:lt2>
+      <a:accent1>
+        <a:srgbClr val="4472C4"/>
+      </a:accent1>
+      <a:accent2>
+        <a:srgbClr val="ED7D31"/>
+      </a:accent2>
+      <a:accent3>
+        <a:srgbClr val="A5A5A5"/>
+      </a:accent3>
+      <a:accent4>
+        <a:srgbClr val="FFC000"/>
+      </a:accent4>
+      <a:accent5>
+        <a:srgbClr val="5B9BD5"/>
+      </a:accent5>
+      <a:accent6>
+        <a:srgbClr val="70AD47"/>
+      </a:accent6>
+      <a:hlink>
+        <a:srgbClr val="0563C1"/>
+      </a:hlink>
+      <a:folHlink>
+        <a:srgbClr val="954F72"/>
+      </a:folHlink>
+    </a:clrScheme>
+    <a:fontScheme name="Office">
+      <a:majorFont>
+        <a:latin typeface="等线 Light" panose="020F0302020204030204"/>
+        <a:ea typeface=""/>
+        <a:cs typeface=""/>
+        <a:font script="Jpan" typeface="游ゴシック Light"/>
+        <a:font script="Hang" typeface="맑은 고딕"/>
+        <a:font script="Hans" typeface="等线 Light"/>
+        <a:font script="Hant" typeface="新細明體"/>
+        <a:font script="Arab" typeface="Times New Roman"/>
+        <a:font script="Hebr" typeface="Times New Roman"/>
+        <a:font script="Thai" typeface="Angsana New"/>
+        <a:font script="Ethi" typeface="Nyala"/>
+        <a:font script="Beng" typeface="Vrinda"/>
+        <a:font script="Gujr" typeface="Shruti"/>
+        <a:font script="Khmr" typeface="MoolBoran"/>
+        <a:font script="Knda" typeface="Tunga"/>
+        <a:font script="Guru" typeface="Raavi"/>
+        <a:font script="Cans" typeface="Euphemia"/>
+        <a:font script="Cher" typeface="Plantagenet Cherokee"/>
+        <a:font script="Yiii" typeface="Microsoft Yi Baiti"/>
+        <a:font script="Tibt" typeface="Microsoft Himalaya"/>
+        <a:font script="Thaa" typeface="MV Boli"/>
+        <a:font script="Deva" typeface="Mangal"/>
+        <a:font script="Telu" typeface="Gautami"/>
+        <a:font script="Taml" typeface="Latha"/>
+        <a:font script="Syrc" typeface="Estrangelo Edessa"/>
+        <a:font script="Orya" typeface="Kalinga"/>
+        <a:font script="Mlym" typeface="Kartika"/>
+        <a:font script="Laoo" typeface="DokChampa"/>
+        <a:font script="Sinh" typeface="Iskoola Pota"/>
+        <a:font script="Mong" typeface="Mongolian Baiti"/>
+        <a:font script="Viet" typeface="Times New Roman"/>
+        <a:font script="Uigh" typeface="Microsoft Uighur"/>
+        <a:font script="Geor" typeface="Sylfaen"/>
+        <a:font script="Armn" typeface="Arial"/>
+        <a:font script="Bugi" typeface="Leelawadee UI"/>
+        <a:font script="Bopo" typeface="Microsoft JhengHei"/>
+        <a:font script="Java" typeface="Javanese Text"/>
+        <a:font script="Lisu" typeface="Segoe UI"/>
+        <a:font script="Mymr" typeface="Myanmar Text"/>
+        <a:font script="Nkoo" typeface="Ebrima"/>
+        <a:font script="Olck" typeface="Nirmala UI"/>
+        <a:font script="Osma" typeface="Ebrima"/>
+        <a:font script="Phag" typeface="Phagspa"/>
+        <a:font script="Syrn" typeface="Estrangelo Edessa"/>
+        <a:font script="Syrj" typeface="Estrangelo Edessa"/>
+        <a:font script="Syre" typeface="Estrangelo Edessa"/>
+        <a:font script="Sora" typeface="Nirmala UI"/>
+        <a:font script="Tale" typeface="Microsoft Tai Le"/>
+        <a:font script="Talu" typeface="Microsoft New Tai Lue"/>
+        <a:font script="Tfng" typeface="Ebrima"/>
+      </a:majorFont>
+      <a:minorFont>
+        <a:latin typeface="等线" panose="020F0502020204030204"/>
+        <a:ea typeface=""/>
+        <a:cs typeface=""/>
+        <a:font script="Jpan" typeface="游ゴシック"/>
+        <a:font script="Hang" typeface="맑은 고딕"/>
+        <a:font script="Hans" typeface="等线"/>
+        <a:font script="Hant" typeface="新細明體"/>
+        <a:font script="Arab" typeface="Arial"/>
+        <a:font script="Hebr" typeface="Arial"/>
+        <a:font script="Thai" typeface="Cordia New"/>
+        <a:font script="Ethi" typeface="Nyala"/>
+        <a:font script="Beng" typeface="Vrinda"/>
+        <a:font script="Gujr" typeface="Shruti"/>
+        <a:font script="Khmr" typeface="DaunPenh"/>
+        <a:font script="Knda" typeface="Tunga"/>
+        <a:font script="Guru" typeface="Raavi"/>
+        <a:font script="Cans" typeface="Euphemia"/>
+        <a:font script="Cher" typeface="Plantagenet Cherokee"/>
+        <a:font script="Yiii" typeface="Microsoft Yi Baiti"/>
+        <a:font script="Tibt" typeface="Microsoft Himalaya"/>
+        <a:font script="Thaa" typeface="MV Boli"/>
+        <a:font script="Deva" typeface="Mangal"/>
+        <a:font script="Telu" typeface="Gautami"/>
+        <a:font script="Taml" typeface="Latha"/>
+        <a:font script="Syrc" typeface="Estrangelo Edessa"/>
+        <a:font script="Orya" typeface="Kalinga"/>
+        <a:font script="Mlym" typeface="Kartika"/>
+        <a:font script="Laoo" typeface="DokChampa"/>
+        <a:font script="Sinh" typeface="Iskoola Pota"/>
+        <a:font script="Mong" typeface="Mongolian Baiti"/>
+        <a:font script="Viet" typeface="Arial"/>
+        <a:font script="Uigh" typeface="Microsoft Uighur"/>
+        <a:font script="Geor" typeface="Sylfaen"/>
+        <a:font script="Armn" typeface="Arial"/>
+        <a:font script="Bugi" typeface="Leelawadee UI"/>
+        <a:font script="Bopo" typeface="Microsoft JhengHei"/>
+        <a:font script="Java" typeface="Javanese Text"/>
+        <a:font script="Lisu" typeface="Segoe UI"/>
+        <a:font script="Mymr" typeface="Myanmar Text"/>
+        <a:font script="Nkoo" typeface="Ebrima"/>
+        <a:font script="Olck" typeface="Nirmala UI"/>
+        <a:font script="Osma" typeface="Ebrima"/>
+        <a:font script="Phag" typeface="Phagspa"/>
+        <a:font script="Syrn" typeface="Estrangelo Edessa"/>
+        <a:font script="Syrj" typeface="Estrangelo Edessa"/>
+        <a:font script="Syre" typeface="Estrangelo Edessa"/>
+        <a:font script="Sora" typeface="Nirmala UI"/>
+        <a:font script="Tale" typeface="Microsoft Tai Le"/>
+        <a:font script="Talu" typeface="Microsoft New Tai Lue"/>
+        <a:font script="Tfng" typeface="Ebrima"/>
+      </a:minorFont>
+    </a:fontScheme>
+    <a:fmtScheme name="Office">
+      <a:fillStyleLst>
+        <a:solidFill>
+          <a:schemeClr val="phClr"/>
+        </a:solidFill>
+        <a:gradFill rotWithShape="1">
+          <a:gsLst>
+            <a:gs pos="0">
+              <a:schemeClr val="phClr">
+                <a:lumMod val="110000"/>
+                <a:satMod val="105000"/>
+                <a:tint val="67000"/>
+              </a:schemeClr>
+            </a:gs>
+            <a:gs pos="50000">
+              <a:schemeClr val="phClr">
+                <a:lumMod val="105000"/>
+                <a:satMod val="103000"/>
+                <a:tint val="73000"/>
+              </a:schemeClr>
+            </a:gs>
+            <a:gs pos="100000">
+              <a:schemeClr val="phClr">
+                <a:lumMod val="105000"/>
+                <a:satMod val="109000"/>
+                <a:tint val="81000"/>
+              </a:schemeClr>
+            </a:gs>
+          </a:gsLst>
+          <a:lin ang="5400000" scaled="0"/>
+        </a:gradFill>
+        <a:gradFill rotWithShape="1">
+          <a:gsLst>
+            <a:gs pos="0">
+              <a:schemeClr val="phClr">
+                <a:satMod val="103000"/>
+                <a:lumMod val="102000"/>
+                <a:tint val="94000"/>
+              </a:schemeClr>
+            </a:gs>
+            <a:gs pos="50000">
+              <a:schemeClr val="phClr">
+                <a:satMod val="110000"/>
+                <a:lumMod val="100000"/>
+                <a:shade val="100000"/>
+              </a:schemeClr>
+            </a:gs>
+            <a:gs pos="100000">
+              <a:schemeClr val="phClr">
+                <a:lumMod val="99000"/>
+                <a:satMod val="120000"/>
+                <a:shade val="78000"/>
+              </a:schemeClr>
+            </a:gs>
+          </a:gsLst>
+          <a:lin ang="5400000" scaled="0"/>
+        </a:gradFill>
+      </a:fillStyleLst>
+      <a:lnStyleLst>
+        <a:ln w="6350" cap="flat" cmpd="sng" algn="ctr">
+          <a:solidFill>
+            <a:schemeClr val="phClr"/>
+          </a:solidFill>
+          <a:prstDash val="solid"/>
+          <a:miter lim="800000"/>
+        </a:ln>
+        <a:ln w="12700" cap="flat" cmpd="sng" algn="ctr">
+          <a:solidFill>
+            <a:schemeClr val="phClr"/>
+          </a:solidFill>
+          <a:prstDash val="solid"/>
+          <a:miter lim="800000"/>
+        </a:ln>
+        <a:ln w="19050" cap="flat" cmpd="sng" algn="ctr">
+          <a:solidFill>
+            <a:schemeClr val="phClr"/>
+          </a:solidFill>
+          <a:prstDash val="solid"/>
+          <a:miter lim="800000"/>
+        </a:ln>
+      </a:lnStyleLst>
+      <a:effectStyleLst>
+        <a:effectStyle>
+          <a:effectLst/>
+        </a:effectStyle>
+        <a:effectStyle>
+          <a:effectLst/>
+        </a:effectStyle>
+        <a:effectStyle>
+          <a:effectLst>
+            <a:outerShdw blurRad="57150" dist="19050" dir="5400000" algn="ctr" rotWithShape="0">
+              <a:srgbClr val="000000">
+                <a:alpha val="63000"/>
+              </a:srgbClr>
+            </a:outerShdw>
+          </a:effectLst>
+        </a:effectStyle>
+      </a:effectStyleLst>
+      <a:bgFillStyleLst>
+        <a:solidFill>
+          <a:schemeClr val="phClr"/>
+        </a:solidFill>
+        <a:solidFill>
+          <a:schemeClr val="phClr">
+            <a:tint val="95000"/>
+            <a:satMod val="170000"/>
+          </a:schemeClr>
+        </a:solidFill>
+        <a:gradFill rotWithShape="1">
+          <a:gsLst>
+            <a:gs pos="0">
+              <a:schemeClr val="phClr">
+                <a:tint val="93000"/>
+                <a:satMod val="150000"/>
+                <a:shade val="98000"/>
+                <a:lumMod val="102000"/>
+              </a:schemeClr>
+            </a:gs>
+            <a:gs pos="50000">
+              <a:schemeClr val="phClr">
+                <a:tint val="98000"/>
+                <a:satMod val="130000"/>
+                <a:shade val="90000"/>
+                <a:lumMod val="103000"/>
+              </a:schemeClr>
+            </a:gs>
+            <a:gs pos="100000">
+              <a:schemeClr val="phClr">
+                <a:shade val="63000"/>
+                <a:satMod val="120000"/>
+              </a:schemeClr>
+            </a:gs>
+          </a:gsLst>
+          <a:lin ang="5400000" scaled="0"/>
+        </a:gradFill>
+      </a:bgFillStyleLst>
+    </a:fmtScheme>
+  </a:themeElements>
+  <a:objectDefaults/>
+  <a:extraClrSchemeLst/>
+  <a:extLst>
+    <a:ext uri="{05A4C25C-085E-4340-85A3-A5531E510DB2}">
+      <thm15:themeFamily xmlns:thm15="http://schemas.microsoft.com/office/thememl/2012/main" name="Office Theme" id="{62F939B6-93AF-4DB8-9C6B-D6C7DFDC589F}" vid="{4A3C46E8-61CC-4603-A589-7422A47A8E4A}"/>
+    </a:ext>
+  </a:extLst>
+</a:theme>
 </file>
--- a/docs/presentation.pptx
+++ b/docs/presentation.pptx
@@ -5,7 +5,7 @@
     <p:sldMasterId id="2147483648" r:id="rId1"/>
   </p:sldMasterIdLst>
   <p:notesMasterIdLst>
-    <p:notesMasterId r:id="rId51"/>
+    <p:notesMasterId r:id="rId52"/>
   </p:notesMasterIdLst>
   <p:sldIdLst>
     <p:sldId id="256" r:id="rId2"/>
@@ -38,25 +38,26 @@
     <p:sldId id="291" r:id="rId29"/>
     <p:sldId id="292" r:id="rId30"/>
     <p:sldId id="293" r:id="rId31"/>
-    <p:sldId id="294" r:id="rId32"/>
-    <p:sldId id="295" r:id="rId33"/>
-    <p:sldId id="296" r:id="rId34"/>
-    <p:sldId id="297" r:id="rId35"/>
-    <p:sldId id="298" r:id="rId36"/>
-    <p:sldId id="299" r:id="rId37"/>
-    <p:sldId id="300" r:id="rId38"/>
-    <p:sldId id="301" r:id="rId39"/>
-    <p:sldId id="302" r:id="rId40"/>
-    <p:sldId id="304" r:id="rId41"/>
-    <p:sldId id="303" r:id="rId42"/>
-    <p:sldId id="305" r:id="rId43"/>
-    <p:sldId id="306" r:id="rId44"/>
-    <p:sldId id="281" r:id="rId45"/>
-    <p:sldId id="307" r:id="rId46"/>
-    <p:sldId id="285" r:id="rId47"/>
-    <p:sldId id="286" r:id="rId48"/>
-    <p:sldId id="287" r:id="rId49"/>
-    <p:sldId id="308" r:id="rId50"/>
+    <p:sldId id="309" r:id="rId32"/>
+    <p:sldId id="294" r:id="rId33"/>
+    <p:sldId id="295" r:id="rId34"/>
+    <p:sldId id="296" r:id="rId35"/>
+    <p:sldId id="297" r:id="rId36"/>
+    <p:sldId id="298" r:id="rId37"/>
+    <p:sldId id="299" r:id="rId38"/>
+    <p:sldId id="300" r:id="rId39"/>
+    <p:sldId id="301" r:id="rId40"/>
+    <p:sldId id="302" r:id="rId41"/>
+    <p:sldId id="304" r:id="rId42"/>
+    <p:sldId id="303" r:id="rId43"/>
+    <p:sldId id="305" r:id="rId44"/>
+    <p:sldId id="306" r:id="rId45"/>
+    <p:sldId id="281" r:id="rId46"/>
+    <p:sldId id="307" r:id="rId47"/>
+    <p:sldId id="285" r:id="rId48"/>
+    <p:sldId id="286" r:id="rId49"/>
+    <p:sldId id="287" r:id="rId50"/>
+    <p:sldId id="308" r:id="rId51"/>
   </p:sldIdLst>
   <p:sldSz cx="12192000" cy="6858000"/>
   <p:notesSz cx="6858000" cy="9144000"/>
@@ -245,7 +246,7 @@
           <a:p>
             <a:fld id="{E47CBBF2-89D6-47D7-BD4F-12FF88AD8D84}" type="datetimeFigureOut">
               <a:rPr lang="zh-CN" altLang="en-US" smtClean="0"/>
-              <a:t>2025/3/9</a:t>
+              <a:t>2025/3/10</a:t>
             </a:fld>
             <a:endParaRPr lang="zh-CN" altLang="en-US"/>
           </a:p>
@@ -581,7 +582,7 @@
           <a:p>
             <a:fld id="{9AC5B61F-A5F0-4C64-8ED9-3ED35B2F1A5C}" type="slidenum">
               <a:rPr lang="zh-CN" altLang="en-US" smtClean="0"/>
-              <a:t>39</a:t>
+              <a:t>40</a:t>
             </a:fld>
             <a:endParaRPr lang="zh-CN" altLang="en-US"/>
           </a:p>
@@ -644,10 +645,6 @@
           <a:bodyPr/>
           <a:lstStyle/>
           <a:p>
-            <a:r>
-              <a:rPr lang="en-US" altLang="zh-CN" dirty="0"/>
-              <a:t>The 23rd slide shows the possible optimization.</a:t>
-            </a:r>
             <a:endParaRPr lang="zh-CN" altLang="en-US" dirty="0"/>
           </a:p>
         </p:txBody>
@@ -716,7 +713,7 @@
                 <a:tabLst/>
                 <a:defRPr/>
               </a:pPr>
-              <a:t>40</a:t>
+              <a:t>41</a:t>
             </a:fld>
             <a:endParaRPr kumimoji="0" lang="zh-CN" altLang="en-US" sz="1200" b="0" i="0" u="none" strike="noStrike" kern="1200" cap="none" spc="0" normalizeH="0" baseline="0" noProof="0">
               <a:ln>
@@ -895,7 +892,7 @@
           <a:p>
             <a:fld id="{ACDF5B7E-8B04-42BE-867D-2CCC28031EE2}" type="datetimeFigureOut">
               <a:rPr lang="zh-CN" altLang="en-US" smtClean="0"/>
-              <a:t>2025/3/9</a:t>
+              <a:t>2025/3/10</a:t>
             </a:fld>
             <a:endParaRPr lang="zh-CN" altLang="en-US"/>
           </a:p>
@@ -1093,7 +1090,7 @@
           <a:p>
             <a:fld id="{ACDF5B7E-8B04-42BE-867D-2CCC28031EE2}" type="datetimeFigureOut">
               <a:rPr lang="zh-CN" altLang="en-US" smtClean="0"/>
-              <a:t>2025/3/9</a:t>
+              <a:t>2025/3/10</a:t>
             </a:fld>
             <a:endParaRPr lang="zh-CN" altLang="en-US"/>
           </a:p>
@@ -1301,7 +1298,7 @@
           <a:p>
             <a:fld id="{ACDF5B7E-8B04-42BE-867D-2CCC28031EE2}" type="datetimeFigureOut">
               <a:rPr lang="zh-CN" altLang="en-US" smtClean="0"/>
-              <a:t>2025/3/9</a:t>
+              <a:t>2025/3/10</a:t>
             </a:fld>
             <a:endParaRPr lang="zh-CN" altLang="en-US"/>
           </a:p>
@@ -1499,7 +1496,7 @@
           <a:p>
             <a:fld id="{ACDF5B7E-8B04-42BE-867D-2CCC28031EE2}" type="datetimeFigureOut">
               <a:rPr lang="zh-CN" altLang="en-US" smtClean="0"/>
-              <a:t>2025/3/9</a:t>
+              <a:t>2025/3/10</a:t>
             </a:fld>
             <a:endParaRPr lang="zh-CN" altLang="en-US"/>
           </a:p>
@@ -1774,7 +1771,7 @@
           <a:p>
             <a:fld id="{ACDF5B7E-8B04-42BE-867D-2CCC28031EE2}" type="datetimeFigureOut">
               <a:rPr lang="zh-CN" altLang="en-US" smtClean="0"/>
-              <a:t>2025/3/9</a:t>
+              <a:t>2025/3/10</a:t>
             </a:fld>
             <a:endParaRPr lang="zh-CN" altLang="en-US"/>
           </a:p>
@@ -2039,7 +2036,7 @@
           <a:p>
             <a:fld id="{ACDF5B7E-8B04-42BE-867D-2CCC28031EE2}" type="datetimeFigureOut">
               <a:rPr lang="zh-CN" altLang="en-US" smtClean="0"/>
-              <a:t>2025/3/9</a:t>
+              <a:t>2025/3/10</a:t>
             </a:fld>
             <a:endParaRPr lang="zh-CN" altLang="en-US"/>
           </a:p>
@@ -2451,7 +2448,7 @@
           <a:p>
             <a:fld id="{ACDF5B7E-8B04-42BE-867D-2CCC28031EE2}" type="datetimeFigureOut">
               <a:rPr lang="zh-CN" altLang="en-US" smtClean="0"/>
-              <a:t>2025/3/9</a:t>
+              <a:t>2025/3/10</a:t>
             </a:fld>
             <a:endParaRPr lang="zh-CN" altLang="en-US"/>
           </a:p>
@@ -2592,7 +2589,7 @@
           <a:p>
             <a:fld id="{ACDF5B7E-8B04-42BE-867D-2CCC28031EE2}" type="datetimeFigureOut">
               <a:rPr lang="zh-CN" altLang="en-US" smtClean="0"/>
-              <a:t>2025/3/9</a:t>
+              <a:t>2025/3/10</a:t>
             </a:fld>
             <a:endParaRPr lang="zh-CN" altLang="en-US"/>
           </a:p>
@@ -2705,7 +2702,7 @@
           <a:p>
             <a:fld id="{ACDF5B7E-8B04-42BE-867D-2CCC28031EE2}" type="datetimeFigureOut">
               <a:rPr lang="zh-CN" altLang="en-US" smtClean="0"/>
-              <a:t>2025/3/9</a:t>
+              <a:t>2025/3/10</a:t>
             </a:fld>
             <a:endParaRPr lang="zh-CN" altLang="en-US"/>
           </a:p>
@@ -3016,7 +3013,7 @@
           <a:p>
             <a:fld id="{ACDF5B7E-8B04-42BE-867D-2CCC28031EE2}" type="datetimeFigureOut">
               <a:rPr lang="zh-CN" altLang="en-US" smtClean="0"/>
-              <a:t>2025/3/9</a:t>
+              <a:t>2025/3/10</a:t>
             </a:fld>
             <a:endParaRPr lang="zh-CN" altLang="en-US"/>
           </a:p>
@@ -3304,7 +3301,7 @@
           <a:p>
             <a:fld id="{ACDF5B7E-8B04-42BE-867D-2CCC28031EE2}" type="datetimeFigureOut">
               <a:rPr lang="zh-CN" altLang="en-US" smtClean="0"/>
-              <a:t>2025/3/9</a:t>
+              <a:t>2025/3/10</a:t>
             </a:fld>
             <a:endParaRPr lang="zh-CN" altLang="en-US"/>
           </a:p>
@@ -3545,7 +3542,7 @@
           <a:p>
             <a:fld id="{ACDF5B7E-8B04-42BE-867D-2CCC28031EE2}" type="datetimeFigureOut">
               <a:rPr lang="zh-CN" altLang="en-US" smtClean="0"/>
-              <a:t>2025/3/9</a:t>
+              <a:t>2025/3/10</a:t>
             </a:fld>
             <a:endParaRPr lang="zh-CN" altLang="en-US"/>
           </a:p>
@@ -4768,8 +4765,8 @@
         </p:nvSpPr>
         <p:spPr>
           <a:xfrm>
-            <a:off x="1638556" y="2460902"/>
-            <a:ext cx="10058400" cy="1508105"/>
+            <a:off x="1607872" y="2945719"/>
+            <a:ext cx="9622678" cy="1508105"/>
           </a:xfrm>
           <a:prstGeom prst="rect">
             <a:avLst/>
@@ -6370,7 +6367,7 @@
         </p:blipFill>
         <p:spPr>
           <a:xfrm>
-            <a:off x="1124064" y="3130359"/>
+            <a:off x="829493" y="3259769"/>
             <a:ext cx="10717121" cy="1971950"/>
           </a:xfrm>
           <a:prstGeom prst="rect">
@@ -7821,7 +7818,7 @@
           <p:cNvPr id="2" name="文本框 1">
             <a:extLst>
               <a:ext uri="{FF2B5EF4-FFF2-40B4-BE49-F238E27FC236}">
-                <a16:creationId xmlns:a16="http://schemas.microsoft.com/office/drawing/2014/main" id="{E1A1155F-45DD-1F11-B6A6-360E59DF9906}"/>
+                <a16:creationId xmlns:a16="http://schemas.microsoft.com/office/drawing/2014/main" id="{3025D05C-255D-0175-7202-1592F7632084}"/>
               </a:ext>
             </a:extLst>
           </p:cNvPr>
@@ -7857,12 +7854,125 @@
           </a:p>
         </p:txBody>
       </p:sp>
+      <p:sp>
+        <p:nvSpPr>
+          <p:cNvPr id="12" name="文本框 11">
+            <a:extLst>
+              <a:ext uri="{FF2B5EF4-FFF2-40B4-BE49-F238E27FC236}">
+                <a16:creationId xmlns:a16="http://schemas.microsoft.com/office/drawing/2014/main" id="{0AC89F59-FDA7-22D4-8B8D-F3CDC56D0A8C}"/>
+              </a:ext>
+            </a:extLst>
+          </p:cNvPr>
+          <p:cNvSpPr txBox="1"/>
+          <p:nvPr/>
+        </p:nvSpPr>
+        <p:spPr>
+          <a:xfrm>
+            <a:off x="714020" y="1807573"/>
+            <a:ext cx="2345323" cy="1323439"/>
+          </a:xfrm>
+          <a:prstGeom prst="rect">
+            <a:avLst/>
+          </a:prstGeom>
+          <a:noFill/>
+        </p:spPr>
+        <p:txBody>
+          <a:bodyPr wrap="square">
+            <a:spAutoFit/>
+          </a:bodyPr>
+          <a:lstStyle/>
+          <a:p>
+            <a:pPr marL="0" marR="0" lvl="0" indent="0" algn="l" defTabSz="914400" rtl="0" eaLnBrk="1" fontAlgn="auto" latinLnBrk="0" hangingPunct="1">
+              <a:lnSpc>
+                <a:spcPct val="100000"/>
+              </a:lnSpc>
+              <a:spcBef>
+                <a:spcPts val="0"/>
+              </a:spcBef>
+              <a:spcAft>
+                <a:spcPts val="0"/>
+              </a:spcAft>
+              <a:buClrTx/>
+              <a:buSzTx/>
+              <a:buFontTx/>
+              <a:buNone/>
+              <a:tabLst/>
+              <a:defRPr/>
+            </a:pPr>
+            <a:r>
+              <a:rPr kumimoji="0" lang="en-US" altLang="zh-CN" sz="2000" b="1" i="0" u="none" strike="noStrike" kern="1200" cap="none" spc="0" normalizeH="0" baseline="0" noProof="0" dirty="0">
+                <a:ln>
+                  <a:noFill/>
+                </a:ln>
+                <a:solidFill>
+                  <a:prstClr val="black"/>
+                </a:solidFill>
+                <a:effectLst/>
+                <a:uLnTx/>
+                <a:uFillTx/>
+                <a:latin typeface="等线" panose="020F0502020204030204"/>
+                <a:ea typeface="等线" panose="02010600030101010101" pitchFamily="2" charset="-122"/>
+                <a:cs typeface="+mn-cs"/>
+              </a:rPr>
+              <a:t>How threads within a warp load into A_TILE </a:t>
+            </a:r>
+            <a:r>
+              <a:rPr kumimoji="0" lang="en-US" altLang="zh-CN" sz="2000" b="1" i="0" u="none" strike="noStrike" kern="1200" cap="none" spc="0" normalizeH="0" baseline="0" noProof="0" dirty="0" err="1">
+                <a:ln>
+                  <a:noFill/>
+                </a:ln>
+                <a:solidFill>
+                  <a:prstClr val="black"/>
+                </a:solidFill>
+                <a:effectLst/>
+                <a:uLnTx/>
+                <a:uFillTx/>
+                <a:latin typeface="等线" panose="020F0502020204030204"/>
+                <a:ea typeface="等线" panose="02010600030101010101" pitchFamily="2" charset="-122"/>
+                <a:cs typeface="+mn-cs"/>
+              </a:rPr>
+              <a:t>smem</a:t>
+            </a:r>
+            <a:r>
+              <a:rPr kumimoji="0" lang="en-US" altLang="zh-CN" sz="2000" b="1" i="0" u="none" strike="noStrike" kern="1200" cap="none" spc="0" normalizeH="0" baseline="0" noProof="0" dirty="0">
+                <a:ln>
+                  <a:noFill/>
+                </a:ln>
+                <a:solidFill>
+                  <a:prstClr val="black"/>
+                </a:solidFill>
+                <a:effectLst/>
+                <a:uLnTx/>
+                <a:uFillTx/>
+                <a:latin typeface="等线" panose="020F0502020204030204"/>
+                <a:ea typeface="等线" panose="02010600030101010101" pitchFamily="2" charset="-122"/>
+                <a:cs typeface="+mn-cs"/>
+              </a:rPr>
+              <a:t> from global mem:</a:t>
+            </a:r>
+            <a:endParaRPr kumimoji="0" lang="zh-CN" altLang="en-US" sz="2000" b="1" i="0" u="none" strike="noStrike" kern="1200" cap="none" spc="0" normalizeH="0" baseline="0" noProof="0" dirty="0">
+              <a:ln>
+                <a:noFill/>
+              </a:ln>
+              <a:solidFill>
+                <a:prstClr val="black"/>
+              </a:solidFill>
+              <a:effectLst/>
+              <a:uLnTx/>
+              <a:uFillTx/>
+              <a:latin typeface="等线" panose="020F0502020204030204"/>
+              <a:ea typeface="等线" panose="02010600030101010101" pitchFamily="2" charset="-122"/>
+              <a:cs typeface="+mn-cs"/>
+            </a:endParaRPr>
+          </a:p>
+        </p:txBody>
+      </p:sp>
       <p:pic>
         <p:nvPicPr>
-          <p:cNvPr id="4" name="图片 3">
-            <a:extLst>
-              <a:ext uri="{FF2B5EF4-FFF2-40B4-BE49-F238E27FC236}">
-                <a16:creationId xmlns:a16="http://schemas.microsoft.com/office/drawing/2014/main" id="{B1454803-8E08-3706-29D9-077EAD3117AE}"/>
+          <p:cNvPr id="16" name="图片 15">
+            <a:extLst>
+              <a:ext uri="{FF2B5EF4-FFF2-40B4-BE49-F238E27FC236}">
+                <a16:creationId xmlns:a16="http://schemas.microsoft.com/office/drawing/2014/main" id="{F807CD08-B3CA-AE28-DB7A-996364728D22}"/>
               </a:ext>
             </a:extLst>
           </p:cNvPr>
@@ -7879,20 +7989,68 @@
         </p:blipFill>
         <p:spPr>
           <a:xfrm>
-            <a:off x="364571" y="1515818"/>
-            <a:ext cx="5386801" cy="4579622"/>
+            <a:off x="4892561" y="1012689"/>
+            <a:ext cx="2962688" cy="5458587"/>
           </a:xfrm>
           <a:prstGeom prst="rect">
             <a:avLst/>
           </a:prstGeom>
         </p:spPr>
       </p:pic>
+      <p:sp>
+        <p:nvSpPr>
+          <p:cNvPr id="17" name="文本框 16">
+            <a:extLst>
+              <a:ext uri="{FF2B5EF4-FFF2-40B4-BE49-F238E27FC236}">
+                <a16:creationId xmlns:a16="http://schemas.microsoft.com/office/drawing/2014/main" id="{6E8C8347-FA16-7902-5D85-02A1607B53AD}"/>
+              </a:ext>
+            </a:extLst>
+          </p:cNvPr>
+          <p:cNvSpPr txBox="1"/>
+          <p:nvPr/>
+        </p:nvSpPr>
+        <p:spPr>
+          <a:xfrm>
+            <a:off x="8790013" y="3034096"/>
+            <a:ext cx="2687967" cy="707886"/>
+          </a:xfrm>
+          <a:prstGeom prst="rect">
+            <a:avLst/>
+          </a:prstGeom>
+          <a:noFill/>
+        </p:spPr>
+        <p:txBody>
+          <a:bodyPr wrap="square" rtlCol="0">
+            <a:spAutoFit/>
+          </a:bodyPr>
+          <a:lstStyle/>
+          <a:p>
+            <a:r>
+              <a:rPr lang="en-US" altLang="zh-CN" sz="2000" b="1" dirty="0">
+                <a:solidFill>
+                  <a:prstClr val="black"/>
+                </a:solidFill>
+                <a:latin typeface="等线" panose="020F0502020204030204"/>
+                <a:ea typeface="等线" panose="02010600030101010101" pitchFamily="2" charset="-122"/>
+              </a:rPr>
+              <a:t>A 2-way bank conflict happens here.</a:t>
+            </a:r>
+            <a:endParaRPr lang="zh-CN" altLang="en-US" sz="2000" b="1" dirty="0">
+              <a:solidFill>
+                <a:prstClr val="black"/>
+              </a:solidFill>
+              <a:latin typeface="等线" panose="020F0502020204030204"/>
+              <a:ea typeface="等线" panose="02010600030101010101" pitchFamily="2" charset="-122"/>
+            </a:endParaRPr>
+          </a:p>
+        </p:txBody>
+      </p:sp>
       <p:pic>
         <p:nvPicPr>
-          <p:cNvPr id="6" name="图片 5">
-            <a:extLst>
-              <a:ext uri="{FF2B5EF4-FFF2-40B4-BE49-F238E27FC236}">
-                <a16:creationId xmlns:a16="http://schemas.microsoft.com/office/drawing/2014/main" id="{8EDC8577-AFAC-5797-77FC-22F3B2B3E3F9}"/>
+          <p:cNvPr id="19" name="图片 18">
+            <a:extLst>
+              <a:ext uri="{FF2B5EF4-FFF2-40B4-BE49-F238E27FC236}">
+                <a16:creationId xmlns:a16="http://schemas.microsoft.com/office/drawing/2014/main" id="{D42A760D-3618-5E1A-F10B-B5C10CCA4E06}"/>
               </a:ext>
             </a:extLst>
           </p:cNvPr>
@@ -7909,8 +8067,8 @@
         </p:blipFill>
         <p:spPr>
           <a:xfrm>
-            <a:off x="5906421" y="1313298"/>
-            <a:ext cx="5994651" cy="4691670"/>
+            <a:off x="280327" y="4231818"/>
+            <a:ext cx="3972479" cy="885949"/>
           </a:xfrm>
           <a:prstGeom prst="rect">
             <a:avLst/>
@@ -7920,7 +8078,7 @@
     </p:spTree>
     <p:extLst>
       <p:ext uri="{BB962C8B-B14F-4D97-AF65-F5344CB8AC3E}">
-        <p14:creationId xmlns:p14="http://schemas.microsoft.com/office/powerpoint/2010/main" val="4234656505"/>
+        <p14:creationId xmlns:p14="http://schemas.microsoft.com/office/powerpoint/2010/main" val="1310816782"/>
       </p:ext>
     </p:extLst>
   </p:cSld>
@@ -7952,7 +8110,7 @@
           <p:cNvPr id="2" name="文本框 1">
             <a:extLst>
               <a:ext uri="{FF2B5EF4-FFF2-40B4-BE49-F238E27FC236}">
-                <a16:creationId xmlns:a16="http://schemas.microsoft.com/office/drawing/2014/main" id="{ADDEF014-86BF-A3CE-1959-38E81315CCA1}"/>
+                <a16:creationId xmlns:a16="http://schemas.microsoft.com/office/drawing/2014/main" id="{E1A1155F-45DD-1F11-B6A6-360E59DF9906}"/>
               </a:ext>
             </a:extLst>
           </p:cNvPr>
@@ -7990,10 +8148,10 @@
       </p:sp>
       <p:sp>
         <p:nvSpPr>
-          <p:cNvPr id="3" name="文本框 2">
-            <a:extLst>
-              <a:ext uri="{FF2B5EF4-FFF2-40B4-BE49-F238E27FC236}">
-                <a16:creationId xmlns:a16="http://schemas.microsoft.com/office/drawing/2014/main" id="{3EE0E1D4-5CFC-B592-AE06-24A28E54F376}"/>
+          <p:cNvPr id="7" name="文本框 6">
+            <a:extLst>
+              <a:ext uri="{FF2B5EF4-FFF2-40B4-BE49-F238E27FC236}">
+                <a16:creationId xmlns:a16="http://schemas.microsoft.com/office/drawing/2014/main" id="{396FC7EF-E11D-978B-3CFB-4043797CEA79}"/>
               </a:ext>
             </a:extLst>
           </p:cNvPr>
@@ -8002,8 +8160,8 @@
         </p:nvSpPr>
         <p:spPr>
           <a:xfrm>
-            <a:off x="1350121" y="2595914"/>
-            <a:ext cx="10074765" cy="1938992"/>
+            <a:off x="1485132" y="998872"/>
+            <a:ext cx="8646910" cy="400110"/>
           </a:xfrm>
           <a:prstGeom prst="rect">
             <a:avLst/>
@@ -8017,32 +8175,121 @@
           <a:lstStyle/>
           <a:p>
             <a:r>
-              <a:rPr lang="en-US" altLang="zh-CN" sz="2400" b="1" dirty="0"/>
-              <a:t>In fact, the shared memory access pattern is even worse for B, </a:t>
-            </a:r>
-          </a:p>
-          <a:p>
-            <a:r>
-              <a:rPr lang="en-US" altLang="zh-CN" sz="2400" b="1" dirty="0"/>
-              <a:t>which results in a 4-way conflict.</a:t>
-            </a:r>
-          </a:p>
-          <a:p>
-            <a:endParaRPr lang="en-US" altLang="zh-CN" sz="2400" b="1" dirty="0"/>
-          </a:p>
-          <a:p>
-            <a:r>
-              <a:rPr lang="en-US" altLang="zh-CN" sz="2400" b="1" dirty="0"/>
-              <a:t>Before thinking how to resolve bank conflict, let me check another problem, uncoalesced global store.</a:t>
-            </a:r>
-            <a:endParaRPr lang="zh-CN" altLang="en-US" sz="2400" b="1" dirty="0"/>
-          </a:p>
-        </p:txBody>
-      </p:sp>
+              <a:rPr lang="en-US" altLang="zh-CN" sz="2000" b="1" dirty="0"/>
+              <a:t>How threads within a warp load into B_TILE </a:t>
+            </a:r>
+            <a:r>
+              <a:rPr lang="en-US" altLang="zh-CN" sz="2000" b="1" dirty="0" err="1"/>
+              <a:t>smem</a:t>
+            </a:r>
+            <a:r>
+              <a:rPr lang="en-US" altLang="zh-CN" sz="2000" b="1" dirty="0"/>
+              <a:t> from global mem:</a:t>
+            </a:r>
+            <a:endParaRPr lang="zh-CN" altLang="en-US" sz="2000" b="1" dirty="0"/>
+          </a:p>
+        </p:txBody>
+      </p:sp>
+      <p:sp>
+        <p:nvSpPr>
+          <p:cNvPr id="8" name="文本框 7">
+            <a:extLst>
+              <a:ext uri="{FF2B5EF4-FFF2-40B4-BE49-F238E27FC236}">
+                <a16:creationId xmlns:a16="http://schemas.microsoft.com/office/drawing/2014/main" id="{9470E520-3511-E7C5-0792-EE1DFC69B401}"/>
+              </a:ext>
+            </a:extLst>
+          </p:cNvPr>
+          <p:cNvSpPr txBox="1"/>
+          <p:nvPr/>
+        </p:nvSpPr>
+        <p:spPr>
+          <a:xfrm>
+            <a:off x="3519518" y="5842342"/>
+            <a:ext cx="4418577" cy="400110"/>
+          </a:xfrm>
+          <a:prstGeom prst="rect">
+            <a:avLst/>
+          </a:prstGeom>
+          <a:noFill/>
+        </p:spPr>
+        <p:txBody>
+          <a:bodyPr wrap="square" rtlCol="0">
+            <a:spAutoFit/>
+          </a:bodyPr>
+          <a:lstStyle/>
+          <a:p>
+            <a:r>
+              <a:rPr lang="en-US" altLang="zh-CN" sz="2000" b="1" dirty="0"/>
+              <a:t>A 4-way bank conflict happens here.</a:t>
+            </a:r>
+            <a:endParaRPr lang="zh-CN" altLang="en-US" sz="2000" b="1" dirty="0"/>
+          </a:p>
+        </p:txBody>
+      </p:sp>
+      <p:pic>
+        <p:nvPicPr>
+          <p:cNvPr id="10" name="图片 9">
+            <a:extLst>
+              <a:ext uri="{FF2B5EF4-FFF2-40B4-BE49-F238E27FC236}">
+                <a16:creationId xmlns:a16="http://schemas.microsoft.com/office/drawing/2014/main" id="{46240628-B837-655B-785D-5A9B4D4A3EFD}"/>
+              </a:ext>
+            </a:extLst>
+          </p:cNvPr>
+          <p:cNvPicPr>
+            <a:picLocks noChangeAspect="1"/>
+          </p:cNvPicPr>
+          <p:nvPr/>
+        </p:nvPicPr>
+        <p:blipFill>
+          <a:blip r:embed="rId2"/>
+          <a:stretch>
+            <a:fillRect/>
+          </a:stretch>
+        </p:blipFill>
+        <p:spPr>
+          <a:xfrm>
+            <a:off x="699334" y="1914920"/>
+            <a:ext cx="10793331" cy="209579"/>
+          </a:xfrm>
+          <a:prstGeom prst="rect">
+            <a:avLst/>
+          </a:prstGeom>
+        </p:spPr>
+      </p:pic>
+      <p:pic>
+        <p:nvPicPr>
+          <p:cNvPr id="12" name="图片 11">
+            <a:extLst>
+              <a:ext uri="{FF2B5EF4-FFF2-40B4-BE49-F238E27FC236}">
+                <a16:creationId xmlns:a16="http://schemas.microsoft.com/office/drawing/2014/main" id="{C3C70BE2-521F-A8D5-8CA2-3EF188FDDF92}"/>
+              </a:ext>
+            </a:extLst>
+          </p:cNvPr>
+          <p:cNvPicPr>
+            <a:picLocks noChangeAspect="1"/>
+          </p:cNvPicPr>
+          <p:nvPr/>
+        </p:nvPicPr>
+        <p:blipFill>
+          <a:blip r:embed="rId3"/>
+          <a:stretch>
+            <a:fillRect/>
+          </a:stretch>
+        </p:blipFill>
+        <p:spPr>
+          <a:xfrm>
+            <a:off x="699334" y="3200614"/>
+            <a:ext cx="11234642" cy="1190693"/>
+          </a:xfrm>
+          <a:prstGeom prst="rect">
+            <a:avLst/>
+          </a:prstGeom>
+        </p:spPr>
+      </p:pic>
     </p:spTree>
     <p:extLst>
       <p:ext uri="{BB962C8B-B14F-4D97-AF65-F5344CB8AC3E}">
-        <p14:creationId xmlns:p14="http://schemas.microsoft.com/office/powerpoint/2010/main" val="1857582931"/>
+        <p14:creationId xmlns:p14="http://schemas.microsoft.com/office/powerpoint/2010/main" val="4234656505"/>
       </p:ext>
     </p:extLst>
   </p:cSld>
@@ -8074,7 +8321,7 @@
           <p:cNvPr id="2" name="文本框 1">
             <a:extLst>
               <a:ext uri="{FF2B5EF4-FFF2-40B4-BE49-F238E27FC236}">
-                <a16:creationId xmlns:a16="http://schemas.microsoft.com/office/drawing/2014/main" id="{12C1AB39-C40A-965E-9B72-EC75E0CCE14F}"/>
+                <a16:creationId xmlns:a16="http://schemas.microsoft.com/office/drawing/2014/main" id="{ADDEF014-86BF-A3CE-1959-38E81315CCA1}"/>
               </a:ext>
             </a:extLst>
           </p:cNvPr>
@@ -8112,10 +8359,10 @@
       </p:sp>
       <p:sp>
         <p:nvSpPr>
-          <p:cNvPr id="6" name="文本框 5">
-            <a:extLst>
-              <a:ext uri="{FF2B5EF4-FFF2-40B4-BE49-F238E27FC236}">
-                <a16:creationId xmlns:a16="http://schemas.microsoft.com/office/drawing/2014/main" id="{C9F3A5F3-E08E-DA30-7CFA-35DF8A31F300}"/>
+          <p:cNvPr id="3" name="文本框 2">
+            <a:extLst>
+              <a:ext uri="{FF2B5EF4-FFF2-40B4-BE49-F238E27FC236}">
+                <a16:creationId xmlns:a16="http://schemas.microsoft.com/office/drawing/2014/main" id="{3EE0E1D4-5CFC-B592-AE06-24A28E54F376}"/>
               </a:ext>
             </a:extLst>
           </p:cNvPr>
@@ -8124,8 +8371,8 @@
         </p:nvSpPr>
         <p:spPr>
           <a:xfrm>
-            <a:off x="1804252" y="2295620"/>
-            <a:ext cx="9291286" cy="1754326"/>
+            <a:off x="1276478" y="2743200"/>
+            <a:ext cx="10074765" cy="830997"/>
           </a:xfrm>
           <a:prstGeom prst="rect">
             <a:avLst/>
@@ -8133,172 +8380,23 @@
           <a:noFill/>
         </p:spPr>
         <p:txBody>
-          <a:bodyPr wrap="square">
+          <a:bodyPr wrap="square" rtlCol="0">
             <a:spAutoFit/>
           </a:bodyPr>
           <a:lstStyle/>
           <a:p>
             <a:r>
-              <a:rPr lang="en-US" altLang="zh-CN" b="0" i="0" dirty="0">
-                <a:effectLst/>
-                <a:latin typeface="inherit"/>
-              </a:rPr>
-              <a:t>Each cache line in the GPU is dedicated by sectors</a:t>
-            </a:r>
-            <a:r>
-              <a:rPr lang="en-US" altLang="zh-CN" b="0" i="0" dirty="0">
-                <a:effectLst/>
-                <a:latin typeface="gg sans"/>
-              </a:rPr>
-              <a:t>, which are the smallest unit of memory </a:t>
-            </a:r>
-            <a:r>
-              <a:rPr lang="en-US" altLang="zh-CN" dirty="0">
-                <a:latin typeface="gg sans"/>
-              </a:rPr>
-              <a:t>that</a:t>
-            </a:r>
-            <a:r>
-              <a:rPr lang="en-US" altLang="zh-CN" b="0" i="0" dirty="0">
-                <a:effectLst/>
-                <a:latin typeface="gg sans"/>
-              </a:rPr>
-              <a:t> can </a:t>
-            </a:r>
-            <a:r>
-              <a:rPr lang="en-US" altLang="zh-CN" dirty="0">
-                <a:latin typeface="gg sans"/>
-              </a:rPr>
-              <a:t>be </a:t>
-            </a:r>
-            <a:r>
-              <a:rPr lang="en-US" altLang="zh-CN" b="0" i="0" dirty="0">
-                <a:effectLst/>
-                <a:latin typeface="gg sans"/>
-              </a:rPr>
-              <a:t>transferred into the cache</a:t>
-            </a:r>
-            <a:r>
-              <a:rPr lang="en-US" altLang="zh-CN" b="0" i="0" dirty="0">
-                <a:effectLst/>
-                <a:latin typeface="inherit"/>
-              </a:rPr>
-              <a:t>. What it is telling </a:t>
-            </a:r>
-            <a:r>
-              <a:rPr lang="en-US" altLang="zh-CN" dirty="0">
-                <a:latin typeface="inherit"/>
-              </a:rPr>
-              <a:t>me</a:t>
-            </a:r>
-            <a:r>
-              <a:rPr lang="en-US" altLang="zh-CN" b="0" i="0" dirty="0">
-                <a:effectLst/>
-                <a:latin typeface="inherit"/>
-              </a:rPr>
-              <a:t> is that out of the 32 bytes that need to be fetched to get a full sector</a:t>
-            </a:r>
-            <a:r>
-              <a:rPr lang="en-US" altLang="zh-CN" b="0" i="0" dirty="0">
-                <a:effectLst/>
-                <a:latin typeface="gg sans"/>
-              </a:rPr>
-              <a:t>, only 1 byte is read by </a:t>
-            </a:r>
-            <a:r>
-              <a:rPr lang="en-US" altLang="zh-CN" dirty="0">
-                <a:latin typeface="gg sans"/>
-              </a:rPr>
-              <a:t>my</a:t>
-            </a:r>
-            <a:r>
-              <a:rPr lang="en-US" altLang="zh-CN" b="0" i="0" dirty="0">
-                <a:effectLst/>
-                <a:latin typeface="gg sans"/>
-              </a:rPr>
-              <a:t> kernel, whereas the rest is just eating up cache space and bandwidth.</a:t>
-            </a:r>
-          </a:p>
-          <a:p>
-            <a:endParaRPr lang="en-US" altLang="zh-CN" dirty="0">
-              <a:latin typeface="gg sans"/>
-            </a:endParaRPr>
-          </a:p>
-          <a:p>
-            <a:r>
-              <a:rPr lang="en-US" altLang="zh-CN" dirty="0">
-                <a:latin typeface="gg sans"/>
-              </a:rPr>
-              <a:t>Remember that in kernel 7, each thread computes an 8 x 8 square submatrix of C. Why it is bad ?</a:t>
-            </a:r>
-            <a:endParaRPr lang="zh-CN" altLang="en-US" dirty="0"/>
-          </a:p>
-        </p:txBody>
-      </p:sp>
-      <p:pic>
-        <p:nvPicPr>
-          <p:cNvPr id="8" name="图片 7">
-            <a:extLst>
-              <a:ext uri="{FF2B5EF4-FFF2-40B4-BE49-F238E27FC236}">
-                <a16:creationId xmlns:a16="http://schemas.microsoft.com/office/drawing/2014/main" id="{A35AEF39-5AA9-CF51-0BA5-87AACB199F7F}"/>
-              </a:ext>
-            </a:extLst>
-          </p:cNvPr>
-          <p:cNvPicPr>
-            <a:picLocks noChangeAspect="1"/>
-          </p:cNvPicPr>
-          <p:nvPr/>
-        </p:nvPicPr>
-        <p:blipFill>
-          <a:blip r:embed="rId2"/>
-          <a:stretch>
-            <a:fillRect/>
-          </a:stretch>
-        </p:blipFill>
-        <p:spPr>
-          <a:xfrm>
-            <a:off x="144217" y="1210373"/>
-            <a:ext cx="11903565" cy="453802"/>
-          </a:xfrm>
-          <a:prstGeom prst="rect">
-            <a:avLst/>
-          </a:prstGeom>
-        </p:spPr>
-      </p:pic>
-      <p:pic>
-        <p:nvPicPr>
-          <p:cNvPr id="10" name="图片 9">
-            <a:extLst>
-              <a:ext uri="{FF2B5EF4-FFF2-40B4-BE49-F238E27FC236}">
-                <a16:creationId xmlns:a16="http://schemas.microsoft.com/office/drawing/2014/main" id="{8ADD4441-0A34-3918-D237-26ADD9AFB948}"/>
-              </a:ext>
-            </a:extLst>
-          </p:cNvPr>
-          <p:cNvPicPr>
-            <a:picLocks noChangeAspect="1"/>
-          </p:cNvPicPr>
-          <p:nvPr/>
-        </p:nvPicPr>
-        <p:blipFill>
-          <a:blip r:embed="rId3"/>
-          <a:stretch>
-            <a:fillRect/>
-          </a:stretch>
-        </p:blipFill>
-        <p:spPr>
-          <a:xfrm>
-            <a:off x="144216" y="4804446"/>
-            <a:ext cx="11903565" cy="1039562"/>
-          </a:xfrm>
-          <a:prstGeom prst="rect">
-            <a:avLst/>
-          </a:prstGeom>
-        </p:spPr>
-      </p:pic>
+              <a:rPr lang="en-US" altLang="zh-CN" sz="2400" b="1" dirty="0"/>
+              <a:t>Before thinking how to resolve bank conflict, let me check another problem, uncoalesced global store.</a:t>
+            </a:r>
+            <a:endParaRPr lang="zh-CN" altLang="en-US" sz="2400" b="1" dirty="0"/>
+          </a:p>
+        </p:txBody>
+      </p:sp>
     </p:spTree>
     <p:extLst>
       <p:ext uri="{BB962C8B-B14F-4D97-AF65-F5344CB8AC3E}">
-        <p14:creationId xmlns:p14="http://schemas.microsoft.com/office/powerpoint/2010/main" val="536758473"/>
+        <p14:creationId xmlns:p14="http://schemas.microsoft.com/office/powerpoint/2010/main" val="1857582931"/>
       </p:ext>
     </p:extLst>
   </p:cSld>
@@ -8330,7 +8428,7 @@
           <p:cNvPr id="2" name="文本框 1">
             <a:extLst>
               <a:ext uri="{FF2B5EF4-FFF2-40B4-BE49-F238E27FC236}">
-                <a16:creationId xmlns:a16="http://schemas.microsoft.com/office/drawing/2014/main" id="{24091B99-6A5E-1918-373C-63FC66434FC4}"/>
+                <a16:creationId xmlns:a16="http://schemas.microsoft.com/office/drawing/2014/main" id="{12C1AB39-C40A-965E-9B72-EC75E0CCE14F}"/>
               </a:ext>
             </a:extLst>
           </p:cNvPr>
@@ -8368,10 +8466,10 @@
       </p:sp>
       <p:sp>
         <p:nvSpPr>
-          <p:cNvPr id="5" name="文本框 4">
-            <a:extLst>
-              <a:ext uri="{FF2B5EF4-FFF2-40B4-BE49-F238E27FC236}">
-                <a16:creationId xmlns:a16="http://schemas.microsoft.com/office/drawing/2014/main" id="{BD794944-786F-8066-9CB7-4911EAE31323}"/>
+          <p:cNvPr id="6" name="文本框 5">
+            <a:extLst>
+              <a:ext uri="{FF2B5EF4-FFF2-40B4-BE49-F238E27FC236}">
+                <a16:creationId xmlns:a16="http://schemas.microsoft.com/office/drawing/2014/main" id="{C9F3A5F3-E08E-DA30-7CFA-35DF8A31F300}"/>
               </a:ext>
             </a:extLst>
           </p:cNvPr>
@@ -8380,8 +8478,8 @@
         </p:nvSpPr>
         <p:spPr>
           <a:xfrm>
-            <a:off x="2600517" y="5644295"/>
-            <a:ext cx="6776685" cy="707886"/>
+            <a:off x="1804252" y="2295620"/>
+            <a:ext cx="9291286" cy="1754326"/>
           </a:xfrm>
           <a:prstGeom prst="rect">
             <a:avLst/>
@@ -8389,31 +8487,114 @@
           <a:noFill/>
         </p:spPr>
         <p:txBody>
-          <a:bodyPr wrap="square" rtlCol="0">
+          <a:bodyPr wrap="square">
             <a:spAutoFit/>
           </a:bodyPr>
           <a:lstStyle/>
           <a:p>
             <a:r>
-              <a:rPr lang="en-US" altLang="zh-CN" sz="2000" b="1" dirty="0"/>
-              <a:t>That is why only 4 bytes from a 32 bytes fetch is useful. </a:t>
-            </a:r>
-          </a:p>
-          <a:p>
-            <a:r>
-              <a:rPr lang="en-US" altLang="zh-CN" sz="2000" b="1" dirty="0"/>
-              <a:t>I need to avoid stride between threads .</a:t>
-            </a:r>
-            <a:endParaRPr lang="zh-CN" altLang="en-US" sz="2000" b="1" dirty="0"/>
+              <a:rPr lang="en-US" altLang="zh-CN" b="0" i="0" dirty="0">
+                <a:effectLst/>
+                <a:latin typeface="inherit"/>
+              </a:rPr>
+              <a:t>Each cache line in the GPU is dedicated by sectors</a:t>
+            </a:r>
+            <a:r>
+              <a:rPr lang="en-US" altLang="zh-CN" b="0" i="0" dirty="0">
+                <a:effectLst/>
+                <a:latin typeface="gg sans"/>
+              </a:rPr>
+              <a:t>, which are the smallest unit of memory </a:t>
+            </a:r>
+            <a:r>
+              <a:rPr lang="en-US" altLang="zh-CN" dirty="0">
+                <a:latin typeface="gg sans"/>
+              </a:rPr>
+              <a:t>that</a:t>
+            </a:r>
+            <a:r>
+              <a:rPr lang="en-US" altLang="zh-CN" b="0" i="0" dirty="0">
+                <a:effectLst/>
+                <a:latin typeface="gg sans"/>
+              </a:rPr>
+              <a:t> can </a:t>
+            </a:r>
+            <a:r>
+              <a:rPr lang="en-US" altLang="zh-CN" dirty="0">
+                <a:latin typeface="gg sans"/>
+              </a:rPr>
+              <a:t>be </a:t>
+            </a:r>
+            <a:r>
+              <a:rPr lang="en-US" altLang="zh-CN" b="0" i="0" dirty="0">
+                <a:effectLst/>
+                <a:latin typeface="gg sans"/>
+              </a:rPr>
+              <a:t>transferred into the cache</a:t>
+            </a:r>
+            <a:r>
+              <a:rPr lang="en-US" altLang="zh-CN" b="0" i="0" dirty="0">
+                <a:effectLst/>
+                <a:latin typeface="inherit"/>
+              </a:rPr>
+              <a:t>. What it is telling </a:t>
+            </a:r>
+            <a:r>
+              <a:rPr lang="en-US" altLang="zh-CN" dirty="0">
+                <a:latin typeface="inherit"/>
+              </a:rPr>
+              <a:t>me</a:t>
+            </a:r>
+            <a:r>
+              <a:rPr lang="en-US" altLang="zh-CN" b="0" i="0" dirty="0">
+                <a:effectLst/>
+                <a:latin typeface="inherit"/>
+              </a:rPr>
+              <a:t> is that out of the 32 bytes that need to be fetched to get a full sector</a:t>
+            </a:r>
+            <a:r>
+              <a:rPr lang="en-US" altLang="zh-CN" b="0" i="0" dirty="0">
+                <a:effectLst/>
+                <a:latin typeface="gg sans"/>
+              </a:rPr>
+              <a:t>, only 1 byte is read by </a:t>
+            </a:r>
+            <a:r>
+              <a:rPr lang="en-US" altLang="zh-CN" dirty="0">
+                <a:latin typeface="gg sans"/>
+              </a:rPr>
+              <a:t>my</a:t>
+            </a:r>
+            <a:r>
+              <a:rPr lang="en-US" altLang="zh-CN" b="0" i="0" dirty="0">
+                <a:effectLst/>
+                <a:latin typeface="gg sans"/>
+              </a:rPr>
+              <a:t> kernel, whereas the rest is just eating up cache space and bandwidth.</a:t>
+            </a:r>
+          </a:p>
+          <a:p>
+            <a:endParaRPr lang="en-US" altLang="zh-CN" dirty="0">
+              <a:latin typeface="gg sans"/>
+            </a:endParaRPr>
+          </a:p>
+          <a:p>
+            <a:r>
+              <a:rPr lang="en-US" altLang="zh-CN" dirty="0">
+                <a:latin typeface="gg sans"/>
+              </a:rPr>
+              <a:t>Remember that in kernel 7, each thread computes an 8 x 8 square submatrix of C. Why it is bad ?</a:t>
+            </a:r>
+            <a:endParaRPr lang="zh-CN" altLang="en-US" dirty="0"/>
           </a:p>
         </p:txBody>
       </p:sp>
       <p:pic>
         <p:nvPicPr>
-          <p:cNvPr id="7" name="图片 6">
-            <a:extLst>
-              <a:ext uri="{FF2B5EF4-FFF2-40B4-BE49-F238E27FC236}">
-                <a16:creationId xmlns:a16="http://schemas.microsoft.com/office/drawing/2014/main" id="{E9282735-F694-2DF9-38A5-74866E4BC77A}"/>
+          <p:cNvPr id="8" name="图片 7">
+            <a:extLst>
+              <a:ext uri="{FF2B5EF4-FFF2-40B4-BE49-F238E27FC236}">
+                <a16:creationId xmlns:a16="http://schemas.microsoft.com/office/drawing/2014/main" id="{A35AEF39-5AA9-CF51-0BA5-87AACB199F7F}"/>
               </a:ext>
             </a:extLst>
           </p:cNvPr>
@@ -8430,54 +8611,48 @@
         </p:blipFill>
         <p:spPr>
           <a:xfrm>
-            <a:off x="788848" y="2190775"/>
-            <a:ext cx="10719141" cy="3018924"/>
+            <a:off x="144217" y="1210373"/>
+            <a:ext cx="11903565" cy="453802"/>
           </a:xfrm>
           <a:prstGeom prst="rect">
             <a:avLst/>
           </a:prstGeom>
         </p:spPr>
       </p:pic>
-      <p:sp>
-        <p:nvSpPr>
-          <p:cNvPr id="3" name="文本框 2">
-            <a:extLst>
-              <a:ext uri="{FF2B5EF4-FFF2-40B4-BE49-F238E27FC236}">
-                <a16:creationId xmlns:a16="http://schemas.microsoft.com/office/drawing/2014/main" id="{D4E7E911-12C9-2485-8070-3A545995D4F1}"/>
-              </a:ext>
-            </a:extLst>
-          </p:cNvPr>
-          <p:cNvSpPr txBox="1"/>
-          <p:nvPr/>
-        </p:nvSpPr>
-        <p:spPr>
-          <a:xfrm>
-            <a:off x="239340" y="1186636"/>
-            <a:ext cx="4979082" cy="461665"/>
-          </a:xfrm>
-          <a:prstGeom prst="rect">
-            <a:avLst/>
-          </a:prstGeom>
-          <a:noFill/>
-        </p:spPr>
-        <p:txBody>
-          <a:bodyPr wrap="square" rtlCol="0">
-            <a:spAutoFit/>
-          </a:bodyPr>
-          <a:lstStyle/>
-          <a:p>
-            <a:r>
-              <a:rPr lang="en-US" altLang="zh-CN" sz="2400" b="1" dirty="0"/>
-              <a:t>Global store pattern of C:</a:t>
-            </a:r>
-            <a:endParaRPr lang="zh-CN" altLang="en-US" sz="2400" b="1" dirty="0"/>
-          </a:p>
-        </p:txBody>
-      </p:sp>
+      <p:pic>
+        <p:nvPicPr>
+          <p:cNvPr id="10" name="图片 9">
+            <a:extLst>
+              <a:ext uri="{FF2B5EF4-FFF2-40B4-BE49-F238E27FC236}">
+                <a16:creationId xmlns:a16="http://schemas.microsoft.com/office/drawing/2014/main" id="{8ADD4441-0A34-3918-D237-26ADD9AFB948}"/>
+              </a:ext>
+            </a:extLst>
+          </p:cNvPr>
+          <p:cNvPicPr>
+            <a:picLocks noChangeAspect="1"/>
+          </p:cNvPicPr>
+          <p:nvPr/>
+        </p:nvPicPr>
+        <p:blipFill>
+          <a:blip r:embed="rId3"/>
+          <a:stretch>
+            <a:fillRect/>
+          </a:stretch>
+        </p:blipFill>
+        <p:spPr>
+          <a:xfrm>
+            <a:off x="144216" y="4804446"/>
+            <a:ext cx="11903565" cy="1039562"/>
+          </a:xfrm>
+          <a:prstGeom prst="rect">
+            <a:avLst/>
+          </a:prstGeom>
+        </p:spPr>
+      </p:pic>
     </p:spTree>
     <p:extLst>
       <p:ext uri="{BB962C8B-B14F-4D97-AF65-F5344CB8AC3E}">
-        <p14:creationId xmlns:p14="http://schemas.microsoft.com/office/powerpoint/2010/main" val="3253413955"/>
+        <p14:creationId xmlns:p14="http://schemas.microsoft.com/office/powerpoint/2010/main" val="536758473"/>
       </p:ext>
     </p:extLst>
   </p:cSld>
@@ -8509,7 +8684,7 @@
           <p:cNvPr id="2" name="文本框 1">
             <a:extLst>
               <a:ext uri="{FF2B5EF4-FFF2-40B4-BE49-F238E27FC236}">
-                <a16:creationId xmlns:a16="http://schemas.microsoft.com/office/drawing/2014/main" id="{A770D929-5EA8-CCC5-25C5-DC15A7DA2772}"/>
+                <a16:creationId xmlns:a16="http://schemas.microsoft.com/office/drawing/2014/main" id="{24091B99-6A5E-1918-373C-63FC66434FC4}"/>
               </a:ext>
             </a:extLst>
           </p:cNvPr>
@@ -8547,10 +8722,10 @@
       </p:sp>
       <p:sp>
         <p:nvSpPr>
-          <p:cNvPr id="3" name="文本框 2">
-            <a:extLst>
-              <a:ext uri="{FF2B5EF4-FFF2-40B4-BE49-F238E27FC236}">
-                <a16:creationId xmlns:a16="http://schemas.microsoft.com/office/drawing/2014/main" id="{D59F4806-ECA1-4973-9828-6106C35F4113}"/>
+          <p:cNvPr id="5" name="文本框 4">
+            <a:extLst>
+              <a:ext uri="{FF2B5EF4-FFF2-40B4-BE49-F238E27FC236}">
+                <a16:creationId xmlns:a16="http://schemas.microsoft.com/office/drawing/2014/main" id="{BD794944-786F-8066-9CB7-4911EAE31323}"/>
               </a:ext>
             </a:extLst>
           </p:cNvPr>
@@ -8559,8 +8734,8 @@
         </p:nvSpPr>
         <p:spPr>
           <a:xfrm>
-            <a:off x="1307162" y="1969948"/>
-            <a:ext cx="10230233" cy="3170099"/>
+            <a:off x="2600517" y="5644295"/>
+            <a:ext cx="6776685" cy="707886"/>
           </a:xfrm>
           <a:prstGeom prst="rect">
             <a:avLst/>
@@ -8575,58 +8750,88 @@
           <a:p>
             <a:r>
               <a:rPr lang="en-US" altLang="zh-CN" sz="2000" b="1" dirty="0"/>
-              <a:t>Let me conclude the two problems:</a:t>
-            </a:r>
-          </a:p>
-          <a:p>
-            <a:endParaRPr lang="en-US" altLang="zh-CN" sz="2000" b="1" dirty="0"/>
-          </a:p>
-          <a:p>
-            <a:pPr marL="285750" indent="-285750">
-              <a:buFont typeface="Arial" panose="020B0604020202020204" pitchFamily="34" charset="0"/>
-              <a:buChar char="•"/>
-            </a:pPr>
+              <a:t>That is why only 4 bytes from a 32 bytes fetch is useful. </a:t>
+            </a:r>
+          </a:p>
+          <a:p>
             <a:r>
               <a:rPr lang="en-US" altLang="zh-CN" sz="2000" b="1" dirty="0"/>
-              <a:t>The access pattern for shared memory is bad, I need to arrange how threads within a warp access shared memory.</a:t>
-            </a:r>
-          </a:p>
-          <a:p>
-            <a:pPr marL="285750" indent="-285750">
-              <a:buFont typeface="Arial" panose="020B0604020202020204" pitchFamily="34" charset="0"/>
-              <a:buChar char="•"/>
-            </a:pPr>
-            <a:endParaRPr lang="en-US" altLang="zh-CN" sz="2000" b="1" dirty="0"/>
-          </a:p>
-          <a:p>
-            <a:pPr marL="285750" indent="-285750">
-              <a:buFont typeface="Arial" panose="020B0604020202020204" pitchFamily="34" charset="0"/>
-              <a:buChar char="•"/>
-            </a:pPr>
-            <a:r>
-              <a:rPr lang="en-US" altLang="zh-CN" sz="2000" b="1" dirty="0"/>
-              <a:t>The global store pattern is bad due to stride between threads. I need to arrange how threads within a warp access global memory.</a:t>
-            </a:r>
-          </a:p>
-          <a:p>
-            <a:pPr marL="285750" indent="-285750">
-              <a:buFont typeface="Arial" panose="020B0604020202020204" pitchFamily="34" charset="0"/>
-              <a:buChar char="•"/>
-            </a:pPr>
-            <a:endParaRPr lang="en-US" altLang="zh-CN" sz="2000" b="1" dirty="0"/>
-          </a:p>
-          <a:p>
-            <a:r>
-              <a:rPr lang="en-US" altLang="zh-CN" sz="2000" b="1" dirty="0"/>
-              <a:t>Now the optimization direction is quite clear, in addition to block level parallelism, I need to introduce the warp level parallelism.</a:t>
-            </a:r>
+              <a:t>I need to avoid stride between threads .</a:t>
+            </a:r>
+            <a:endParaRPr lang="zh-CN" altLang="en-US" sz="2000" b="1" dirty="0"/>
+          </a:p>
+        </p:txBody>
+      </p:sp>
+      <p:pic>
+        <p:nvPicPr>
+          <p:cNvPr id="7" name="图片 6">
+            <a:extLst>
+              <a:ext uri="{FF2B5EF4-FFF2-40B4-BE49-F238E27FC236}">
+                <a16:creationId xmlns:a16="http://schemas.microsoft.com/office/drawing/2014/main" id="{E9282735-F694-2DF9-38A5-74866E4BC77A}"/>
+              </a:ext>
+            </a:extLst>
+          </p:cNvPr>
+          <p:cNvPicPr>
+            <a:picLocks noChangeAspect="1"/>
+          </p:cNvPicPr>
+          <p:nvPr/>
+        </p:nvPicPr>
+        <p:blipFill>
+          <a:blip r:embed="rId2"/>
+          <a:stretch>
+            <a:fillRect/>
+          </a:stretch>
+        </p:blipFill>
+        <p:spPr>
+          <a:xfrm>
+            <a:off x="788848" y="2190775"/>
+            <a:ext cx="10719141" cy="3018924"/>
+          </a:xfrm>
+          <a:prstGeom prst="rect">
+            <a:avLst/>
+          </a:prstGeom>
+        </p:spPr>
+      </p:pic>
+      <p:sp>
+        <p:nvSpPr>
+          <p:cNvPr id="3" name="文本框 2">
+            <a:extLst>
+              <a:ext uri="{FF2B5EF4-FFF2-40B4-BE49-F238E27FC236}">
+                <a16:creationId xmlns:a16="http://schemas.microsoft.com/office/drawing/2014/main" id="{D4E7E911-12C9-2485-8070-3A545995D4F1}"/>
+              </a:ext>
+            </a:extLst>
+          </p:cNvPr>
+          <p:cNvSpPr txBox="1"/>
+          <p:nvPr/>
+        </p:nvSpPr>
+        <p:spPr>
+          <a:xfrm>
+            <a:off x="239340" y="1186636"/>
+            <a:ext cx="4979082" cy="461665"/>
+          </a:xfrm>
+          <a:prstGeom prst="rect">
+            <a:avLst/>
+          </a:prstGeom>
+          <a:noFill/>
+        </p:spPr>
+        <p:txBody>
+          <a:bodyPr wrap="square" rtlCol="0">
+            <a:spAutoFit/>
+          </a:bodyPr>
+          <a:lstStyle/>
+          <a:p>
+            <a:r>
+              <a:rPr lang="en-US" altLang="zh-CN" sz="2400" b="1" dirty="0"/>
+              <a:t>Global store pattern of C:</a:t>
+            </a:r>
+            <a:endParaRPr lang="zh-CN" altLang="en-US" sz="2400" b="1" dirty="0"/>
           </a:p>
         </p:txBody>
       </p:sp>
     </p:spTree>
     <p:extLst>
       <p:ext uri="{BB962C8B-B14F-4D97-AF65-F5344CB8AC3E}">
-        <p14:creationId xmlns:p14="http://schemas.microsoft.com/office/powerpoint/2010/main" val="3716740816"/>
+        <p14:creationId xmlns:p14="http://schemas.microsoft.com/office/powerpoint/2010/main" val="3253413955"/>
       </p:ext>
     </p:extLst>
   </p:cSld>
@@ -8653,42 +8858,12 @@
           <a:chExt cx="0" cy="0"/>
         </a:xfrm>
       </p:grpSpPr>
-      <p:pic>
-        <p:nvPicPr>
-          <p:cNvPr id="3" name="图片 2">
-            <a:extLst>
-              <a:ext uri="{FF2B5EF4-FFF2-40B4-BE49-F238E27FC236}">
-                <a16:creationId xmlns:a16="http://schemas.microsoft.com/office/drawing/2014/main" id="{E415590D-8F86-441B-8686-DFDC5C27079A}"/>
-              </a:ext>
-            </a:extLst>
-          </p:cNvPr>
-          <p:cNvPicPr>
-            <a:picLocks noChangeAspect="1"/>
-          </p:cNvPicPr>
-          <p:nvPr/>
-        </p:nvPicPr>
-        <p:blipFill>
-          <a:blip r:embed="rId2"/>
-          <a:stretch>
-            <a:fillRect/>
-          </a:stretch>
-        </p:blipFill>
-        <p:spPr>
-          <a:xfrm>
-            <a:off x="214790" y="2408316"/>
-            <a:ext cx="11879017" cy="1705824"/>
-          </a:xfrm>
-          <a:prstGeom prst="rect">
-            <a:avLst/>
-          </a:prstGeom>
-        </p:spPr>
-      </p:pic>
-      <p:sp>
-        <p:nvSpPr>
-          <p:cNvPr id="4" name="文本框 3">
-            <a:extLst>
-              <a:ext uri="{FF2B5EF4-FFF2-40B4-BE49-F238E27FC236}">
-                <a16:creationId xmlns:a16="http://schemas.microsoft.com/office/drawing/2014/main" id="{9E5073A1-58A3-3F75-4221-F0A800AB41F7}"/>
+      <p:sp>
+        <p:nvSpPr>
+          <p:cNvPr id="2" name="文本框 1">
+            <a:extLst>
+              <a:ext uri="{FF2B5EF4-FFF2-40B4-BE49-F238E27FC236}">
+                <a16:creationId xmlns:a16="http://schemas.microsoft.com/office/drawing/2014/main" id="{A770D929-5EA8-CCC5-25C5-DC15A7DA2772}"/>
               </a:ext>
             </a:extLst>
           </p:cNvPr>
@@ -8726,10 +8901,10 @@
       </p:sp>
       <p:sp>
         <p:nvSpPr>
-          <p:cNvPr id="5" name="文本框 4">
-            <a:extLst>
-              <a:ext uri="{FF2B5EF4-FFF2-40B4-BE49-F238E27FC236}">
-                <a16:creationId xmlns:a16="http://schemas.microsoft.com/office/drawing/2014/main" id="{B3CA1060-874A-5001-CB77-E6A2C351F599}"/>
+          <p:cNvPr id="3" name="文本框 2">
+            <a:extLst>
+              <a:ext uri="{FF2B5EF4-FFF2-40B4-BE49-F238E27FC236}">
+                <a16:creationId xmlns:a16="http://schemas.microsoft.com/office/drawing/2014/main" id="{D59F4806-ECA1-4973-9828-6106C35F4113}"/>
               </a:ext>
             </a:extLst>
           </p:cNvPr>
@@ -8738,8 +8913,8 @@
         </p:nvSpPr>
         <p:spPr>
           <a:xfrm>
-            <a:off x="1098508" y="4768381"/>
-            <a:ext cx="9536762" cy="707886"/>
+            <a:off x="1307162" y="1969948"/>
+            <a:ext cx="10230233" cy="3170099"/>
           </a:xfrm>
           <a:prstGeom prst="rect">
             <a:avLst/>
@@ -8754,65 +8929,58 @@
           <a:p>
             <a:r>
               <a:rPr lang="en-US" altLang="zh-CN" sz="2000" b="1" dirty="0"/>
-              <a:t>I choose the second way, thread-level matrix computations issued to </a:t>
-            </a:r>
-            <a:r>
-              <a:rPr lang="en-US" altLang="zh-CN" sz="2000" b="1" dirty="0" err="1"/>
-              <a:t>cuda</a:t>
-            </a:r>
+              <a:t>Let me conclude the two problems:</a:t>
+            </a:r>
+          </a:p>
+          <a:p>
+            <a:endParaRPr lang="en-US" altLang="zh-CN" sz="2000" b="1" dirty="0"/>
+          </a:p>
+          <a:p>
+            <a:pPr marL="285750" indent="-285750">
+              <a:buFont typeface="Arial" panose="020B0604020202020204" pitchFamily="34" charset="0"/>
+              <a:buChar char="•"/>
+            </a:pPr>
             <a:r>
               <a:rPr lang="en-US" altLang="zh-CN" sz="2000" b="1" dirty="0"/>
-              <a:t> cores.</a:t>
-            </a:r>
-          </a:p>
-          <a:p>
+              <a:t>The access pattern for shared memory is bad, I need to arrange how threads within a warp access shared memory.</a:t>
+            </a:r>
+          </a:p>
+          <a:p>
+            <a:pPr marL="285750" indent="-285750">
+              <a:buFont typeface="Arial" panose="020B0604020202020204" pitchFamily="34" charset="0"/>
+              <a:buChar char="•"/>
+            </a:pPr>
+            <a:endParaRPr lang="en-US" altLang="zh-CN" sz="2000" b="1" dirty="0"/>
+          </a:p>
+          <a:p>
+            <a:pPr marL="285750" indent="-285750">
+              <a:buFont typeface="Arial" panose="020B0604020202020204" pitchFamily="34" charset="0"/>
+              <a:buChar char="•"/>
+            </a:pPr>
             <a:r>
               <a:rPr lang="en-US" altLang="zh-CN" sz="2000" b="1" dirty="0"/>
-              <a:t>Utilizing tensor cores typically needs mixed precision.</a:t>
-            </a:r>
-          </a:p>
-        </p:txBody>
-      </p:sp>
-      <p:sp>
-        <p:nvSpPr>
-          <p:cNvPr id="6" name="文本框 5">
-            <a:extLst>
-              <a:ext uri="{FF2B5EF4-FFF2-40B4-BE49-F238E27FC236}">
-                <a16:creationId xmlns:a16="http://schemas.microsoft.com/office/drawing/2014/main" id="{7A888A1B-CED2-73B5-36D5-060A86683096}"/>
-              </a:ext>
-            </a:extLst>
-          </p:cNvPr>
-          <p:cNvSpPr txBox="1"/>
-          <p:nvPr/>
-        </p:nvSpPr>
-        <p:spPr>
-          <a:xfrm>
-            <a:off x="276161" y="1274662"/>
-            <a:ext cx="4504494" cy="400110"/>
-          </a:xfrm>
-          <a:prstGeom prst="rect">
-            <a:avLst/>
-          </a:prstGeom>
-          <a:noFill/>
-        </p:spPr>
-        <p:txBody>
-          <a:bodyPr wrap="square" rtlCol="0">
-            <a:spAutoFit/>
-          </a:bodyPr>
-          <a:lstStyle/>
+              <a:t>The global store pattern is bad due to stride between threads. I need to arrange how threads within a warp access global memory.</a:t>
+            </a:r>
+          </a:p>
+          <a:p>
+            <a:pPr marL="285750" indent="-285750">
+              <a:buFont typeface="Arial" panose="020B0604020202020204" pitchFamily="34" charset="0"/>
+              <a:buChar char="•"/>
+            </a:pPr>
+            <a:endParaRPr lang="en-US" altLang="zh-CN" sz="2000" b="1" dirty="0"/>
+          </a:p>
           <a:p>
             <a:r>
               <a:rPr lang="en-US" altLang="zh-CN" sz="2000" b="1" dirty="0"/>
-              <a:t>The cutlass document says that . . .</a:t>
-            </a:r>
-            <a:endParaRPr lang="zh-CN" altLang="en-US" sz="2000" b="1" dirty="0"/>
+              <a:t>Now the optimization direction is quite clear, in addition to block level parallelism, I need to introduce the warp level parallelism.</a:t>
+            </a:r>
           </a:p>
         </p:txBody>
       </p:sp>
     </p:spTree>
     <p:extLst>
       <p:ext uri="{BB962C8B-B14F-4D97-AF65-F5344CB8AC3E}">
-        <p14:creationId xmlns:p14="http://schemas.microsoft.com/office/powerpoint/2010/main" val="2328979769"/>
+        <p14:creationId xmlns:p14="http://schemas.microsoft.com/office/powerpoint/2010/main" val="3716740816"/>
       </p:ext>
     </p:extLst>
   </p:cSld>
@@ -8839,12 +9007,42 @@
           <a:chExt cx="0" cy="0"/>
         </a:xfrm>
       </p:grpSpPr>
-      <p:sp>
-        <p:nvSpPr>
-          <p:cNvPr id="2" name="文本框 1">
-            <a:extLst>
-              <a:ext uri="{FF2B5EF4-FFF2-40B4-BE49-F238E27FC236}">
-                <a16:creationId xmlns:a16="http://schemas.microsoft.com/office/drawing/2014/main" id="{E6DC90D0-3B34-9019-2880-E290A09AFE8F}"/>
+      <p:pic>
+        <p:nvPicPr>
+          <p:cNvPr id="3" name="图片 2">
+            <a:extLst>
+              <a:ext uri="{FF2B5EF4-FFF2-40B4-BE49-F238E27FC236}">
+                <a16:creationId xmlns:a16="http://schemas.microsoft.com/office/drawing/2014/main" id="{E415590D-8F86-441B-8686-DFDC5C27079A}"/>
+              </a:ext>
+            </a:extLst>
+          </p:cNvPr>
+          <p:cNvPicPr>
+            <a:picLocks noChangeAspect="1"/>
+          </p:cNvPicPr>
+          <p:nvPr/>
+        </p:nvPicPr>
+        <p:blipFill>
+          <a:blip r:embed="rId2"/>
+          <a:stretch>
+            <a:fillRect/>
+          </a:stretch>
+        </p:blipFill>
+        <p:spPr>
+          <a:xfrm>
+            <a:off x="214790" y="2408316"/>
+            <a:ext cx="11879017" cy="1705824"/>
+          </a:xfrm>
+          <a:prstGeom prst="rect">
+            <a:avLst/>
+          </a:prstGeom>
+        </p:spPr>
+      </p:pic>
+      <p:sp>
+        <p:nvSpPr>
+          <p:cNvPr id="4" name="文本框 3">
+            <a:extLst>
+              <a:ext uri="{FF2B5EF4-FFF2-40B4-BE49-F238E27FC236}">
+                <a16:creationId xmlns:a16="http://schemas.microsoft.com/office/drawing/2014/main" id="{9E5073A1-58A3-3F75-4221-F0A800AB41F7}"/>
               </a:ext>
             </a:extLst>
           </p:cNvPr>
@@ -8882,10 +9080,10 @@
       </p:sp>
       <p:sp>
         <p:nvSpPr>
-          <p:cNvPr id="3" name="文本框 2">
-            <a:extLst>
-              <a:ext uri="{FF2B5EF4-FFF2-40B4-BE49-F238E27FC236}">
-                <a16:creationId xmlns:a16="http://schemas.microsoft.com/office/drawing/2014/main" id="{D28D6E02-D701-0B49-D325-99FB7A6DCBEB}"/>
+          <p:cNvPr id="5" name="文本框 4">
+            <a:extLst>
+              <a:ext uri="{FF2B5EF4-FFF2-40B4-BE49-F238E27FC236}">
+                <a16:creationId xmlns:a16="http://schemas.microsoft.com/office/drawing/2014/main" id="{B3CA1060-874A-5001-CB77-E6A2C351F599}"/>
               </a:ext>
             </a:extLst>
           </p:cNvPr>
@@ -8894,8 +9092,8 @@
         </p:nvSpPr>
         <p:spPr>
           <a:xfrm>
-            <a:off x="711881" y="1515817"/>
-            <a:ext cx="10586174" cy="4431983"/>
+            <a:off x="1098508" y="4768381"/>
+            <a:ext cx="9536762" cy="707886"/>
           </a:xfrm>
           <a:prstGeom prst="rect">
             <a:avLst/>
@@ -8909,84 +9107,66 @@
           <a:lstStyle/>
           <a:p>
             <a:r>
-              <a:rPr lang="en-US" altLang="zh-CN" sz="2400" b="1" dirty="0"/>
-              <a:t>To think in warp level:</a:t>
-            </a:r>
-          </a:p>
-          <a:p>
-            <a:endParaRPr lang="en-US" altLang="zh-CN" sz="2400" b="1" dirty="0"/>
-          </a:p>
-          <a:p>
-            <a:pPr marL="285750" indent="-285750">
-              <a:buFont typeface="Arial" panose="020B0604020202020204" pitchFamily="34" charset="0"/>
-              <a:buChar char="•"/>
-            </a:pPr>
-            <a:r>
-              <a:rPr lang="en-US" altLang="zh-CN" sz="2400" b="1" dirty="0"/>
-              <a:t>256 threads per block means 8 warps per block.</a:t>
-            </a:r>
-          </a:p>
-          <a:p>
-            <a:pPr marL="285750" indent="-285750">
-              <a:buFont typeface="Arial" panose="020B0604020202020204" pitchFamily="34" charset="0"/>
-              <a:buChar char="•"/>
-            </a:pPr>
-            <a:endParaRPr lang="en-US" altLang="zh-CN" sz="2400" b="1" dirty="0"/>
-          </a:p>
-          <a:p>
-            <a:pPr marL="285750" indent="-285750">
-              <a:buFont typeface="Arial" panose="020B0604020202020204" pitchFamily="34" charset="0"/>
-              <a:buChar char="•"/>
-            </a:pPr>
-            <a:endParaRPr lang="en-US" altLang="zh-CN" sz="2400" b="1" dirty="0"/>
-          </a:p>
-          <a:p>
-            <a:pPr marL="285750" indent="-285750">
-              <a:buFont typeface="Arial" panose="020B0604020202020204" pitchFamily="34" charset="0"/>
-              <a:buChar char="•"/>
-            </a:pPr>
-            <a:r>
-              <a:rPr lang="en-US" altLang="zh-CN" sz="2400" b="1" dirty="0"/>
-              <a:t>The size of A_TILE is 128 x 8, means each thread loads 4 elements, means each warp loads 4 x 32 = 128 elements. This is the same for B_TILE.</a:t>
-            </a:r>
-          </a:p>
-          <a:p>
-            <a:pPr marL="285750" indent="-285750">
-              <a:buFont typeface="Arial" panose="020B0604020202020204" pitchFamily="34" charset="0"/>
-              <a:buChar char="•"/>
-            </a:pPr>
-            <a:endParaRPr lang="en-US" altLang="zh-CN" sz="2400" b="1" dirty="0"/>
-          </a:p>
-          <a:p>
-            <a:pPr marL="285750" indent="-285750">
-              <a:buFont typeface="Arial" panose="020B0604020202020204" pitchFamily="34" charset="0"/>
-              <a:buChar char="•"/>
-            </a:pPr>
-            <a:endParaRPr lang="en-US" altLang="zh-CN" sz="2400" b="1" dirty="0"/>
-          </a:p>
-          <a:p>
-            <a:pPr marL="285750" indent="-285750">
-              <a:buFont typeface="Arial" panose="020B0604020202020204" pitchFamily="34" charset="0"/>
-              <a:buChar char="•"/>
-            </a:pPr>
-            <a:r>
-              <a:rPr lang="en-US" altLang="zh-CN" sz="2400" b="1" dirty="0"/>
-              <a:t>The size of C_TILE is 128 x 128, means each thread computes 64 elements, means each warp computes 64 x 32 = 2048 elements.</a:t>
-            </a:r>
-          </a:p>
-          <a:p>
-            <a:pPr marL="285750" indent="-285750">
-              <a:buFont typeface="Arial" panose="020B0604020202020204" pitchFamily="34" charset="0"/>
-              <a:buChar char="•"/>
-            </a:pPr>
-            <a:endParaRPr lang="zh-CN" altLang="en-US" dirty="0"/>
+              <a:rPr lang="en-US" altLang="zh-CN" sz="2000" b="1" dirty="0"/>
+              <a:t>I choose the second way, thread-level matrix computations issued to </a:t>
+            </a:r>
+            <a:r>
+              <a:rPr lang="en-US" altLang="zh-CN" sz="2000" b="1" dirty="0" err="1"/>
+              <a:t>cuda</a:t>
+            </a:r>
+            <a:r>
+              <a:rPr lang="en-US" altLang="zh-CN" sz="2000" b="1" dirty="0"/>
+              <a:t> cores.</a:t>
+            </a:r>
+          </a:p>
+          <a:p>
+            <a:r>
+              <a:rPr lang="en-US" altLang="zh-CN" sz="2000" b="1" dirty="0"/>
+              <a:t>Utilizing tensor cores typically needs mixed precision.</a:t>
+            </a:r>
+          </a:p>
+        </p:txBody>
+      </p:sp>
+      <p:sp>
+        <p:nvSpPr>
+          <p:cNvPr id="6" name="文本框 5">
+            <a:extLst>
+              <a:ext uri="{FF2B5EF4-FFF2-40B4-BE49-F238E27FC236}">
+                <a16:creationId xmlns:a16="http://schemas.microsoft.com/office/drawing/2014/main" id="{7A888A1B-CED2-73B5-36D5-060A86683096}"/>
+              </a:ext>
+            </a:extLst>
+          </p:cNvPr>
+          <p:cNvSpPr txBox="1"/>
+          <p:nvPr/>
+        </p:nvSpPr>
+        <p:spPr>
+          <a:xfrm>
+            <a:off x="276161" y="1274662"/>
+            <a:ext cx="4504494" cy="400110"/>
+          </a:xfrm>
+          <a:prstGeom prst="rect">
+            <a:avLst/>
+          </a:prstGeom>
+          <a:noFill/>
+        </p:spPr>
+        <p:txBody>
+          <a:bodyPr wrap="square" rtlCol="0">
+            <a:spAutoFit/>
+          </a:bodyPr>
+          <a:lstStyle/>
+          <a:p>
+            <a:r>
+              <a:rPr lang="en-US" altLang="zh-CN" sz="2000" b="1" dirty="0"/>
+              <a:t>The cutlass document says that . . .</a:t>
+            </a:r>
+            <a:endParaRPr lang="zh-CN" altLang="en-US" sz="2000" b="1" dirty="0"/>
           </a:p>
         </p:txBody>
       </p:sp>
     </p:spTree>
     <p:extLst>
       <p:ext uri="{BB962C8B-B14F-4D97-AF65-F5344CB8AC3E}">
-        <p14:creationId xmlns:p14="http://schemas.microsoft.com/office/powerpoint/2010/main" val="2066971635"/>
+        <p14:creationId xmlns:p14="http://schemas.microsoft.com/office/powerpoint/2010/main" val="2328979769"/>
       </p:ext>
     </p:extLst>
   </p:cSld>
@@ -9018,7 +9198,7 @@
           <p:cNvPr id="2" name="文本框 1">
             <a:extLst>
               <a:ext uri="{FF2B5EF4-FFF2-40B4-BE49-F238E27FC236}">
-                <a16:creationId xmlns:a16="http://schemas.microsoft.com/office/drawing/2014/main" id="{165CC7E4-F2B6-A22C-2E9D-37C4B244B6E7}"/>
+                <a16:creationId xmlns:a16="http://schemas.microsoft.com/office/drawing/2014/main" id="{E6DC90D0-3B34-9019-2880-E290A09AFE8F}"/>
               </a:ext>
             </a:extLst>
           </p:cNvPr>
@@ -9054,100 +9234,113 @@
           </a:p>
         </p:txBody>
       </p:sp>
-      <p:pic>
-        <p:nvPicPr>
-          <p:cNvPr id="10" name="图片 9">
-            <a:extLst>
-              <a:ext uri="{FF2B5EF4-FFF2-40B4-BE49-F238E27FC236}">
-                <a16:creationId xmlns:a16="http://schemas.microsoft.com/office/drawing/2014/main" id="{689FE4A3-08B4-1A81-89DA-F20823E683A9}"/>
-              </a:ext>
-            </a:extLst>
-          </p:cNvPr>
-          <p:cNvPicPr>
-            <a:picLocks noChangeAspect="1"/>
-          </p:cNvPicPr>
-          <p:nvPr/>
-        </p:nvPicPr>
-        <p:blipFill>
-          <a:blip r:embed="rId2"/>
-          <a:stretch>
-            <a:fillRect/>
-          </a:stretch>
-        </p:blipFill>
-        <p:spPr>
-          <a:xfrm>
-            <a:off x="304800" y="1110673"/>
-            <a:ext cx="5444297" cy="3224662"/>
-          </a:xfrm>
-          <a:prstGeom prst="rect">
-            <a:avLst/>
-          </a:prstGeom>
-        </p:spPr>
-      </p:pic>
-      <p:pic>
-        <p:nvPicPr>
-          <p:cNvPr id="12" name="图片 11">
-            <a:extLst>
-              <a:ext uri="{FF2B5EF4-FFF2-40B4-BE49-F238E27FC236}">
-                <a16:creationId xmlns:a16="http://schemas.microsoft.com/office/drawing/2014/main" id="{EF4748E1-666B-CCED-00F5-0B40EF2DDE5C}"/>
-              </a:ext>
-            </a:extLst>
-          </p:cNvPr>
-          <p:cNvPicPr>
-            <a:picLocks noChangeAspect="1"/>
-          </p:cNvPicPr>
-          <p:nvPr/>
-        </p:nvPicPr>
-        <p:blipFill>
-          <a:blip r:embed="rId3"/>
-          <a:stretch>
-            <a:fillRect/>
-          </a:stretch>
-        </p:blipFill>
-        <p:spPr>
-          <a:xfrm>
-            <a:off x="433196" y="4843610"/>
-            <a:ext cx="5444297" cy="1344584"/>
-          </a:xfrm>
-          <a:prstGeom prst="rect">
-            <a:avLst/>
-          </a:prstGeom>
-        </p:spPr>
-      </p:pic>
-      <p:pic>
-        <p:nvPicPr>
-          <p:cNvPr id="14" name="图片 13">
-            <a:extLst>
-              <a:ext uri="{FF2B5EF4-FFF2-40B4-BE49-F238E27FC236}">
-                <a16:creationId xmlns:a16="http://schemas.microsoft.com/office/drawing/2014/main" id="{42323A14-A028-5642-1E37-A43A680A2A35}"/>
-              </a:ext>
-            </a:extLst>
-          </p:cNvPr>
-          <p:cNvPicPr>
-            <a:picLocks noChangeAspect="1"/>
-          </p:cNvPicPr>
-          <p:nvPr/>
-        </p:nvPicPr>
-        <p:blipFill>
-          <a:blip r:embed="rId4"/>
-          <a:stretch>
-            <a:fillRect/>
-          </a:stretch>
-        </p:blipFill>
-        <p:spPr>
-          <a:xfrm>
-            <a:off x="6314509" y="1403411"/>
-            <a:ext cx="5443240" cy="4096327"/>
-          </a:xfrm>
-          <a:prstGeom prst="rect">
-            <a:avLst/>
-          </a:prstGeom>
-        </p:spPr>
-      </p:pic>
+      <p:sp>
+        <p:nvSpPr>
+          <p:cNvPr id="3" name="文本框 2">
+            <a:extLst>
+              <a:ext uri="{FF2B5EF4-FFF2-40B4-BE49-F238E27FC236}">
+                <a16:creationId xmlns:a16="http://schemas.microsoft.com/office/drawing/2014/main" id="{D28D6E02-D701-0B49-D325-99FB7A6DCBEB}"/>
+              </a:ext>
+            </a:extLst>
+          </p:cNvPr>
+          <p:cNvSpPr txBox="1"/>
+          <p:nvPr/>
+        </p:nvSpPr>
+        <p:spPr>
+          <a:xfrm>
+            <a:off x="711881" y="1515817"/>
+            <a:ext cx="10586174" cy="4431983"/>
+          </a:xfrm>
+          <a:prstGeom prst="rect">
+            <a:avLst/>
+          </a:prstGeom>
+          <a:noFill/>
+        </p:spPr>
+        <p:txBody>
+          <a:bodyPr wrap="square" rtlCol="0">
+            <a:spAutoFit/>
+          </a:bodyPr>
+          <a:lstStyle/>
+          <a:p>
+            <a:r>
+              <a:rPr lang="en-US" altLang="zh-CN" sz="2400" b="1" dirty="0"/>
+              <a:t>To think in warp level:</a:t>
+            </a:r>
+          </a:p>
+          <a:p>
+            <a:endParaRPr lang="en-US" altLang="zh-CN" sz="2400" b="1" dirty="0"/>
+          </a:p>
+          <a:p>
+            <a:pPr marL="285750" indent="-285750">
+              <a:buFont typeface="Arial" panose="020B0604020202020204" pitchFamily="34" charset="0"/>
+              <a:buChar char="•"/>
+            </a:pPr>
+            <a:r>
+              <a:rPr lang="en-US" altLang="zh-CN" sz="2400" b="1" dirty="0"/>
+              <a:t>256 threads per block means 8 warps per block.</a:t>
+            </a:r>
+          </a:p>
+          <a:p>
+            <a:pPr marL="285750" indent="-285750">
+              <a:buFont typeface="Arial" panose="020B0604020202020204" pitchFamily="34" charset="0"/>
+              <a:buChar char="•"/>
+            </a:pPr>
+            <a:endParaRPr lang="en-US" altLang="zh-CN" sz="2400" b="1" dirty="0"/>
+          </a:p>
+          <a:p>
+            <a:pPr marL="285750" indent="-285750">
+              <a:buFont typeface="Arial" panose="020B0604020202020204" pitchFamily="34" charset="0"/>
+              <a:buChar char="•"/>
+            </a:pPr>
+            <a:endParaRPr lang="en-US" altLang="zh-CN" sz="2400" b="1" dirty="0"/>
+          </a:p>
+          <a:p>
+            <a:pPr marL="285750" indent="-285750">
+              <a:buFont typeface="Arial" panose="020B0604020202020204" pitchFamily="34" charset="0"/>
+              <a:buChar char="•"/>
+            </a:pPr>
+            <a:r>
+              <a:rPr lang="en-US" altLang="zh-CN" sz="2400" b="1" dirty="0"/>
+              <a:t>The size of A_TILE is 128 x 8, means each thread loads 4 elements, means each warp loads 4 x 32 = 128 elements. This is the same for B_TILE.</a:t>
+            </a:r>
+          </a:p>
+          <a:p>
+            <a:pPr marL="285750" indent="-285750">
+              <a:buFont typeface="Arial" panose="020B0604020202020204" pitchFamily="34" charset="0"/>
+              <a:buChar char="•"/>
+            </a:pPr>
+            <a:endParaRPr lang="en-US" altLang="zh-CN" sz="2400" b="1" dirty="0"/>
+          </a:p>
+          <a:p>
+            <a:pPr marL="285750" indent="-285750">
+              <a:buFont typeface="Arial" panose="020B0604020202020204" pitchFamily="34" charset="0"/>
+              <a:buChar char="•"/>
+            </a:pPr>
+            <a:endParaRPr lang="en-US" altLang="zh-CN" sz="2400" b="1" dirty="0"/>
+          </a:p>
+          <a:p>
+            <a:pPr marL="285750" indent="-285750">
+              <a:buFont typeface="Arial" panose="020B0604020202020204" pitchFamily="34" charset="0"/>
+              <a:buChar char="•"/>
+            </a:pPr>
+            <a:r>
+              <a:rPr lang="en-US" altLang="zh-CN" sz="2400" b="1" dirty="0"/>
+              <a:t>The size of C_TILE is 128 x 128, means each thread computes 64 elements, means each warp computes 64 x 32 = 2048 elements.</a:t>
+            </a:r>
+          </a:p>
+          <a:p>
+            <a:pPr marL="285750" indent="-285750">
+              <a:buFont typeface="Arial" panose="020B0604020202020204" pitchFamily="34" charset="0"/>
+              <a:buChar char="•"/>
+            </a:pPr>
+            <a:endParaRPr lang="zh-CN" altLang="en-US" dirty="0"/>
+          </a:p>
+        </p:txBody>
+      </p:sp>
     </p:spTree>
     <p:extLst>
       <p:ext uri="{BB962C8B-B14F-4D97-AF65-F5344CB8AC3E}">
-        <p14:creationId xmlns:p14="http://schemas.microsoft.com/office/powerpoint/2010/main" val="1468604051"/>
+        <p14:creationId xmlns:p14="http://schemas.microsoft.com/office/powerpoint/2010/main" val="2066971635"/>
       </p:ext>
     </p:extLst>
   </p:cSld>
@@ -9179,7 +9372,7 @@
           <p:cNvPr id="2" name="文本框 1">
             <a:extLst>
               <a:ext uri="{FF2B5EF4-FFF2-40B4-BE49-F238E27FC236}">
-                <a16:creationId xmlns:a16="http://schemas.microsoft.com/office/drawing/2014/main" id="{7B1DCD9B-BDDD-095A-45A0-720E625F0CEA}"/>
+                <a16:creationId xmlns:a16="http://schemas.microsoft.com/office/drawing/2014/main" id="{165CC7E4-F2B6-A22C-2E9D-37C4B244B6E7}"/>
               </a:ext>
             </a:extLst>
           </p:cNvPr>
@@ -9217,10 +9410,40 @@
       </p:sp>
       <p:pic>
         <p:nvPicPr>
-          <p:cNvPr id="4" name="图片 3">
-            <a:extLst>
-              <a:ext uri="{FF2B5EF4-FFF2-40B4-BE49-F238E27FC236}">
-                <a16:creationId xmlns:a16="http://schemas.microsoft.com/office/drawing/2014/main" id="{81501B3B-E34E-B4D8-7370-C8CFFA8B6EDA}"/>
+          <p:cNvPr id="10" name="图片 9">
+            <a:extLst>
+              <a:ext uri="{FF2B5EF4-FFF2-40B4-BE49-F238E27FC236}">
+                <a16:creationId xmlns:a16="http://schemas.microsoft.com/office/drawing/2014/main" id="{689FE4A3-08B4-1A81-89DA-F20823E683A9}"/>
+              </a:ext>
+            </a:extLst>
+          </p:cNvPr>
+          <p:cNvPicPr>
+            <a:picLocks noChangeAspect="1"/>
+          </p:cNvPicPr>
+          <p:nvPr/>
+        </p:nvPicPr>
+        <p:blipFill>
+          <a:blip r:embed="rId2"/>
+          <a:stretch>
+            <a:fillRect/>
+          </a:stretch>
+        </p:blipFill>
+        <p:spPr>
+          <a:xfrm>
+            <a:off x="304800" y="1110673"/>
+            <a:ext cx="5444297" cy="3224662"/>
+          </a:xfrm>
+          <a:prstGeom prst="rect">
+            <a:avLst/>
+          </a:prstGeom>
+        </p:spPr>
+      </p:pic>
+      <p:pic>
+        <p:nvPicPr>
+          <p:cNvPr id="12" name="图片 11">
+            <a:extLst>
+              <a:ext uri="{FF2B5EF4-FFF2-40B4-BE49-F238E27FC236}">
+                <a16:creationId xmlns:a16="http://schemas.microsoft.com/office/drawing/2014/main" id="{EF4748E1-666B-CCED-00F5-0B40EF2DDE5C}"/>
               </a:ext>
             </a:extLst>
           </p:cNvPr>
@@ -9237,8 +9460,8 @@
         </p:blipFill>
         <p:spPr>
           <a:xfrm>
-            <a:off x="398109" y="1339040"/>
-            <a:ext cx="8977745" cy="1649343"/>
+            <a:off x="433196" y="4843610"/>
+            <a:ext cx="5444297" cy="1344584"/>
           </a:xfrm>
           <a:prstGeom prst="rect">
             <a:avLst/>
@@ -9247,10 +9470,10 @@
       </p:pic>
       <p:pic>
         <p:nvPicPr>
-          <p:cNvPr id="6" name="图片 5">
-            <a:extLst>
-              <a:ext uri="{FF2B5EF4-FFF2-40B4-BE49-F238E27FC236}">
-                <a16:creationId xmlns:a16="http://schemas.microsoft.com/office/drawing/2014/main" id="{75281AB1-3121-C79B-46E8-0A1BE881CCF7}"/>
+          <p:cNvPr id="14" name="图片 13">
+            <a:extLst>
+              <a:ext uri="{FF2B5EF4-FFF2-40B4-BE49-F238E27FC236}">
+                <a16:creationId xmlns:a16="http://schemas.microsoft.com/office/drawing/2014/main" id="{42323A14-A028-5642-1E37-A43A680A2A35}"/>
               </a:ext>
             </a:extLst>
           </p:cNvPr>
@@ -9267,168 +9490,18 @@
         </p:blipFill>
         <p:spPr>
           <a:xfrm>
-            <a:off x="481236" y="4410541"/>
-            <a:ext cx="8894618" cy="1811243"/>
+            <a:off x="6314509" y="1403411"/>
+            <a:ext cx="5443240" cy="4096327"/>
           </a:xfrm>
           <a:prstGeom prst="rect">
             <a:avLst/>
           </a:prstGeom>
         </p:spPr>
       </p:pic>
-      <p:sp>
-        <p:nvSpPr>
-          <p:cNvPr id="7" name="文本框 6">
-            <a:extLst>
-              <a:ext uri="{FF2B5EF4-FFF2-40B4-BE49-F238E27FC236}">
-                <a16:creationId xmlns:a16="http://schemas.microsoft.com/office/drawing/2014/main" id="{5C083ADA-12BA-DDA1-83AC-EB942ED434A9}"/>
-              </a:ext>
-            </a:extLst>
-          </p:cNvPr>
-          <p:cNvSpPr txBox="1"/>
-          <p:nvPr/>
-        </p:nvSpPr>
-        <p:spPr>
-          <a:xfrm>
-            <a:off x="1021563" y="3499407"/>
-            <a:ext cx="7730836" cy="400110"/>
-          </a:xfrm>
-          <a:prstGeom prst="rect">
-            <a:avLst/>
-          </a:prstGeom>
-          <a:noFill/>
-        </p:spPr>
-        <p:txBody>
-          <a:bodyPr wrap="square" rtlCol="0">
-            <a:spAutoFit/>
-          </a:bodyPr>
-          <a:lstStyle/>
-          <a:p>
-            <a:r>
-              <a:rPr lang="en-US" altLang="zh-CN" sz="2000" b="1" dirty="0"/>
-              <a:t>I avoid the bank conflict completely. I think this is impressive.</a:t>
-            </a:r>
-            <a:endParaRPr lang="zh-CN" altLang="en-US" sz="2000" b="1" dirty="0"/>
-          </a:p>
-        </p:txBody>
-      </p:sp>
-      <p:sp>
-        <p:nvSpPr>
-          <p:cNvPr id="8" name="文本框 7">
-            <a:extLst>
-              <a:ext uri="{FF2B5EF4-FFF2-40B4-BE49-F238E27FC236}">
-                <a16:creationId xmlns:a16="http://schemas.microsoft.com/office/drawing/2014/main" id="{9264583E-4B69-A90C-F7A0-0EFB1BD0083A}"/>
-              </a:ext>
-            </a:extLst>
-          </p:cNvPr>
-          <p:cNvSpPr txBox="1"/>
-          <p:nvPr/>
-        </p:nvSpPr>
-        <p:spPr>
-          <a:xfrm>
-            <a:off x="10086109" y="1985818"/>
-            <a:ext cx="1707782" cy="461665"/>
-          </a:xfrm>
-          <a:prstGeom prst="rect">
-            <a:avLst/>
-          </a:prstGeom>
-          <a:noFill/>
-        </p:spPr>
-        <p:txBody>
-          <a:bodyPr wrap="square" rtlCol="0">
-            <a:spAutoFit/>
-          </a:bodyPr>
-          <a:lstStyle/>
-          <a:p>
-            <a:r>
-              <a:rPr lang="en-US" altLang="zh-CN" sz="2400" b="1" dirty="0"/>
-              <a:t>kernel 07</a:t>
-            </a:r>
-            <a:endParaRPr lang="zh-CN" altLang="en-US" sz="2400" b="1" dirty="0"/>
-          </a:p>
-        </p:txBody>
-      </p:sp>
-      <p:sp>
-        <p:nvSpPr>
-          <p:cNvPr id="9" name="文本框 8">
-            <a:extLst>
-              <a:ext uri="{FF2B5EF4-FFF2-40B4-BE49-F238E27FC236}">
-                <a16:creationId xmlns:a16="http://schemas.microsoft.com/office/drawing/2014/main" id="{21FCE974-32F5-B0B2-AEBF-F545ED7628ED}"/>
-              </a:ext>
-            </a:extLst>
-          </p:cNvPr>
-          <p:cNvSpPr txBox="1"/>
-          <p:nvPr/>
-        </p:nvSpPr>
-        <p:spPr>
-          <a:xfrm>
-            <a:off x="10002982" y="5085329"/>
-            <a:ext cx="1707782" cy="461665"/>
-          </a:xfrm>
-          <a:prstGeom prst="rect">
-            <a:avLst/>
-          </a:prstGeom>
-          <a:noFill/>
-        </p:spPr>
-        <p:txBody>
-          <a:bodyPr wrap="square" rtlCol="0">
-            <a:spAutoFit/>
-          </a:bodyPr>
-          <a:lstStyle/>
-          <a:p>
-            <a:r>
-              <a:rPr lang="en-US" altLang="zh-CN" sz="2400" b="1" dirty="0"/>
-              <a:t>kernel 08</a:t>
-            </a:r>
-            <a:endParaRPr lang="zh-CN" altLang="en-US" sz="2400" b="1" dirty="0"/>
-          </a:p>
-        </p:txBody>
-      </p:sp>
-      <p:cxnSp>
-        <p:nvCxnSpPr>
-          <p:cNvPr id="11" name="直接箭头连接符 10">
-            <a:extLst>
-              <a:ext uri="{FF2B5EF4-FFF2-40B4-BE49-F238E27FC236}">
-                <a16:creationId xmlns:a16="http://schemas.microsoft.com/office/drawing/2014/main" id="{838F1A32-EFF9-8C0C-04E4-E699FC524773}"/>
-              </a:ext>
-            </a:extLst>
-          </p:cNvPr>
-          <p:cNvCxnSpPr/>
-          <p:nvPr/>
-        </p:nvCxnSpPr>
-        <p:spPr>
-          <a:xfrm>
-            <a:off x="10695709" y="2900218"/>
-            <a:ext cx="0" cy="1995055"/>
-          </a:xfrm>
-          <a:prstGeom prst="straightConnector1">
-            <a:avLst/>
-          </a:prstGeom>
-          <a:ln w="57150">
-            <a:solidFill>
-              <a:schemeClr val="tx1"/>
-            </a:solidFill>
-            <a:tailEnd type="triangle"/>
-          </a:ln>
-        </p:spPr>
-        <p:style>
-          <a:lnRef idx="1">
-            <a:schemeClr val="accent1"/>
-          </a:lnRef>
-          <a:fillRef idx="0">
-            <a:schemeClr val="accent1"/>
-          </a:fillRef>
-          <a:effectRef idx="0">
-            <a:schemeClr val="accent1"/>
-          </a:effectRef>
-          <a:fontRef idx="minor">
-            <a:schemeClr val="tx1"/>
-          </a:fontRef>
-        </p:style>
-      </p:cxnSp>
     </p:spTree>
     <p:extLst>
       <p:ext uri="{BB962C8B-B14F-4D97-AF65-F5344CB8AC3E}">
-        <p14:creationId xmlns:p14="http://schemas.microsoft.com/office/powerpoint/2010/main" val="650156779"/>
+        <p14:creationId xmlns:p14="http://schemas.microsoft.com/office/powerpoint/2010/main" val="1468604051"/>
       </p:ext>
     </p:extLst>
   </p:cSld>
@@ -9805,45 +9878,79 @@
           </a:bodyPr>
           <a:lstStyle/>
           <a:p>
-            <a:pPr marL="0" marR="0" lvl="0" indent="0" algn="l" defTabSz="914400" rtl="0" eaLnBrk="1" fontAlgn="auto" latinLnBrk="0" hangingPunct="1">
-              <a:lnSpc>
-                <a:spcPct val="100000"/>
-              </a:lnSpc>
-              <a:spcBef>
-                <a:spcPts val="0"/>
-              </a:spcBef>
-              <a:spcAft>
-                <a:spcPts val="0"/>
-              </a:spcAft>
-              <a:buClrTx/>
-              <a:buSzTx/>
-              <a:buFontTx/>
-              <a:buNone/>
-              <a:tabLst/>
-              <a:defRPr/>
-            </a:pPr>
-            <a:r>
-              <a:rPr kumimoji="0" lang="en-US" altLang="zh-CN" sz="2800" b="1" i="0" u="none" strike="noStrike" kern="1200" cap="none" spc="0" normalizeH="0" baseline="0" noProof="0" dirty="0">
-                <a:ln>
-                  <a:noFill/>
-                </a:ln>
+            <a:r>
+              <a:rPr lang="en-US" altLang="zh-CN" sz="2800" b="1" dirty="0">
                 <a:solidFill>
-                  <a:srgbClr val="70AD47">
+                  <a:schemeClr val="accent6">
                     <a:lumMod val="75000"/>
-                  </a:srgbClr>
+                  </a:schemeClr>
                 </a:solidFill>
-                <a:effectLst/>
-                <a:uLnTx/>
-                <a:uFillTx/>
-                <a:latin typeface="等线" panose="020F0502020204030204"/>
-                <a:ea typeface="等线" panose="02010600030101010101" pitchFamily="2" charset="-122"/>
-                <a:cs typeface="+mn-cs"/>
               </a:rPr>
               <a:t>Optimization worklog and concept illustration</a:t>
             </a:r>
           </a:p>
         </p:txBody>
       </p:sp>
+      <p:pic>
+        <p:nvPicPr>
+          <p:cNvPr id="4" name="图片 3">
+            <a:extLst>
+              <a:ext uri="{FF2B5EF4-FFF2-40B4-BE49-F238E27FC236}">
+                <a16:creationId xmlns:a16="http://schemas.microsoft.com/office/drawing/2014/main" id="{81501B3B-E34E-B4D8-7370-C8CFFA8B6EDA}"/>
+              </a:ext>
+            </a:extLst>
+          </p:cNvPr>
+          <p:cNvPicPr>
+            <a:picLocks noChangeAspect="1"/>
+          </p:cNvPicPr>
+          <p:nvPr/>
+        </p:nvPicPr>
+        <p:blipFill>
+          <a:blip r:embed="rId3"/>
+          <a:stretch>
+            <a:fillRect/>
+          </a:stretch>
+        </p:blipFill>
+        <p:spPr>
+          <a:xfrm>
+            <a:off x="398109" y="1339040"/>
+            <a:ext cx="8977745" cy="1649343"/>
+          </a:xfrm>
+          <a:prstGeom prst="rect">
+            <a:avLst/>
+          </a:prstGeom>
+        </p:spPr>
+      </p:pic>
+      <p:pic>
+        <p:nvPicPr>
+          <p:cNvPr id="6" name="图片 5">
+            <a:extLst>
+              <a:ext uri="{FF2B5EF4-FFF2-40B4-BE49-F238E27FC236}">
+                <a16:creationId xmlns:a16="http://schemas.microsoft.com/office/drawing/2014/main" id="{75281AB1-3121-C79B-46E8-0A1BE881CCF7}"/>
+              </a:ext>
+            </a:extLst>
+          </p:cNvPr>
+          <p:cNvPicPr>
+            <a:picLocks noChangeAspect="1"/>
+          </p:cNvPicPr>
+          <p:nvPr/>
+        </p:nvPicPr>
+        <p:blipFill>
+          <a:blip r:embed="rId4"/>
+          <a:stretch>
+            <a:fillRect/>
+          </a:stretch>
+        </p:blipFill>
+        <p:spPr>
+          <a:xfrm>
+            <a:off x="481236" y="4410541"/>
+            <a:ext cx="8894618" cy="1811243"/>
+          </a:xfrm>
+          <a:prstGeom prst="rect">
+            <a:avLst/>
+          </a:prstGeom>
+        </p:spPr>
+      </p:pic>
       <p:sp>
         <p:nvSpPr>
           <p:cNvPr id="7" name="文本框 6">
@@ -9858,8 +9965,8 @@
         </p:nvSpPr>
         <p:spPr>
           <a:xfrm>
-            <a:off x="1089891" y="3428627"/>
-            <a:ext cx="8198217" cy="707886"/>
+            <a:off x="1021563" y="3499407"/>
+            <a:ext cx="7730836" cy="400110"/>
           </a:xfrm>
           <a:prstGeom prst="rect">
             <a:avLst/>
@@ -9872,90 +9979,11 @@
           </a:bodyPr>
           <a:lstStyle/>
           <a:p>
-            <a:pPr marL="0" marR="0" lvl="0" indent="0" algn="l" defTabSz="914400" rtl="0" eaLnBrk="1" fontAlgn="auto" latinLnBrk="0" hangingPunct="1">
-              <a:lnSpc>
-                <a:spcPct val="100000"/>
-              </a:lnSpc>
-              <a:spcBef>
-                <a:spcPts val="0"/>
-              </a:spcBef>
-              <a:spcAft>
-                <a:spcPts val="0"/>
-              </a:spcAft>
-              <a:buClrTx/>
-              <a:buSzTx/>
-              <a:buFontTx/>
-              <a:buNone/>
-              <a:tabLst/>
-              <a:defRPr/>
-            </a:pPr>
-            <a:r>
-              <a:rPr kumimoji="0" lang="en-US" altLang="zh-CN" sz="2000" b="1" i="0" u="none" strike="noStrike" kern="1200" cap="none" spc="0" normalizeH="0" baseline="0" noProof="0" dirty="0">
-                <a:ln>
-                  <a:noFill/>
-                </a:ln>
-                <a:solidFill>
-                  <a:prstClr val="black"/>
-                </a:solidFill>
-                <a:effectLst/>
-                <a:uLnTx/>
-                <a:uFillTx/>
-                <a:latin typeface="等线" panose="020F0502020204030204"/>
-                <a:ea typeface="等线" panose="02010600030101010101" pitchFamily="2" charset="-122"/>
-                <a:cs typeface="+mn-cs"/>
-              </a:rPr>
-              <a:t>I optimized the global store pattern:</a:t>
-            </a:r>
-          </a:p>
-          <a:p>
-            <a:pPr marL="0" marR="0" lvl="0" indent="0" algn="l" defTabSz="914400" rtl="0" eaLnBrk="1" fontAlgn="auto" latinLnBrk="0" hangingPunct="1">
-              <a:lnSpc>
-                <a:spcPct val="100000"/>
-              </a:lnSpc>
-              <a:spcBef>
-                <a:spcPts val="0"/>
-              </a:spcBef>
-              <a:spcAft>
-                <a:spcPts val="0"/>
-              </a:spcAft>
-              <a:buClrTx/>
-              <a:buSzTx/>
-              <a:buFontTx/>
-              <a:buNone/>
-              <a:tabLst/>
-              <a:defRPr/>
-            </a:pPr>
-            <a:r>
-              <a:rPr kumimoji="0" lang="en-US" altLang="zh-CN" sz="2000" b="1" i="0" u="none" strike="noStrike" kern="1200" cap="none" spc="0" normalizeH="0" baseline="0" noProof="0" dirty="0">
-                <a:ln>
-                  <a:noFill/>
-                </a:ln>
-                <a:solidFill>
-                  <a:prstClr val="black"/>
-                </a:solidFill>
-                <a:effectLst/>
-                <a:uLnTx/>
-                <a:uFillTx/>
-                <a:latin typeface="等线" panose="020F0502020204030204"/>
-                <a:ea typeface="等线" panose="02010600030101010101" pitchFamily="2" charset="-122"/>
-                <a:cs typeface="+mn-cs"/>
-              </a:rPr>
-              <a:t>4,194,304 = 524,288 x 8 (Remember the 8 elements stride in slide 34)</a:t>
-            </a:r>
-            <a:endParaRPr kumimoji="0" lang="zh-CN" altLang="en-US" sz="2000" b="1" i="0" u="none" strike="noStrike" kern="1200" cap="none" spc="0" normalizeH="0" baseline="0" noProof="0" dirty="0">
-              <a:ln>
-                <a:noFill/>
-              </a:ln>
-              <a:solidFill>
-                <a:prstClr val="black"/>
-              </a:solidFill>
-              <a:effectLst/>
-              <a:uLnTx/>
-              <a:uFillTx/>
-              <a:latin typeface="等线" panose="020F0502020204030204"/>
-              <a:ea typeface="等线" panose="02010600030101010101" pitchFamily="2" charset="-122"/>
-              <a:cs typeface="+mn-cs"/>
-            </a:endParaRPr>
+            <a:r>
+              <a:rPr lang="en-US" altLang="zh-CN" sz="2000" b="1" dirty="0"/>
+              <a:t>I avoid the bank conflict completely. I think this is impressive.</a:t>
+            </a:r>
+            <a:endParaRPr lang="zh-CN" altLang="en-US" sz="2000" b="1" dirty="0"/>
           </a:p>
         </p:txBody>
       </p:sp>
@@ -9987,54 +10015,11 @@
           </a:bodyPr>
           <a:lstStyle/>
           <a:p>
-            <a:pPr marL="0" marR="0" lvl="0" indent="0" algn="l" defTabSz="914400" rtl="0" eaLnBrk="1" fontAlgn="auto" latinLnBrk="0" hangingPunct="1">
-              <a:lnSpc>
-                <a:spcPct val="100000"/>
-              </a:lnSpc>
-              <a:spcBef>
-                <a:spcPts val="0"/>
-              </a:spcBef>
-              <a:spcAft>
-                <a:spcPts val="0"/>
-              </a:spcAft>
-              <a:buClrTx/>
-              <a:buSzTx/>
-              <a:buFontTx/>
-              <a:buNone/>
-              <a:tabLst/>
-              <a:defRPr/>
-            </a:pPr>
-            <a:r>
-              <a:rPr kumimoji="0" lang="en-US" altLang="zh-CN" sz="2400" b="1" i="0" u="none" strike="noStrike" kern="1200" cap="none" spc="0" normalizeH="0" baseline="0" noProof="0" dirty="0">
-                <a:ln>
-                  <a:noFill/>
-                </a:ln>
-                <a:solidFill>
-                  <a:prstClr val="black"/>
-                </a:solidFill>
-                <a:effectLst/>
-                <a:uLnTx/>
-                <a:uFillTx/>
-                <a:latin typeface="等线" panose="020F0502020204030204"/>
-                <a:ea typeface="等线" panose="02010600030101010101" pitchFamily="2" charset="-122"/>
-                <a:cs typeface="+mn-cs"/>
-              </a:rPr>
+            <a:r>
+              <a:rPr lang="en-US" altLang="zh-CN" sz="2400" b="1" dirty="0"/>
               <a:t>kernel 07</a:t>
             </a:r>
-            <a:endParaRPr kumimoji="0" lang="zh-CN" altLang="en-US" sz="2400" b="1" i="0" u="none" strike="noStrike" kern="1200" cap="none" spc="0" normalizeH="0" baseline="0" noProof="0" dirty="0">
-              <a:ln>
-                <a:noFill/>
-              </a:ln>
-              <a:solidFill>
-                <a:prstClr val="black"/>
-              </a:solidFill>
-              <a:effectLst/>
-              <a:uLnTx/>
-              <a:uFillTx/>
-              <a:latin typeface="等线" panose="020F0502020204030204"/>
-              <a:ea typeface="等线" panose="02010600030101010101" pitchFamily="2" charset="-122"/>
-              <a:cs typeface="+mn-cs"/>
-            </a:endParaRPr>
+            <a:endParaRPr lang="zh-CN" altLang="en-US" sz="2400" b="1" dirty="0"/>
           </a:p>
         </p:txBody>
       </p:sp>
@@ -10066,54 +10051,11 @@
           </a:bodyPr>
           <a:lstStyle/>
           <a:p>
-            <a:pPr marL="0" marR="0" lvl="0" indent="0" algn="l" defTabSz="914400" rtl="0" eaLnBrk="1" fontAlgn="auto" latinLnBrk="0" hangingPunct="1">
-              <a:lnSpc>
-                <a:spcPct val="100000"/>
-              </a:lnSpc>
-              <a:spcBef>
-                <a:spcPts val="0"/>
-              </a:spcBef>
-              <a:spcAft>
-                <a:spcPts val="0"/>
-              </a:spcAft>
-              <a:buClrTx/>
-              <a:buSzTx/>
-              <a:buFontTx/>
-              <a:buNone/>
-              <a:tabLst/>
-              <a:defRPr/>
-            </a:pPr>
-            <a:r>
-              <a:rPr kumimoji="0" lang="en-US" altLang="zh-CN" sz="2400" b="1" i="0" u="none" strike="noStrike" kern="1200" cap="none" spc="0" normalizeH="0" baseline="0" noProof="0" dirty="0">
-                <a:ln>
-                  <a:noFill/>
-                </a:ln>
-                <a:solidFill>
-                  <a:prstClr val="black"/>
-                </a:solidFill>
-                <a:effectLst/>
-                <a:uLnTx/>
-                <a:uFillTx/>
-                <a:latin typeface="等线" panose="020F0502020204030204"/>
-                <a:ea typeface="等线" panose="02010600030101010101" pitchFamily="2" charset="-122"/>
-                <a:cs typeface="+mn-cs"/>
-              </a:rPr>
+            <a:r>
+              <a:rPr lang="en-US" altLang="zh-CN" sz="2400" b="1" dirty="0"/>
               <a:t>kernel 08</a:t>
             </a:r>
-            <a:endParaRPr kumimoji="0" lang="zh-CN" altLang="en-US" sz="2400" b="1" i="0" u="none" strike="noStrike" kern="1200" cap="none" spc="0" normalizeH="0" baseline="0" noProof="0" dirty="0">
-              <a:ln>
-                <a:noFill/>
-              </a:ln>
-              <a:solidFill>
-                <a:prstClr val="black"/>
-              </a:solidFill>
-              <a:effectLst/>
-              <a:uLnTx/>
-              <a:uFillTx/>
-              <a:latin typeface="等线" panose="020F0502020204030204"/>
-              <a:ea typeface="等线" panose="02010600030101010101" pitchFamily="2" charset="-122"/>
-              <a:cs typeface="+mn-cs"/>
-            </a:endParaRPr>
+            <a:endParaRPr lang="zh-CN" altLang="en-US" sz="2400" b="1" dirty="0"/>
           </a:p>
         </p:txBody>
       </p:sp>
@@ -10159,82 +10101,10 @@
           </a:fontRef>
         </p:style>
       </p:cxnSp>
-      <p:sp>
-        <p:nvSpPr>
-          <p:cNvPr id="10" name="文本框 9">
-            <a:extLst>
-              <a:ext uri="{FF2B5EF4-FFF2-40B4-BE49-F238E27FC236}">
-                <a16:creationId xmlns:a16="http://schemas.microsoft.com/office/drawing/2014/main" id="{E06957A9-930E-8AEF-2EB4-441A96926A6C}"/>
-              </a:ext>
-            </a:extLst>
-          </p:cNvPr>
-          <p:cNvSpPr txBox="1"/>
-          <p:nvPr/>
-        </p:nvSpPr>
-        <p:spPr>
-          <a:xfrm>
-            <a:off x="1653310" y="2142836"/>
-            <a:ext cx="6003636" cy="461665"/>
-          </a:xfrm>
-          <a:prstGeom prst="rect">
-            <a:avLst/>
-          </a:prstGeom>
-          <a:noFill/>
-        </p:spPr>
-        <p:txBody>
-          <a:bodyPr wrap="square" rtlCol="0">
-            <a:spAutoFit/>
-          </a:bodyPr>
-          <a:lstStyle/>
-          <a:p>
-            <a:r>
-              <a:rPr lang="en-US" altLang="zh-CN" sz="2400" b="1" dirty="0"/>
-              <a:t>Number of sectors requested: 4,194,304</a:t>
-            </a:r>
-            <a:endParaRPr lang="zh-CN" altLang="en-US" sz="2400" b="1" dirty="0"/>
-          </a:p>
-        </p:txBody>
-      </p:sp>
-      <p:sp>
-        <p:nvSpPr>
-          <p:cNvPr id="12" name="文本框 11">
-            <a:extLst>
-              <a:ext uri="{FF2B5EF4-FFF2-40B4-BE49-F238E27FC236}">
-                <a16:creationId xmlns:a16="http://schemas.microsoft.com/office/drawing/2014/main" id="{59BEB065-5D8A-6FA2-F1FB-B3F170B8E40F}"/>
-              </a:ext>
-            </a:extLst>
-          </p:cNvPr>
-          <p:cNvSpPr txBox="1"/>
-          <p:nvPr/>
-        </p:nvSpPr>
-        <p:spPr>
-          <a:xfrm>
-            <a:off x="1653310" y="5085329"/>
-            <a:ext cx="6003636" cy="461665"/>
-          </a:xfrm>
-          <a:prstGeom prst="rect">
-            <a:avLst/>
-          </a:prstGeom>
-          <a:noFill/>
-        </p:spPr>
-        <p:txBody>
-          <a:bodyPr wrap="square" rtlCol="0">
-            <a:spAutoFit/>
-          </a:bodyPr>
-          <a:lstStyle/>
-          <a:p>
-            <a:r>
-              <a:rPr lang="en-US" altLang="zh-CN" sz="2400" b="1" dirty="0"/>
-              <a:t>Number of sectors requested: 524,288</a:t>
-            </a:r>
-            <a:endParaRPr lang="zh-CN" altLang="en-US" sz="2400" b="1" dirty="0"/>
-          </a:p>
-        </p:txBody>
-      </p:sp>
     </p:spTree>
     <p:extLst>
       <p:ext uri="{BB962C8B-B14F-4D97-AF65-F5344CB8AC3E}">
-        <p14:creationId xmlns:p14="http://schemas.microsoft.com/office/powerpoint/2010/main" val="1191200527"/>
+        <p14:creationId xmlns:p14="http://schemas.microsoft.com/office/powerpoint/2010/main" val="650156779"/>
       </p:ext>
     </p:extLst>
   </p:cSld>
@@ -10266,7 +10136,7 @@
           <p:cNvPr id="2" name="文本框 1">
             <a:extLst>
               <a:ext uri="{FF2B5EF4-FFF2-40B4-BE49-F238E27FC236}">
-                <a16:creationId xmlns:a16="http://schemas.microsoft.com/office/drawing/2014/main" id="{28C4963E-BDD4-DB39-42B4-4979629CF52A}"/>
+                <a16:creationId xmlns:a16="http://schemas.microsoft.com/office/drawing/2014/main" id="{7B1DCD9B-BDDD-095A-45A0-720E625F0CEA}"/>
               </a:ext>
             </a:extLst>
           </p:cNvPr>
@@ -10328,42 +10198,12 @@
           </a:p>
         </p:txBody>
       </p:sp>
-      <p:pic>
-        <p:nvPicPr>
-          <p:cNvPr id="7" name="图片 6">
-            <a:extLst>
-              <a:ext uri="{FF2B5EF4-FFF2-40B4-BE49-F238E27FC236}">
-                <a16:creationId xmlns:a16="http://schemas.microsoft.com/office/drawing/2014/main" id="{0B55F4A6-9AE6-EC66-5751-F237A1E91404}"/>
-              </a:ext>
-            </a:extLst>
-          </p:cNvPr>
-          <p:cNvPicPr>
-            <a:picLocks noChangeAspect="1"/>
-          </p:cNvPicPr>
-          <p:nvPr/>
-        </p:nvPicPr>
-        <p:blipFill>
-          <a:blip r:embed="rId2"/>
-          <a:stretch>
-            <a:fillRect/>
-          </a:stretch>
-        </p:blipFill>
-        <p:spPr>
-          <a:xfrm>
-            <a:off x="859806" y="2319940"/>
-            <a:ext cx="10289539" cy="2677278"/>
-          </a:xfrm>
-          <a:prstGeom prst="rect">
-            <a:avLst/>
-          </a:prstGeom>
-        </p:spPr>
-      </p:pic>
-      <p:sp>
-        <p:nvSpPr>
-          <p:cNvPr id="8" name="文本框 7">
-            <a:extLst>
-              <a:ext uri="{FF2B5EF4-FFF2-40B4-BE49-F238E27FC236}">
-                <a16:creationId xmlns:a16="http://schemas.microsoft.com/office/drawing/2014/main" id="{4E72B0D6-4532-BAFD-D0DC-C79A64FE9552}"/>
+      <p:sp>
+        <p:nvSpPr>
+          <p:cNvPr id="7" name="文本框 6">
+            <a:extLst>
+              <a:ext uri="{FF2B5EF4-FFF2-40B4-BE49-F238E27FC236}">
+                <a16:creationId xmlns:a16="http://schemas.microsoft.com/office/drawing/2014/main" id="{5C083ADA-12BA-DDA1-83AC-EB942ED434A9}"/>
               </a:ext>
             </a:extLst>
           </p:cNvPr>
@@ -10372,8 +10212,8 @@
         </p:nvSpPr>
         <p:spPr>
           <a:xfrm>
-            <a:off x="914401" y="1313299"/>
-            <a:ext cx="3946034" cy="400110"/>
+            <a:off x="1089891" y="3428627"/>
+            <a:ext cx="8198217" cy="707886"/>
           </a:xfrm>
           <a:prstGeom prst="rect">
             <a:avLst/>
@@ -10386,18 +10226,369 @@
           </a:bodyPr>
           <a:lstStyle/>
           <a:p>
-            <a:r>
-              <a:rPr lang="en-US" altLang="zh-CN" sz="2000" b="1" dirty="0"/>
-              <a:t>As cutlass document said:</a:t>
-            </a:r>
-            <a:endParaRPr lang="zh-CN" altLang="en-US" sz="2000" b="1" dirty="0"/>
+            <a:pPr marL="0" marR="0" lvl="0" indent="0" algn="l" defTabSz="914400" rtl="0" eaLnBrk="1" fontAlgn="auto" latinLnBrk="0" hangingPunct="1">
+              <a:lnSpc>
+                <a:spcPct val="100000"/>
+              </a:lnSpc>
+              <a:spcBef>
+                <a:spcPts val="0"/>
+              </a:spcBef>
+              <a:spcAft>
+                <a:spcPts val="0"/>
+              </a:spcAft>
+              <a:buClrTx/>
+              <a:buSzTx/>
+              <a:buFontTx/>
+              <a:buNone/>
+              <a:tabLst/>
+              <a:defRPr/>
+            </a:pPr>
+            <a:r>
+              <a:rPr kumimoji="0" lang="en-US" altLang="zh-CN" sz="2000" b="1" i="0" u="none" strike="noStrike" kern="1200" cap="none" spc="0" normalizeH="0" baseline="0" noProof="0" dirty="0">
+                <a:ln>
+                  <a:noFill/>
+                </a:ln>
+                <a:solidFill>
+                  <a:prstClr val="black"/>
+                </a:solidFill>
+                <a:effectLst/>
+                <a:uLnTx/>
+                <a:uFillTx/>
+                <a:latin typeface="等线" panose="020F0502020204030204"/>
+                <a:ea typeface="等线" panose="02010600030101010101" pitchFamily="2" charset="-122"/>
+                <a:cs typeface="+mn-cs"/>
+              </a:rPr>
+              <a:t>I optimized the global store pattern:</a:t>
+            </a:r>
+          </a:p>
+          <a:p>
+            <a:pPr marL="0" marR="0" lvl="0" indent="0" algn="l" defTabSz="914400" rtl="0" eaLnBrk="1" fontAlgn="auto" latinLnBrk="0" hangingPunct="1">
+              <a:lnSpc>
+                <a:spcPct val="100000"/>
+              </a:lnSpc>
+              <a:spcBef>
+                <a:spcPts val="0"/>
+              </a:spcBef>
+              <a:spcAft>
+                <a:spcPts val="0"/>
+              </a:spcAft>
+              <a:buClrTx/>
+              <a:buSzTx/>
+              <a:buFontTx/>
+              <a:buNone/>
+              <a:tabLst/>
+              <a:defRPr/>
+            </a:pPr>
+            <a:r>
+              <a:rPr kumimoji="0" lang="en-US" altLang="zh-CN" sz="2000" b="1" i="0" u="none" strike="noStrike" kern="1200" cap="none" spc="0" normalizeH="0" baseline="0" noProof="0" dirty="0">
+                <a:ln>
+                  <a:noFill/>
+                </a:ln>
+                <a:solidFill>
+                  <a:prstClr val="black"/>
+                </a:solidFill>
+                <a:effectLst/>
+                <a:uLnTx/>
+                <a:uFillTx/>
+                <a:latin typeface="等线" panose="020F0502020204030204"/>
+                <a:ea typeface="等线" panose="02010600030101010101" pitchFamily="2" charset="-122"/>
+                <a:cs typeface="+mn-cs"/>
+              </a:rPr>
+              <a:t>4,194,304 = 524,288 x 8 (Remember the 8 elements stride in slide 34)</a:t>
+            </a:r>
+            <a:endParaRPr kumimoji="0" lang="zh-CN" altLang="en-US" sz="2000" b="1" i="0" u="none" strike="noStrike" kern="1200" cap="none" spc="0" normalizeH="0" baseline="0" noProof="0" dirty="0">
+              <a:ln>
+                <a:noFill/>
+              </a:ln>
+              <a:solidFill>
+                <a:prstClr val="black"/>
+              </a:solidFill>
+              <a:effectLst/>
+              <a:uLnTx/>
+              <a:uFillTx/>
+              <a:latin typeface="等线" panose="020F0502020204030204"/>
+              <a:ea typeface="等线" panose="02010600030101010101" pitchFamily="2" charset="-122"/>
+              <a:cs typeface="+mn-cs"/>
+            </a:endParaRPr>
+          </a:p>
+        </p:txBody>
+      </p:sp>
+      <p:sp>
+        <p:nvSpPr>
+          <p:cNvPr id="8" name="文本框 7">
+            <a:extLst>
+              <a:ext uri="{FF2B5EF4-FFF2-40B4-BE49-F238E27FC236}">
+                <a16:creationId xmlns:a16="http://schemas.microsoft.com/office/drawing/2014/main" id="{9264583E-4B69-A90C-F7A0-0EFB1BD0083A}"/>
+              </a:ext>
+            </a:extLst>
+          </p:cNvPr>
+          <p:cNvSpPr txBox="1"/>
+          <p:nvPr/>
+        </p:nvSpPr>
+        <p:spPr>
+          <a:xfrm>
+            <a:off x="10086109" y="1985818"/>
+            <a:ext cx="1707782" cy="461665"/>
+          </a:xfrm>
+          <a:prstGeom prst="rect">
+            <a:avLst/>
+          </a:prstGeom>
+          <a:noFill/>
+        </p:spPr>
+        <p:txBody>
+          <a:bodyPr wrap="square" rtlCol="0">
+            <a:spAutoFit/>
+          </a:bodyPr>
+          <a:lstStyle/>
+          <a:p>
+            <a:pPr marL="0" marR="0" lvl="0" indent="0" algn="l" defTabSz="914400" rtl="0" eaLnBrk="1" fontAlgn="auto" latinLnBrk="0" hangingPunct="1">
+              <a:lnSpc>
+                <a:spcPct val="100000"/>
+              </a:lnSpc>
+              <a:spcBef>
+                <a:spcPts val="0"/>
+              </a:spcBef>
+              <a:spcAft>
+                <a:spcPts val="0"/>
+              </a:spcAft>
+              <a:buClrTx/>
+              <a:buSzTx/>
+              <a:buFontTx/>
+              <a:buNone/>
+              <a:tabLst/>
+              <a:defRPr/>
+            </a:pPr>
+            <a:r>
+              <a:rPr kumimoji="0" lang="en-US" altLang="zh-CN" sz="2400" b="1" i="0" u="none" strike="noStrike" kern="1200" cap="none" spc="0" normalizeH="0" baseline="0" noProof="0" dirty="0">
+                <a:ln>
+                  <a:noFill/>
+                </a:ln>
+                <a:solidFill>
+                  <a:prstClr val="black"/>
+                </a:solidFill>
+                <a:effectLst/>
+                <a:uLnTx/>
+                <a:uFillTx/>
+                <a:latin typeface="等线" panose="020F0502020204030204"/>
+                <a:ea typeface="等线" panose="02010600030101010101" pitchFamily="2" charset="-122"/>
+                <a:cs typeface="+mn-cs"/>
+              </a:rPr>
+              <a:t>kernel 07</a:t>
+            </a:r>
+            <a:endParaRPr kumimoji="0" lang="zh-CN" altLang="en-US" sz="2400" b="1" i="0" u="none" strike="noStrike" kern="1200" cap="none" spc="0" normalizeH="0" baseline="0" noProof="0" dirty="0">
+              <a:ln>
+                <a:noFill/>
+              </a:ln>
+              <a:solidFill>
+                <a:prstClr val="black"/>
+              </a:solidFill>
+              <a:effectLst/>
+              <a:uLnTx/>
+              <a:uFillTx/>
+              <a:latin typeface="等线" panose="020F0502020204030204"/>
+              <a:ea typeface="等线" panose="02010600030101010101" pitchFamily="2" charset="-122"/>
+              <a:cs typeface="+mn-cs"/>
+            </a:endParaRPr>
+          </a:p>
+        </p:txBody>
+      </p:sp>
+      <p:sp>
+        <p:nvSpPr>
+          <p:cNvPr id="9" name="文本框 8">
+            <a:extLst>
+              <a:ext uri="{FF2B5EF4-FFF2-40B4-BE49-F238E27FC236}">
+                <a16:creationId xmlns:a16="http://schemas.microsoft.com/office/drawing/2014/main" id="{21FCE974-32F5-B0B2-AEBF-F545ED7628ED}"/>
+              </a:ext>
+            </a:extLst>
+          </p:cNvPr>
+          <p:cNvSpPr txBox="1"/>
+          <p:nvPr/>
+        </p:nvSpPr>
+        <p:spPr>
+          <a:xfrm>
+            <a:off x="10002982" y="5085329"/>
+            <a:ext cx="1707782" cy="461665"/>
+          </a:xfrm>
+          <a:prstGeom prst="rect">
+            <a:avLst/>
+          </a:prstGeom>
+          <a:noFill/>
+        </p:spPr>
+        <p:txBody>
+          <a:bodyPr wrap="square" rtlCol="0">
+            <a:spAutoFit/>
+          </a:bodyPr>
+          <a:lstStyle/>
+          <a:p>
+            <a:pPr marL="0" marR="0" lvl="0" indent="0" algn="l" defTabSz="914400" rtl="0" eaLnBrk="1" fontAlgn="auto" latinLnBrk="0" hangingPunct="1">
+              <a:lnSpc>
+                <a:spcPct val="100000"/>
+              </a:lnSpc>
+              <a:spcBef>
+                <a:spcPts val="0"/>
+              </a:spcBef>
+              <a:spcAft>
+                <a:spcPts val="0"/>
+              </a:spcAft>
+              <a:buClrTx/>
+              <a:buSzTx/>
+              <a:buFontTx/>
+              <a:buNone/>
+              <a:tabLst/>
+              <a:defRPr/>
+            </a:pPr>
+            <a:r>
+              <a:rPr kumimoji="0" lang="en-US" altLang="zh-CN" sz="2400" b="1" i="0" u="none" strike="noStrike" kern="1200" cap="none" spc="0" normalizeH="0" baseline="0" noProof="0" dirty="0">
+                <a:ln>
+                  <a:noFill/>
+                </a:ln>
+                <a:solidFill>
+                  <a:prstClr val="black"/>
+                </a:solidFill>
+                <a:effectLst/>
+                <a:uLnTx/>
+                <a:uFillTx/>
+                <a:latin typeface="等线" panose="020F0502020204030204"/>
+                <a:ea typeface="等线" panose="02010600030101010101" pitchFamily="2" charset="-122"/>
+                <a:cs typeface="+mn-cs"/>
+              </a:rPr>
+              <a:t>kernel 08</a:t>
+            </a:r>
+            <a:endParaRPr kumimoji="0" lang="zh-CN" altLang="en-US" sz="2400" b="1" i="0" u="none" strike="noStrike" kern="1200" cap="none" spc="0" normalizeH="0" baseline="0" noProof="0" dirty="0">
+              <a:ln>
+                <a:noFill/>
+              </a:ln>
+              <a:solidFill>
+                <a:prstClr val="black"/>
+              </a:solidFill>
+              <a:effectLst/>
+              <a:uLnTx/>
+              <a:uFillTx/>
+              <a:latin typeface="等线" panose="020F0502020204030204"/>
+              <a:ea typeface="等线" panose="02010600030101010101" pitchFamily="2" charset="-122"/>
+              <a:cs typeface="+mn-cs"/>
+            </a:endParaRPr>
+          </a:p>
+        </p:txBody>
+      </p:sp>
+      <p:cxnSp>
+        <p:nvCxnSpPr>
+          <p:cNvPr id="11" name="直接箭头连接符 10">
+            <a:extLst>
+              <a:ext uri="{FF2B5EF4-FFF2-40B4-BE49-F238E27FC236}">
+                <a16:creationId xmlns:a16="http://schemas.microsoft.com/office/drawing/2014/main" id="{838F1A32-EFF9-8C0C-04E4-E699FC524773}"/>
+              </a:ext>
+            </a:extLst>
+          </p:cNvPr>
+          <p:cNvCxnSpPr/>
+          <p:nvPr/>
+        </p:nvCxnSpPr>
+        <p:spPr>
+          <a:xfrm>
+            <a:off x="10695709" y="2900218"/>
+            <a:ext cx="0" cy="1995055"/>
+          </a:xfrm>
+          <a:prstGeom prst="straightConnector1">
+            <a:avLst/>
+          </a:prstGeom>
+          <a:ln w="57150">
+            <a:solidFill>
+              <a:schemeClr val="tx1"/>
+            </a:solidFill>
+            <a:tailEnd type="triangle"/>
+          </a:ln>
+        </p:spPr>
+        <p:style>
+          <a:lnRef idx="1">
+            <a:schemeClr val="accent1"/>
+          </a:lnRef>
+          <a:fillRef idx="0">
+            <a:schemeClr val="accent1"/>
+          </a:fillRef>
+          <a:effectRef idx="0">
+            <a:schemeClr val="accent1"/>
+          </a:effectRef>
+          <a:fontRef idx="minor">
+            <a:schemeClr val="tx1"/>
+          </a:fontRef>
+        </p:style>
+      </p:cxnSp>
+      <p:sp>
+        <p:nvSpPr>
+          <p:cNvPr id="10" name="文本框 9">
+            <a:extLst>
+              <a:ext uri="{FF2B5EF4-FFF2-40B4-BE49-F238E27FC236}">
+                <a16:creationId xmlns:a16="http://schemas.microsoft.com/office/drawing/2014/main" id="{E06957A9-930E-8AEF-2EB4-441A96926A6C}"/>
+              </a:ext>
+            </a:extLst>
+          </p:cNvPr>
+          <p:cNvSpPr txBox="1"/>
+          <p:nvPr/>
+        </p:nvSpPr>
+        <p:spPr>
+          <a:xfrm>
+            <a:off x="1653310" y="2142836"/>
+            <a:ext cx="6003636" cy="461665"/>
+          </a:xfrm>
+          <a:prstGeom prst="rect">
+            <a:avLst/>
+          </a:prstGeom>
+          <a:noFill/>
+        </p:spPr>
+        <p:txBody>
+          <a:bodyPr wrap="square" rtlCol="0">
+            <a:spAutoFit/>
+          </a:bodyPr>
+          <a:lstStyle/>
+          <a:p>
+            <a:r>
+              <a:rPr lang="en-US" altLang="zh-CN" sz="2400" b="1" dirty="0"/>
+              <a:t>Number of sectors requested: 4,194,304</a:t>
+            </a:r>
+            <a:endParaRPr lang="zh-CN" altLang="en-US" sz="2400" b="1" dirty="0"/>
+          </a:p>
+        </p:txBody>
+      </p:sp>
+      <p:sp>
+        <p:nvSpPr>
+          <p:cNvPr id="12" name="文本框 11">
+            <a:extLst>
+              <a:ext uri="{FF2B5EF4-FFF2-40B4-BE49-F238E27FC236}">
+                <a16:creationId xmlns:a16="http://schemas.microsoft.com/office/drawing/2014/main" id="{59BEB065-5D8A-6FA2-F1FB-B3F170B8E40F}"/>
+              </a:ext>
+            </a:extLst>
+          </p:cNvPr>
+          <p:cNvSpPr txBox="1"/>
+          <p:nvPr/>
+        </p:nvSpPr>
+        <p:spPr>
+          <a:xfrm>
+            <a:off x="1653310" y="5085329"/>
+            <a:ext cx="6003636" cy="461665"/>
+          </a:xfrm>
+          <a:prstGeom prst="rect">
+            <a:avLst/>
+          </a:prstGeom>
+          <a:noFill/>
+        </p:spPr>
+        <p:txBody>
+          <a:bodyPr wrap="square" rtlCol="0">
+            <a:spAutoFit/>
+          </a:bodyPr>
+          <a:lstStyle/>
+          <a:p>
+            <a:r>
+              <a:rPr lang="en-US" altLang="zh-CN" sz="2400" b="1" dirty="0"/>
+              <a:t>Number of sectors requested: 524,288</a:t>
+            </a:r>
+            <a:endParaRPr lang="zh-CN" altLang="en-US" sz="2400" b="1" dirty="0"/>
           </a:p>
         </p:txBody>
       </p:sp>
     </p:spTree>
     <p:extLst>
       <p:ext uri="{BB962C8B-B14F-4D97-AF65-F5344CB8AC3E}">
-        <p14:creationId xmlns:p14="http://schemas.microsoft.com/office/powerpoint/2010/main" val="835114469"/>
+        <p14:creationId xmlns:p14="http://schemas.microsoft.com/office/powerpoint/2010/main" val="1191200527"/>
       </p:ext>
     </p:extLst>
   </p:cSld>
@@ -10429,92 +10620,7 @@
           <p:cNvPr id="2" name="文本框 1">
             <a:extLst>
               <a:ext uri="{FF2B5EF4-FFF2-40B4-BE49-F238E27FC236}">
-                <a16:creationId xmlns:a16="http://schemas.microsoft.com/office/drawing/2014/main" id="{A96DDCC3-E34A-7B9B-FD27-64FAC20C270B}"/>
-              </a:ext>
-            </a:extLst>
-          </p:cNvPr>
-          <p:cNvSpPr txBox="1"/>
-          <p:nvPr/>
-        </p:nvSpPr>
-        <p:spPr>
-          <a:xfrm>
-            <a:off x="765066" y="1665980"/>
-            <a:ext cx="10545263" cy="3170099"/>
-          </a:xfrm>
-          <a:prstGeom prst="rect">
-            <a:avLst/>
-          </a:prstGeom>
-          <a:noFill/>
-        </p:spPr>
-        <p:txBody>
-          <a:bodyPr wrap="square" rtlCol="0">
-            <a:spAutoFit/>
-          </a:bodyPr>
-          <a:lstStyle/>
-          <a:p>
-            <a:pPr algn="just"/>
-            <a:r>
-              <a:rPr lang="en-US" altLang="zh-CN" sz="2000" b="1" dirty="0"/>
-              <a:t>Data transfers from global memory to shared memory have significantly higher latency compared to arithmetic operations. </a:t>
-            </a:r>
-          </a:p>
-          <a:p>
-            <a:pPr algn="just"/>
-            <a:endParaRPr lang="en-US" altLang="zh-CN" sz="2000" b="1" dirty="0"/>
-          </a:p>
-          <a:p>
-            <a:pPr algn="just"/>
-            <a:r>
-              <a:rPr lang="en-US" altLang="zh-CN" sz="2000" b="1" dirty="0"/>
-              <a:t>During this time, threads are forced to stall, idly waiting for the data needed to compute TILE_A * TILE_B. </a:t>
-            </a:r>
-          </a:p>
-          <a:p>
-            <a:pPr algn="just"/>
-            <a:endParaRPr lang="en-US" altLang="zh-CN" sz="2000" b="1" dirty="0"/>
-          </a:p>
-          <a:p>
-            <a:pPr algn="just"/>
-            <a:r>
-              <a:rPr lang="en-US" altLang="zh-CN" sz="2000" b="1" dirty="0"/>
-              <a:t>One way to mitigate this latency is by overlapping data transfers(</a:t>
-            </a:r>
-            <a:r>
-              <a:rPr lang="en-US" altLang="zh-CN" sz="2000" b="1" dirty="0" err="1"/>
-              <a:t>ld</a:t>
-            </a:r>
-            <a:r>
-              <a:rPr lang="en-US" altLang="zh-CN" sz="2000" b="1" dirty="0"/>
-              <a:t> instruction) with computations(</a:t>
-            </a:r>
-            <a:r>
-              <a:rPr lang="en-US" altLang="zh-CN" sz="2000" b="1" dirty="0" err="1"/>
-              <a:t>fma</a:t>
-            </a:r>
-            <a:r>
-              <a:rPr lang="en-US" altLang="zh-CN" sz="2000" b="1" dirty="0"/>
-              <a:t> instruction), leveraging instruction-level parallelism. </a:t>
-            </a:r>
-          </a:p>
-          <a:p>
-            <a:pPr algn="just"/>
-            <a:endParaRPr lang="en-US" altLang="zh-CN" sz="2000" b="1" dirty="0"/>
-          </a:p>
-          <a:p>
-            <a:pPr algn="just"/>
-            <a:r>
-              <a:rPr lang="en-US" altLang="zh-CN" sz="2000" b="1" dirty="0"/>
-              <a:t>The pseudo code is as follows:</a:t>
-            </a:r>
-          </a:p>
-        </p:txBody>
-      </p:sp>
-      <p:sp>
-        <p:nvSpPr>
-          <p:cNvPr id="3" name="文本框 2">
-            <a:extLst>
-              <a:ext uri="{FF2B5EF4-FFF2-40B4-BE49-F238E27FC236}">
-                <a16:creationId xmlns:a16="http://schemas.microsoft.com/office/drawing/2014/main" id="{7F39B435-E99E-A65B-821B-17A69B505E21}"/>
+                <a16:creationId xmlns:a16="http://schemas.microsoft.com/office/drawing/2014/main" id="{28C4963E-BDD4-DB39-42B4-4979629CF52A}"/>
               </a:ext>
             </a:extLst>
           </p:cNvPr>
@@ -10576,10 +10682,76 @@
           </a:p>
         </p:txBody>
       </p:sp>
+      <p:pic>
+        <p:nvPicPr>
+          <p:cNvPr id="7" name="图片 6">
+            <a:extLst>
+              <a:ext uri="{FF2B5EF4-FFF2-40B4-BE49-F238E27FC236}">
+                <a16:creationId xmlns:a16="http://schemas.microsoft.com/office/drawing/2014/main" id="{0B55F4A6-9AE6-EC66-5751-F237A1E91404}"/>
+              </a:ext>
+            </a:extLst>
+          </p:cNvPr>
+          <p:cNvPicPr>
+            <a:picLocks noChangeAspect="1"/>
+          </p:cNvPicPr>
+          <p:nvPr/>
+        </p:nvPicPr>
+        <p:blipFill>
+          <a:blip r:embed="rId2"/>
+          <a:stretch>
+            <a:fillRect/>
+          </a:stretch>
+        </p:blipFill>
+        <p:spPr>
+          <a:xfrm>
+            <a:off x="859806" y="2319940"/>
+            <a:ext cx="10289539" cy="2677278"/>
+          </a:xfrm>
+          <a:prstGeom prst="rect">
+            <a:avLst/>
+          </a:prstGeom>
+        </p:spPr>
+      </p:pic>
+      <p:sp>
+        <p:nvSpPr>
+          <p:cNvPr id="8" name="文本框 7">
+            <a:extLst>
+              <a:ext uri="{FF2B5EF4-FFF2-40B4-BE49-F238E27FC236}">
+                <a16:creationId xmlns:a16="http://schemas.microsoft.com/office/drawing/2014/main" id="{4E72B0D6-4532-BAFD-D0DC-C79A64FE9552}"/>
+              </a:ext>
+            </a:extLst>
+          </p:cNvPr>
+          <p:cNvSpPr txBox="1"/>
+          <p:nvPr/>
+        </p:nvSpPr>
+        <p:spPr>
+          <a:xfrm>
+            <a:off x="914401" y="1313299"/>
+            <a:ext cx="3946034" cy="400110"/>
+          </a:xfrm>
+          <a:prstGeom prst="rect">
+            <a:avLst/>
+          </a:prstGeom>
+          <a:noFill/>
+        </p:spPr>
+        <p:txBody>
+          <a:bodyPr wrap="square" rtlCol="0">
+            <a:spAutoFit/>
+          </a:bodyPr>
+          <a:lstStyle/>
+          <a:p>
+            <a:r>
+              <a:rPr lang="en-US" altLang="zh-CN" sz="2000" b="1" dirty="0"/>
+              <a:t>As cutlass document said:</a:t>
+            </a:r>
+            <a:endParaRPr lang="zh-CN" altLang="en-US" sz="2000" b="1" dirty="0"/>
+          </a:p>
+        </p:txBody>
+      </p:sp>
     </p:spTree>
     <p:extLst>
       <p:ext uri="{BB962C8B-B14F-4D97-AF65-F5344CB8AC3E}">
-        <p14:creationId xmlns:p14="http://schemas.microsoft.com/office/powerpoint/2010/main" val="2544584525"/>
+        <p14:creationId xmlns:p14="http://schemas.microsoft.com/office/powerpoint/2010/main" val="835114469"/>
       </p:ext>
     </p:extLst>
   </p:cSld>
@@ -10608,10 +10780,10 @@
       </p:grpSpPr>
       <p:sp>
         <p:nvSpPr>
-          <p:cNvPr id="5" name="文本框 4">
-            <a:extLst>
-              <a:ext uri="{FF2B5EF4-FFF2-40B4-BE49-F238E27FC236}">
-                <a16:creationId xmlns:a16="http://schemas.microsoft.com/office/drawing/2014/main" id="{DAB9FFA6-B7DE-8B48-D7C6-15C95E9B2BBA}"/>
+          <p:cNvPr id="2" name="文本框 1">
+            <a:extLst>
+              <a:ext uri="{FF2B5EF4-FFF2-40B4-BE49-F238E27FC236}">
+                <a16:creationId xmlns:a16="http://schemas.microsoft.com/office/drawing/2014/main" id="{A96DDCC3-E34A-7B9B-FD27-64FAC20C270B}"/>
               </a:ext>
             </a:extLst>
           </p:cNvPr>
@@ -10620,8 +10792,93 @@
         </p:nvSpPr>
         <p:spPr>
           <a:xfrm>
-            <a:off x="188710" y="345294"/>
-            <a:ext cx="8360009" cy="523220"/>
+            <a:off x="765066" y="1665980"/>
+            <a:ext cx="10545263" cy="3170099"/>
+          </a:xfrm>
+          <a:prstGeom prst="rect">
+            <a:avLst/>
+          </a:prstGeom>
+          <a:noFill/>
+        </p:spPr>
+        <p:txBody>
+          <a:bodyPr wrap="square" rtlCol="0">
+            <a:spAutoFit/>
+          </a:bodyPr>
+          <a:lstStyle/>
+          <a:p>
+            <a:pPr algn="just"/>
+            <a:r>
+              <a:rPr lang="en-US" altLang="zh-CN" sz="2000" b="1" dirty="0"/>
+              <a:t>Data transfers from global memory to shared memory have significantly higher latency compared to arithmetic operations. </a:t>
+            </a:r>
+          </a:p>
+          <a:p>
+            <a:pPr algn="just"/>
+            <a:endParaRPr lang="en-US" altLang="zh-CN" sz="2000" b="1" dirty="0"/>
+          </a:p>
+          <a:p>
+            <a:pPr algn="just"/>
+            <a:r>
+              <a:rPr lang="en-US" altLang="zh-CN" sz="2000" b="1" dirty="0"/>
+              <a:t>During this time, threads are forced to stall, idly waiting for the data needed to compute TILE_A * TILE_B. </a:t>
+            </a:r>
+          </a:p>
+          <a:p>
+            <a:pPr algn="just"/>
+            <a:endParaRPr lang="en-US" altLang="zh-CN" sz="2000" b="1" dirty="0"/>
+          </a:p>
+          <a:p>
+            <a:pPr algn="just"/>
+            <a:r>
+              <a:rPr lang="en-US" altLang="zh-CN" sz="2000" b="1" dirty="0"/>
+              <a:t>One way to mitigate this latency is by overlapping data transfers(</a:t>
+            </a:r>
+            <a:r>
+              <a:rPr lang="en-US" altLang="zh-CN" sz="2000" b="1" dirty="0" err="1"/>
+              <a:t>ld</a:t>
+            </a:r>
+            <a:r>
+              <a:rPr lang="en-US" altLang="zh-CN" sz="2000" b="1" dirty="0"/>
+              <a:t> instruction) with computations(</a:t>
+            </a:r>
+            <a:r>
+              <a:rPr lang="en-US" altLang="zh-CN" sz="2000" b="1" dirty="0" err="1"/>
+              <a:t>fma</a:t>
+            </a:r>
+            <a:r>
+              <a:rPr lang="en-US" altLang="zh-CN" sz="2000" b="1" dirty="0"/>
+              <a:t> instruction), leveraging instruction-level parallelism. </a:t>
+            </a:r>
+          </a:p>
+          <a:p>
+            <a:pPr algn="just"/>
+            <a:endParaRPr lang="en-US" altLang="zh-CN" sz="2000" b="1" dirty="0"/>
+          </a:p>
+          <a:p>
+            <a:pPr algn="just"/>
+            <a:r>
+              <a:rPr lang="en-US" altLang="zh-CN" sz="2000" b="1" dirty="0"/>
+              <a:t>The pseudo code is as follows:</a:t>
+            </a:r>
+          </a:p>
+        </p:txBody>
+      </p:sp>
+      <p:sp>
+        <p:nvSpPr>
+          <p:cNvPr id="3" name="文本框 2">
+            <a:extLst>
+              <a:ext uri="{FF2B5EF4-FFF2-40B4-BE49-F238E27FC236}">
+                <a16:creationId xmlns:a16="http://schemas.microsoft.com/office/drawing/2014/main" id="{7F39B435-E99E-A65B-821B-17A69B505E21}"/>
+              </a:ext>
+            </a:extLst>
+          </p:cNvPr>
+          <p:cNvSpPr txBox="1"/>
+          <p:nvPr/>
+        </p:nvSpPr>
+        <p:spPr>
+          <a:xfrm>
+            <a:off x="176436" y="183548"/>
+            <a:ext cx="7678813" cy="523220"/>
           </a:xfrm>
           <a:prstGeom prst="rect">
             <a:avLst/>
@@ -10673,40 +10930,10 @@
           </a:p>
         </p:txBody>
       </p:sp>
-      <p:pic>
-        <p:nvPicPr>
-          <p:cNvPr id="9" name="图片 8">
-            <a:extLst>
-              <a:ext uri="{FF2B5EF4-FFF2-40B4-BE49-F238E27FC236}">
-                <a16:creationId xmlns:a16="http://schemas.microsoft.com/office/drawing/2014/main" id="{0B12A95F-4BC2-1D51-439F-9252687C9111}"/>
-              </a:ext>
-            </a:extLst>
-          </p:cNvPr>
-          <p:cNvPicPr>
-            <a:picLocks noChangeAspect="1"/>
-          </p:cNvPicPr>
-          <p:nvPr/>
-        </p:nvPicPr>
-        <p:blipFill>
-          <a:blip r:embed="rId2"/>
-          <a:stretch>
-            <a:fillRect/>
-          </a:stretch>
-        </p:blipFill>
-        <p:spPr>
-          <a:xfrm>
-            <a:off x="2828571" y="1337509"/>
-            <a:ext cx="5982535" cy="4391638"/>
-          </a:xfrm>
-          <a:prstGeom prst="rect">
-            <a:avLst/>
-          </a:prstGeom>
-        </p:spPr>
-      </p:pic>
     </p:spTree>
     <p:extLst>
       <p:ext uri="{BB962C8B-B14F-4D97-AF65-F5344CB8AC3E}">
-        <p14:creationId xmlns:p14="http://schemas.microsoft.com/office/powerpoint/2010/main" val="1462063294"/>
+        <p14:creationId xmlns:p14="http://schemas.microsoft.com/office/powerpoint/2010/main" val="2544584525"/>
       </p:ext>
     </p:extLst>
   </p:cSld>
@@ -10735,10 +10962,10 @@
       </p:grpSpPr>
       <p:sp>
         <p:nvSpPr>
-          <p:cNvPr id="2" name="文本框 1">
-            <a:extLst>
-              <a:ext uri="{FF2B5EF4-FFF2-40B4-BE49-F238E27FC236}">
-                <a16:creationId xmlns:a16="http://schemas.microsoft.com/office/drawing/2014/main" id="{5C20ADEE-FF9D-CE49-8F9A-775C360AE867}"/>
+          <p:cNvPr id="5" name="文本框 4">
+            <a:extLst>
+              <a:ext uri="{FF2B5EF4-FFF2-40B4-BE49-F238E27FC236}">
+                <a16:creationId xmlns:a16="http://schemas.microsoft.com/office/drawing/2014/main" id="{DAB9FFA6-B7DE-8B48-D7C6-15C95E9B2BBA}"/>
               </a:ext>
             </a:extLst>
           </p:cNvPr>
@@ -10747,8 +10974,8 @@
         </p:nvSpPr>
         <p:spPr>
           <a:xfrm>
-            <a:off x="335996" y="127758"/>
-            <a:ext cx="4389427" cy="584775"/>
+            <a:off x="188710" y="345294"/>
+            <a:ext cx="8360009" cy="523220"/>
           </a:xfrm>
           <a:prstGeom prst="rect">
             <a:avLst/>
@@ -10761,7 +10988,7 @@
           </a:bodyPr>
           <a:lstStyle/>
           <a:p>
-            <a:pPr marR="0" lvl="0" algn="l" defTabSz="914400" rtl="0" eaLnBrk="1" fontAlgn="auto" latinLnBrk="0" hangingPunct="1">
+            <a:pPr marL="0" marR="0" lvl="0" indent="0" algn="l" defTabSz="914400" rtl="0" eaLnBrk="1" fontAlgn="auto" latinLnBrk="0" hangingPunct="1">
               <a:lnSpc>
                 <a:spcPct val="100000"/>
               </a:lnSpc>
@@ -10773,18 +11000,19 @@
               </a:spcAft>
               <a:buClrTx/>
               <a:buSzTx/>
+              <a:buFontTx/>
+              <a:buNone/>
               <a:tabLst/>
               <a:defRPr/>
             </a:pPr>
             <a:r>
-              <a:rPr kumimoji="0" lang="en-US" altLang="zh-CN" sz="3200" b="1" i="0" u="none" strike="noStrike" kern="1200" cap="none" spc="0" normalizeH="0" baseline="0" noProof="0" dirty="0">
+              <a:rPr kumimoji="0" lang="en-US" altLang="zh-CN" sz="2800" b="1" i="0" u="none" strike="noStrike" kern="1200" cap="none" spc="0" normalizeH="0" baseline="0" noProof="0" dirty="0">
                 <a:ln>
                   <a:noFill/>
                 </a:ln>
                 <a:solidFill>
-                  <a:srgbClr val="ED7D31">
-                    <a:lumMod val="60000"/>
-                    <a:lumOff val="40000"/>
+                  <a:srgbClr val="70AD47">
+                    <a:lumMod val="75000"/>
                   </a:srgbClr>
                 </a:solidFill>
                 <a:effectLst/>
@@ -10794,132 +11022,45 @@
                 <a:ea typeface="等线" panose="02010600030101010101" pitchFamily="2" charset="-122"/>
                 <a:cs typeface="+mn-cs"/>
               </a:rPr>
-              <a:t>Confusion and</a:t>
-            </a:r>
-            <a:r>
-              <a:rPr lang="zh-CN" altLang="en-US" sz="3200" b="1" dirty="0">
-                <a:solidFill>
-                  <a:srgbClr val="ED7D31">
-                    <a:lumMod val="60000"/>
-                    <a:lumOff val="40000"/>
-                  </a:srgbClr>
-                </a:solidFill>
-                <a:latin typeface="等线" panose="020F0502020204030204"/>
-                <a:ea typeface="等线" panose="02010600030101010101" pitchFamily="2" charset="-122"/>
-              </a:rPr>
-              <a:t> </a:t>
-            </a:r>
-            <a:r>
-              <a:rPr lang="en-US" altLang="zh-CN" sz="3200" b="1" dirty="0">
-                <a:solidFill>
-                  <a:srgbClr val="ED7D31">
-                    <a:lumMod val="60000"/>
-                    <a:lumOff val="40000"/>
-                  </a:srgbClr>
-                </a:solidFill>
-                <a:latin typeface="等线" panose="020F0502020204030204"/>
-                <a:ea typeface="等线" panose="02010600030101010101" pitchFamily="2" charset="-122"/>
-              </a:rPr>
-              <a:t>TODO</a:t>
-            </a:r>
-            <a:endParaRPr kumimoji="0" lang="en-US" altLang="zh-CN" sz="3200" b="1" i="0" u="none" strike="noStrike" kern="1200" cap="none" spc="0" normalizeH="0" baseline="0" noProof="0" dirty="0">
-              <a:ln>
-                <a:noFill/>
-              </a:ln>
-              <a:solidFill>
-                <a:srgbClr val="ED7D31">
-                  <a:lumMod val="60000"/>
-                  <a:lumOff val="40000"/>
-                </a:srgbClr>
-              </a:solidFill>
-              <a:effectLst/>
-              <a:uLnTx/>
-              <a:uFillTx/>
-              <a:latin typeface="等线" panose="020F0502020204030204"/>
-              <a:ea typeface="等线" panose="02010600030101010101" pitchFamily="2" charset="-122"/>
-              <a:cs typeface="+mn-cs"/>
-            </a:endParaRPr>
-          </a:p>
-        </p:txBody>
-      </p:sp>
-      <p:sp>
-        <p:nvSpPr>
-          <p:cNvPr id="6" name="文本框 5">
-            <a:extLst>
-              <a:ext uri="{FF2B5EF4-FFF2-40B4-BE49-F238E27FC236}">
-                <a16:creationId xmlns:a16="http://schemas.microsoft.com/office/drawing/2014/main" id="{45E110C7-0CC5-0F7A-776C-6C4A2921D05E}"/>
-              </a:ext>
-            </a:extLst>
-          </p:cNvPr>
-          <p:cNvSpPr txBox="1"/>
-          <p:nvPr/>
-        </p:nvSpPr>
-        <p:spPr>
-          <a:xfrm>
-            <a:off x="1049413" y="1968687"/>
-            <a:ext cx="10721186" cy="2246769"/>
-          </a:xfrm>
-          <a:prstGeom prst="rect">
-            <a:avLst/>
-          </a:prstGeom>
-          <a:noFill/>
-        </p:spPr>
-        <p:txBody>
-          <a:bodyPr wrap="square" rtlCol="0">
-            <a:spAutoFit/>
-          </a:bodyPr>
-          <a:lstStyle/>
-          <a:p>
-            <a:r>
-              <a:rPr lang="en-US" altLang="zh-CN" sz="2000" b="1" dirty="0"/>
-              <a:t>The main problems are:</a:t>
-            </a:r>
-          </a:p>
-          <a:p>
-            <a:endParaRPr lang="en-US" altLang="zh-CN" sz="2000" b="1" dirty="0"/>
-          </a:p>
-          <a:p>
-            <a:pPr marL="285750" indent="-285750">
-              <a:buFont typeface="Arial" panose="020B0604020202020204" pitchFamily="34" charset="0"/>
-              <a:buChar char="•"/>
-            </a:pPr>
-            <a:r>
-              <a:rPr lang="en-US" altLang="zh-CN" sz="2000" b="1" dirty="0"/>
-              <a:t>Even kernel 8(</a:t>
-            </a:r>
-            <a:r>
-              <a:rPr lang="en-US" altLang="zh-CN" sz="2000" b="1" dirty="0" err="1"/>
-              <a:t>warp_tile</a:t>
-            </a:r>
-            <a:r>
-              <a:rPr lang="en-US" altLang="zh-CN" sz="2000" b="1" dirty="0"/>
-              <a:t>) solves the bank conflict and uncoalesced global store, the performance is worse than kernel 7.</a:t>
-            </a:r>
-          </a:p>
-          <a:p>
-            <a:pPr marL="285750" indent="-285750">
-              <a:buFont typeface="Arial" panose="020B0604020202020204" pitchFamily="34" charset="0"/>
-              <a:buChar char="•"/>
-            </a:pPr>
-            <a:endParaRPr lang="en-US" altLang="zh-CN" sz="2000" b="1" dirty="0"/>
-          </a:p>
-          <a:p>
-            <a:pPr marL="285750" indent="-285750">
-              <a:buFont typeface="Arial" panose="020B0604020202020204" pitchFamily="34" charset="0"/>
-              <a:buChar char="•"/>
-            </a:pPr>
-            <a:r>
-              <a:rPr lang="en-US" altLang="zh-CN" sz="2000" b="1" dirty="0"/>
-              <a:t>Kernel 9(double buffering) performs even worse than kernel 8, this is because of excessive register usage.</a:t>
-            </a:r>
-            <a:endParaRPr lang="zh-CN" altLang="en-US" sz="2000" b="1" dirty="0"/>
-          </a:p>
-        </p:txBody>
-      </p:sp>
+              <a:t>Optimization worklog and concept illustration</a:t>
+            </a:r>
+          </a:p>
+        </p:txBody>
+      </p:sp>
+      <p:pic>
+        <p:nvPicPr>
+          <p:cNvPr id="9" name="图片 8">
+            <a:extLst>
+              <a:ext uri="{FF2B5EF4-FFF2-40B4-BE49-F238E27FC236}">
+                <a16:creationId xmlns:a16="http://schemas.microsoft.com/office/drawing/2014/main" id="{0B12A95F-4BC2-1D51-439F-9252687C9111}"/>
+              </a:ext>
+            </a:extLst>
+          </p:cNvPr>
+          <p:cNvPicPr>
+            <a:picLocks noChangeAspect="1"/>
+          </p:cNvPicPr>
+          <p:nvPr/>
+        </p:nvPicPr>
+        <p:blipFill>
+          <a:blip r:embed="rId2"/>
+          <a:stretch>
+            <a:fillRect/>
+          </a:stretch>
+        </p:blipFill>
+        <p:spPr>
+          <a:xfrm>
+            <a:off x="2828571" y="1337509"/>
+            <a:ext cx="5982535" cy="4391638"/>
+          </a:xfrm>
+          <a:prstGeom prst="rect">
+            <a:avLst/>
+          </a:prstGeom>
+        </p:spPr>
+      </p:pic>
     </p:spTree>
     <p:extLst>
       <p:ext uri="{BB962C8B-B14F-4D97-AF65-F5344CB8AC3E}">
-        <p14:creationId xmlns:p14="http://schemas.microsoft.com/office/powerpoint/2010/main" val="174841328"/>
+        <p14:creationId xmlns:p14="http://schemas.microsoft.com/office/powerpoint/2010/main" val="1462063294"/>
       </p:ext>
     </p:extLst>
   </p:cSld>
@@ -10951,7 +11092,7 @@
           <p:cNvPr id="2" name="文本框 1">
             <a:extLst>
               <a:ext uri="{FF2B5EF4-FFF2-40B4-BE49-F238E27FC236}">
-                <a16:creationId xmlns:a16="http://schemas.microsoft.com/office/drawing/2014/main" id="{8B482538-5B95-07B6-157A-F7184D247C55}"/>
+                <a16:creationId xmlns:a16="http://schemas.microsoft.com/office/drawing/2014/main" id="{5C20ADEE-FF9D-CE49-8F9A-775C360AE867}"/>
               </a:ext>
             </a:extLst>
           </p:cNvPr>
@@ -11057,10 +11198,10 @@
       </p:sp>
       <p:sp>
         <p:nvSpPr>
-          <p:cNvPr id="3" name="文本框 2">
-            <a:extLst>
-              <a:ext uri="{FF2B5EF4-FFF2-40B4-BE49-F238E27FC236}">
-                <a16:creationId xmlns:a16="http://schemas.microsoft.com/office/drawing/2014/main" id="{183CADAA-2CB8-82D7-81AD-443DB1A196AE}"/>
+          <p:cNvPr id="6" name="文本框 5">
+            <a:extLst>
+              <a:ext uri="{FF2B5EF4-FFF2-40B4-BE49-F238E27FC236}">
+                <a16:creationId xmlns:a16="http://schemas.microsoft.com/office/drawing/2014/main" id="{45E110C7-0CC5-0F7A-776C-6C4A2921D05E}"/>
               </a:ext>
             </a:extLst>
           </p:cNvPr>
@@ -11069,8 +11210,8 @@
         </p:nvSpPr>
         <p:spPr>
           <a:xfrm>
-            <a:off x="1098506" y="1301026"/>
-            <a:ext cx="10211823" cy="4401205"/>
+            <a:off x="1049413" y="1968687"/>
+            <a:ext cx="10721186" cy="2246769"/>
           </a:xfrm>
           <a:prstGeom prst="rect">
             <a:avLst/>
@@ -11085,20 +11226,7 @@
           <a:p>
             <a:r>
               <a:rPr lang="en-US" altLang="zh-CN" sz="2000" b="1" dirty="0"/>
-              <a:t>TODO:</a:t>
-            </a:r>
-          </a:p>
-          <a:p>
-            <a:endParaRPr lang="en-US" altLang="zh-CN" sz="2000" b="1" dirty="0"/>
-          </a:p>
-          <a:p>
-            <a:pPr marL="342900" indent="-342900">
-              <a:buFont typeface="Arial" panose="020B0604020202020204" pitchFamily="34" charset="0"/>
-              <a:buChar char="•"/>
-            </a:pPr>
-            <a:r>
-              <a:rPr lang="en-US" altLang="zh-CN" sz="2000" b="1" dirty="0"/>
-              <a:t>Test more configurations.</a:t>
+              <a:t>The main problems are:</a:t>
             </a:r>
           </a:p>
           <a:p>
@@ -11110,12 +11238,16 @@
               <a:buChar char="•"/>
             </a:pPr>
             <a:r>
+              <a:rPr lang="en-US" altLang="zh-CN" sz="2000" b="1" dirty="0"/>
+              <a:t>Even kernel 8(</a:t>
+            </a:r>
+            <a:r>
               <a:rPr lang="en-US" altLang="zh-CN" sz="2000" b="1" dirty="0" err="1"/>
-              <a:t>asm</a:t>
+              <a:t>warp_tile</a:t>
             </a:r>
             <a:r>
               <a:rPr lang="en-US" altLang="zh-CN" sz="2000" b="1" dirty="0"/>
-              <a:t>() can be used to integrate PTX code into CUDA code, I wonder if it brings any performance improvement.</a:t>
+              <a:t>) solves the bank conflict and uncoalesced global store, the performance is worse than kernel 7.</a:t>
             </a:r>
           </a:p>
           <a:p>
@@ -11132,74 +11264,16 @@
             </a:pPr>
             <a:r>
               <a:rPr lang="en-US" altLang="zh-CN" sz="2000" b="1" dirty="0"/>
-              <a:t>For now, my kernels only deal with perfect square matrix with no tile quantization.</a:t>
-            </a:r>
-          </a:p>
-          <a:p>
-            <a:pPr marL="285750" indent="-285750">
-              <a:buFont typeface="Arial" panose="020B0604020202020204" pitchFamily="34" charset="0"/>
-              <a:buChar char="•"/>
-            </a:pPr>
-            <a:endParaRPr lang="en-US" altLang="zh-CN" sz="2000" b="1" dirty="0"/>
-          </a:p>
-          <a:p>
-            <a:pPr marL="285750" indent="-285750">
-              <a:buFont typeface="Arial" panose="020B0604020202020204" pitchFamily="34" charset="0"/>
-              <a:buChar char="•"/>
-            </a:pPr>
-            <a:r>
-              <a:rPr lang="en-US" altLang="zh-CN" sz="2000" b="1" dirty="0" err="1"/>
-              <a:t>Sgemm</a:t>
-            </a:r>
-            <a:r>
-              <a:rPr lang="en-US" altLang="zh-CN" sz="2000" b="1" dirty="0"/>
-              <a:t> can’t use tensor core, bf16 format is useful in mixed precision training.</a:t>
-            </a:r>
-          </a:p>
-          <a:p>
-            <a:pPr marL="285750" indent="-285750">
-              <a:buFont typeface="Arial" panose="020B0604020202020204" pitchFamily="34" charset="0"/>
-              <a:buChar char="•"/>
-            </a:pPr>
-            <a:endParaRPr lang="en-US" altLang="zh-CN" sz="2000" b="1" dirty="0"/>
-          </a:p>
-          <a:p>
-            <a:pPr marL="285750" indent="-285750">
-              <a:buFont typeface="Arial" panose="020B0604020202020204" pitchFamily="34" charset="0"/>
-              <a:buChar char="•"/>
-            </a:pPr>
-            <a:r>
-              <a:rPr lang="en-US" altLang="zh-CN" sz="2000" b="1" dirty="0"/>
-              <a:t>Hopper GPU has some new features: TMA,   asynchronous barrier.</a:t>
-            </a:r>
-          </a:p>
-          <a:p>
-            <a:pPr marL="285750" indent="-285750">
-              <a:buFont typeface="Arial" panose="020B0604020202020204" pitchFamily="34" charset="0"/>
-              <a:buChar char="•"/>
-            </a:pPr>
-            <a:endParaRPr lang="en-US" altLang="zh-CN" sz="2000" b="1" dirty="0"/>
-          </a:p>
-          <a:p>
-            <a:pPr marL="285750" indent="-285750">
-              <a:buFont typeface="Arial" panose="020B0604020202020204" pitchFamily="34" charset="0"/>
-              <a:buChar char="•"/>
-            </a:pPr>
-            <a:r>
-              <a:rPr lang="en-US" altLang="zh-CN" sz="2000" b="1" dirty="0"/>
-              <a:t>Maybe I will digger deeper into CUTLASS</a:t>
-            </a:r>
-            <a:r>
-              <a:rPr lang="en-US" altLang="zh-CN" dirty="0"/>
-              <a:t>.</a:t>
-            </a:r>
+              <a:t>Kernel 9(double buffering) performs even worse than kernel 8, this is because of excessive register usage.</a:t>
+            </a:r>
+            <a:endParaRPr lang="zh-CN" altLang="en-US" sz="2000" b="1" dirty="0"/>
           </a:p>
         </p:txBody>
       </p:sp>
     </p:spTree>
     <p:extLst>
       <p:ext uri="{BB962C8B-B14F-4D97-AF65-F5344CB8AC3E}">
-        <p14:creationId xmlns:p14="http://schemas.microsoft.com/office/powerpoint/2010/main" val="2993609768"/>
+        <p14:creationId xmlns:p14="http://schemas.microsoft.com/office/powerpoint/2010/main" val="174841328"/>
       </p:ext>
     </p:extLst>
   </p:cSld>
@@ -11231,7 +11305,7 @@
           <p:cNvPr id="2" name="文本框 1">
             <a:extLst>
               <a:ext uri="{FF2B5EF4-FFF2-40B4-BE49-F238E27FC236}">
-                <a16:creationId xmlns:a16="http://schemas.microsoft.com/office/drawing/2014/main" id="{CA1E45E4-081D-9956-7EEF-11B283FB313F}"/>
+                <a16:creationId xmlns:a16="http://schemas.microsoft.com/office/drawing/2014/main" id="{8B482538-5B95-07B6-157A-F7184D247C55}"/>
               </a:ext>
             </a:extLst>
           </p:cNvPr>
@@ -11240,8 +11314,8 @@
         </p:nvSpPr>
         <p:spPr>
           <a:xfrm>
-            <a:off x="593746" y="431769"/>
-            <a:ext cx="1400751" cy="584775"/>
+            <a:off x="335996" y="127758"/>
+            <a:ext cx="4389427" cy="584775"/>
           </a:xfrm>
           <a:prstGeom prst="rect">
             <a:avLst/>
@@ -11275,7 +11349,10 @@
                   <a:noFill/>
                 </a:ln>
                 <a:solidFill>
-                  <a:srgbClr val="CF90E8"/>
+                  <a:srgbClr val="ED7D31">
+                    <a:lumMod val="60000"/>
+                    <a:lumOff val="40000"/>
+                  </a:srgbClr>
                 </a:solidFill>
                 <a:effectLst/>
                 <a:uLnTx/>
@@ -11284,8 +11361,51 @@
                 <a:ea typeface="等线" panose="02010600030101010101" pitchFamily="2" charset="-122"/>
                 <a:cs typeface="+mn-cs"/>
               </a:rPr>
-              <a:t>Bonus</a:t>
-            </a:r>
+              <a:t>Confusion and</a:t>
+            </a:r>
+            <a:r>
+              <a:rPr lang="zh-CN" altLang="en-US" sz="3200" b="1" dirty="0">
+                <a:solidFill>
+                  <a:srgbClr val="ED7D31">
+                    <a:lumMod val="60000"/>
+                    <a:lumOff val="40000"/>
+                  </a:srgbClr>
+                </a:solidFill>
+                <a:latin typeface="等线" panose="020F0502020204030204"/>
+                <a:ea typeface="等线" panose="02010600030101010101" pitchFamily="2" charset="-122"/>
+              </a:rPr>
+              <a:t> </a:t>
+            </a:r>
+            <a:r>
+              <a:rPr lang="en-US" altLang="zh-CN" sz="3200" b="1" dirty="0">
+                <a:solidFill>
+                  <a:srgbClr val="ED7D31">
+                    <a:lumMod val="60000"/>
+                    <a:lumOff val="40000"/>
+                  </a:srgbClr>
+                </a:solidFill>
+                <a:latin typeface="等线" panose="020F0502020204030204"/>
+                <a:ea typeface="等线" panose="02010600030101010101" pitchFamily="2" charset="-122"/>
+              </a:rPr>
+              <a:t>TODO</a:t>
+            </a:r>
+            <a:endParaRPr kumimoji="0" lang="en-US" altLang="zh-CN" sz="3200" b="1" i="0" u="none" strike="noStrike" kern="1200" cap="none" spc="0" normalizeH="0" baseline="0" noProof="0" dirty="0">
+              <a:ln>
+                <a:noFill/>
+              </a:ln>
+              <a:solidFill>
+                <a:srgbClr val="ED7D31">
+                  <a:lumMod val="60000"/>
+                  <a:lumOff val="40000"/>
+                </a:srgbClr>
+              </a:solidFill>
+              <a:effectLst/>
+              <a:uLnTx/>
+              <a:uFillTx/>
+              <a:latin typeface="等线" panose="020F0502020204030204"/>
+              <a:ea typeface="等线" panose="02010600030101010101" pitchFamily="2" charset="-122"/>
+              <a:cs typeface="+mn-cs"/>
+            </a:endParaRPr>
           </a:p>
         </p:txBody>
       </p:sp>
@@ -11294,7 +11414,7 @@
           <p:cNvPr id="3" name="文本框 2">
             <a:extLst>
               <a:ext uri="{FF2B5EF4-FFF2-40B4-BE49-F238E27FC236}">
-                <a16:creationId xmlns:a16="http://schemas.microsoft.com/office/drawing/2014/main" id="{8227A2D7-0B01-4129-4E1F-1C5C25F6BB83}"/>
+                <a16:creationId xmlns:a16="http://schemas.microsoft.com/office/drawing/2014/main" id="{183CADAA-2CB8-82D7-81AD-443DB1A196AE}"/>
               </a:ext>
             </a:extLst>
           </p:cNvPr>
@@ -11303,8 +11423,8 @@
         </p:nvSpPr>
         <p:spPr>
           <a:xfrm>
-            <a:off x="644376" y="2129508"/>
-            <a:ext cx="6511264" cy="954107"/>
+            <a:off x="1098506" y="1301026"/>
+            <a:ext cx="10211823" cy="4401205"/>
           </a:xfrm>
           <a:prstGeom prst="rect">
             <a:avLst/>
@@ -11316,33 +11436,124 @@
             <a:spAutoFit/>
           </a:bodyPr>
           <a:lstStyle/>
+          <a:p>
+            <a:r>
+              <a:rPr lang="en-US" altLang="zh-CN" sz="2000" b="1" dirty="0"/>
+              <a:t>TODO:</a:t>
+            </a:r>
+          </a:p>
+          <a:p>
+            <a:endParaRPr lang="en-US" altLang="zh-CN" sz="2000" b="1" dirty="0"/>
+          </a:p>
+          <a:p>
+            <a:pPr marL="342900" indent="-342900">
+              <a:buFont typeface="Arial" panose="020B0604020202020204" pitchFamily="34" charset="0"/>
+              <a:buChar char="•"/>
+            </a:pPr>
+            <a:r>
+              <a:rPr lang="en-US" altLang="zh-CN" sz="2000" b="1" dirty="0"/>
+              <a:t>Test more configurations.</a:t>
+            </a:r>
+          </a:p>
+          <a:p>
+            <a:endParaRPr lang="en-US" altLang="zh-CN" sz="2000" b="1" dirty="0"/>
+          </a:p>
           <a:p>
             <a:pPr marL="285750" indent="-285750">
               <a:buFont typeface="Arial" panose="020B0604020202020204" pitchFamily="34" charset="0"/>
               <a:buChar char="•"/>
             </a:pPr>
             <a:r>
-              <a:rPr lang="en-US" altLang="zh-CN" sz="2800" b="1" dirty="0"/>
-              <a:t>How </a:t>
-            </a:r>
-            <a:r>
-              <a:rPr lang="en-US" altLang="zh-CN" sz="2800" b="1" dirty="0" err="1"/>
-              <a:t>ncu</a:t>
-            </a:r>
-            <a:r>
-              <a:rPr lang="en-US" altLang="zh-CN" sz="2800" b="1" dirty="0"/>
-              <a:t> profiler works</a:t>
-            </a:r>
-          </a:p>
-          <a:p>
-            <a:endParaRPr lang="en-US" altLang="zh-CN" sz="2800" b="1" dirty="0"/>
+              <a:rPr lang="en-US" altLang="zh-CN" sz="2000" b="1" dirty="0" err="1"/>
+              <a:t>asm</a:t>
+            </a:r>
+            <a:r>
+              <a:rPr lang="en-US" altLang="zh-CN" sz="2000" b="1" dirty="0"/>
+              <a:t>() can be used to integrate PTX code into CUDA code, I wonder if it brings any performance improvement.</a:t>
+            </a:r>
+          </a:p>
+          <a:p>
+            <a:pPr marL="285750" indent="-285750">
+              <a:buFont typeface="Arial" panose="020B0604020202020204" pitchFamily="34" charset="0"/>
+              <a:buChar char="•"/>
+            </a:pPr>
+            <a:endParaRPr lang="en-US" altLang="zh-CN" sz="2000" b="1" dirty="0"/>
+          </a:p>
+          <a:p>
+            <a:pPr marL="285750" indent="-285750">
+              <a:buFont typeface="Arial" panose="020B0604020202020204" pitchFamily="34" charset="0"/>
+              <a:buChar char="•"/>
+            </a:pPr>
+            <a:r>
+              <a:rPr lang="en-US" altLang="zh-CN" sz="2000" b="1" dirty="0"/>
+              <a:t>For now, my kernels only deal with perfect square matrix with no tile quantization.</a:t>
+            </a:r>
+          </a:p>
+          <a:p>
+            <a:pPr marL="285750" indent="-285750">
+              <a:buFont typeface="Arial" panose="020B0604020202020204" pitchFamily="34" charset="0"/>
+              <a:buChar char="•"/>
+            </a:pPr>
+            <a:endParaRPr lang="en-US" altLang="zh-CN" sz="2000" b="1" dirty="0"/>
+          </a:p>
+          <a:p>
+            <a:pPr marL="285750" indent="-285750">
+              <a:buFont typeface="Arial" panose="020B0604020202020204" pitchFamily="34" charset="0"/>
+              <a:buChar char="•"/>
+            </a:pPr>
+            <a:r>
+              <a:rPr lang="en-US" altLang="zh-CN" sz="2000" b="1" dirty="0" err="1"/>
+              <a:t>Sgemm</a:t>
+            </a:r>
+            <a:r>
+              <a:rPr lang="en-US" altLang="zh-CN" sz="2000" b="1" dirty="0"/>
+              <a:t> can’t use tensor core, bf16 format is useful in mixed precision training.</a:t>
+            </a:r>
+          </a:p>
+          <a:p>
+            <a:pPr marL="285750" indent="-285750">
+              <a:buFont typeface="Arial" panose="020B0604020202020204" pitchFamily="34" charset="0"/>
+              <a:buChar char="•"/>
+            </a:pPr>
+            <a:endParaRPr lang="en-US" altLang="zh-CN" sz="2000" b="1" dirty="0"/>
+          </a:p>
+          <a:p>
+            <a:pPr marL="285750" indent="-285750">
+              <a:buFont typeface="Arial" panose="020B0604020202020204" pitchFamily="34" charset="0"/>
+              <a:buChar char="•"/>
+            </a:pPr>
+            <a:r>
+              <a:rPr lang="en-US" altLang="zh-CN" sz="2000" b="1" dirty="0"/>
+              <a:t>Hopper GPU has some new features: TMA,   asynchronous barrier.</a:t>
+            </a:r>
+          </a:p>
+          <a:p>
+            <a:pPr marL="285750" indent="-285750">
+              <a:buFont typeface="Arial" panose="020B0604020202020204" pitchFamily="34" charset="0"/>
+              <a:buChar char="•"/>
+            </a:pPr>
+            <a:endParaRPr lang="en-US" altLang="zh-CN" sz="2000" b="1" dirty="0"/>
+          </a:p>
+          <a:p>
+            <a:pPr marL="285750" indent="-285750">
+              <a:buFont typeface="Arial" panose="020B0604020202020204" pitchFamily="34" charset="0"/>
+              <a:buChar char="•"/>
+            </a:pPr>
+            <a:r>
+              <a:rPr lang="en-US" altLang="zh-CN" sz="2000" b="1" dirty="0"/>
+              <a:t>Maybe I will digger deeper into CUTLASS</a:t>
+            </a:r>
+            <a:r>
+              <a:rPr lang="en-US" altLang="zh-CN" dirty="0"/>
+              <a:t>.</a:t>
+            </a:r>
           </a:p>
         </p:txBody>
       </p:sp>
     </p:spTree>
     <p:extLst>
       <p:ext uri="{BB962C8B-B14F-4D97-AF65-F5344CB8AC3E}">
-        <p14:creationId xmlns:p14="http://schemas.microsoft.com/office/powerpoint/2010/main" val="1266940628"/>
+        <p14:creationId xmlns:p14="http://schemas.microsoft.com/office/powerpoint/2010/main" val="2993609768"/>
       </p:ext>
     </p:extLst>
   </p:cSld>
@@ -11374,7 +11585,7 @@
           <p:cNvPr id="2" name="文本框 1">
             <a:extLst>
               <a:ext uri="{FF2B5EF4-FFF2-40B4-BE49-F238E27FC236}">
-                <a16:creationId xmlns:a16="http://schemas.microsoft.com/office/drawing/2014/main" id="{405F664B-8971-3F96-7160-B7E54F28CE3A}"/>
+                <a16:creationId xmlns:a16="http://schemas.microsoft.com/office/drawing/2014/main" id="{CA1E45E4-081D-9956-7EEF-11B283FB313F}"/>
               </a:ext>
             </a:extLst>
           </p:cNvPr>
@@ -11432,40 +11643,60 @@
           </a:p>
         </p:txBody>
       </p:sp>
-      <p:pic>
-        <p:nvPicPr>
-          <p:cNvPr id="12" name="图片 11">
-            <a:extLst>
-              <a:ext uri="{FF2B5EF4-FFF2-40B4-BE49-F238E27FC236}">
-                <a16:creationId xmlns:a16="http://schemas.microsoft.com/office/drawing/2014/main" id="{30FAECB4-09D6-1D02-3F23-E303D21C76D8}"/>
-              </a:ext>
-            </a:extLst>
-          </p:cNvPr>
-          <p:cNvPicPr>
-            <a:picLocks noChangeAspect="1"/>
-          </p:cNvPicPr>
-          <p:nvPr/>
-        </p:nvPicPr>
-        <p:blipFill>
-          <a:blip r:embed="rId2"/>
-          <a:stretch>
-            <a:fillRect/>
-          </a:stretch>
-        </p:blipFill>
-        <p:spPr>
-          <a:xfrm>
-            <a:off x="2630534" y="500205"/>
-            <a:ext cx="6820312" cy="6022734"/>
-          </a:xfrm>
-          <a:prstGeom prst="rect">
-            <a:avLst/>
-          </a:prstGeom>
-        </p:spPr>
-      </p:pic>
+      <p:sp>
+        <p:nvSpPr>
+          <p:cNvPr id="3" name="文本框 2">
+            <a:extLst>
+              <a:ext uri="{FF2B5EF4-FFF2-40B4-BE49-F238E27FC236}">
+                <a16:creationId xmlns:a16="http://schemas.microsoft.com/office/drawing/2014/main" id="{8227A2D7-0B01-4129-4E1F-1C5C25F6BB83}"/>
+              </a:ext>
+            </a:extLst>
+          </p:cNvPr>
+          <p:cNvSpPr txBox="1"/>
+          <p:nvPr/>
+        </p:nvSpPr>
+        <p:spPr>
+          <a:xfrm>
+            <a:off x="644376" y="2129508"/>
+            <a:ext cx="6511264" cy="954107"/>
+          </a:xfrm>
+          <a:prstGeom prst="rect">
+            <a:avLst/>
+          </a:prstGeom>
+          <a:noFill/>
+        </p:spPr>
+        <p:txBody>
+          <a:bodyPr wrap="square" rtlCol="0">
+            <a:spAutoFit/>
+          </a:bodyPr>
+          <a:lstStyle/>
+          <a:p>
+            <a:pPr marL="285750" indent="-285750">
+              <a:buFont typeface="Arial" panose="020B0604020202020204" pitchFamily="34" charset="0"/>
+              <a:buChar char="•"/>
+            </a:pPr>
+            <a:r>
+              <a:rPr lang="en-US" altLang="zh-CN" sz="2800" b="1" dirty="0"/>
+              <a:t>How </a:t>
+            </a:r>
+            <a:r>
+              <a:rPr lang="en-US" altLang="zh-CN" sz="2800" b="1" dirty="0" err="1"/>
+              <a:t>ncu</a:t>
+            </a:r>
+            <a:r>
+              <a:rPr lang="en-US" altLang="zh-CN" sz="2800" b="1" dirty="0"/>
+              <a:t> profiler works</a:t>
+            </a:r>
+          </a:p>
+          <a:p>
+            <a:endParaRPr lang="en-US" altLang="zh-CN" sz="2800" b="1" dirty="0"/>
+          </a:p>
+        </p:txBody>
+      </p:sp>
     </p:spTree>
     <p:extLst>
       <p:ext uri="{BB962C8B-B14F-4D97-AF65-F5344CB8AC3E}">
-        <p14:creationId xmlns:p14="http://schemas.microsoft.com/office/powerpoint/2010/main" val="262606484"/>
+        <p14:creationId xmlns:p14="http://schemas.microsoft.com/office/powerpoint/2010/main" val="1266940628"/>
       </p:ext>
     </p:extLst>
   </p:cSld>
@@ -11494,70 +11725,10 @@
       </p:grpSpPr>
       <p:sp>
         <p:nvSpPr>
-          <p:cNvPr id="3" name="文本框 2">
-            <a:extLst>
-              <a:ext uri="{FF2B5EF4-FFF2-40B4-BE49-F238E27FC236}">
-                <a16:creationId xmlns:a16="http://schemas.microsoft.com/office/drawing/2014/main" id="{C4259EF7-E784-32D2-DF07-A001183B8394}"/>
-              </a:ext>
-            </a:extLst>
-          </p:cNvPr>
-          <p:cNvSpPr txBox="1"/>
-          <p:nvPr/>
-        </p:nvSpPr>
-        <p:spPr>
-          <a:xfrm>
-            <a:off x="1080097" y="1448311"/>
-            <a:ext cx="9794513" cy="1323439"/>
-          </a:xfrm>
-          <a:prstGeom prst="rect">
-            <a:avLst/>
-          </a:prstGeom>
-          <a:noFill/>
-        </p:spPr>
-        <p:txBody>
-          <a:bodyPr wrap="square" rtlCol="0">
-            <a:spAutoFit/>
-          </a:bodyPr>
-          <a:lstStyle/>
-          <a:p>
-            <a:r>
-              <a:rPr lang="en-US" altLang="zh-CN" sz="2000" b="1" dirty="0"/>
-              <a:t>If collecting many metrics using </a:t>
-            </a:r>
-            <a:r>
-              <a:rPr lang="en-US" altLang="zh-CN" sz="2000" b="1" dirty="0" err="1"/>
-              <a:t>ncu</a:t>
-            </a:r>
-            <a:r>
-              <a:rPr lang="en-US" altLang="zh-CN" sz="2000" b="1" dirty="0"/>
-              <a:t>, one profile pass may not be enough because the profiling itself consumes </a:t>
-            </a:r>
-            <a:r>
-              <a:rPr lang="en-US" altLang="zh-CN" sz="2000" b="1" dirty="0" err="1"/>
-              <a:t>gpu</a:t>
-            </a:r>
-            <a:r>
-              <a:rPr lang="en-US" altLang="zh-CN" sz="2000" b="1" dirty="0"/>
-              <a:t> resources. To not have a negative impact on the kernel, typically multiple passes are needed to collect all the information. When replaying the kernel, </a:t>
-            </a:r>
-            <a:r>
-              <a:rPr lang="en-US" altLang="zh-CN" sz="2000" b="1" dirty="0" err="1"/>
-              <a:t>ncu</a:t>
-            </a:r>
-            <a:r>
-              <a:rPr lang="en-US" altLang="zh-CN" sz="2000" b="1" dirty="0"/>
-              <a:t> does the below:</a:t>
-            </a:r>
-            <a:endParaRPr lang="zh-CN" altLang="en-US" sz="2000" b="1" dirty="0"/>
-          </a:p>
-        </p:txBody>
-      </p:sp>
-      <p:sp>
-        <p:nvSpPr>
-          <p:cNvPr id="4" name="文本框 3">
-            <a:extLst>
-              <a:ext uri="{FF2B5EF4-FFF2-40B4-BE49-F238E27FC236}">
-                <a16:creationId xmlns:a16="http://schemas.microsoft.com/office/drawing/2014/main" id="{7CFD213A-2520-54B0-E74A-7D9511759731}"/>
+          <p:cNvPr id="2" name="文本框 1">
+            <a:extLst>
+              <a:ext uri="{FF2B5EF4-FFF2-40B4-BE49-F238E27FC236}">
+                <a16:creationId xmlns:a16="http://schemas.microsoft.com/office/drawing/2014/main" id="{405F664B-8971-3F96-7160-B7E54F28CE3A}"/>
               </a:ext>
             </a:extLst>
           </p:cNvPr>
@@ -11617,10 +11788,10 @@
       </p:sp>
       <p:pic>
         <p:nvPicPr>
-          <p:cNvPr id="6" name="图片 5">
-            <a:extLst>
-              <a:ext uri="{FF2B5EF4-FFF2-40B4-BE49-F238E27FC236}">
-                <a16:creationId xmlns:a16="http://schemas.microsoft.com/office/drawing/2014/main" id="{4A96677C-D0CB-BFDA-F5B3-8A163AF5AD9F}"/>
+          <p:cNvPr id="12" name="图片 11">
+            <a:extLst>
+              <a:ext uri="{FF2B5EF4-FFF2-40B4-BE49-F238E27FC236}">
+                <a16:creationId xmlns:a16="http://schemas.microsoft.com/office/drawing/2014/main" id="{30FAECB4-09D6-1D02-3F23-E303D21C76D8}"/>
               </a:ext>
             </a:extLst>
           </p:cNvPr>
@@ -11637,8 +11808,8 @@
         </p:blipFill>
         <p:spPr>
           <a:xfrm>
-            <a:off x="1243746" y="3087719"/>
-            <a:ext cx="9794514" cy="3146557"/>
+            <a:off x="2630534" y="500205"/>
+            <a:ext cx="6820312" cy="6022734"/>
           </a:xfrm>
           <a:prstGeom prst="rect">
             <a:avLst/>
@@ -11648,7 +11819,7 @@
     </p:spTree>
     <p:extLst>
       <p:ext uri="{BB962C8B-B14F-4D97-AF65-F5344CB8AC3E}">
-        <p14:creationId xmlns:p14="http://schemas.microsoft.com/office/powerpoint/2010/main" val="334617678"/>
+        <p14:creationId xmlns:p14="http://schemas.microsoft.com/office/powerpoint/2010/main" val="262606484"/>
       </p:ext>
     </p:extLst>
   </p:cSld>
@@ -11677,10 +11848,10 @@
       </p:grpSpPr>
       <p:sp>
         <p:nvSpPr>
-          <p:cNvPr id="2" name="文本框 1">
-            <a:extLst>
-              <a:ext uri="{FF2B5EF4-FFF2-40B4-BE49-F238E27FC236}">
-                <a16:creationId xmlns:a16="http://schemas.microsoft.com/office/drawing/2014/main" id="{3FEE3E1B-80C7-F3C7-FBD1-C7452742888A}"/>
+          <p:cNvPr id="3" name="文本框 2">
+            <a:extLst>
+              <a:ext uri="{FF2B5EF4-FFF2-40B4-BE49-F238E27FC236}">
+                <a16:creationId xmlns:a16="http://schemas.microsoft.com/office/drawing/2014/main" id="{C4259EF7-E784-32D2-DF07-A001183B8394}"/>
               </a:ext>
             </a:extLst>
           </p:cNvPr>
@@ -11689,8 +11860,8 @@
         </p:nvSpPr>
         <p:spPr>
           <a:xfrm>
-            <a:off x="3583958" y="2761611"/>
-            <a:ext cx="4854298" cy="584775"/>
+            <a:off x="1080097" y="1448311"/>
+            <a:ext cx="9794513" cy="1323439"/>
           </a:xfrm>
           <a:prstGeom prst="rect">
             <a:avLst/>
@@ -11704,17 +11875,134 @@
           <a:lstStyle/>
           <a:p>
             <a:r>
-              <a:rPr lang="en-US" altLang="zh-CN" sz="3200" b="1" dirty="0"/>
-              <a:t>Thank you for your time.</a:t>
-            </a:r>
-            <a:endParaRPr lang="zh-CN" altLang="en-US" sz="3200" b="1" dirty="0"/>
-          </a:p>
-        </p:txBody>
-      </p:sp>
+              <a:rPr lang="en-US" altLang="zh-CN" sz="2000" b="1" dirty="0"/>
+              <a:t>If collecting many metrics using </a:t>
+            </a:r>
+            <a:r>
+              <a:rPr lang="en-US" altLang="zh-CN" sz="2000" b="1" dirty="0" err="1"/>
+              <a:t>ncu</a:t>
+            </a:r>
+            <a:r>
+              <a:rPr lang="en-US" altLang="zh-CN" sz="2000" b="1" dirty="0"/>
+              <a:t>, one profile pass may not be enough because the profiling itself consumes </a:t>
+            </a:r>
+            <a:r>
+              <a:rPr lang="en-US" altLang="zh-CN" sz="2000" b="1" dirty="0" err="1"/>
+              <a:t>gpu</a:t>
+            </a:r>
+            <a:r>
+              <a:rPr lang="en-US" altLang="zh-CN" sz="2000" b="1" dirty="0"/>
+              <a:t> resources. To not have a negative impact on the kernel, typically multiple passes are needed to collect all the information. When replaying the kernel, </a:t>
+            </a:r>
+            <a:r>
+              <a:rPr lang="en-US" altLang="zh-CN" sz="2000" b="1" dirty="0" err="1"/>
+              <a:t>ncu</a:t>
+            </a:r>
+            <a:r>
+              <a:rPr lang="en-US" altLang="zh-CN" sz="2000" b="1" dirty="0"/>
+              <a:t> does the below:</a:t>
+            </a:r>
+            <a:endParaRPr lang="zh-CN" altLang="en-US" sz="2000" b="1" dirty="0"/>
+          </a:p>
+        </p:txBody>
+      </p:sp>
+      <p:sp>
+        <p:nvSpPr>
+          <p:cNvPr id="4" name="文本框 3">
+            <a:extLst>
+              <a:ext uri="{FF2B5EF4-FFF2-40B4-BE49-F238E27FC236}">
+                <a16:creationId xmlns:a16="http://schemas.microsoft.com/office/drawing/2014/main" id="{7CFD213A-2520-54B0-E74A-7D9511759731}"/>
+              </a:ext>
+            </a:extLst>
+          </p:cNvPr>
+          <p:cNvSpPr txBox="1"/>
+          <p:nvPr/>
+        </p:nvSpPr>
+        <p:spPr>
+          <a:xfrm>
+            <a:off x="593746" y="431769"/>
+            <a:ext cx="1400751" cy="584775"/>
+          </a:xfrm>
+          <a:prstGeom prst="rect">
+            <a:avLst/>
+          </a:prstGeom>
+          <a:noFill/>
+        </p:spPr>
+        <p:txBody>
+          <a:bodyPr wrap="square">
+            <a:spAutoFit/>
+          </a:bodyPr>
+          <a:lstStyle/>
+          <a:p>
+            <a:pPr marR="0" lvl="0" algn="l" defTabSz="914400" rtl="0" eaLnBrk="1" fontAlgn="auto" latinLnBrk="0" hangingPunct="1">
+              <a:lnSpc>
+                <a:spcPct val="100000"/>
+              </a:lnSpc>
+              <a:spcBef>
+                <a:spcPts val="0"/>
+              </a:spcBef>
+              <a:spcAft>
+                <a:spcPts val="0"/>
+              </a:spcAft>
+              <a:buClrTx/>
+              <a:buSzTx/>
+              <a:tabLst/>
+              <a:defRPr/>
+            </a:pPr>
+            <a:r>
+              <a:rPr kumimoji="0" lang="en-US" altLang="zh-CN" sz="3200" b="1" i="0" u="none" strike="noStrike" kern="1200" cap="none" spc="0" normalizeH="0" baseline="0" noProof="0" dirty="0">
+                <a:ln>
+                  <a:noFill/>
+                </a:ln>
+                <a:solidFill>
+                  <a:srgbClr val="CF90E8"/>
+                </a:solidFill>
+                <a:effectLst/>
+                <a:uLnTx/>
+                <a:uFillTx/>
+                <a:latin typeface="等线" panose="020F0502020204030204"/>
+                <a:ea typeface="等线" panose="02010600030101010101" pitchFamily="2" charset="-122"/>
+                <a:cs typeface="+mn-cs"/>
+              </a:rPr>
+              <a:t>Bonus</a:t>
+            </a:r>
+          </a:p>
+        </p:txBody>
+      </p:sp>
+      <p:pic>
+        <p:nvPicPr>
+          <p:cNvPr id="6" name="图片 5">
+            <a:extLst>
+              <a:ext uri="{FF2B5EF4-FFF2-40B4-BE49-F238E27FC236}">
+                <a16:creationId xmlns:a16="http://schemas.microsoft.com/office/drawing/2014/main" id="{4A96677C-D0CB-BFDA-F5B3-8A163AF5AD9F}"/>
+              </a:ext>
+            </a:extLst>
+          </p:cNvPr>
+          <p:cNvPicPr>
+            <a:picLocks noChangeAspect="1"/>
+          </p:cNvPicPr>
+          <p:nvPr/>
+        </p:nvPicPr>
+        <p:blipFill>
+          <a:blip r:embed="rId2"/>
+          <a:stretch>
+            <a:fillRect/>
+          </a:stretch>
+        </p:blipFill>
+        <p:spPr>
+          <a:xfrm>
+            <a:off x="1243746" y="3087719"/>
+            <a:ext cx="9794514" cy="3146557"/>
+          </a:xfrm>
+          <a:prstGeom prst="rect">
+            <a:avLst/>
+          </a:prstGeom>
+        </p:spPr>
+      </p:pic>
     </p:spTree>
     <p:extLst>
       <p:ext uri="{BB962C8B-B14F-4D97-AF65-F5344CB8AC3E}">
-        <p14:creationId xmlns:p14="http://schemas.microsoft.com/office/powerpoint/2010/main" val="164160954"/>
+        <p14:creationId xmlns:p14="http://schemas.microsoft.com/office/powerpoint/2010/main" val="334617678"/>
       </p:ext>
     </p:extLst>
   </p:cSld>
@@ -11868,6 +12156,72 @@
     <p:extLst>
       <p:ext uri="{BB962C8B-B14F-4D97-AF65-F5344CB8AC3E}">
         <p14:creationId xmlns:p14="http://schemas.microsoft.com/office/powerpoint/2010/main" val="2802148515"/>
+      </p:ext>
+    </p:extLst>
+  </p:cSld>
+  <p:clrMapOvr>
+    <a:masterClrMapping/>
+  </p:clrMapOvr>
+</p:sld>
+</file>
+
+<file path=ppt/slides/slide50.xml><?xml version="1.0" encoding="utf-8"?>
+<p:sld xmlns:a="http://schemas.openxmlformats.org/drawingml/2006/main" xmlns:r="http://schemas.openxmlformats.org/officeDocument/2006/relationships" xmlns:p="http://schemas.openxmlformats.org/presentationml/2006/main">
+  <p:cSld>
+    <p:spTree>
+      <p:nvGrpSpPr>
+        <p:cNvPr id="1" name=""/>
+        <p:cNvGrpSpPr/>
+        <p:nvPr/>
+      </p:nvGrpSpPr>
+      <p:grpSpPr>
+        <a:xfrm>
+          <a:off x="0" y="0"/>
+          <a:ext cx="0" cy="0"/>
+          <a:chOff x="0" y="0"/>
+          <a:chExt cx="0" cy="0"/>
+        </a:xfrm>
+      </p:grpSpPr>
+      <p:sp>
+        <p:nvSpPr>
+          <p:cNvPr id="2" name="文本框 1">
+            <a:extLst>
+              <a:ext uri="{FF2B5EF4-FFF2-40B4-BE49-F238E27FC236}">
+                <a16:creationId xmlns:a16="http://schemas.microsoft.com/office/drawing/2014/main" id="{3FEE3E1B-80C7-F3C7-FBD1-C7452742888A}"/>
+              </a:ext>
+            </a:extLst>
+          </p:cNvPr>
+          <p:cNvSpPr txBox="1"/>
+          <p:nvPr/>
+        </p:nvSpPr>
+        <p:spPr>
+          <a:xfrm>
+            <a:off x="3583958" y="2761611"/>
+            <a:ext cx="4854298" cy="584775"/>
+          </a:xfrm>
+          <a:prstGeom prst="rect">
+            <a:avLst/>
+          </a:prstGeom>
+          <a:noFill/>
+        </p:spPr>
+        <p:txBody>
+          <a:bodyPr wrap="square" rtlCol="0">
+            <a:spAutoFit/>
+          </a:bodyPr>
+          <a:lstStyle/>
+          <a:p>
+            <a:r>
+              <a:rPr lang="en-US" altLang="zh-CN" sz="3200" b="1" dirty="0"/>
+              <a:t>Thank you for your time.</a:t>
+            </a:r>
+            <a:endParaRPr lang="zh-CN" altLang="en-US" sz="3200" b="1" dirty="0"/>
+          </a:p>
+        </p:txBody>
+      </p:sp>
+    </p:spTree>
+    <p:extLst>
+      <p:ext uri="{BB962C8B-B14F-4D97-AF65-F5344CB8AC3E}">
+        <p14:creationId xmlns:p14="http://schemas.microsoft.com/office/powerpoint/2010/main" val="164160954"/>
       </p:ext>
     </p:extLst>
   </p:cSld>
